--- a/Doc/MSBuildSecurity.pptx
+++ b/Doc/MSBuildSecurity.pptx
@@ -5,22 +5,24 @@
     <p:sldMasterId id="2147483648" r:id="rId1"/>
   </p:sldMasterIdLst>
   <p:notesMasterIdLst>
-    <p:notesMasterId r:id="rId15"/>
+    <p:notesMasterId r:id="rId17"/>
   </p:notesMasterIdLst>
   <p:sldIdLst>
     <p:sldId id="256" r:id="rId2"/>
-    <p:sldId id="258" r:id="rId3"/>
-    <p:sldId id="257" r:id="rId4"/>
-    <p:sldId id="259" r:id="rId5"/>
-    <p:sldId id="260" r:id="rId6"/>
-    <p:sldId id="261" r:id="rId7"/>
-    <p:sldId id="262" r:id="rId8"/>
-    <p:sldId id="263" r:id="rId9"/>
-    <p:sldId id="264" r:id="rId10"/>
-    <p:sldId id="267" r:id="rId11"/>
-    <p:sldId id="265" r:id="rId12"/>
-    <p:sldId id="266" r:id="rId13"/>
-    <p:sldId id="268" r:id="rId14"/>
+    <p:sldId id="269" r:id="rId3"/>
+    <p:sldId id="272" r:id="rId4"/>
+    <p:sldId id="258" r:id="rId5"/>
+    <p:sldId id="257" r:id="rId6"/>
+    <p:sldId id="259" r:id="rId7"/>
+    <p:sldId id="260" r:id="rId8"/>
+    <p:sldId id="261" r:id="rId9"/>
+    <p:sldId id="262" r:id="rId10"/>
+    <p:sldId id="263" r:id="rId11"/>
+    <p:sldId id="264" r:id="rId12"/>
+    <p:sldId id="267" r:id="rId13"/>
+    <p:sldId id="265" r:id="rId14"/>
+    <p:sldId id="266" r:id="rId15"/>
+    <p:sldId id="268" r:id="rId16"/>
   </p:sldIdLst>
   <p:sldSz cx="12192000" cy="6858000"/>
   <p:notesSz cx="6858000" cy="9144000"/>
@@ -119,6 +121,11 @@
       </a:defRPr>
     </a:lvl9pPr>
   </p:defaultTextStyle>
+  <p:extLst>
+    <p:ext uri="{EFAFB233-063F-42B5-8137-9DF3F51BA10A}">
+      <p15:sldGuideLst xmlns:p15="http://schemas.microsoft.com/office/powerpoint/2012/main"/>
+    </p:ext>
+  </p:extLst>
 </p:presentation>
 </file>
 
@@ -204,7 +211,7 @@
           <a:p>
             <a:fld id="{6532B2D6-F92A-41B9-9839-61292DB50A3B}" type="datetimeFigureOut">
               <a:rPr lang="en-US" smtClean="0"/>
-              <a:t>2/18/2025</a:t>
+              <a:t>2/21/2025</a:t>
             </a:fld>
             <a:endParaRPr lang="en-US"/>
           </a:p>
@@ -631,7 +638,7 @@
           <a:p>
             <a:fld id="{B6AF6DA6-D78F-49B4-A362-86A92391186D}" type="slidenum">
               <a:rPr lang="en-US" smtClean="0"/>
-              <a:t>3</a:t>
+              <a:t>5</a:t>
             </a:fld>
             <a:endParaRPr lang="en-US"/>
           </a:p>
@@ -733,7 +740,7 @@
           <a:p>
             <a:fld id="{B6AF6DA6-D78F-49B4-A362-86A92391186D}" type="slidenum">
               <a:rPr lang="en-US" smtClean="0"/>
-              <a:t>5</a:t>
+              <a:t>7</a:t>
             </a:fld>
             <a:endParaRPr lang="en-US"/>
           </a:p>
@@ -839,7 +846,7 @@
           <a:p>
             <a:fld id="{B6AF6DA6-D78F-49B4-A362-86A92391186D}" type="slidenum">
               <a:rPr lang="en-US" smtClean="0"/>
-              <a:t>8</a:t>
+              <a:t>10</a:t>
             </a:fld>
             <a:endParaRPr lang="en-US"/>
           </a:p>
@@ -1005,7 +1012,7 @@
           <a:p>
             <a:fld id="{DBC98360-1B30-4F69-AE75-40532A18B4DE}" type="datetimeFigureOut">
               <a:rPr lang="en-US" smtClean="0"/>
-              <a:t>2/18/2025</a:t>
+              <a:t>2/21/2025</a:t>
             </a:fld>
             <a:endParaRPr lang="en-US"/>
           </a:p>
@@ -1203,7 +1210,7 @@
           <a:p>
             <a:fld id="{DBC98360-1B30-4F69-AE75-40532A18B4DE}" type="datetimeFigureOut">
               <a:rPr lang="en-US" smtClean="0"/>
-              <a:t>2/18/2025</a:t>
+              <a:t>2/21/2025</a:t>
             </a:fld>
             <a:endParaRPr lang="en-US"/>
           </a:p>
@@ -1411,7 +1418,7 @@
           <a:p>
             <a:fld id="{DBC98360-1B30-4F69-AE75-40532A18B4DE}" type="datetimeFigureOut">
               <a:rPr lang="en-US" smtClean="0"/>
-              <a:t>2/18/2025</a:t>
+              <a:t>2/21/2025</a:t>
             </a:fld>
             <a:endParaRPr lang="en-US"/>
           </a:p>
@@ -1609,7 +1616,7 @@
           <a:p>
             <a:fld id="{DBC98360-1B30-4F69-AE75-40532A18B4DE}" type="datetimeFigureOut">
               <a:rPr lang="en-US" smtClean="0"/>
-              <a:t>2/18/2025</a:t>
+              <a:t>2/21/2025</a:t>
             </a:fld>
             <a:endParaRPr lang="en-US"/>
           </a:p>
@@ -1884,7 +1891,7 @@
           <a:p>
             <a:fld id="{DBC98360-1B30-4F69-AE75-40532A18B4DE}" type="datetimeFigureOut">
               <a:rPr lang="en-US" smtClean="0"/>
-              <a:t>2/18/2025</a:t>
+              <a:t>2/21/2025</a:t>
             </a:fld>
             <a:endParaRPr lang="en-US"/>
           </a:p>
@@ -2149,7 +2156,7 @@
           <a:p>
             <a:fld id="{DBC98360-1B30-4F69-AE75-40532A18B4DE}" type="datetimeFigureOut">
               <a:rPr lang="en-US" smtClean="0"/>
-              <a:t>2/18/2025</a:t>
+              <a:t>2/21/2025</a:t>
             </a:fld>
             <a:endParaRPr lang="en-US"/>
           </a:p>
@@ -2561,7 +2568,7 @@
           <a:p>
             <a:fld id="{DBC98360-1B30-4F69-AE75-40532A18B4DE}" type="datetimeFigureOut">
               <a:rPr lang="en-US" smtClean="0"/>
-              <a:t>2/18/2025</a:t>
+              <a:t>2/21/2025</a:t>
             </a:fld>
             <a:endParaRPr lang="en-US"/>
           </a:p>
@@ -2702,7 +2709,7 @@
           <a:p>
             <a:fld id="{DBC98360-1B30-4F69-AE75-40532A18B4DE}" type="datetimeFigureOut">
               <a:rPr lang="en-US" smtClean="0"/>
-              <a:t>2/18/2025</a:t>
+              <a:t>2/21/2025</a:t>
             </a:fld>
             <a:endParaRPr lang="en-US"/>
           </a:p>
@@ -2815,7 +2822,7 @@
           <a:p>
             <a:fld id="{DBC98360-1B30-4F69-AE75-40532A18B4DE}" type="datetimeFigureOut">
               <a:rPr lang="en-US" smtClean="0"/>
-              <a:t>2/18/2025</a:t>
+              <a:t>2/21/2025</a:t>
             </a:fld>
             <a:endParaRPr lang="en-US"/>
           </a:p>
@@ -3126,7 +3133,7 @@
           <a:p>
             <a:fld id="{DBC98360-1B30-4F69-AE75-40532A18B4DE}" type="datetimeFigureOut">
               <a:rPr lang="en-US" smtClean="0"/>
-              <a:t>2/18/2025</a:t>
+              <a:t>2/21/2025</a:t>
             </a:fld>
             <a:endParaRPr lang="en-US"/>
           </a:p>
@@ -3414,7 +3421,7 @@
           <a:p>
             <a:fld id="{DBC98360-1B30-4F69-AE75-40532A18B4DE}" type="datetimeFigureOut">
               <a:rPr lang="en-US" smtClean="0"/>
-              <a:t>2/18/2025</a:t>
+              <a:t>2/21/2025</a:t>
             </a:fld>
             <a:endParaRPr lang="en-US"/>
           </a:p>
@@ -3655,7 +3662,7 @@
           <a:p>
             <a:fld id="{DBC98360-1B30-4F69-AE75-40532A18B4DE}" type="datetimeFigureOut">
               <a:rPr lang="en-US" smtClean="0"/>
-              <a:t>2/18/2025</a:t>
+              <a:t>2/21/2025</a:t>
             </a:fld>
             <a:endParaRPr lang="en-US"/>
           </a:p>
@@ -4093,7 +4100,17 @@
           <a:bodyPr/>
           <a:lstStyle/>
           <a:p>
-            <a:endParaRPr lang="en-US"/>
+            <a:r>
+              <a:rPr lang="en-US" dirty="0"/>
+              <a:t>Hacking and securing</a:t>
+            </a:r>
+            <a:br>
+              <a:rPr lang="en-US" dirty="0"/>
+            </a:br>
+            <a:r>
+              <a:rPr lang="en-US" dirty="0"/>
+              <a:t>MSBuild</a:t>
+            </a:r>
           </a:p>
         </p:txBody>
       </p:sp>
@@ -4118,7 +4135,10 @@
           <a:bodyPr/>
           <a:lstStyle/>
           <a:p>
-            <a:endParaRPr lang="en-US"/>
+            <a:r>
+              <a:rPr lang="en-US" dirty="0"/>
+              <a:t>Jan Krivanek</a:t>
+            </a:r>
           </a:p>
         </p:txBody>
       </p:sp>
@@ -4136,6 +4156,398 @@
 </file>
 
 <file path=ppt/slides/slide10.xml><?xml version="1.0" encoding="utf-8"?>
+<p:sld xmlns:a="http://schemas.openxmlformats.org/drawingml/2006/main" xmlns:r="http://schemas.openxmlformats.org/officeDocument/2006/relationships" xmlns:p="http://schemas.openxmlformats.org/presentationml/2006/main">
+  <p:cSld>
+    <p:spTree>
+      <p:nvGrpSpPr>
+        <p:cNvPr id="1" name=""/>
+        <p:cNvGrpSpPr/>
+        <p:nvPr/>
+      </p:nvGrpSpPr>
+      <p:grpSpPr>
+        <a:xfrm>
+          <a:off x="0" y="0"/>
+          <a:ext cx="0" cy="0"/>
+          <a:chOff x="0" y="0"/>
+          <a:chExt cx="0" cy="0"/>
+        </a:xfrm>
+      </p:grpSpPr>
+      <p:sp>
+        <p:nvSpPr>
+          <p:cNvPr id="2" name="Title 1">
+            <a:extLst>
+              <a:ext uri="{FF2B5EF4-FFF2-40B4-BE49-F238E27FC236}">
+                <a16:creationId xmlns:a16="http://schemas.microsoft.com/office/drawing/2014/main" id="{A09AC12A-A652-3A8C-82B1-C75C61246017}"/>
+              </a:ext>
+            </a:extLst>
+          </p:cNvPr>
+          <p:cNvSpPr>
+            <a:spLocks noGrp="1"/>
+          </p:cNvSpPr>
+          <p:nvPr>
+            <p:ph type="title"/>
+          </p:nvPr>
+        </p:nvSpPr>
+        <p:spPr/>
+        <p:txBody>
+          <a:bodyPr/>
+          <a:lstStyle/>
+          <a:p>
+            <a:r>
+              <a:rPr lang="en-US" dirty="0"/>
+              <a:t>Engine Extending – CLI, .</a:t>
+            </a:r>
+            <a:r>
+              <a:rPr lang="en-US" dirty="0" err="1"/>
+              <a:t>rsp</a:t>
+            </a:r>
+            <a:endParaRPr lang="en-US" dirty="0"/>
+          </a:p>
+        </p:txBody>
+      </p:sp>
+      <p:sp>
+        <p:nvSpPr>
+          <p:cNvPr id="3" name="Content Placeholder 2">
+            <a:extLst>
+              <a:ext uri="{FF2B5EF4-FFF2-40B4-BE49-F238E27FC236}">
+                <a16:creationId xmlns:a16="http://schemas.microsoft.com/office/drawing/2014/main" id="{C801D4D1-DABF-4EBD-7F0F-C615DC9E3B0D}"/>
+              </a:ext>
+            </a:extLst>
+          </p:cNvPr>
+          <p:cNvSpPr>
+            <a:spLocks noGrp="1"/>
+          </p:cNvSpPr>
+          <p:nvPr>
+            <p:ph idx="1"/>
+          </p:nvPr>
+        </p:nvSpPr>
+        <p:spPr/>
+        <p:txBody>
+          <a:bodyPr>
+            <a:normAutofit fontScale="77500" lnSpcReduction="20000"/>
+          </a:bodyPr>
+          <a:lstStyle/>
+          <a:p>
+            <a:r>
+              <a:rPr lang="en-US" dirty="0"/>
+              <a:t>Loggers</a:t>
+            </a:r>
+          </a:p>
+          <a:p>
+            <a:r>
+              <a:rPr lang="en-US" dirty="0"/>
+              <a:t>Magic properties</a:t>
+            </a:r>
+          </a:p>
+          <a:p>
+            <a:pPr lvl="1"/>
+            <a:r>
+              <a:rPr lang="en-US" dirty="0" err="1">
+                <a:hlinkClick r:id="rId3"/>
+              </a:rPr>
+              <a:t>DependsOn</a:t>
+            </a:r>
+            <a:endParaRPr lang="en-US" dirty="0"/>
+          </a:p>
+          <a:p>
+            <a:pPr lvl="1"/>
+            <a:r>
+              <a:rPr lang="en-US" dirty="0" err="1"/>
+              <a:t>PreBuildEvent</a:t>
+            </a:r>
+            <a:endParaRPr lang="en-US" dirty="0"/>
+          </a:p>
+          <a:p>
+            <a:r>
+              <a:rPr lang="en-US" dirty="0"/>
+              <a:t>Response file</a:t>
+            </a:r>
+          </a:p>
+          <a:p>
+            <a:pPr lvl="1"/>
+            <a:r>
+              <a:rPr lang="en-US" dirty="0" err="1"/>
+              <a:t>MSBuild.rsp</a:t>
+            </a:r>
+            <a:endParaRPr lang="en-US" dirty="0"/>
+          </a:p>
+          <a:p>
+            <a:pPr lvl="1"/>
+            <a:r>
+              <a:rPr lang="en-US" dirty="0" err="1"/>
+              <a:t>Directory.Build.rsp</a:t>
+            </a:r>
+            <a:endParaRPr lang="en-US" dirty="0"/>
+          </a:p>
+          <a:p>
+            <a:endParaRPr lang="en-US" dirty="0"/>
+          </a:p>
+          <a:p>
+            <a:pPr lvl="1"/>
+            <a:endParaRPr lang="en-US" dirty="0"/>
+          </a:p>
+          <a:p>
+            <a:pPr lvl="1"/>
+            <a:endParaRPr lang="en-US" dirty="0"/>
+          </a:p>
+          <a:p>
+            <a:r>
+              <a:rPr lang="en-US" dirty="0"/>
+              <a:t>Prevention:</a:t>
+            </a:r>
+          </a:p>
+          <a:p>
+            <a:pPr lvl="1"/>
+            <a:r>
+              <a:rPr lang="en-US" dirty="0"/>
+              <a:t>Environment variables checking</a:t>
+            </a:r>
+          </a:p>
+          <a:p>
+            <a:pPr lvl="1"/>
+            <a:r>
+              <a:rPr lang="en-US" dirty="0"/>
+              <a:t>-</a:t>
+            </a:r>
+            <a:r>
+              <a:rPr lang="en-US" dirty="0" err="1"/>
+              <a:t>noAutoResponse</a:t>
+            </a:r>
+            <a:endParaRPr lang="en-US" dirty="0"/>
+          </a:p>
+          <a:p>
+            <a:pPr lvl="1"/>
+            <a:r>
+              <a:rPr lang="en-US" dirty="0"/>
+              <a:t>Installing MSBuild into location with restricted R/W access</a:t>
+            </a:r>
+          </a:p>
+          <a:p>
+            <a:pPr lvl="1"/>
+            <a:endParaRPr lang="en-US" dirty="0"/>
+          </a:p>
+        </p:txBody>
+      </p:sp>
+    </p:spTree>
+    <p:extLst>
+      <p:ext uri="{BB962C8B-B14F-4D97-AF65-F5344CB8AC3E}">
+        <p14:creationId xmlns:p14="http://schemas.microsoft.com/office/powerpoint/2010/main" val="596620873"/>
+      </p:ext>
+    </p:extLst>
+  </p:cSld>
+  <p:clrMapOvr>
+    <a:masterClrMapping/>
+  </p:clrMapOvr>
+</p:sld>
+</file>
+
+<file path=ppt/slides/slide11.xml><?xml version="1.0" encoding="utf-8"?>
+<p:sld xmlns:a="http://schemas.openxmlformats.org/drawingml/2006/main" xmlns:r="http://schemas.openxmlformats.org/officeDocument/2006/relationships" xmlns:p="http://schemas.openxmlformats.org/presentationml/2006/main">
+  <p:cSld>
+    <p:spTree>
+      <p:nvGrpSpPr>
+        <p:cNvPr id="1" name=""/>
+        <p:cNvGrpSpPr/>
+        <p:nvPr/>
+      </p:nvGrpSpPr>
+      <p:grpSpPr>
+        <a:xfrm>
+          <a:off x="0" y="0"/>
+          <a:ext cx="0" cy="0"/>
+          <a:chOff x="0" y="0"/>
+          <a:chExt cx="0" cy="0"/>
+        </a:xfrm>
+      </p:grpSpPr>
+      <p:sp>
+        <p:nvSpPr>
+          <p:cNvPr id="2" name="Title 1">
+            <a:extLst>
+              <a:ext uri="{FF2B5EF4-FFF2-40B4-BE49-F238E27FC236}">
+                <a16:creationId xmlns:a16="http://schemas.microsoft.com/office/drawing/2014/main" id="{C2ACEC56-750E-FC90-3AEA-D489FDFE8D11}"/>
+              </a:ext>
+            </a:extLst>
+          </p:cNvPr>
+          <p:cNvSpPr>
+            <a:spLocks noGrp="1"/>
+          </p:cNvSpPr>
+          <p:nvPr>
+            <p:ph type="title"/>
+          </p:nvPr>
+        </p:nvSpPr>
+        <p:spPr/>
+        <p:txBody>
+          <a:bodyPr/>
+          <a:lstStyle/>
+          <a:p>
+            <a:r>
+              <a:rPr lang="en-US" dirty="0"/>
+              <a:t>Common Targets Extending - .</a:t>
+            </a:r>
+            <a:r>
+              <a:rPr lang="en-US" dirty="0" err="1"/>
+              <a:t>props|.targets</a:t>
+            </a:r>
+            <a:endParaRPr lang="en-US" dirty="0"/>
+          </a:p>
+        </p:txBody>
+      </p:sp>
+      <p:sp>
+        <p:nvSpPr>
+          <p:cNvPr id="3" name="Content Placeholder 2">
+            <a:extLst>
+              <a:ext uri="{FF2B5EF4-FFF2-40B4-BE49-F238E27FC236}">
+                <a16:creationId xmlns:a16="http://schemas.microsoft.com/office/drawing/2014/main" id="{87802F02-A3FE-41FD-9C2D-B6E6F1815DF7}"/>
+              </a:ext>
+            </a:extLst>
+          </p:cNvPr>
+          <p:cNvSpPr>
+            <a:spLocks noGrp="1"/>
+          </p:cNvSpPr>
+          <p:nvPr>
+            <p:ph idx="1"/>
+          </p:nvPr>
+        </p:nvSpPr>
+        <p:spPr/>
+        <p:txBody>
+          <a:bodyPr>
+            <a:normAutofit fontScale="92500" lnSpcReduction="20000"/>
+          </a:bodyPr>
+          <a:lstStyle/>
+          <a:p>
+            <a:r>
+              <a:rPr lang="en-US" dirty="0" err="1"/>
+              <a:t>Directory.Build</a:t>
+            </a:r>
+            <a:r>
+              <a:rPr lang="en-US" dirty="0"/>
+              <a:t>.[</a:t>
+            </a:r>
+            <a:r>
+              <a:rPr lang="en-US" dirty="0" err="1"/>
+              <a:t>props|targets</a:t>
+            </a:r>
+            <a:r>
+              <a:rPr lang="en-US" dirty="0"/>
+              <a:t>]</a:t>
+            </a:r>
+          </a:p>
+          <a:p>
+            <a:pPr lvl="1"/>
+            <a:r>
+              <a:rPr lang="en-US" dirty="0">
+                <a:hlinkClick r:id="rId2"/>
+              </a:rPr>
+              <a:t>dotutils.net/build-helpers/</a:t>
+            </a:r>
+            <a:r>
+              <a:rPr lang="en-US" dirty="0" err="1">
+                <a:hlinkClick r:id="rId2"/>
+              </a:rPr>
+              <a:t>Directory.Build.targets</a:t>
+            </a:r>
+            <a:endParaRPr lang="en-US" dirty="0"/>
+          </a:p>
+          <a:p>
+            <a:pPr lvl="1"/>
+            <a:r>
+              <a:rPr lang="en-US" dirty="0"/>
+              <a:t>Danger of Downloads</a:t>
+            </a:r>
+          </a:p>
+          <a:p>
+            <a:r>
+              <a:rPr lang="en-US" dirty="0"/>
+              <a:t>.user file</a:t>
+            </a:r>
+          </a:p>
+          <a:p>
+            <a:r>
+              <a:rPr lang="en-US" dirty="0"/>
+              <a:t>[</a:t>
+            </a:r>
+            <a:r>
+              <a:rPr lang="en-US" dirty="0" err="1"/>
+              <a:t>before|after</a:t>
+            </a:r>
+            <a:r>
+              <a:rPr lang="en-US" dirty="0"/>
+              <a:t>].{solution}.targets</a:t>
+            </a:r>
+          </a:p>
+          <a:p>
+            <a:r>
+              <a:rPr lang="en-US" dirty="0"/>
+              <a:t>Bonus: .</a:t>
+            </a:r>
+            <a:r>
+              <a:rPr lang="en-US" dirty="0" err="1"/>
+              <a:t>suo</a:t>
+            </a:r>
+            <a:endParaRPr lang="en-US" dirty="0"/>
+          </a:p>
+          <a:p>
+            <a:endParaRPr lang="en-US" dirty="0"/>
+          </a:p>
+          <a:p>
+            <a:endParaRPr lang="en-US" dirty="0"/>
+          </a:p>
+          <a:p>
+            <a:r>
+              <a:rPr lang="en-US" dirty="0"/>
+              <a:t>Prevention: </a:t>
+            </a:r>
+          </a:p>
+          <a:p>
+            <a:pPr lvl="1"/>
+            <a:r>
+              <a:rPr lang="en-US" dirty="0"/>
+              <a:t>Empty </a:t>
+            </a:r>
+            <a:r>
+              <a:rPr lang="en-US" dirty="0" err="1"/>
+              <a:t>Directory.Build</a:t>
+            </a:r>
+            <a:r>
+              <a:rPr lang="en-US" dirty="0"/>
+              <a:t>.[</a:t>
+            </a:r>
+            <a:r>
+              <a:rPr lang="en-US" dirty="0" err="1"/>
+              <a:t>props|targets</a:t>
+            </a:r>
+            <a:r>
+              <a:rPr lang="en-US" dirty="0"/>
+              <a:t>]</a:t>
+            </a:r>
+          </a:p>
+          <a:p>
+            <a:pPr lvl="1"/>
+            <a:r>
+              <a:rPr lang="en-US" dirty="0"/>
+              <a:t>Review files in project </a:t>
+            </a:r>
+            <a:r>
+              <a:rPr lang="en-US" dirty="0" err="1"/>
+              <a:t>dir</a:t>
+            </a:r>
+            <a:endParaRPr lang="en-US" dirty="0"/>
+          </a:p>
+        </p:txBody>
+      </p:sp>
+    </p:spTree>
+    <p:extLst>
+      <p:ext uri="{BB962C8B-B14F-4D97-AF65-F5344CB8AC3E}">
+        <p14:creationId xmlns:p14="http://schemas.microsoft.com/office/powerpoint/2010/main" val="1914832722"/>
+      </p:ext>
+    </p:extLst>
+  </p:cSld>
+  <p:clrMapOvr>
+    <a:masterClrMapping/>
+  </p:clrMapOvr>
+</p:sld>
+</file>
+
+<file path=ppt/slides/slide12.xml><?xml version="1.0" encoding="utf-8"?>
 <p:sld xmlns:a="http://schemas.openxmlformats.org/drawingml/2006/main" xmlns:r="http://schemas.openxmlformats.org/officeDocument/2006/relationships" xmlns:p="http://schemas.openxmlformats.org/presentationml/2006/main">
   <p:cSld>
     <p:spTree>
@@ -4340,7 +4752,7 @@
 </p:sld>
 </file>
 
-<file path=ppt/slides/slide11.xml><?xml version="1.0" encoding="utf-8"?>
+<file path=ppt/slides/slide13.xml><?xml version="1.0" encoding="utf-8"?>
 <p:sld xmlns:a="http://schemas.openxmlformats.org/drawingml/2006/main" xmlns:r="http://schemas.openxmlformats.org/officeDocument/2006/relationships" xmlns:p="http://schemas.openxmlformats.org/presentationml/2006/main">
   <p:cSld>
     <p:spTree>
@@ -4506,7 +4918,7 @@
 </p:sld>
 </file>
 
-<file path=ppt/slides/slide12.xml><?xml version="1.0" encoding="utf-8"?>
+<file path=ppt/slides/slide14.xml><?xml version="1.0" encoding="utf-8"?>
 <p:sld xmlns:a="http://schemas.openxmlformats.org/drawingml/2006/main" xmlns:r="http://schemas.openxmlformats.org/officeDocument/2006/relationships" xmlns:p="http://schemas.openxmlformats.org/presentationml/2006/main">
   <p:cSld>
     <p:spTree>
@@ -4693,7 +5105,7 @@
 </p:sld>
 </file>
 
-<file path=ppt/slides/slide13.xml><?xml version="1.0" encoding="utf-8"?>
+<file path=ppt/slides/slide15.xml><?xml version="1.0" encoding="utf-8"?>
 <p:sld xmlns:a="http://schemas.openxmlformats.org/drawingml/2006/main" xmlns:r="http://schemas.openxmlformats.org/officeDocument/2006/relationships" xmlns:p="http://schemas.openxmlformats.org/presentationml/2006/main">
   <p:cSld>
     <p:spTree>
@@ -4778,6 +5190,701 @@
           <p:cNvPr id="2" name="Title 1">
             <a:extLst>
               <a:ext uri="{FF2B5EF4-FFF2-40B4-BE49-F238E27FC236}">
+                <a16:creationId xmlns:a16="http://schemas.microsoft.com/office/drawing/2014/main" id="{B684B216-13C4-99D6-4085-33C99E1103C0}"/>
+              </a:ext>
+            </a:extLst>
+          </p:cNvPr>
+          <p:cNvSpPr>
+            <a:spLocks noGrp="1"/>
+          </p:cNvSpPr>
+          <p:nvPr>
+            <p:ph type="ctrTitle"/>
+          </p:nvPr>
+        </p:nvSpPr>
+        <p:spPr>
+          <a:xfrm>
+            <a:off x="1524000" y="457345"/>
+            <a:ext cx="9144000" cy="907328"/>
+          </a:xfrm>
+        </p:spPr>
+        <p:txBody>
+          <a:bodyPr>
+            <a:normAutofit fontScale="90000"/>
+          </a:bodyPr>
+          <a:lstStyle/>
+          <a:p>
+            <a:r>
+              <a:rPr lang="en-US" dirty="0"/>
+              <a:t>Agenda</a:t>
+            </a:r>
+          </a:p>
+        </p:txBody>
+      </p:sp>
+      <p:sp>
+        <p:nvSpPr>
+          <p:cNvPr id="3" name="Subtitle 2">
+            <a:extLst>
+              <a:ext uri="{FF2B5EF4-FFF2-40B4-BE49-F238E27FC236}">
+                <a16:creationId xmlns:a16="http://schemas.microsoft.com/office/drawing/2014/main" id="{560FAECE-3109-C3C6-34CA-82C393496469}"/>
+              </a:ext>
+            </a:extLst>
+          </p:cNvPr>
+          <p:cNvSpPr>
+            <a:spLocks noGrp="1"/>
+          </p:cNvSpPr>
+          <p:nvPr>
+            <p:ph type="subTitle" idx="1"/>
+          </p:nvPr>
+        </p:nvSpPr>
+        <p:spPr>
+          <a:xfrm>
+            <a:off x="834736" y="1496292"/>
+            <a:ext cx="10522527" cy="4357254"/>
+          </a:xfrm>
+        </p:spPr>
+        <p:txBody>
+          <a:bodyPr/>
+          <a:lstStyle/>
+          <a:p>
+            <a:pPr marL="342900" indent="-342900" algn="l">
+              <a:buFont typeface="Arial" panose="020B0604020202020204" pitchFamily="34" charset="0"/>
+              <a:buChar char="•"/>
+            </a:pPr>
+            <a:r>
+              <a:rPr lang="en-US" dirty="0"/>
+              <a:t>MSBuild intro</a:t>
+            </a:r>
+          </a:p>
+          <a:p>
+            <a:pPr marL="342900" indent="-342900" algn="l">
+              <a:buFont typeface="Arial" panose="020B0604020202020204" pitchFamily="34" charset="0"/>
+              <a:buChar char="•"/>
+            </a:pPr>
+            <a:r>
+              <a:rPr lang="en-US" dirty="0"/>
+              <a:t>Extendibility intro</a:t>
+            </a:r>
+          </a:p>
+          <a:p>
+            <a:pPr marL="342900" indent="-342900" algn="l">
+              <a:buFont typeface="Arial" panose="020B0604020202020204" pitchFamily="34" charset="0"/>
+              <a:buChar char="•"/>
+            </a:pPr>
+            <a:r>
+              <a:rPr lang="en-US" dirty="0"/>
+              <a:t>Use cases of extending and prevention</a:t>
+            </a:r>
+          </a:p>
+          <a:p>
+            <a:pPr marL="342900" indent="-342900" algn="l">
+              <a:buFont typeface="Arial" panose="020B0604020202020204" pitchFamily="34" charset="0"/>
+              <a:buChar char="•"/>
+            </a:pPr>
+            <a:endParaRPr lang="en-US" dirty="0"/>
+          </a:p>
+        </p:txBody>
+      </p:sp>
+      <p:sp>
+        <p:nvSpPr>
+          <p:cNvPr id="4" name="Subtitle 2">
+            <a:extLst>
+              <a:ext uri="{FF2B5EF4-FFF2-40B4-BE49-F238E27FC236}">
+                <a16:creationId xmlns:a16="http://schemas.microsoft.com/office/drawing/2014/main" id="{516A24B5-BD48-6172-F4AB-99B4E5922E44}"/>
+              </a:ext>
+            </a:extLst>
+          </p:cNvPr>
+          <p:cNvSpPr txBox="1">
+            <a:spLocks/>
+          </p:cNvSpPr>
+          <p:nvPr/>
+        </p:nvSpPr>
+        <p:spPr>
+          <a:xfrm>
+            <a:off x="6788727" y="1496292"/>
+            <a:ext cx="4980709" cy="4357254"/>
+          </a:xfrm>
+          <a:prstGeom prst="rect">
+            <a:avLst/>
+          </a:prstGeom>
+        </p:spPr>
+        <p:txBody>
+          <a:bodyPr/>
+          <a:lstStyle>
+            <a:lvl1pPr marL="0" indent="0" algn="ctr" defTabSz="914400" rtl="0" eaLnBrk="1" latinLnBrk="0" hangingPunct="1">
+              <a:lnSpc>
+                <a:spcPct val="90000"/>
+              </a:lnSpc>
+              <a:spcBef>
+                <a:spcPts val="1000"/>
+              </a:spcBef>
+              <a:buFont typeface="Arial" panose="020B0604020202020204" pitchFamily="34" charset="0"/>
+              <a:buNone/>
+              <a:defRPr sz="2400" kern="1200">
+                <a:solidFill>
+                  <a:schemeClr val="tx1"/>
+                </a:solidFill>
+                <a:latin typeface="+mn-lt"/>
+                <a:ea typeface="+mn-ea"/>
+                <a:cs typeface="+mn-cs"/>
+              </a:defRPr>
+            </a:lvl1pPr>
+            <a:lvl2pPr marL="457200" indent="0" algn="ctr" defTabSz="914400" rtl="0" eaLnBrk="1" latinLnBrk="0" hangingPunct="1">
+              <a:lnSpc>
+                <a:spcPct val="90000"/>
+              </a:lnSpc>
+              <a:spcBef>
+                <a:spcPts val="500"/>
+              </a:spcBef>
+              <a:buFont typeface="Arial" panose="020B0604020202020204" pitchFamily="34" charset="0"/>
+              <a:buNone/>
+              <a:defRPr sz="2000" kern="1200">
+                <a:solidFill>
+                  <a:schemeClr val="tx1"/>
+                </a:solidFill>
+                <a:latin typeface="+mn-lt"/>
+                <a:ea typeface="+mn-ea"/>
+                <a:cs typeface="+mn-cs"/>
+              </a:defRPr>
+            </a:lvl2pPr>
+            <a:lvl3pPr marL="914400" indent="0" algn="ctr" defTabSz="914400" rtl="0" eaLnBrk="1" latinLnBrk="0" hangingPunct="1">
+              <a:lnSpc>
+                <a:spcPct val="90000"/>
+              </a:lnSpc>
+              <a:spcBef>
+                <a:spcPts val="500"/>
+              </a:spcBef>
+              <a:buFont typeface="Arial" panose="020B0604020202020204" pitchFamily="34" charset="0"/>
+              <a:buNone/>
+              <a:defRPr sz="1800" kern="1200">
+                <a:solidFill>
+                  <a:schemeClr val="tx1"/>
+                </a:solidFill>
+                <a:latin typeface="+mn-lt"/>
+                <a:ea typeface="+mn-ea"/>
+                <a:cs typeface="+mn-cs"/>
+              </a:defRPr>
+            </a:lvl3pPr>
+            <a:lvl4pPr marL="1371600" indent="0" algn="ctr" defTabSz="914400" rtl="0" eaLnBrk="1" latinLnBrk="0" hangingPunct="1">
+              <a:lnSpc>
+                <a:spcPct val="90000"/>
+              </a:lnSpc>
+              <a:spcBef>
+                <a:spcPts val="500"/>
+              </a:spcBef>
+              <a:buFont typeface="Arial" panose="020B0604020202020204" pitchFamily="34" charset="0"/>
+              <a:buNone/>
+              <a:defRPr sz="1600" kern="1200">
+                <a:solidFill>
+                  <a:schemeClr val="tx1"/>
+                </a:solidFill>
+                <a:latin typeface="+mn-lt"/>
+                <a:ea typeface="+mn-ea"/>
+                <a:cs typeface="+mn-cs"/>
+              </a:defRPr>
+            </a:lvl4pPr>
+            <a:lvl5pPr marL="1828800" indent="0" algn="ctr" defTabSz="914400" rtl="0" eaLnBrk="1" latinLnBrk="0" hangingPunct="1">
+              <a:lnSpc>
+                <a:spcPct val="90000"/>
+              </a:lnSpc>
+              <a:spcBef>
+                <a:spcPts val="500"/>
+              </a:spcBef>
+              <a:buFont typeface="Arial" panose="020B0604020202020204" pitchFamily="34" charset="0"/>
+              <a:buNone/>
+              <a:defRPr sz="1600" kern="1200">
+                <a:solidFill>
+                  <a:schemeClr val="tx1"/>
+                </a:solidFill>
+                <a:latin typeface="+mn-lt"/>
+                <a:ea typeface="+mn-ea"/>
+                <a:cs typeface="+mn-cs"/>
+              </a:defRPr>
+            </a:lvl5pPr>
+            <a:lvl6pPr marL="2286000" indent="0" algn="ctr" defTabSz="914400" rtl="0" eaLnBrk="1" latinLnBrk="0" hangingPunct="1">
+              <a:lnSpc>
+                <a:spcPct val="90000"/>
+              </a:lnSpc>
+              <a:spcBef>
+                <a:spcPts val="500"/>
+              </a:spcBef>
+              <a:buFont typeface="Arial" panose="020B0604020202020204" pitchFamily="34" charset="0"/>
+              <a:buNone/>
+              <a:defRPr sz="1600" kern="1200">
+                <a:solidFill>
+                  <a:schemeClr val="tx1"/>
+                </a:solidFill>
+                <a:latin typeface="+mn-lt"/>
+                <a:ea typeface="+mn-ea"/>
+                <a:cs typeface="+mn-cs"/>
+              </a:defRPr>
+            </a:lvl6pPr>
+            <a:lvl7pPr marL="2743200" indent="0" algn="ctr" defTabSz="914400" rtl="0" eaLnBrk="1" latinLnBrk="0" hangingPunct="1">
+              <a:lnSpc>
+                <a:spcPct val="90000"/>
+              </a:lnSpc>
+              <a:spcBef>
+                <a:spcPts val="500"/>
+              </a:spcBef>
+              <a:buFont typeface="Arial" panose="020B0604020202020204" pitchFamily="34" charset="0"/>
+              <a:buNone/>
+              <a:defRPr sz="1600" kern="1200">
+                <a:solidFill>
+                  <a:schemeClr val="tx1"/>
+                </a:solidFill>
+                <a:latin typeface="+mn-lt"/>
+                <a:ea typeface="+mn-ea"/>
+                <a:cs typeface="+mn-cs"/>
+              </a:defRPr>
+            </a:lvl7pPr>
+            <a:lvl8pPr marL="3200400" indent="0" algn="ctr" defTabSz="914400" rtl="0" eaLnBrk="1" latinLnBrk="0" hangingPunct="1">
+              <a:lnSpc>
+                <a:spcPct val="90000"/>
+              </a:lnSpc>
+              <a:spcBef>
+                <a:spcPts val="500"/>
+              </a:spcBef>
+              <a:buFont typeface="Arial" panose="020B0604020202020204" pitchFamily="34" charset="0"/>
+              <a:buNone/>
+              <a:defRPr sz="1600" kern="1200">
+                <a:solidFill>
+                  <a:schemeClr val="tx1"/>
+                </a:solidFill>
+                <a:latin typeface="+mn-lt"/>
+                <a:ea typeface="+mn-ea"/>
+                <a:cs typeface="+mn-cs"/>
+              </a:defRPr>
+            </a:lvl8pPr>
+            <a:lvl9pPr marL="3657600" indent="0" algn="ctr" defTabSz="914400" rtl="0" eaLnBrk="1" latinLnBrk="0" hangingPunct="1">
+              <a:lnSpc>
+                <a:spcPct val="90000"/>
+              </a:lnSpc>
+              <a:spcBef>
+                <a:spcPts val="500"/>
+              </a:spcBef>
+              <a:buFont typeface="Arial" panose="020B0604020202020204" pitchFamily="34" charset="0"/>
+              <a:buNone/>
+              <a:defRPr sz="1600" kern="1200">
+                <a:solidFill>
+                  <a:schemeClr val="tx1"/>
+                </a:solidFill>
+                <a:latin typeface="+mn-lt"/>
+                <a:ea typeface="+mn-ea"/>
+                <a:cs typeface="+mn-cs"/>
+              </a:defRPr>
+            </a:lvl9pPr>
+          </a:lstStyle>
+          <a:p>
+            <a:endParaRPr lang="en-US" dirty="0"/>
+          </a:p>
+        </p:txBody>
+      </p:sp>
+    </p:spTree>
+    <p:extLst>
+      <p:ext uri="{BB962C8B-B14F-4D97-AF65-F5344CB8AC3E}">
+        <p14:creationId xmlns:p14="http://schemas.microsoft.com/office/powerpoint/2010/main" val="2668924580"/>
+      </p:ext>
+    </p:extLst>
+  </p:cSld>
+  <p:clrMapOvr>
+    <a:masterClrMapping/>
+  </p:clrMapOvr>
+</p:sld>
+</file>
+
+<file path=ppt/slides/slide3.xml><?xml version="1.0" encoding="utf-8"?>
+<p:sld xmlns:a="http://schemas.openxmlformats.org/drawingml/2006/main" xmlns:r="http://schemas.openxmlformats.org/officeDocument/2006/relationships" xmlns:p="http://schemas.openxmlformats.org/presentationml/2006/main">
+  <p:cSld>
+    <p:spTree>
+      <p:nvGrpSpPr>
+        <p:cNvPr id="1" name=""/>
+        <p:cNvGrpSpPr/>
+        <p:nvPr/>
+      </p:nvGrpSpPr>
+      <p:grpSpPr>
+        <a:xfrm>
+          <a:off x="0" y="0"/>
+          <a:ext cx="0" cy="0"/>
+          <a:chOff x="0" y="0"/>
+          <a:chExt cx="0" cy="0"/>
+        </a:xfrm>
+      </p:grpSpPr>
+      <p:sp>
+        <p:nvSpPr>
+          <p:cNvPr id="2" name="Title 1">
+            <a:extLst>
+              <a:ext uri="{FF2B5EF4-FFF2-40B4-BE49-F238E27FC236}">
+                <a16:creationId xmlns:a16="http://schemas.microsoft.com/office/drawing/2014/main" id="{B684B216-13C4-99D6-4085-33C99E1103C0}"/>
+              </a:ext>
+            </a:extLst>
+          </p:cNvPr>
+          <p:cNvSpPr>
+            <a:spLocks noGrp="1"/>
+          </p:cNvSpPr>
+          <p:nvPr>
+            <p:ph type="ctrTitle"/>
+          </p:nvPr>
+        </p:nvSpPr>
+        <p:spPr>
+          <a:xfrm>
+            <a:off x="1524000" y="457345"/>
+            <a:ext cx="9144000" cy="907328"/>
+          </a:xfrm>
+        </p:spPr>
+        <p:txBody>
+          <a:bodyPr>
+            <a:normAutofit fontScale="90000"/>
+          </a:bodyPr>
+          <a:lstStyle/>
+          <a:p>
+            <a:r>
+              <a:rPr lang="en-US" dirty="0"/>
+              <a:t>Materials</a:t>
+            </a:r>
+          </a:p>
+        </p:txBody>
+      </p:sp>
+      <p:sp>
+        <p:nvSpPr>
+          <p:cNvPr id="3" name="Subtitle 2">
+            <a:extLst>
+              <a:ext uri="{FF2B5EF4-FFF2-40B4-BE49-F238E27FC236}">
+                <a16:creationId xmlns:a16="http://schemas.microsoft.com/office/drawing/2014/main" id="{560FAECE-3109-C3C6-34CA-82C393496469}"/>
+              </a:ext>
+            </a:extLst>
+          </p:cNvPr>
+          <p:cNvSpPr>
+            <a:spLocks noGrp="1"/>
+          </p:cNvSpPr>
+          <p:nvPr>
+            <p:ph type="subTitle" idx="1"/>
+          </p:nvPr>
+        </p:nvSpPr>
+        <p:spPr>
+          <a:xfrm>
+            <a:off x="886691" y="1496292"/>
+            <a:ext cx="10522527" cy="4357254"/>
+          </a:xfrm>
+        </p:spPr>
+        <p:txBody>
+          <a:bodyPr/>
+          <a:lstStyle/>
+          <a:p>
+            <a:endParaRPr lang="en-US" sz="4800" dirty="0">
+              <a:hlinkClick r:id="rId2"/>
+            </a:endParaRPr>
+          </a:p>
+          <a:p>
+            <a:r>
+              <a:rPr lang="en-US" sz="4800" dirty="0">
+                <a:hlinkClick r:id="rId2"/>
+              </a:rPr>
+              <a:t>dotutils.net/</a:t>
+            </a:r>
+            <a:r>
+              <a:rPr lang="en-US" sz="4800" dirty="0" err="1">
+                <a:hlinkClick r:id="rId2"/>
+              </a:rPr>
+              <a:t>wug</a:t>
+            </a:r>
+            <a:r>
+              <a:rPr lang="en-US" sz="4800" dirty="0">
+                <a:hlinkClick r:id="rId2"/>
+              </a:rPr>
+              <a:t>-talk</a:t>
+            </a:r>
+            <a:endParaRPr lang="en-US" sz="4800" dirty="0"/>
+          </a:p>
+        </p:txBody>
+      </p:sp>
+      <p:sp>
+        <p:nvSpPr>
+          <p:cNvPr id="4" name="Subtitle 2">
+            <a:extLst>
+              <a:ext uri="{FF2B5EF4-FFF2-40B4-BE49-F238E27FC236}">
+                <a16:creationId xmlns:a16="http://schemas.microsoft.com/office/drawing/2014/main" id="{516A24B5-BD48-6172-F4AB-99B4E5922E44}"/>
+              </a:ext>
+            </a:extLst>
+          </p:cNvPr>
+          <p:cNvSpPr txBox="1">
+            <a:spLocks/>
+          </p:cNvSpPr>
+          <p:nvPr/>
+        </p:nvSpPr>
+        <p:spPr>
+          <a:xfrm>
+            <a:off x="6788727" y="1496292"/>
+            <a:ext cx="4980709" cy="4357254"/>
+          </a:xfrm>
+          <a:prstGeom prst="rect">
+            <a:avLst/>
+          </a:prstGeom>
+        </p:spPr>
+        <p:txBody>
+          <a:bodyPr/>
+          <a:lstStyle>
+            <a:lvl1pPr marL="0" indent="0" algn="ctr" defTabSz="914400" rtl="0" eaLnBrk="1" latinLnBrk="0" hangingPunct="1">
+              <a:lnSpc>
+                <a:spcPct val="90000"/>
+              </a:lnSpc>
+              <a:spcBef>
+                <a:spcPts val="1000"/>
+              </a:spcBef>
+              <a:buFont typeface="Arial" panose="020B0604020202020204" pitchFamily="34" charset="0"/>
+              <a:buNone/>
+              <a:defRPr sz="2400" kern="1200">
+                <a:solidFill>
+                  <a:schemeClr val="tx1"/>
+                </a:solidFill>
+                <a:latin typeface="+mn-lt"/>
+                <a:ea typeface="+mn-ea"/>
+                <a:cs typeface="+mn-cs"/>
+              </a:defRPr>
+            </a:lvl1pPr>
+            <a:lvl2pPr marL="457200" indent="0" algn="ctr" defTabSz="914400" rtl="0" eaLnBrk="1" latinLnBrk="0" hangingPunct="1">
+              <a:lnSpc>
+                <a:spcPct val="90000"/>
+              </a:lnSpc>
+              <a:spcBef>
+                <a:spcPts val="500"/>
+              </a:spcBef>
+              <a:buFont typeface="Arial" panose="020B0604020202020204" pitchFamily="34" charset="0"/>
+              <a:buNone/>
+              <a:defRPr sz="2000" kern="1200">
+                <a:solidFill>
+                  <a:schemeClr val="tx1"/>
+                </a:solidFill>
+                <a:latin typeface="+mn-lt"/>
+                <a:ea typeface="+mn-ea"/>
+                <a:cs typeface="+mn-cs"/>
+              </a:defRPr>
+            </a:lvl2pPr>
+            <a:lvl3pPr marL="914400" indent="0" algn="ctr" defTabSz="914400" rtl="0" eaLnBrk="1" latinLnBrk="0" hangingPunct="1">
+              <a:lnSpc>
+                <a:spcPct val="90000"/>
+              </a:lnSpc>
+              <a:spcBef>
+                <a:spcPts val="500"/>
+              </a:spcBef>
+              <a:buFont typeface="Arial" panose="020B0604020202020204" pitchFamily="34" charset="0"/>
+              <a:buNone/>
+              <a:defRPr sz="1800" kern="1200">
+                <a:solidFill>
+                  <a:schemeClr val="tx1"/>
+                </a:solidFill>
+                <a:latin typeface="+mn-lt"/>
+                <a:ea typeface="+mn-ea"/>
+                <a:cs typeface="+mn-cs"/>
+              </a:defRPr>
+            </a:lvl3pPr>
+            <a:lvl4pPr marL="1371600" indent="0" algn="ctr" defTabSz="914400" rtl="0" eaLnBrk="1" latinLnBrk="0" hangingPunct="1">
+              <a:lnSpc>
+                <a:spcPct val="90000"/>
+              </a:lnSpc>
+              <a:spcBef>
+                <a:spcPts val="500"/>
+              </a:spcBef>
+              <a:buFont typeface="Arial" panose="020B0604020202020204" pitchFamily="34" charset="0"/>
+              <a:buNone/>
+              <a:defRPr sz="1600" kern="1200">
+                <a:solidFill>
+                  <a:schemeClr val="tx1"/>
+                </a:solidFill>
+                <a:latin typeface="+mn-lt"/>
+                <a:ea typeface="+mn-ea"/>
+                <a:cs typeface="+mn-cs"/>
+              </a:defRPr>
+            </a:lvl4pPr>
+            <a:lvl5pPr marL="1828800" indent="0" algn="ctr" defTabSz="914400" rtl="0" eaLnBrk="1" latinLnBrk="0" hangingPunct="1">
+              <a:lnSpc>
+                <a:spcPct val="90000"/>
+              </a:lnSpc>
+              <a:spcBef>
+                <a:spcPts val="500"/>
+              </a:spcBef>
+              <a:buFont typeface="Arial" panose="020B0604020202020204" pitchFamily="34" charset="0"/>
+              <a:buNone/>
+              <a:defRPr sz="1600" kern="1200">
+                <a:solidFill>
+                  <a:schemeClr val="tx1"/>
+                </a:solidFill>
+                <a:latin typeface="+mn-lt"/>
+                <a:ea typeface="+mn-ea"/>
+                <a:cs typeface="+mn-cs"/>
+              </a:defRPr>
+            </a:lvl5pPr>
+            <a:lvl6pPr marL="2286000" indent="0" algn="ctr" defTabSz="914400" rtl="0" eaLnBrk="1" latinLnBrk="0" hangingPunct="1">
+              <a:lnSpc>
+                <a:spcPct val="90000"/>
+              </a:lnSpc>
+              <a:spcBef>
+                <a:spcPts val="500"/>
+              </a:spcBef>
+              <a:buFont typeface="Arial" panose="020B0604020202020204" pitchFamily="34" charset="0"/>
+              <a:buNone/>
+              <a:defRPr sz="1600" kern="1200">
+                <a:solidFill>
+                  <a:schemeClr val="tx1"/>
+                </a:solidFill>
+                <a:latin typeface="+mn-lt"/>
+                <a:ea typeface="+mn-ea"/>
+                <a:cs typeface="+mn-cs"/>
+              </a:defRPr>
+            </a:lvl6pPr>
+            <a:lvl7pPr marL="2743200" indent="0" algn="ctr" defTabSz="914400" rtl="0" eaLnBrk="1" latinLnBrk="0" hangingPunct="1">
+              <a:lnSpc>
+                <a:spcPct val="90000"/>
+              </a:lnSpc>
+              <a:spcBef>
+                <a:spcPts val="500"/>
+              </a:spcBef>
+              <a:buFont typeface="Arial" panose="020B0604020202020204" pitchFamily="34" charset="0"/>
+              <a:buNone/>
+              <a:defRPr sz="1600" kern="1200">
+                <a:solidFill>
+                  <a:schemeClr val="tx1"/>
+                </a:solidFill>
+                <a:latin typeface="+mn-lt"/>
+                <a:ea typeface="+mn-ea"/>
+                <a:cs typeface="+mn-cs"/>
+              </a:defRPr>
+            </a:lvl7pPr>
+            <a:lvl8pPr marL="3200400" indent="0" algn="ctr" defTabSz="914400" rtl="0" eaLnBrk="1" latinLnBrk="0" hangingPunct="1">
+              <a:lnSpc>
+                <a:spcPct val="90000"/>
+              </a:lnSpc>
+              <a:spcBef>
+                <a:spcPts val="500"/>
+              </a:spcBef>
+              <a:buFont typeface="Arial" panose="020B0604020202020204" pitchFamily="34" charset="0"/>
+              <a:buNone/>
+              <a:defRPr sz="1600" kern="1200">
+                <a:solidFill>
+                  <a:schemeClr val="tx1"/>
+                </a:solidFill>
+                <a:latin typeface="+mn-lt"/>
+                <a:ea typeface="+mn-ea"/>
+                <a:cs typeface="+mn-cs"/>
+              </a:defRPr>
+            </a:lvl8pPr>
+            <a:lvl9pPr marL="3657600" indent="0" algn="ctr" defTabSz="914400" rtl="0" eaLnBrk="1" latinLnBrk="0" hangingPunct="1">
+              <a:lnSpc>
+                <a:spcPct val="90000"/>
+              </a:lnSpc>
+              <a:spcBef>
+                <a:spcPts val="500"/>
+              </a:spcBef>
+              <a:buFont typeface="Arial" panose="020B0604020202020204" pitchFamily="34" charset="0"/>
+              <a:buNone/>
+              <a:defRPr sz="1600" kern="1200">
+                <a:solidFill>
+                  <a:schemeClr val="tx1"/>
+                </a:solidFill>
+                <a:latin typeface="+mn-lt"/>
+                <a:ea typeface="+mn-ea"/>
+                <a:cs typeface="+mn-cs"/>
+              </a:defRPr>
+            </a:lvl9pPr>
+          </a:lstStyle>
+          <a:p>
+            <a:endParaRPr lang="en-US" dirty="0"/>
+          </a:p>
+        </p:txBody>
+      </p:sp>
+      <p:sp>
+        <p:nvSpPr>
+          <p:cNvPr id="5" name="TextBox 4">
+            <a:extLst>
+              <a:ext uri="{FF2B5EF4-FFF2-40B4-BE49-F238E27FC236}">
+                <a16:creationId xmlns:a16="http://schemas.microsoft.com/office/drawing/2014/main" id="{5229A3F6-0F9A-CF23-FCAB-431751CA5B07}"/>
+              </a:ext>
+            </a:extLst>
+          </p:cNvPr>
+          <p:cNvSpPr txBox="1"/>
+          <p:nvPr/>
+        </p:nvSpPr>
+        <p:spPr>
+          <a:xfrm>
+            <a:off x="2277035" y="5307106"/>
+            <a:ext cx="8641977" cy="369332"/>
+          </a:xfrm>
+          <a:prstGeom prst="rect">
+            <a:avLst/>
+          </a:prstGeom>
+          <a:noFill/>
+        </p:spPr>
+        <p:txBody>
+          <a:bodyPr wrap="square" rtlCol="0">
+            <a:spAutoFit/>
+          </a:bodyPr>
+          <a:lstStyle/>
+          <a:p>
+            <a:r>
+              <a:rPr lang="en-US" dirty="0"/>
+              <a:t>Long lived link: </a:t>
+            </a:r>
+            <a:r>
+              <a:rPr lang="en-US" dirty="0">
+                <a:hlinkClick r:id="rId3" action="ppaction://hlinkfile"/>
+              </a:rPr>
+              <a:t>dotutils.net/</a:t>
+            </a:r>
+            <a:r>
+              <a:rPr lang="en-US" dirty="0" err="1">
+                <a:hlinkClick r:id="rId3" action="ppaction://hlinkfile"/>
+              </a:rPr>
+              <a:t>wug</a:t>
+            </a:r>
+            <a:r>
+              <a:rPr lang="en-US" dirty="0">
+                <a:hlinkClick r:id="rId3" action="ppaction://hlinkfile"/>
+              </a:rPr>
+              <a:t>-talk-securing-</a:t>
+            </a:r>
+            <a:r>
+              <a:rPr lang="en-US" dirty="0" err="1">
+                <a:hlinkClick r:id="rId3" action="ppaction://hlinkfile"/>
+              </a:rPr>
+              <a:t>msbuild</a:t>
+            </a:r>
+            <a:endParaRPr lang="en-US" dirty="0"/>
+          </a:p>
+        </p:txBody>
+      </p:sp>
+    </p:spTree>
+    <p:extLst>
+      <p:ext uri="{BB962C8B-B14F-4D97-AF65-F5344CB8AC3E}">
+        <p14:creationId xmlns:p14="http://schemas.microsoft.com/office/powerpoint/2010/main" val="2933133780"/>
+      </p:ext>
+    </p:extLst>
+  </p:cSld>
+  <p:clrMapOvr>
+    <a:masterClrMapping/>
+  </p:clrMapOvr>
+</p:sld>
+</file>
+
+<file path=ppt/slides/slide4.xml><?xml version="1.0" encoding="utf-8"?>
+<p:sld xmlns:a="http://schemas.openxmlformats.org/drawingml/2006/main" xmlns:r="http://schemas.openxmlformats.org/officeDocument/2006/relationships" xmlns:p="http://schemas.openxmlformats.org/presentationml/2006/main">
+  <p:cSld>
+    <p:spTree>
+      <p:nvGrpSpPr>
+        <p:cNvPr id="1" name=""/>
+        <p:cNvGrpSpPr/>
+        <p:nvPr/>
+      </p:nvGrpSpPr>
+      <p:grpSpPr>
+        <a:xfrm>
+          <a:off x="0" y="0"/>
+          <a:ext cx="0" cy="0"/>
+          <a:chOff x="0" y="0"/>
+          <a:chExt cx="0" cy="0"/>
+        </a:xfrm>
+      </p:grpSpPr>
+      <p:sp>
+        <p:nvSpPr>
+          <p:cNvPr id="2" name="Title 1">
+            <a:extLst>
+              <a:ext uri="{FF2B5EF4-FFF2-40B4-BE49-F238E27FC236}">
                 <a16:creationId xmlns:a16="http://schemas.microsoft.com/office/drawing/2014/main" id="{7B330009-8873-EECC-34AA-522481D1E333}"/>
               </a:ext>
             </a:extLst>
@@ -4878,7 +5985,7 @@
 </p:sld>
 </file>
 
-<file path=ppt/slides/slide3.xml><?xml version="1.0" encoding="utf-8"?>
+<file path=ppt/slides/slide5.xml><?xml version="1.0" encoding="utf-8"?>
 <p:sld xmlns:a="http://schemas.openxmlformats.org/drawingml/2006/main" xmlns:r="http://schemas.openxmlformats.org/officeDocument/2006/relationships" xmlns:p="http://schemas.openxmlformats.org/presentationml/2006/main">
   <p:cSld>
     <p:spTree>
@@ -4965,7 +6072,7 @@
 </p:sld>
 </file>
 
-<file path=ppt/slides/slide4.xml><?xml version="1.0" encoding="utf-8"?>
+<file path=ppt/slides/slide6.xml><?xml version="1.0" encoding="utf-8"?>
 <p:sld xmlns:a="http://schemas.openxmlformats.org/drawingml/2006/main" xmlns:r="http://schemas.openxmlformats.org/officeDocument/2006/relationships" xmlns:p="http://schemas.openxmlformats.org/presentationml/2006/main">
   <p:cSld>
     <p:spTree>
@@ -5171,7 +6278,7 @@
 </p:sld>
 </file>
 
-<file path=ppt/slides/slide5.xml><?xml version="1.0" encoding="utf-8"?>
+<file path=ppt/slides/slide7.xml><?xml version="1.0" encoding="utf-8"?>
 <p:sld xmlns:a="http://schemas.openxmlformats.org/drawingml/2006/main" xmlns:r="http://schemas.openxmlformats.org/officeDocument/2006/relationships" xmlns:p="http://schemas.openxmlformats.org/presentationml/2006/main">
   <p:cSld>
     <p:spTree>
@@ -5499,266 +6606,6 @@
 </p:sld>
 </file>
 
-<file path=ppt/slides/slide6.xml><?xml version="1.0" encoding="utf-8"?>
-<p:sld xmlns:a="http://schemas.openxmlformats.org/drawingml/2006/main" xmlns:r="http://schemas.openxmlformats.org/officeDocument/2006/relationships" xmlns:p="http://schemas.openxmlformats.org/presentationml/2006/main">
-  <p:cSld>
-    <p:spTree>
-      <p:nvGrpSpPr>
-        <p:cNvPr id="1" name=""/>
-        <p:cNvGrpSpPr/>
-        <p:nvPr/>
-      </p:nvGrpSpPr>
-      <p:grpSpPr>
-        <a:xfrm>
-          <a:off x="0" y="0"/>
-          <a:ext cx="0" cy="0"/>
-          <a:chOff x="0" y="0"/>
-          <a:chExt cx="0" cy="0"/>
-        </a:xfrm>
-      </p:grpSpPr>
-      <p:sp>
-        <p:nvSpPr>
-          <p:cNvPr id="2" name="Title 1">
-            <a:extLst>
-              <a:ext uri="{FF2B5EF4-FFF2-40B4-BE49-F238E27FC236}">
-                <a16:creationId xmlns:a16="http://schemas.microsoft.com/office/drawing/2014/main" id="{47BA261E-2D81-E0EB-3FCA-EDF2A57C1597}"/>
-              </a:ext>
-            </a:extLst>
-          </p:cNvPr>
-          <p:cNvSpPr>
-            <a:spLocks noGrp="1"/>
-          </p:cNvSpPr>
-          <p:nvPr>
-            <p:ph type="title"/>
-          </p:nvPr>
-        </p:nvSpPr>
-        <p:spPr/>
-        <p:txBody>
-          <a:bodyPr/>
-          <a:lstStyle/>
-          <a:p>
-            <a:r>
-              <a:rPr lang="en-US" dirty="0"/>
-              <a:t>Engine extending – Environment variables</a:t>
-            </a:r>
-          </a:p>
-        </p:txBody>
-      </p:sp>
-      <p:sp>
-        <p:nvSpPr>
-          <p:cNvPr id="3" name="Content Placeholder 2">
-            <a:extLst>
-              <a:ext uri="{FF2B5EF4-FFF2-40B4-BE49-F238E27FC236}">
-                <a16:creationId xmlns:a16="http://schemas.microsoft.com/office/drawing/2014/main" id="{8B04A1A1-B7BF-2235-B203-408A8C68202F}"/>
-              </a:ext>
-            </a:extLst>
-          </p:cNvPr>
-          <p:cNvSpPr>
-            <a:spLocks noGrp="1"/>
-          </p:cNvSpPr>
-          <p:nvPr>
-            <p:ph idx="1"/>
-          </p:nvPr>
-        </p:nvSpPr>
-        <p:spPr/>
-        <p:txBody>
-          <a:bodyPr/>
-          <a:lstStyle/>
-          <a:p>
-            <a:r>
-              <a:rPr lang="en-US" dirty="0">
-                <a:hlinkClick r:id="rId2"/>
-              </a:rPr>
-              <a:t>Important Recognized Environment Variables</a:t>
-            </a:r>
-            <a:endParaRPr lang="en-US" dirty="0"/>
-          </a:p>
-          <a:p>
-            <a:r>
-              <a:rPr lang="en-US" dirty="0">
-                <a:hlinkClick r:id="rId3"/>
-              </a:rPr>
-              <a:t>Traits</a:t>
-            </a:r>
-            <a:endParaRPr lang="en-US" dirty="0"/>
-          </a:p>
-          <a:p>
-            <a:r>
-              <a:rPr lang="en-US" dirty="0" err="1">
-                <a:hlinkClick r:id="rId4"/>
-              </a:rPr>
-              <a:t>ChangeWaves</a:t>
-            </a:r>
-            <a:endParaRPr lang="en-US" dirty="0"/>
-          </a:p>
-          <a:p>
-            <a:r>
-              <a:rPr lang="en-US" dirty="0"/>
-              <a:t>Recognizing environment variables as implicit properties</a:t>
-            </a:r>
-          </a:p>
-          <a:p>
-            <a:endParaRPr lang="en-US" dirty="0"/>
-          </a:p>
-          <a:p>
-            <a:r>
-              <a:rPr lang="en-US" dirty="0"/>
-              <a:t>Prevention: </a:t>
-            </a:r>
-            <a:r>
-              <a:rPr lang="en-US" dirty="0">
-                <a:hlinkClick r:id="rId5"/>
-              </a:rPr>
-              <a:t>BC0103 </a:t>
-            </a:r>
-            <a:r>
-              <a:rPr lang="en-US" dirty="0" err="1">
-                <a:hlinkClick r:id="rId5"/>
-              </a:rPr>
-              <a:t>BuildCheck</a:t>
-            </a:r>
-            <a:endParaRPr lang="en-US" dirty="0"/>
-          </a:p>
-        </p:txBody>
-      </p:sp>
-    </p:spTree>
-    <p:extLst>
-      <p:ext uri="{BB962C8B-B14F-4D97-AF65-F5344CB8AC3E}">
-        <p14:creationId xmlns:p14="http://schemas.microsoft.com/office/powerpoint/2010/main" val="2932808673"/>
-      </p:ext>
-    </p:extLst>
-  </p:cSld>
-  <p:clrMapOvr>
-    <a:masterClrMapping/>
-  </p:clrMapOvr>
-</p:sld>
-</file>
-
-<file path=ppt/slides/slide7.xml><?xml version="1.0" encoding="utf-8"?>
-<p:sld xmlns:a="http://schemas.openxmlformats.org/drawingml/2006/main" xmlns:r="http://schemas.openxmlformats.org/officeDocument/2006/relationships" xmlns:p="http://schemas.openxmlformats.org/presentationml/2006/main">
-  <p:cSld>
-    <p:spTree>
-      <p:nvGrpSpPr>
-        <p:cNvPr id="1" name=""/>
-        <p:cNvGrpSpPr/>
-        <p:nvPr/>
-      </p:nvGrpSpPr>
-      <p:grpSpPr>
-        <a:xfrm>
-          <a:off x="0" y="0"/>
-          <a:ext cx="0" cy="0"/>
-          <a:chOff x="0" y="0"/>
-          <a:chExt cx="0" cy="0"/>
-        </a:xfrm>
-      </p:grpSpPr>
-      <p:sp>
-        <p:nvSpPr>
-          <p:cNvPr id="2" name="Title 1">
-            <a:extLst>
-              <a:ext uri="{FF2B5EF4-FFF2-40B4-BE49-F238E27FC236}">
-                <a16:creationId xmlns:a16="http://schemas.microsoft.com/office/drawing/2014/main" id="{B0867FC2-1994-C80B-1CFA-EC4E7EC17C5E}"/>
-              </a:ext>
-            </a:extLst>
-          </p:cNvPr>
-          <p:cNvSpPr>
-            <a:spLocks noGrp="1"/>
-          </p:cNvSpPr>
-          <p:nvPr>
-            <p:ph type="title"/>
-          </p:nvPr>
-        </p:nvSpPr>
-        <p:spPr/>
-        <p:txBody>
-          <a:bodyPr/>
-          <a:lstStyle/>
-          <a:p>
-            <a:r>
-              <a:rPr lang="en-US" dirty="0"/>
-              <a:t>Engine extending – Discovered Plugins</a:t>
-            </a:r>
-          </a:p>
-        </p:txBody>
-      </p:sp>
-      <p:sp>
-        <p:nvSpPr>
-          <p:cNvPr id="3" name="Content Placeholder 2">
-            <a:extLst>
-              <a:ext uri="{FF2B5EF4-FFF2-40B4-BE49-F238E27FC236}">
-                <a16:creationId xmlns:a16="http://schemas.microsoft.com/office/drawing/2014/main" id="{4164D88D-E0E8-A2AB-F3A3-10336DC71D16}"/>
-              </a:ext>
-            </a:extLst>
-          </p:cNvPr>
-          <p:cNvSpPr>
-            <a:spLocks noGrp="1"/>
-          </p:cNvSpPr>
-          <p:nvPr>
-            <p:ph idx="1"/>
-          </p:nvPr>
-        </p:nvSpPr>
-        <p:spPr/>
-        <p:txBody>
-          <a:bodyPr/>
-          <a:lstStyle/>
-          <a:p>
-            <a:r>
-              <a:rPr lang="en-US" dirty="0" err="1"/>
-              <a:t>SdkResolvers</a:t>
-            </a:r>
-            <a:r>
-              <a:rPr lang="en-US" dirty="0"/>
-              <a:t> folder in </a:t>
-            </a:r>
-            <a:r>
-              <a:rPr lang="en-US" dirty="0" err="1"/>
-              <a:t>sdk</a:t>
-            </a:r>
-            <a:r>
-              <a:rPr lang="en-US" dirty="0"/>
-              <a:t>/VS installation</a:t>
-            </a:r>
-          </a:p>
-          <a:p>
-            <a:r>
-              <a:rPr lang="en-US" dirty="0"/>
-              <a:t>SDK</a:t>
-            </a:r>
-          </a:p>
-          <a:p>
-            <a:r>
-              <a:rPr lang="en-US" dirty="0" err="1">
-                <a:hlinkClick r:id="rId2"/>
-              </a:rPr>
-              <a:t>ProjectCachePlugin</a:t>
-            </a:r>
-            <a:endParaRPr lang="en-US" dirty="0"/>
-          </a:p>
-          <a:p>
-            <a:endParaRPr lang="en-US" dirty="0"/>
-          </a:p>
-          <a:p>
-            <a:endParaRPr lang="en-US" dirty="0"/>
-          </a:p>
-          <a:p>
-            <a:r>
-              <a:rPr lang="en-US" dirty="0"/>
-              <a:t>Prevention: Install MSBuild to restricted location</a:t>
-            </a:r>
-          </a:p>
-        </p:txBody>
-      </p:sp>
-    </p:spTree>
-    <p:extLst>
-      <p:ext uri="{BB962C8B-B14F-4D97-AF65-F5344CB8AC3E}">
-        <p14:creationId xmlns:p14="http://schemas.microsoft.com/office/powerpoint/2010/main" val="126180764"/>
-      </p:ext>
-    </p:extLst>
-  </p:cSld>
-  <p:clrMapOvr>
-    <a:masterClrMapping/>
-  </p:clrMapOvr>
-</p:sld>
-</file>
-
 <file path=ppt/slides/slide8.xml><?xml version="1.0" encoding="utf-8"?>
 <p:sld xmlns:a="http://schemas.openxmlformats.org/drawingml/2006/main" xmlns:r="http://schemas.openxmlformats.org/officeDocument/2006/relationships" xmlns:p="http://schemas.openxmlformats.org/presentationml/2006/main">
   <p:cSld>
@@ -5781,7 +6628,7 @@
           <p:cNvPr id="2" name="Title 1">
             <a:extLst>
               <a:ext uri="{FF2B5EF4-FFF2-40B4-BE49-F238E27FC236}">
-                <a16:creationId xmlns:a16="http://schemas.microsoft.com/office/drawing/2014/main" id="{A09AC12A-A652-3A8C-82B1-C75C61246017}"/>
+                <a16:creationId xmlns:a16="http://schemas.microsoft.com/office/drawing/2014/main" id="{47BA261E-2D81-E0EB-3FCA-EDF2A57C1597}"/>
               </a:ext>
             </a:extLst>
           </p:cNvPr>
@@ -5799,135 +6646,84 @@
           <a:p>
             <a:r>
               <a:rPr lang="en-US" dirty="0"/>
-              <a:t>Engine Extending – CLI, .</a:t>
-            </a:r>
-            <a:r>
-              <a:rPr lang="en-US" dirty="0" err="1"/>
-              <a:t>rsp</a:t>
+              <a:t>Engine extending – Environment variables</a:t>
+            </a:r>
+          </a:p>
+        </p:txBody>
+      </p:sp>
+      <p:sp>
+        <p:nvSpPr>
+          <p:cNvPr id="3" name="Content Placeholder 2">
+            <a:extLst>
+              <a:ext uri="{FF2B5EF4-FFF2-40B4-BE49-F238E27FC236}">
+                <a16:creationId xmlns:a16="http://schemas.microsoft.com/office/drawing/2014/main" id="{8B04A1A1-B7BF-2235-B203-408A8C68202F}"/>
+              </a:ext>
+            </a:extLst>
+          </p:cNvPr>
+          <p:cNvSpPr>
+            <a:spLocks noGrp="1"/>
+          </p:cNvSpPr>
+          <p:nvPr>
+            <p:ph idx="1"/>
+          </p:nvPr>
+        </p:nvSpPr>
+        <p:spPr/>
+        <p:txBody>
+          <a:bodyPr/>
+          <a:lstStyle/>
+          <a:p>
+            <a:r>
+              <a:rPr lang="en-US" dirty="0">
+                <a:hlinkClick r:id="rId2"/>
+              </a:rPr>
+              <a:t>Important Recognized Environment Variables</a:t>
             </a:r>
             <a:endParaRPr lang="en-US" dirty="0"/>
           </a:p>
-        </p:txBody>
-      </p:sp>
-      <p:sp>
-        <p:nvSpPr>
-          <p:cNvPr id="3" name="Content Placeholder 2">
-            <a:extLst>
-              <a:ext uri="{FF2B5EF4-FFF2-40B4-BE49-F238E27FC236}">
-                <a16:creationId xmlns:a16="http://schemas.microsoft.com/office/drawing/2014/main" id="{C801D4D1-DABF-4EBD-7F0F-C615DC9E3B0D}"/>
-              </a:ext>
-            </a:extLst>
-          </p:cNvPr>
-          <p:cNvSpPr>
-            <a:spLocks noGrp="1"/>
-          </p:cNvSpPr>
-          <p:nvPr>
-            <p:ph idx="1"/>
-          </p:nvPr>
-        </p:nvSpPr>
-        <p:spPr/>
-        <p:txBody>
-          <a:bodyPr>
-            <a:normAutofit fontScale="77500" lnSpcReduction="20000"/>
-          </a:bodyPr>
-          <a:lstStyle/>
-          <a:p>
-            <a:r>
-              <a:rPr lang="en-US" dirty="0"/>
-              <a:t>Loggers</a:t>
-            </a:r>
-          </a:p>
-          <a:p>
-            <a:r>
-              <a:rPr lang="en-US" dirty="0"/>
-              <a:t>Magic properties</a:t>
-            </a:r>
-          </a:p>
-          <a:p>
-            <a:pPr lvl="1"/>
-            <a:r>
-              <a:rPr lang="en-US" dirty="0" err="1">
+          <a:p>
+            <a:r>
+              <a:rPr lang="en-US" dirty="0">
                 <a:hlinkClick r:id="rId3"/>
               </a:rPr>
-              <a:t>DependsOn</a:t>
+              <a:t>Traits</a:t>
             </a:r>
             <a:endParaRPr lang="en-US" dirty="0"/>
           </a:p>
           <a:p>
-            <a:pPr lvl="1"/>
-            <a:r>
-              <a:rPr lang="en-US" dirty="0" err="1"/>
-              <a:t>PreBuildEvent</a:t>
+            <a:r>
+              <a:rPr lang="en-US" dirty="0" err="1">
+                <a:hlinkClick r:id="rId4"/>
+              </a:rPr>
+              <a:t>ChangeWaves</a:t>
             </a:r>
             <a:endParaRPr lang="en-US" dirty="0"/>
           </a:p>
           <a:p>
             <a:r>
               <a:rPr lang="en-US" dirty="0"/>
-              <a:t>Response file</a:t>
-            </a:r>
-          </a:p>
-          <a:p>
-            <a:pPr lvl="1"/>
-            <a:r>
-              <a:rPr lang="en-US" dirty="0" err="1"/>
-              <a:t>MSBuild.rsp</a:t>
-            </a:r>
+              <a:t>Recognizing environment variables as implicit properties</a:t>
+            </a:r>
+          </a:p>
+          <a:p>
             <a:endParaRPr lang="en-US" dirty="0"/>
           </a:p>
           <a:p>
-            <a:pPr lvl="1"/>
-            <a:r>
-              <a:rPr lang="en-US" dirty="0" err="1"/>
-              <a:t>Directory.Build.rsp</a:t>
-            </a:r>
-            <a:endParaRPr lang="en-US" dirty="0"/>
-          </a:p>
-          <a:p>
-            <a:endParaRPr lang="en-US" dirty="0"/>
-          </a:p>
-          <a:p>
-            <a:pPr lvl="1"/>
-            <a:endParaRPr lang="en-US" dirty="0"/>
-          </a:p>
-          <a:p>
-            <a:pPr lvl="1"/>
-            <a:endParaRPr lang="en-US" dirty="0"/>
-          </a:p>
-          <a:p>
-            <a:r>
-              <a:rPr lang="en-US" dirty="0"/>
-              <a:t>Prevention:</a:t>
-            </a:r>
-          </a:p>
-          <a:p>
-            <a:pPr lvl="1"/>
-            <a:r>
-              <a:rPr lang="en-US" dirty="0"/>
-              <a:t>Environment variables checking</a:t>
-            </a:r>
-          </a:p>
-          <a:p>
-            <a:pPr lvl="1"/>
-            <a:r>
-              <a:rPr lang="en-US" dirty="0"/>
-              <a:t>-</a:t>
-            </a:r>
-            <a:r>
-              <a:rPr lang="en-US" dirty="0" err="1"/>
-              <a:t>noAutoResponse</a:t>
-            </a:r>
-            <a:endParaRPr lang="en-US" dirty="0"/>
-          </a:p>
-          <a:p>
-            <a:pPr lvl="1"/>
-            <a:r>
-              <a:rPr lang="en-US" dirty="0"/>
-              <a:t>Installing MSBuild into location with restricted R/W access</a:t>
-            </a:r>
-          </a:p>
-          <a:p>
-            <a:pPr lvl="1"/>
+            <a:r>
+              <a:rPr lang="en-US" dirty="0"/>
+              <a:t>Prevention: </a:t>
+            </a:r>
+            <a:r>
+              <a:rPr lang="en-US" dirty="0">
+                <a:hlinkClick r:id="rId5"/>
+              </a:rPr>
+              <a:t>BC0103 </a:t>
+            </a:r>
+            <a:r>
+              <a:rPr lang="en-US" dirty="0" err="1">
+                <a:hlinkClick r:id="rId5"/>
+              </a:rPr>
+              <a:t>BuildCheck</a:t>
+            </a:r>
             <a:endParaRPr lang="en-US" dirty="0"/>
           </a:p>
         </p:txBody>
@@ -5935,7 +6731,7 @@
     </p:spTree>
     <p:extLst>
       <p:ext uri="{BB962C8B-B14F-4D97-AF65-F5344CB8AC3E}">
-        <p14:creationId xmlns:p14="http://schemas.microsoft.com/office/powerpoint/2010/main" val="596620873"/>
+        <p14:creationId xmlns:p14="http://schemas.microsoft.com/office/powerpoint/2010/main" val="2932808673"/>
       </p:ext>
     </p:extLst>
   </p:cSld>
@@ -5967,7 +6763,7 @@
           <p:cNvPr id="2" name="Title 1">
             <a:extLst>
               <a:ext uri="{FF2B5EF4-FFF2-40B4-BE49-F238E27FC236}">
-                <a16:creationId xmlns:a16="http://schemas.microsoft.com/office/drawing/2014/main" id="{C2ACEC56-750E-FC90-3AEA-D489FDFE8D11}"/>
+                <a16:creationId xmlns:a16="http://schemas.microsoft.com/office/drawing/2014/main" id="{B0867FC2-1994-C80B-1CFA-EC4E7EC17C5E}"/>
               </a:ext>
             </a:extLst>
           </p:cNvPr>
@@ -5985,138 +6781,82 @@
           <a:p>
             <a:r>
               <a:rPr lang="en-US" dirty="0"/>
-              <a:t>Common Targets Extending - .</a:t>
-            </a:r>
+              <a:t>Engine extending – Discovered Plugins</a:t>
+            </a:r>
+          </a:p>
+        </p:txBody>
+      </p:sp>
+      <p:sp>
+        <p:nvSpPr>
+          <p:cNvPr id="3" name="Content Placeholder 2">
+            <a:extLst>
+              <a:ext uri="{FF2B5EF4-FFF2-40B4-BE49-F238E27FC236}">
+                <a16:creationId xmlns:a16="http://schemas.microsoft.com/office/drawing/2014/main" id="{4164D88D-E0E8-A2AB-F3A3-10336DC71D16}"/>
+              </a:ext>
+            </a:extLst>
+          </p:cNvPr>
+          <p:cNvSpPr>
+            <a:spLocks noGrp="1"/>
+          </p:cNvSpPr>
+          <p:nvPr>
+            <p:ph idx="1"/>
+          </p:nvPr>
+        </p:nvSpPr>
+        <p:spPr/>
+        <p:txBody>
+          <a:bodyPr/>
+          <a:lstStyle/>
+          <a:p>
             <a:r>
               <a:rPr lang="en-US" dirty="0" err="1"/>
-              <a:t>props|.targets</a:t>
+              <a:t>SdkResolvers</a:t>
+            </a:r>
+            <a:r>
+              <a:rPr lang="en-US" dirty="0"/>
+              <a:t> folder in </a:t>
+            </a:r>
+            <a:r>
+              <a:rPr lang="en-US" dirty="0" err="1"/>
+              <a:t>sdk</a:t>
+            </a:r>
+            <a:r>
+              <a:rPr lang="en-US" dirty="0"/>
+              <a:t>/VS installation</a:t>
+            </a:r>
+          </a:p>
+          <a:p>
+            <a:r>
+              <a:rPr lang="en-US" dirty="0"/>
+              <a:t>SDK</a:t>
+            </a:r>
+          </a:p>
+          <a:p>
+            <a:r>
+              <a:rPr lang="en-US" dirty="0" err="1">
+                <a:hlinkClick r:id="rId2"/>
+              </a:rPr>
+              <a:t>ProjectCachePlugin</a:t>
             </a:r>
             <a:endParaRPr lang="en-US" dirty="0"/>
           </a:p>
-        </p:txBody>
-      </p:sp>
-      <p:sp>
-        <p:nvSpPr>
-          <p:cNvPr id="3" name="Content Placeholder 2">
-            <a:extLst>
-              <a:ext uri="{FF2B5EF4-FFF2-40B4-BE49-F238E27FC236}">
-                <a16:creationId xmlns:a16="http://schemas.microsoft.com/office/drawing/2014/main" id="{87802F02-A3FE-41FD-9C2D-B6E6F1815DF7}"/>
-              </a:ext>
-            </a:extLst>
-          </p:cNvPr>
-          <p:cNvSpPr>
-            <a:spLocks noGrp="1"/>
-          </p:cNvSpPr>
-          <p:nvPr>
-            <p:ph idx="1"/>
-          </p:nvPr>
-        </p:nvSpPr>
-        <p:spPr/>
-        <p:txBody>
-          <a:bodyPr/>
-          <a:lstStyle/>
-          <a:p>
-            <a:r>
-              <a:rPr lang="en-US" dirty="0" err="1"/>
-              <a:t>Directory.Build</a:t>
-            </a:r>
-            <a:r>
-              <a:rPr lang="en-US" dirty="0"/>
-              <a:t>.[</a:t>
-            </a:r>
-            <a:r>
-              <a:rPr lang="en-US" dirty="0" err="1"/>
-              <a:t>props|targets</a:t>
-            </a:r>
-            <a:r>
-              <a:rPr lang="en-US" dirty="0"/>
-              <a:t>]</a:t>
-            </a:r>
-          </a:p>
-          <a:p>
-            <a:r>
-              <a:rPr lang="en-US" dirty="0"/>
-              <a:t>.user file</a:t>
-            </a:r>
-          </a:p>
-          <a:p>
-            <a:r>
-              <a:rPr lang="en-US" dirty="0"/>
-              <a:t>[</a:t>
-            </a:r>
-            <a:r>
-              <a:rPr lang="en-US" dirty="0" err="1"/>
-              <a:t>before|after</a:t>
-            </a:r>
-            <a:r>
-              <a:rPr lang="en-US" dirty="0"/>
-              <a:t>].{solution}.targets</a:t>
-            </a:r>
-          </a:p>
-          <a:p>
-            <a:r>
-              <a:rPr lang="en-US" dirty="0"/>
-              <a:t>Bonus: .</a:t>
-            </a:r>
-            <a:r>
-              <a:rPr lang="en-US" dirty="0" err="1"/>
-              <a:t>suo</a:t>
-            </a:r>
+          <a:p>
             <a:endParaRPr lang="en-US" dirty="0"/>
           </a:p>
           <a:p>
             <a:endParaRPr lang="en-US" dirty="0"/>
           </a:p>
           <a:p>
-            <a:endParaRPr lang="en-US" dirty="0"/>
-          </a:p>
-          <a:p>
-            <a:r>
-              <a:rPr lang="en-US" dirty="0"/>
-              <a:t>Prevention: </a:t>
-            </a:r>
-          </a:p>
-          <a:p>
-            <a:pPr lvl="1"/>
-            <a:r>
-              <a:rPr lang="en-US" dirty="0"/>
-              <a:t>Empty </a:t>
-            </a:r>
-            <a:r>
-              <a:rPr lang="en-US" dirty="0" err="1"/>
-              <a:t>Directory.Build</a:t>
-            </a:r>
-            <a:r>
-              <a:rPr lang="en-US" dirty="0"/>
-              <a:t>.[</a:t>
-            </a:r>
-            <a:r>
-              <a:rPr lang="en-US" dirty="0" err="1"/>
-              <a:t>props|targets</a:t>
-            </a:r>
-            <a:r>
-              <a:rPr lang="en-US" dirty="0"/>
-              <a:t>]</a:t>
-            </a:r>
-          </a:p>
-          <a:p>
-            <a:pPr lvl="1"/>
-            <a:r>
-              <a:rPr lang="en-US" dirty="0"/>
-              <a:t>Review files in project </a:t>
-            </a:r>
-            <a:r>
-              <a:rPr lang="en-US" dirty="0" err="1"/>
-              <a:t>dir</a:t>
-            </a:r>
-            <a:endParaRPr lang="en-US" dirty="0"/>
+            <a:r>
+              <a:rPr lang="en-US" dirty="0"/>
+              <a:t>Prevention: Install MSBuild to location with controlled R/W access</a:t>
+            </a:r>
           </a:p>
         </p:txBody>
       </p:sp>
     </p:spTree>
     <p:extLst>
       <p:ext uri="{BB962C8B-B14F-4D97-AF65-F5344CB8AC3E}">
-        <p14:creationId xmlns:p14="http://schemas.microsoft.com/office/powerpoint/2010/main" val="1914832722"/>
+        <p14:creationId xmlns:p14="http://schemas.microsoft.com/office/powerpoint/2010/main" val="126180764"/>
       </p:ext>
     </p:extLst>
   </p:cSld>

--- a/Doc/MSBuildSecurity.pptx
+++ b/Doc/MSBuildSecurity.pptx
@@ -2,20 +2,20 @@
 <file path=ppt/presentation.xml><?xml version="1.0" encoding="utf-8"?>
 <p:presentation xmlns:a="http://schemas.openxmlformats.org/drawingml/2006/main" xmlns:r="http://schemas.openxmlformats.org/officeDocument/2006/relationships" xmlns:p="http://schemas.openxmlformats.org/presentationml/2006/main" saveSubsetFonts="1">
   <p:sldMasterIdLst>
-    <p:sldMasterId id="2147483648" r:id="rId1"/>
+    <p:sldMasterId id="2147483660" r:id="rId1"/>
   </p:sldMasterIdLst>
   <p:notesMasterIdLst>
-    <p:notesMasterId r:id="rId17"/>
+    <p:notesMasterId r:id="rId18"/>
   </p:notesMasterIdLst>
   <p:sldIdLst>
     <p:sldId id="256" r:id="rId2"/>
-    <p:sldId id="269" r:id="rId3"/>
-    <p:sldId id="272" r:id="rId4"/>
-    <p:sldId id="258" r:id="rId5"/>
+    <p:sldId id="272" r:id="rId3"/>
+    <p:sldId id="269" r:id="rId4"/>
+    <p:sldId id="273" r:id="rId5"/>
     <p:sldId id="257" r:id="rId6"/>
-    <p:sldId id="259" r:id="rId7"/>
-    <p:sldId id="260" r:id="rId8"/>
-    <p:sldId id="261" r:id="rId9"/>
+    <p:sldId id="274" r:id="rId7"/>
+    <p:sldId id="275" r:id="rId8"/>
+    <p:sldId id="276" r:id="rId9"/>
     <p:sldId id="262" r:id="rId10"/>
     <p:sldId id="263" r:id="rId11"/>
     <p:sldId id="264" r:id="rId12"/>
@@ -23,6 +23,7 @@
     <p:sldId id="265" r:id="rId14"/>
     <p:sldId id="266" r:id="rId15"/>
     <p:sldId id="268" r:id="rId16"/>
+    <p:sldId id="277" r:id="rId17"/>
   </p:sldIdLst>
   <p:sldSz cx="12192000" cy="6858000"/>
   <p:notesSz cx="6858000" cy="9144000"/>
@@ -209,9 +210,9 @@
             </a:lvl1pPr>
           </a:lstStyle>
           <a:p>
-            <a:fld id="{6532B2D6-F92A-41B9-9839-61292DB50A3B}" type="datetimeFigureOut">
+            <a:fld id="{AEDDCBB5-9E8F-4C3C-B3FF-42B56171167A}" type="datetimeFigureOut">
               <a:rPr lang="en-US" smtClean="0"/>
-              <a:t>2/21/2025</a:t>
+              <a:t>2/27/2025</a:t>
             </a:fld>
             <a:endParaRPr lang="en-US"/>
           </a:p>
@@ -367,7 +368,7 @@
             </a:lvl1pPr>
           </a:lstStyle>
           <a:p>
-            <a:fld id="{B6AF6DA6-D78F-49B4-A362-86A92391186D}" type="slidenum">
+            <a:fld id="{79686336-D277-4B30-A6AE-9563521DFE02}" type="slidenum">
               <a:rPr lang="en-US" smtClean="0"/>
               <a:t>‹#›</a:t>
             </a:fld>
@@ -378,7 +379,7 @@
     </p:spTree>
     <p:extLst>
       <p:ext uri="{BB962C8B-B14F-4D97-AF65-F5344CB8AC3E}">
-        <p14:creationId xmlns:p14="http://schemas.microsoft.com/office/powerpoint/2010/main" val="3982322516"/>
+        <p14:creationId xmlns:p14="http://schemas.microsoft.com/office/powerpoint/2010/main" val="518977189"/>
       </p:ext>
     </p:extLst>
   </p:cSld>
@@ -803,29 +804,7 @@
           <a:bodyPr/>
           <a:lstStyle/>
           <a:p>
-            <a:endParaRPr lang="en-US" dirty="0"/>
-          </a:p>
-          <a:p>
-            <a:r>
-              <a:rPr lang="en-US" dirty="0"/>
-              <a:t> - env vars trace in </a:t>
-            </a:r>
-            <a:r>
-              <a:rPr lang="en-US" dirty="0" err="1"/>
-              <a:t>binlog</a:t>
-            </a:r>
-            <a:endParaRPr lang="en-US" dirty="0"/>
-          </a:p>
-          <a:p>
-            <a:r>
-              <a:rPr lang="en-US" dirty="0"/>
-              <a:t> - response file trace in </a:t>
-            </a:r>
-            <a:r>
-              <a:rPr lang="en-US" dirty="0" err="1"/>
-              <a:t>binlog</a:t>
-            </a:r>
-            <a:endParaRPr lang="en-US" dirty="0"/>
+            <a:endParaRPr lang="en-US"/>
           </a:p>
         </p:txBody>
       </p:sp>
@@ -846,7 +825,7 @@
           <a:p>
             <a:fld id="{B6AF6DA6-D78F-49B4-A362-86A92391186D}" type="slidenum">
               <a:rPr lang="en-US" smtClean="0"/>
-              <a:t>10</a:t>
+              <a:t>9</a:t>
             </a:fld>
             <a:endParaRPr lang="en-US"/>
           </a:p>
@@ -855,7 +834,7 @@
     </p:spTree>
     <p:extLst>
       <p:ext uri="{BB962C8B-B14F-4D97-AF65-F5344CB8AC3E}">
-        <p14:creationId xmlns:p14="http://schemas.microsoft.com/office/powerpoint/2010/main" val="141345872"/>
+        <p14:creationId xmlns:p14="http://schemas.microsoft.com/office/powerpoint/2010/main" val="3789993314"/>
       </p:ext>
     </p:extLst>
   </p:cSld>
@@ -865,9 +844,9 @@
 </p:notes>
 </file>
 
-<file path=ppt/slideLayouts/slideLayout1.xml><?xml version="1.0" encoding="utf-8"?>
-<p:sldLayout xmlns:a="http://schemas.openxmlformats.org/drawingml/2006/main" xmlns:r="http://schemas.openxmlformats.org/officeDocument/2006/relationships" xmlns:p="http://schemas.openxmlformats.org/presentationml/2006/main" type="title" preserve="1">
-  <p:cSld name="Title Slide">
+<file path=ppt/notesSlides/notesSlide5.xml><?xml version="1.0" encoding="utf-8"?>
+<p:notes xmlns:a="http://schemas.openxmlformats.org/drawingml/2006/main" xmlns:r="http://schemas.openxmlformats.org/officeDocument/2006/relationships" xmlns:p="http://schemas.openxmlformats.org/presentationml/2006/main">
+  <p:cSld>
     <p:spTree>
       <p:nvGrpSpPr>
         <p:cNvPr id="1" name=""/>
@@ -884,125 +863,24 @@
       </p:grpSpPr>
       <p:sp>
         <p:nvSpPr>
-          <p:cNvPr id="2" name="Title 1">
-            <a:extLst>
-              <a:ext uri="{FF2B5EF4-FFF2-40B4-BE49-F238E27FC236}">
-                <a16:creationId xmlns:a16="http://schemas.microsoft.com/office/drawing/2014/main" id="{78BC3EF4-55D3-7C13-8EE0-CE5119F067F7}"/>
-              </a:ext>
-            </a:extLst>
-          </p:cNvPr>
-          <p:cNvSpPr>
-            <a:spLocks noGrp="1"/>
-          </p:cNvSpPr>
-          <p:nvPr>
-            <p:ph type="ctrTitle"/>
-          </p:nvPr>
-        </p:nvSpPr>
-        <p:spPr>
-          <a:xfrm>
-            <a:off x="1524000" y="1122363"/>
-            <a:ext cx="9144000" cy="2387600"/>
-          </a:xfrm>
-        </p:spPr>
-        <p:txBody>
-          <a:bodyPr anchor="b"/>
-          <a:lstStyle>
-            <a:lvl1pPr algn="ctr">
-              <a:defRPr sz="6000"/>
-            </a:lvl1pPr>
-          </a:lstStyle>
-          <a:p>
-            <a:r>
-              <a:rPr lang="en-US"/>
-              <a:t>Click to edit Master title style</a:t>
-            </a:r>
-          </a:p>
-        </p:txBody>
-      </p:sp>
-      <p:sp>
-        <p:nvSpPr>
-          <p:cNvPr id="3" name="Subtitle 2">
-            <a:extLst>
-              <a:ext uri="{FF2B5EF4-FFF2-40B4-BE49-F238E27FC236}">
-                <a16:creationId xmlns:a16="http://schemas.microsoft.com/office/drawing/2014/main" id="{F58CB1FB-E213-7B77-A988-C6019E0BEEF9}"/>
-              </a:ext>
-            </a:extLst>
-          </p:cNvPr>
-          <p:cNvSpPr>
-            <a:spLocks noGrp="1"/>
-          </p:cNvSpPr>
-          <p:nvPr>
-            <p:ph type="subTitle" idx="1"/>
-          </p:nvPr>
-        </p:nvSpPr>
-        <p:spPr>
-          <a:xfrm>
-            <a:off x="1524000" y="3602038"/>
-            <a:ext cx="9144000" cy="1655762"/>
-          </a:xfrm>
-        </p:spPr>
-        <p:txBody>
-          <a:bodyPr/>
-          <a:lstStyle>
-            <a:lvl1pPr marL="0" indent="0" algn="ctr">
-              <a:buNone/>
-              <a:defRPr sz="2400"/>
-            </a:lvl1pPr>
-            <a:lvl2pPr marL="457200" indent="0" algn="ctr">
-              <a:buNone/>
-              <a:defRPr sz="2000"/>
-            </a:lvl2pPr>
-            <a:lvl3pPr marL="914400" indent="0" algn="ctr">
-              <a:buNone/>
-              <a:defRPr sz="1800"/>
-            </a:lvl3pPr>
-            <a:lvl4pPr marL="1371600" indent="0" algn="ctr">
-              <a:buNone/>
-              <a:defRPr sz="1600"/>
-            </a:lvl4pPr>
-            <a:lvl5pPr marL="1828800" indent="0" algn="ctr">
-              <a:buNone/>
-              <a:defRPr sz="1600"/>
-            </a:lvl5pPr>
-            <a:lvl6pPr marL="2286000" indent="0" algn="ctr">
-              <a:buNone/>
-              <a:defRPr sz="1600"/>
-            </a:lvl6pPr>
-            <a:lvl7pPr marL="2743200" indent="0" algn="ctr">
-              <a:buNone/>
-              <a:defRPr sz="1600"/>
-            </a:lvl7pPr>
-            <a:lvl8pPr marL="3200400" indent="0" algn="ctr">
-              <a:buNone/>
-              <a:defRPr sz="1600"/>
-            </a:lvl8pPr>
-            <a:lvl9pPr marL="3657600" indent="0" algn="ctr">
-              <a:buNone/>
-              <a:defRPr sz="1600"/>
-            </a:lvl9pPr>
-          </a:lstStyle>
-          <a:p>
-            <a:r>
-              <a:rPr lang="en-US"/>
-              <a:t>Click to edit Master subtitle style</a:t>
-            </a:r>
-          </a:p>
-        </p:txBody>
-      </p:sp>
-      <p:sp>
-        <p:nvSpPr>
-          <p:cNvPr id="4" name="Date Placeholder 3">
-            <a:extLst>
-              <a:ext uri="{FF2B5EF4-FFF2-40B4-BE49-F238E27FC236}">
-                <a16:creationId xmlns:a16="http://schemas.microsoft.com/office/drawing/2014/main" id="{5EB49DAB-0B84-52DC-083C-E7B50FBD2722}"/>
-              </a:ext>
-            </a:extLst>
-          </p:cNvPr>
-          <p:cNvSpPr>
-            <a:spLocks noGrp="1"/>
-          </p:cNvSpPr>
-          <p:nvPr>
-            <p:ph type="dt" sz="half" idx="10"/>
+          <p:cNvPr id="2" name="Slide Image Placeholder 1"/>
+          <p:cNvSpPr>
+            <a:spLocks noGrp="1" noRot="1" noChangeAspect="1"/>
+          </p:cNvSpPr>
+          <p:nvPr>
+            <p:ph type="sldImg"/>
+          </p:nvPr>
+        </p:nvSpPr>
+        <p:spPr/>
+      </p:sp>
+      <p:sp>
+        <p:nvSpPr>
+          <p:cNvPr id="3" name="Notes Placeholder 2"/>
+          <p:cNvSpPr>
+            <a:spLocks noGrp="1"/>
+          </p:cNvSpPr>
+          <p:nvPr>
+            <p:ph type="body" idx="1"/>
           </p:nvPr>
         </p:nvSpPr>
         <p:spPr/>
@@ -1010,28 +888,40 @@
           <a:bodyPr/>
           <a:lstStyle/>
           <a:p>
-            <a:fld id="{DBC98360-1B30-4F69-AE75-40532A18B4DE}" type="datetimeFigureOut">
-              <a:rPr lang="en-US" smtClean="0"/>
-              <a:t>2/21/2025</a:t>
-            </a:fld>
-            <a:endParaRPr lang="en-US"/>
-          </a:p>
-        </p:txBody>
-      </p:sp>
-      <p:sp>
-        <p:nvSpPr>
-          <p:cNvPr id="5" name="Footer Placeholder 4">
-            <a:extLst>
-              <a:ext uri="{FF2B5EF4-FFF2-40B4-BE49-F238E27FC236}">
-                <a16:creationId xmlns:a16="http://schemas.microsoft.com/office/drawing/2014/main" id="{D0EF82E9-E97A-21A8-BBE3-56BFB8DF87A3}"/>
-              </a:ext>
-            </a:extLst>
-          </p:cNvPr>
-          <p:cNvSpPr>
-            <a:spLocks noGrp="1"/>
-          </p:cNvSpPr>
-          <p:nvPr>
-            <p:ph type="ftr" sz="quarter" idx="11"/>
+            <a:endParaRPr lang="en-US" dirty="0"/>
+          </a:p>
+          <a:p>
+            <a:r>
+              <a:rPr lang="en-US" dirty="0"/>
+              <a:t> - env vars trace in </a:t>
+            </a:r>
+            <a:r>
+              <a:rPr lang="en-US" dirty="0" err="1"/>
+              <a:t>binlog</a:t>
+            </a:r>
+            <a:endParaRPr lang="en-US" dirty="0"/>
+          </a:p>
+          <a:p>
+            <a:r>
+              <a:rPr lang="en-US" dirty="0"/>
+              <a:t> - response file trace in </a:t>
+            </a:r>
+            <a:r>
+              <a:rPr lang="en-US" dirty="0" err="1"/>
+              <a:t>binlog</a:t>
+            </a:r>
+            <a:endParaRPr lang="en-US" dirty="0"/>
+          </a:p>
+        </p:txBody>
+      </p:sp>
+      <p:sp>
+        <p:nvSpPr>
+          <p:cNvPr id="4" name="Slide Number Placeholder 3"/>
+          <p:cNvSpPr>
+            <a:spLocks noGrp="1"/>
+          </p:cNvSpPr>
+          <p:nvPr>
+            <p:ph type="sldNum" sz="quarter" idx="5"/>
           </p:nvPr>
         </p:nvSpPr>
         <p:spPr/>
@@ -1039,34 +929,9 @@
           <a:bodyPr/>
           <a:lstStyle/>
           <a:p>
-            <a:endParaRPr lang="en-US"/>
-          </a:p>
-        </p:txBody>
-      </p:sp>
-      <p:sp>
-        <p:nvSpPr>
-          <p:cNvPr id="6" name="Slide Number Placeholder 5">
-            <a:extLst>
-              <a:ext uri="{FF2B5EF4-FFF2-40B4-BE49-F238E27FC236}">
-                <a16:creationId xmlns:a16="http://schemas.microsoft.com/office/drawing/2014/main" id="{6B346CB7-1AD0-8369-B878-93D74A9B5E90}"/>
-              </a:ext>
-            </a:extLst>
-          </p:cNvPr>
-          <p:cNvSpPr>
-            <a:spLocks noGrp="1"/>
-          </p:cNvSpPr>
-          <p:nvPr>
-            <p:ph type="sldNum" sz="quarter" idx="12"/>
-          </p:nvPr>
-        </p:nvSpPr>
-        <p:spPr/>
-        <p:txBody>
-          <a:bodyPr/>
-          <a:lstStyle/>
-          <a:p>
-            <a:fld id="{E0A240B1-0496-4BDB-87BA-8E24C4526A4F}" type="slidenum">
+            <a:fld id="{B6AF6DA6-D78F-49B4-A362-86A92391186D}" type="slidenum">
               <a:rPr lang="en-US" smtClean="0"/>
-              <a:t>‹#›</a:t>
+              <a:t>10</a:t>
             </a:fld>
             <a:endParaRPr lang="en-US"/>
           </a:p>
@@ -1075,19 +940,19 @@
     </p:spTree>
     <p:extLst>
       <p:ext uri="{BB962C8B-B14F-4D97-AF65-F5344CB8AC3E}">
-        <p14:creationId xmlns:p14="http://schemas.microsoft.com/office/powerpoint/2010/main" val="95577533"/>
+        <p14:creationId xmlns:p14="http://schemas.microsoft.com/office/powerpoint/2010/main" val="141345872"/>
       </p:ext>
     </p:extLst>
   </p:cSld>
   <p:clrMapOvr>
     <a:masterClrMapping/>
   </p:clrMapOvr>
-</p:sldLayout>
+</p:notes>
 </file>
 
-<file path=ppt/slideLayouts/slideLayout10.xml><?xml version="1.0" encoding="utf-8"?>
-<p:sldLayout xmlns:a="http://schemas.openxmlformats.org/drawingml/2006/main" xmlns:r="http://schemas.openxmlformats.org/officeDocument/2006/relationships" xmlns:p="http://schemas.openxmlformats.org/presentationml/2006/main" type="vertTx" preserve="1">
-  <p:cSld name="Title and Vertical Text">
+<file path=ppt/notesSlides/notesSlide6.xml><?xml version="1.0" encoding="utf-8"?>
+<p:notes xmlns:a="http://schemas.openxmlformats.org/drawingml/2006/main" xmlns:r="http://schemas.openxmlformats.org/officeDocument/2006/relationships" xmlns:p="http://schemas.openxmlformats.org/presentationml/2006/main">
+  <p:cSld>
     <p:spTree>
       <p:nvGrpSpPr>
         <p:cNvPr id="1" name=""/>
@@ -1104,18 +969,29 @@
       </p:grpSpPr>
       <p:sp>
         <p:nvSpPr>
-          <p:cNvPr id="2" name="Title 1">
-            <a:extLst>
-              <a:ext uri="{FF2B5EF4-FFF2-40B4-BE49-F238E27FC236}">
-                <a16:creationId xmlns:a16="http://schemas.microsoft.com/office/drawing/2014/main" id="{1EE432A9-FC16-1A04-4CE1-E671772190B0}"/>
-              </a:ext>
-            </a:extLst>
-          </p:cNvPr>
-          <p:cNvSpPr>
-            <a:spLocks noGrp="1"/>
-          </p:cNvSpPr>
-          <p:nvPr>
-            <p:ph type="title"/>
+          <p:cNvPr id="2" name="Zástupný symbol pro obrázek snímku 1"/>
+          <p:cNvSpPr>
+            <a:spLocks noGrp="1" noRot="1" noChangeAspect="1"/>
+          </p:cNvSpPr>
+          <p:nvPr>
+            <p:ph type="sldImg"/>
+          </p:nvPr>
+        </p:nvSpPr>
+        <p:spPr>
+          <a:xfrm>
+            <a:off x="381000" y="685800"/>
+            <a:ext cx="6096000" cy="3429000"/>
+          </a:xfrm>
+        </p:spPr>
+      </p:sp>
+      <p:sp>
+        <p:nvSpPr>
+          <p:cNvPr id="3" name="Zástupný symbol pro poznámky 2"/>
+          <p:cNvSpPr>
+            <a:spLocks noGrp="1"/>
+          </p:cNvSpPr>
+          <p:nvPr>
+            <p:ph type="body" idx="1"/>
           </p:nvPr>
         </p:nvSpPr>
         <p:spPr/>
@@ -1123,84 +999,18 @@
           <a:bodyPr/>
           <a:lstStyle/>
           <a:p>
-            <a:r>
-              <a:rPr lang="en-US"/>
-              <a:t>Click to edit Master title style</a:t>
-            </a:r>
-          </a:p>
-        </p:txBody>
-      </p:sp>
-      <p:sp>
-        <p:nvSpPr>
-          <p:cNvPr id="3" name="Vertical Text Placeholder 2">
-            <a:extLst>
-              <a:ext uri="{FF2B5EF4-FFF2-40B4-BE49-F238E27FC236}">
-                <a16:creationId xmlns:a16="http://schemas.microsoft.com/office/drawing/2014/main" id="{11227591-FC83-FEDA-2E76-83AC6E4302DF}"/>
-              </a:ext>
-            </a:extLst>
-          </p:cNvPr>
-          <p:cNvSpPr>
-            <a:spLocks noGrp="1"/>
-          </p:cNvSpPr>
-          <p:nvPr>
-            <p:ph type="body" orient="vert" idx="1"/>
-          </p:nvPr>
-        </p:nvSpPr>
-        <p:spPr/>
-        <p:txBody>
-          <a:bodyPr vert="eaVert"/>
-          <a:lstStyle/>
-          <a:p>
-            <a:pPr lvl="0"/>
-            <a:r>
-              <a:rPr lang="en-US"/>
-              <a:t>Click to edit Master text styles</a:t>
-            </a:r>
-          </a:p>
-          <a:p>
-            <a:pPr lvl="1"/>
-            <a:r>
-              <a:rPr lang="en-US"/>
-              <a:t>Second level</a:t>
-            </a:r>
-          </a:p>
-          <a:p>
-            <a:pPr lvl="2"/>
-            <a:r>
-              <a:rPr lang="en-US"/>
-              <a:t>Third level</a:t>
-            </a:r>
-          </a:p>
-          <a:p>
-            <a:pPr lvl="3"/>
-            <a:r>
-              <a:rPr lang="en-US"/>
-              <a:t>Fourth level</a:t>
-            </a:r>
-          </a:p>
-          <a:p>
-            <a:pPr lvl="4"/>
-            <a:r>
-              <a:rPr lang="en-US"/>
-              <a:t>Fifth level</a:t>
-            </a:r>
-          </a:p>
-        </p:txBody>
-      </p:sp>
-      <p:sp>
-        <p:nvSpPr>
-          <p:cNvPr id="4" name="Date Placeholder 3">
-            <a:extLst>
-              <a:ext uri="{FF2B5EF4-FFF2-40B4-BE49-F238E27FC236}">
-                <a16:creationId xmlns:a16="http://schemas.microsoft.com/office/drawing/2014/main" id="{DEBD01DE-3A04-A064-052F-869AE66569E9}"/>
-              </a:ext>
-            </a:extLst>
-          </p:cNvPr>
-          <p:cNvSpPr>
-            <a:spLocks noGrp="1"/>
-          </p:cNvSpPr>
-          <p:nvPr>
-            <p:ph type="dt" sz="half" idx="10"/>
+            <a:endParaRPr lang="cs-CZ" dirty="0"/>
+          </a:p>
+        </p:txBody>
+      </p:sp>
+      <p:sp>
+        <p:nvSpPr>
+          <p:cNvPr id="4" name="Zástupný symbol pro číslo snímku 3"/>
+          <p:cNvSpPr>
+            <a:spLocks noGrp="1"/>
+          </p:cNvSpPr>
+          <p:nvPr>
+            <p:ph type="sldNum" sz="quarter" idx="10"/>
           </p:nvPr>
         </p:nvSpPr>
         <p:spPr/>
@@ -1208,84 +1018,39 @@
           <a:bodyPr/>
           <a:lstStyle/>
           <a:p>
-            <a:fld id="{DBC98360-1B30-4F69-AE75-40532A18B4DE}" type="datetimeFigureOut">
-              <a:rPr lang="en-US" smtClean="0"/>
-              <a:t>2/21/2025</a:t>
+            <a:fld id="{1EE0FFFC-B299-4DB4-A5A2-5FE0A233D244}" type="slidenum">
+              <a:rPr lang="cs-CZ" smtClean="0">
+                <a:solidFill>
+                  <a:prstClr val="black"/>
+                </a:solidFill>
+              </a:rPr>
+              <a:pPr/>
+              <a:t>16</a:t>
             </a:fld>
-            <a:endParaRPr lang="en-US"/>
-          </a:p>
-        </p:txBody>
-      </p:sp>
-      <p:sp>
-        <p:nvSpPr>
-          <p:cNvPr id="5" name="Footer Placeholder 4">
-            <a:extLst>
-              <a:ext uri="{FF2B5EF4-FFF2-40B4-BE49-F238E27FC236}">
-                <a16:creationId xmlns:a16="http://schemas.microsoft.com/office/drawing/2014/main" id="{0B22C660-17B8-1882-58AD-3ED8FA42DF26}"/>
-              </a:ext>
-            </a:extLst>
-          </p:cNvPr>
-          <p:cNvSpPr>
-            <a:spLocks noGrp="1"/>
-          </p:cNvSpPr>
-          <p:nvPr>
-            <p:ph type="ftr" sz="quarter" idx="11"/>
-          </p:nvPr>
-        </p:nvSpPr>
-        <p:spPr/>
-        <p:txBody>
-          <a:bodyPr/>
-          <a:lstStyle/>
-          <a:p>
-            <a:endParaRPr lang="en-US"/>
-          </a:p>
-        </p:txBody>
-      </p:sp>
-      <p:sp>
-        <p:nvSpPr>
-          <p:cNvPr id="6" name="Slide Number Placeholder 5">
-            <a:extLst>
-              <a:ext uri="{FF2B5EF4-FFF2-40B4-BE49-F238E27FC236}">
-                <a16:creationId xmlns:a16="http://schemas.microsoft.com/office/drawing/2014/main" id="{23D5E98E-48F6-7017-E676-1CE5D6D52E38}"/>
-              </a:ext>
-            </a:extLst>
-          </p:cNvPr>
-          <p:cNvSpPr>
-            <a:spLocks noGrp="1"/>
-          </p:cNvSpPr>
-          <p:nvPr>
-            <p:ph type="sldNum" sz="quarter" idx="12"/>
-          </p:nvPr>
-        </p:nvSpPr>
-        <p:spPr/>
-        <p:txBody>
-          <a:bodyPr/>
-          <a:lstStyle/>
-          <a:p>
-            <a:fld id="{E0A240B1-0496-4BDB-87BA-8E24C4526A4F}" type="slidenum">
-              <a:rPr lang="en-US" smtClean="0"/>
-              <a:t>‹#›</a:t>
-            </a:fld>
-            <a:endParaRPr lang="en-US"/>
+            <a:endParaRPr lang="cs-CZ" dirty="0">
+              <a:solidFill>
+                <a:prstClr val="black"/>
+              </a:solidFill>
+            </a:endParaRPr>
           </a:p>
         </p:txBody>
       </p:sp>
     </p:spTree>
     <p:extLst>
       <p:ext uri="{BB962C8B-B14F-4D97-AF65-F5344CB8AC3E}">
-        <p14:creationId xmlns:p14="http://schemas.microsoft.com/office/powerpoint/2010/main" val="2221509960"/>
+        <p14:creationId xmlns:p14="http://schemas.microsoft.com/office/powerpoint/2010/main" val="777235607"/>
       </p:ext>
     </p:extLst>
   </p:cSld>
   <p:clrMapOvr>
     <a:masterClrMapping/>
   </p:clrMapOvr>
-</p:sldLayout>
+</p:notes>
 </file>
 
-<file path=ppt/slideLayouts/slideLayout11.xml><?xml version="1.0" encoding="utf-8"?>
-<p:sldLayout xmlns:a="http://schemas.openxmlformats.org/drawingml/2006/main" xmlns:r="http://schemas.openxmlformats.org/officeDocument/2006/relationships" xmlns:p="http://schemas.openxmlformats.org/presentationml/2006/main" type="vertTitleAndTx" preserve="1">
-  <p:cSld name="Vertical Title and Text">
+<file path=ppt/slideLayouts/slideLayout1.xml><?xml version="1.0" encoding="utf-8"?>
+<p:sldLayout xmlns:a="http://schemas.openxmlformats.org/drawingml/2006/main" xmlns:r="http://schemas.openxmlformats.org/officeDocument/2006/relationships" xmlns:p="http://schemas.openxmlformats.org/presentationml/2006/main" showMasterSp="0" preserve="1">
+  <p:cSld name="Úvodní snímek s podnadpisem">
     <p:spTree>
       <p:nvGrpSpPr>
         <p:cNvPr id="1" name=""/>
@@ -1302,186 +1067,372 @@
       </p:grpSpPr>
       <p:sp>
         <p:nvSpPr>
-          <p:cNvPr id="2" name="Vertical Title 1">
-            <a:extLst>
-              <a:ext uri="{FF2B5EF4-FFF2-40B4-BE49-F238E27FC236}">
-                <a16:creationId xmlns:a16="http://schemas.microsoft.com/office/drawing/2014/main" id="{2E00EB24-96D7-1DC1-D0DB-7231CB59979E}"/>
-              </a:ext>
-            </a:extLst>
-          </p:cNvPr>
-          <p:cNvSpPr>
-            <a:spLocks noGrp="1"/>
-          </p:cNvSpPr>
-          <p:nvPr>
-            <p:ph type="title" orient="vert"/>
+          <p:cNvPr id="2" name="Nadpis 1"/>
+          <p:cNvSpPr>
+            <a:spLocks noGrp="1"/>
+          </p:cNvSpPr>
+          <p:nvPr>
+            <p:ph type="ctrTitle" hasCustomPrompt="1"/>
           </p:nvPr>
         </p:nvSpPr>
         <p:spPr>
           <a:xfrm>
-            <a:off x="8724900" y="365125"/>
-            <a:ext cx="2628900" cy="5811838"/>
+            <a:off x="814918" y="2130426"/>
+            <a:ext cx="10561669" cy="866527"/>
           </a:xfrm>
         </p:spPr>
         <p:txBody>
-          <a:bodyPr vert="eaVert"/>
-          <a:lstStyle/>
-          <a:p>
-            <a:r>
-              <a:rPr lang="en-US"/>
-              <a:t>Click to edit Master title style</a:t>
-            </a:r>
-          </a:p>
-        </p:txBody>
-      </p:sp>
-      <p:sp>
-        <p:nvSpPr>
-          <p:cNvPr id="3" name="Vertical Text Placeholder 2">
-            <a:extLst>
-              <a:ext uri="{FF2B5EF4-FFF2-40B4-BE49-F238E27FC236}">
-                <a16:creationId xmlns:a16="http://schemas.microsoft.com/office/drawing/2014/main" id="{00C965A1-3FC4-CEB0-8E32-980AD74B2DD2}"/>
-              </a:ext>
-            </a:extLst>
-          </p:cNvPr>
-          <p:cNvSpPr>
-            <a:spLocks noGrp="1"/>
-          </p:cNvSpPr>
-          <p:nvPr>
-            <p:ph type="body" orient="vert" idx="1"/>
+          <a:bodyPr>
+            <a:normAutofit/>
+          </a:bodyPr>
+          <a:lstStyle>
+            <a:lvl1pPr>
+              <a:defRPr sz="5400">
+                <a:latin typeface="Segoe UI Semibold" panose="020B0702040204020203" pitchFamily="34" charset="0"/>
+                <a:cs typeface="Segoe UI Semibold" panose="020B0702040204020203" pitchFamily="34" charset="0"/>
+              </a:defRPr>
+            </a:lvl1pPr>
+          </a:lstStyle>
+          <a:p>
+            <a:r>
+              <a:rPr lang="cs-CZ" dirty="0"/>
+              <a:t>Název přednášky</a:t>
+            </a:r>
+          </a:p>
+        </p:txBody>
+      </p:sp>
+      <p:sp>
+        <p:nvSpPr>
+          <p:cNvPr id="3" name="Podnadpis 2"/>
+          <p:cNvSpPr>
+            <a:spLocks noGrp="1"/>
+          </p:cNvSpPr>
+          <p:nvPr>
+            <p:ph type="subTitle" idx="1" hasCustomPrompt="1"/>
           </p:nvPr>
         </p:nvSpPr>
         <p:spPr>
           <a:xfrm>
-            <a:off x="838200" y="365125"/>
-            <a:ext cx="7734300" cy="5811838"/>
+            <a:off x="814918" y="4052664"/>
+            <a:ext cx="10561669" cy="1968624"/>
           </a:xfrm>
         </p:spPr>
         <p:txBody>
-          <a:bodyPr vert="eaVert"/>
-          <a:lstStyle/>
+          <a:bodyPr anchor="b" anchorCtr="0">
+            <a:normAutofit/>
+          </a:bodyPr>
+          <a:lstStyle>
+            <a:lvl1pPr marL="0" indent="0" algn="l">
+              <a:buNone/>
+              <a:defRPr sz="2000" spc="-60" baseline="0">
+                <a:solidFill>
+                  <a:schemeClr val="tx1">
+                    <a:tint val="75000"/>
+                  </a:schemeClr>
+                </a:solidFill>
+                <a:latin typeface="Segoe UI" panose="020B0502040204020203" pitchFamily="34" charset="0"/>
+                <a:cs typeface="Segoe UI" panose="020B0502040204020203" pitchFamily="34" charset="0"/>
+              </a:defRPr>
+            </a:lvl1pPr>
+            <a:lvl2pPr marL="457200" indent="0" algn="ctr">
+              <a:buNone/>
+              <a:defRPr>
+                <a:solidFill>
+                  <a:schemeClr val="tx1">
+                    <a:tint val="75000"/>
+                  </a:schemeClr>
+                </a:solidFill>
+              </a:defRPr>
+            </a:lvl2pPr>
+            <a:lvl3pPr marL="914400" indent="0" algn="ctr">
+              <a:buNone/>
+              <a:defRPr>
+                <a:solidFill>
+                  <a:schemeClr val="tx1">
+                    <a:tint val="75000"/>
+                  </a:schemeClr>
+                </a:solidFill>
+              </a:defRPr>
+            </a:lvl3pPr>
+            <a:lvl4pPr marL="1371600" indent="0" algn="ctr">
+              <a:buNone/>
+              <a:defRPr>
+                <a:solidFill>
+                  <a:schemeClr val="tx1">
+                    <a:tint val="75000"/>
+                  </a:schemeClr>
+                </a:solidFill>
+              </a:defRPr>
+            </a:lvl4pPr>
+            <a:lvl5pPr marL="1828800" indent="0" algn="ctr">
+              <a:buNone/>
+              <a:defRPr>
+                <a:solidFill>
+                  <a:schemeClr val="tx1">
+                    <a:tint val="75000"/>
+                  </a:schemeClr>
+                </a:solidFill>
+              </a:defRPr>
+            </a:lvl5pPr>
+            <a:lvl6pPr marL="2286000" indent="0" algn="ctr">
+              <a:buNone/>
+              <a:defRPr>
+                <a:solidFill>
+                  <a:schemeClr val="tx1">
+                    <a:tint val="75000"/>
+                  </a:schemeClr>
+                </a:solidFill>
+              </a:defRPr>
+            </a:lvl6pPr>
+            <a:lvl7pPr marL="2743200" indent="0" algn="ctr">
+              <a:buNone/>
+              <a:defRPr>
+                <a:solidFill>
+                  <a:schemeClr val="tx1">
+                    <a:tint val="75000"/>
+                  </a:schemeClr>
+                </a:solidFill>
+              </a:defRPr>
+            </a:lvl7pPr>
+            <a:lvl8pPr marL="3200400" indent="0" algn="ctr">
+              <a:buNone/>
+              <a:defRPr>
+                <a:solidFill>
+                  <a:schemeClr val="tx1">
+                    <a:tint val="75000"/>
+                  </a:schemeClr>
+                </a:solidFill>
+              </a:defRPr>
+            </a:lvl8pPr>
+            <a:lvl9pPr marL="3657600" indent="0" algn="ctr">
+              <a:buNone/>
+              <a:defRPr>
+                <a:solidFill>
+                  <a:schemeClr val="tx1">
+                    <a:tint val="75000"/>
+                  </a:schemeClr>
+                </a:solidFill>
+              </a:defRPr>
+            </a:lvl9pPr>
+          </a:lstStyle>
+          <a:p>
+            <a:r>
+              <a:rPr lang="cs-CZ" dirty="0"/>
+              <a:t>Kontaktní informace</a:t>
+            </a:r>
+          </a:p>
+        </p:txBody>
+      </p:sp>
+      <p:grpSp>
+        <p:nvGrpSpPr>
+          <p:cNvPr id="16" name="Skupina 15"/>
+          <p:cNvGrpSpPr/>
+          <p:nvPr/>
+        </p:nvGrpSpPr>
+        <p:grpSpPr bwMode="gray">
+          <a:xfrm>
+            <a:off x="-3328" y="0"/>
+            <a:ext cx="6096000" cy="151200"/>
+            <a:chOff x="3203928" y="2491755"/>
+            <a:chExt cx="2160000" cy="72000"/>
+          </a:xfrm>
+        </p:grpSpPr>
+        <p:sp>
+          <p:nvSpPr>
+            <p:cNvPr id="17" name="Obdélník 16"/>
+            <p:cNvSpPr/>
+            <p:nvPr/>
+          </p:nvSpPr>
+          <p:spPr bwMode="gray">
+            <a:xfrm>
+              <a:off x="3923928" y="2491755"/>
+              <a:ext cx="720000" cy="72000"/>
+            </a:xfrm>
+            <a:prstGeom prst="rect">
+              <a:avLst/>
+            </a:prstGeom>
+            <a:solidFill>
+              <a:schemeClr val="accent2"/>
+            </a:solidFill>
+            <a:ln>
+              <a:noFill/>
+            </a:ln>
+          </p:spPr>
+          <p:style>
+            <a:lnRef idx="2">
+              <a:schemeClr val="accent1">
+                <a:shade val="50000"/>
+              </a:schemeClr>
+            </a:lnRef>
+            <a:fillRef idx="1">
+              <a:schemeClr val="accent1"/>
+            </a:fillRef>
+            <a:effectRef idx="0">
+              <a:schemeClr val="accent1"/>
+            </a:effectRef>
+            <a:fontRef idx="minor">
+              <a:schemeClr val="lt1"/>
+            </a:fontRef>
+          </p:style>
+          <p:txBody>
+            <a:bodyPr rtlCol="0" anchor="ctr"/>
+            <a:lstStyle/>
+            <a:p>
+              <a:pPr algn="ctr"/>
+              <a:endParaRPr lang="cs-CZ" sz="1800">
+                <a:solidFill>
+                  <a:prstClr val="white"/>
+                </a:solidFill>
+              </a:endParaRPr>
+            </a:p>
+          </p:txBody>
+        </p:sp>
+        <p:sp>
+          <p:nvSpPr>
+            <p:cNvPr id="18" name="Obdélník 17"/>
+            <p:cNvSpPr/>
+            <p:nvPr/>
+          </p:nvSpPr>
+          <p:spPr bwMode="gray">
+            <a:xfrm>
+              <a:off x="3203928" y="2491755"/>
+              <a:ext cx="720000" cy="72000"/>
+            </a:xfrm>
+            <a:prstGeom prst="rect">
+              <a:avLst/>
+            </a:prstGeom>
+            <a:solidFill>
+              <a:schemeClr val="accent1"/>
+            </a:solidFill>
+            <a:ln>
+              <a:noFill/>
+            </a:ln>
+          </p:spPr>
+          <p:style>
+            <a:lnRef idx="2">
+              <a:schemeClr val="accent1">
+                <a:shade val="50000"/>
+              </a:schemeClr>
+            </a:lnRef>
+            <a:fillRef idx="1">
+              <a:schemeClr val="accent1"/>
+            </a:fillRef>
+            <a:effectRef idx="0">
+              <a:schemeClr val="accent1"/>
+            </a:effectRef>
+            <a:fontRef idx="minor">
+              <a:schemeClr val="lt1"/>
+            </a:fontRef>
+          </p:style>
+          <p:txBody>
+            <a:bodyPr rtlCol="0" anchor="ctr"/>
+            <a:lstStyle/>
+            <a:p>
+              <a:pPr algn="ctr"/>
+              <a:endParaRPr lang="cs-CZ" sz="1800">
+                <a:solidFill>
+                  <a:prstClr val="white"/>
+                </a:solidFill>
+              </a:endParaRPr>
+            </a:p>
+          </p:txBody>
+        </p:sp>
+        <p:sp>
+          <p:nvSpPr>
+            <p:cNvPr id="19" name="Obdélník 18"/>
+            <p:cNvSpPr/>
+            <p:nvPr/>
+          </p:nvSpPr>
+          <p:spPr bwMode="gray">
+            <a:xfrm>
+              <a:off x="4643928" y="2491755"/>
+              <a:ext cx="720000" cy="72000"/>
+            </a:xfrm>
+            <a:prstGeom prst="rect">
+              <a:avLst/>
+            </a:prstGeom>
+            <a:solidFill>
+              <a:schemeClr val="accent3"/>
+            </a:solidFill>
+            <a:ln>
+              <a:noFill/>
+            </a:ln>
+          </p:spPr>
+          <p:style>
+            <a:lnRef idx="2">
+              <a:schemeClr val="accent1">
+                <a:shade val="50000"/>
+              </a:schemeClr>
+            </a:lnRef>
+            <a:fillRef idx="1">
+              <a:schemeClr val="accent1"/>
+            </a:fillRef>
+            <a:effectRef idx="0">
+              <a:schemeClr val="accent1"/>
+            </a:effectRef>
+            <a:fontRef idx="minor">
+              <a:schemeClr val="lt1"/>
+            </a:fontRef>
+          </p:style>
+          <p:txBody>
+            <a:bodyPr rtlCol="0" anchor="ctr"/>
+            <a:lstStyle/>
+            <a:p>
+              <a:pPr algn="ctr"/>
+              <a:endParaRPr lang="cs-CZ" sz="1800">
+                <a:solidFill>
+                  <a:prstClr val="white"/>
+                </a:solidFill>
+              </a:endParaRPr>
+            </a:p>
+          </p:txBody>
+        </p:sp>
+      </p:grpSp>
+      <p:sp>
+        <p:nvSpPr>
+          <p:cNvPr id="5" name="Zástupný symbol pro text 4"/>
+          <p:cNvSpPr>
+            <a:spLocks noGrp="1"/>
+          </p:cNvSpPr>
+          <p:nvPr>
+            <p:ph type="body" sz="quarter" idx="10" hasCustomPrompt="1"/>
+          </p:nvPr>
+        </p:nvSpPr>
+        <p:spPr>
+          <a:xfrm>
+            <a:off x="814918" y="2997200"/>
+            <a:ext cx="10562167" cy="863600"/>
+          </a:xfrm>
+        </p:spPr>
+        <p:txBody>
+          <a:bodyPr>
+            <a:normAutofit/>
+          </a:bodyPr>
+          <a:lstStyle>
+            <a:lvl1pPr marL="0" indent="0">
+              <a:buNone/>
+              <a:defRPr sz="2400">
+                <a:solidFill>
+                  <a:schemeClr val="tx2"/>
+                </a:solidFill>
+                <a:latin typeface="Segoe UI Semibold" panose="020B0702040204020203" pitchFamily="34" charset="0"/>
+                <a:cs typeface="Segoe UI Semibold" panose="020B0702040204020203" pitchFamily="34" charset="0"/>
+              </a:defRPr>
+            </a:lvl1pPr>
+          </a:lstStyle>
           <a:p>
             <a:pPr lvl="0"/>
             <a:r>
-              <a:rPr lang="en-US"/>
-              <a:t>Click to edit Master text styles</a:t>
-            </a:r>
-          </a:p>
-          <a:p>
-            <a:pPr lvl="1"/>
-            <a:r>
-              <a:rPr lang="en-US"/>
-              <a:t>Second level</a:t>
-            </a:r>
-          </a:p>
-          <a:p>
-            <a:pPr lvl="2"/>
-            <a:r>
-              <a:rPr lang="en-US"/>
-              <a:t>Third level</a:t>
-            </a:r>
-          </a:p>
-          <a:p>
-            <a:pPr lvl="3"/>
-            <a:r>
-              <a:rPr lang="en-US"/>
-              <a:t>Fourth level</a:t>
-            </a:r>
-          </a:p>
-          <a:p>
-            <a:pPr lvl="4"/>
-            <a:r>
-              <a:rPr lang="en-US"/>
-              <a:t>Fifth level</a:t>
-            </a:r>
-          </a:p>
-        </p:txBody>
-      </p:sp>
-      <p:sp>
-        <p:nvSpPr>
-          <p:cNvPr id="4" name="Date Placeholder 3">
-            <a:extLst>
-              <a:ext uri="{FF2B5EF4-FFF2-40B4-BE49-F238E27FC236}">
-                <a16:creationId xmlns:a16="http://schemas.microsoft.com/office/drawing/2014/main" id="{FE0BD495-1748-7FA6-C088-124A8C143822}"/>
-              </a:ext>
-            </a:extLst>
-          </p:cNvPr>
-          <p:cNvSpPr>
-            <a:spLocks noGrp="1"/>
-          </p:cNvSpPr>
-          <p:nvPr>
-            <p:ph type="dt" sz="half" idx="10"/>
-          </p:nvPr>
-        </p:nvSpPr>
-        <p:spPr/>
-        <p:txBody>
-          <a:bodyPr/>
-          <a:lstStyle/>
-          <a:p>
-            <a:fld id="{DBC98360-1B30-4F69-AE75-40532A18B4DE}" type="datetimeFigureOut">
-              <a:rPr lang="en-US" smtClean="0"/>
-              <a:t>2/21/2025</a:t>
-            </a:fld>
-            <a:endParaRPr lang="en-US"/>
-          </a:p>
-        </p:txBody>
-      </p:sp>
-      <p:sp>
-        <p:nvSpPr>
-          <p:cNvPr id="5" name="Footer Placeholder 4">
-            <a:extLst>
-              <a:ext uri="{FF2B5EF4-FFF2-40B4-BE49-F238E27FC236}">
-                <a16:creationId xmlns:a16="http://schemas.microsoft.com/office/drawing/2014/main" id="{48A6B67B-6B7E-3F93-3E8B-E44E3ED3247F}"/>
-              </a:ext>
-            </a:extLst>
-          </p:cNvPr>
-          <p:cNvSpPr>
-            <a:spLocks noGrp="1"/>
-          </p:cNvSpPr>
-          <p:nvPr>
-            <p:ph type="ftr" sz="quarter" idx="11"/>
-          </p:nvPr>
-        </p:nvSpPr>
-        <p:spPr/>
-        <p:txBody>
-          <a:bodyPr/>
-          <a:lstStyle/>
-          <a:p>
-            <a:endParaRPr lang="en-US"/>
-          </a:p>
-        </p:txBody>
-      </p:sp>
-      <p:sp>
-        <p:nvSpPr>
-          <p:cNvPr id="6" name="Slide Number Placeholder 5">
-            <a:extLst>
-              <a:ext uri="{FF2B5EF4-FFF2-40B4-BE49-F238E27FC236}">
-                <a16:creationId xmlns:a16="http://schemas.microsoft.com/office/drawing/2014/main" id="{065DDC14-5EA0-80A3-A955-351509F42997}"/>
-              </a:ext>
-            </a:extLst>
-          </p:cNvPr>
-          <p:cNvSpPr>
-            <a:spLocks noGrp="1"/>
-          </p:cNvSpPr>
-          <p:nvPr>
-            <p:ph type="sldNum" sz="quarter" idx="12"/>
-          </p:nvPr>
-        </p:nvSpPr>
-        <p:spPr/>
-        <p:txBody>
-          <a:bodyPr/>
-          <a:lstStyle/>
-          <a:p>
-            <a:fld id="{E0A240B1-0496-4BDB-87BA-8E24C4526A4F}" type="slidenum">
-              <a:rPr lang="en-US" smtClean="0"/>
-              <a:t>‹#›</a:t>
-            </a:fld>
-            <a:endParaRPr lang="en-US"/>
+              <a:rPr lang="cs-CZ" dirty="0"/>
+              <a:t>Podtitul</a:t>
+            </a:r>
           </a:p>
         </p:txBody>
       </p:sp>
     </p:spTree>
     <p:extLst>
       <p:ext uri="{BB962C8B-B14F-4D97-AF65-F5344CB8AC3E}">
-        <p14:creationId xmlns:p14="http://schemas.microsoft.com/office/powerpoint/2010/main" val="2112949555"/>
+        <p14:creationId xmlns:p14="http://schemas.microsoft.com/office/powerpoint/2010/main" val="3215842916"/>
       </p:ext>
     </p:extLst>
   </p:cSld>
@@ -1491,9 +1442,9 @@
 </p:sldLayout>
 </file>
 
-<file path=ppt/slideLayouts/slideLayout2.xml><?xml version="1.0" encoding="utf-8"?>
-<p:sldLayout xmlns:a="http://schemas.openxmlformats.org/drawingml/2006/main" xmlns:r="http://schemas.openxmlformats.org/officeDocument/2006/relationships" xmlns:p="http://schemas.openxmlformats.org/presentationml/2006/main" type="obj" preserve="1">
-  <p:cSld name="Title and Content">
+<file path=ppt/slideLayouts/slideLayout10.xml><?xml version="1.0" encoding="utf-8"?>
+<p:sldLayout xmlns:a="http://schemas.openxmlformats.org/drawingml/2006/main" xmlns:r="http://schemas.openxmlformats.org/officeDocument/2006/relationships" xmlns:p="http://schemas.openxmlformats.org/presentationml/2006/main" showMasterSp="0" type="title" preserve="1">
+  <p:cSld name="Předělový snímek">
     <p:spTree>
       <p:nvGrpSpPr>
         <p:cNvPr id="1" name=""/>
@@ -1510,176 +1461,327 @@
       </p:grpSpPr>
       <p:sp>
         <p:nvSpPr>
-          <p:cNvPr id="2" name="Title 1">
-            <a:extLst>
-              <a:ext uri="{FF2B5EF4-FFF2-40B4-BE49-F238E27FC236}">
-                <a16:creationId xmlns:a16="http://schemas.microsoft.com/office/drawing/2014/main" id="{E06397FD-860B-7976-99DC-0D47042F7631}"/>
-              </a:ext>
-            </a:extLst>
-          </p:cNvPr>
-          <p:cNvSpPr>
-            <a:spLocks noGrp="1"/>
-          </p:cNvSpPr>
-          <p:nvPr>
-            <p:ph type="title"/>
-          </p:nvPr>
-        </p:nvSpPr>
-        <p:spPr/>
-        <p:txBody>
-          <a:bodyPr/>
-          <a:lstStyle/>
-          <a:p>
-            <a:r>
-              <a:rPr lang="en-US"/>
-              <a:t>Click to edit Master title style</a:t>
-            </a:r>
-          </a:p>
-        </p:txBody>
-      </p:sp>
-      <p:sp>
-        <p:nvSpPr>
-          <p:cNvPr id="3" name="Content Placeholder 2">
-            <a:extLst>
-              <a:ext uri="{FF2B5EF4-FFF2-40B4-BE49-F238E27FC236}">
-                <a16:creationId xmlns:a16="http://schemas.microsoft.com/office/drawing/2014/main" id="{9C707D30-69B8-2414-978C-2C3AEE10E554}"/>
-              </a:ext>
-            </a:extLst>
-          </p:cNvPr>
-          <p:cNvSpPr>
-            <a:spLocks noGrp="1"/>
-          </p:cNvSpPr>
-          <p:nvPr>
-            <p:ph idx="1"/>
-          </p:nvPr>
-        </p:nvSpPr>
-        <p:spPr/>
-        <p:txBody>
-          <a:bodyPr/>
-          <a:lstStyle/>
-          <a:p>
-            <a:pPr lvl="0"/>
-            <a:r>
-              <a:rPr lang="en-US"/>
-              <a:t>Click to edit Master text styles</a:t>
-            </a:r>
-          </a:p>
-          <a:p>
-            <a:pPr lvl="1"/>
-            <a:r>
-              <a:rPr lang="en-US"/>
-              <a:t>Second level</a:t>
-            </a:r>
-          </a:p>
-          <a:p>
-            <a:pPr lvl="2"/>
-            <a:r>
-              <a:rPr lang="en-US"/>
-              <a:t>Third level</a:t>
-            </a:r>
-          </a:p>
-          <a:p>
-            <a:pPr lvl="3"/>
-            <a:r>
-              <a:rPr lang="en-US"/>
-              <a:t>Fourth level</a:t>
-            </a:r>
-          </a:p>
-          <a:p>
-            <a:pPr lvl="4"/>
-            <a:r>
-              <a:rPr lang="en-US"/>
-              <a:t>Fifth level</a:t>
-            </a:r>
-          </a:p>
-        </p:txBody>
-      </p:sp>
-      <p:sp>
-        <p:nvSpPr>
-          <p:cNvPr id="4" name="Date Placeholder 3">
-            <a:extLst>
-              <a:ext uri="{FF2B5EF4-FFF2-40B4-BE49-F238E27FC236}">
-                <a16:creationId xmlns:a16="http://schemas.microsoft.com/office/drawing/2014/main" id="{F13FEBF7-A8DE-6B7C-DAC9-BE3DDB127703}"/>
-              </a:ext>
-            </a:extLst>
-          </p:cNvPr>
-          <p:cNvSpPr>
-            <a:spLocks noGrp="1"/>
-          </p:cNvSpPr>
-          <p:nvPr>
-            <p:ph type="dt" sz="half" idx="10"/>
-          </p:nvPr>
-        </p:nvSpPr>
-        <p:spPr/>
-        <p:txBody>
-          <a:bodyPr/>
-          <a:lstStyle/>
-          <a:p>
-            <a:fld id="{DBC98360-1B30-4F69-AE75-40532A18B4DE}" type="datetimeFigureOut">
-              <a:rPr lang="en-US" smtClean="0"/>
-              <a:t>2/21/2025</a:t>
-            </a:fld>
-            <a:endParaRPr lang="en-US"/>
-          </a:p>
-        </p:txBody>
-      </p:sp>
-      <p:sp>
-        <p:nvSpPr>
-          <p:cNvPr id="5" name="Footer Placeholder 4">
-            <a:extLst>
-              <a:ext uri="{FF2B5EF4-FFF2-40B4-BE49-F238E27FC236}">
-                <a16:creationId xmlns:a16="http://schemas.microsoft.com/office/drawing/2014/main" id="{9AEF9EBF-B08E-A901-9397-AE0311303272}"/>
-              </a:ext>
-            </a:extLst>
-          </p:cNvPr>
-          <p:cNvSpPr>
-            <a:spLocks noGrp="1"/>
-          </p:cNvSpPr>
-          <p:nvPr>
-            <p:ph type="ftr" sz="quarter" idx="11"/>
-          </p:nvPr>
-        </p:nvSpPr>
-        <p:spPr/>
-        <p:txBody>
-          <a:bodyPr/>
-          <a:lstStyle/>
-          <a:p>
-            <a:endParaRPr lang="en-US"/>
-          </a:p>
-        </p:txBody>
-      </p:sp>
-      <p:sp>
-        <p:nvSpPr>
-          <p:cNvPr id="6" name="Slide Number Placeholder 5">
-            <a:extLst>
-              <a:ext uri="{FF2B5EF4-FFF2-40B4-BE49-F238E27FC236}">
-                <a16:creationId xmlns:a16="http://schemas.microsoft.com/office/drawing/2014/main" id="{65D549D8-C20C-1490-9A33-6D17B38F7CFF}"/>
-              </a:ext>
-            </a:extLst>
-          </p:cNvPr>
-          <p:cNvSpPr>
-            <a:spLocks noGrp="1"/>
-          </p:cNvSpPr>
-          <p:nvPr>
-            <p:ph type="sldNum" sz="quarter" idx="12"/>
-          </p:nvPr>
-        </p:nvSpPr>
-        <p:spPr/>
-        <p:txBody>
-          <a:bodyPr/>
-          <a:lstStyle/>
-          <a:p>
-            <a:fld id="{E0A240B1-0496-4BDB-87BA-8E24C4526A4F}" type="slidenum">
-              <a:rPr lang="en-US" smtClean="0"/>
-              <a:t>‹#›</a:t>
-            </a:fld>
-            <a:endParaRPr lang="en-US"/>
-          </a:p>
-        </p:txBody>
-      </p:sp>
+          <p:cNvPr id="2" name="Nadpis 1"/>
+          <p:cNvSpPr>
+            <a:spLocks noGrp="1"/>
+          </p:cNvSpPr>
+          <p:nvPr>
+            <p:ph type="ctrTitle" hasCustomPrompt="1"/>
+          </p:nvPr>
+        </p:nvSpPr>
+        <p:spPr>
+          <a:xfrm>
+            <a:off x="814918" y="2130426"/>
+            <a:ext cx="10561669" cy="1470025"/>
+          </a:xfrm>
+        </p:spPr>
+        <p:txBody>
+          <a:bodyPr>
+            <a:normAutofit/>
+          </a:bodyPr>
+          <a:lstStyle>
+            <a:lvl1pPr>
+              <a:defRPr sz="4400"/>
+            </a:lvl1pPr>
+          </a:lstStyle>
+          <a:p>
+            <a:r>
+              <a:rPr lang="cs-CZ" dirty="0"/>
+              <a:t>Název sekce prezentace</a:t>
+            </a:r>
+          </a:p>
+        </p:txBody>
+      </p:sp>
+      <p:sp>
+        <p:nvSpPr>
+          <p:cNvPr id="3" name="Podnadpis 2"/>
+          <p:cNvSpPr>
+            <a:spLocks noGrp="1"/>
+          </p:cNvSpPr>
+          <p:nvPr>
+            <p:ph type="subTitle" idx="1"/>
+          </p:nvPr>
+        </p:nvSpPr>
+        <p:spPr>
+          <a:xfrm>
+            <a:off x="814918" y="4052664"/>
+            <a:ext cx="10561669" cy="1968624"/>
+          </a:xfrm>
+        </p:spPr>
+        <p:txBody>
+          <a:bodyPr anchor="b" anchorCtr="0">
+            <a:normAutofit/>
+          </a:bodyPr>
+          <a:lstStyle>
+            <a:lvl1pPr marL="0" indent="0" algn="l">
+              <a:buNone/>
+              <a:defRPr sz="2400" spc="-60" baseline="0">
+                <a:solidFill>
+                  <a:schemeClr val="tx1">
+                    <a:tint val="75000"/>
+                  </a:schemeClr>
+                </a:solidFill>
+              </a:defRPr>
+            </a:lvl1pPr>
+            <a:lvl2pPr marL="457200" indent="0" algn="ctr">
+              <a:buNone/>
+              <a:defRPr>
+                <a:solidFill>
+                  <a:schemeClr val="tx1">
+                    <a:tint val="75000"/>
+                  </a:schemeClr>
+                </a:solidFill>
+              </a:defRPr>
+            </a:lvl2pPr>
+            <a:lvl3pPr marL="914400" indent="0" algn="ctr">
+              <a:buNone/>
+              <a:defRPr>
+                <a:solidFill>
+                  <a:schemeClr val="tx1">
+                    <a:tint val="75000"/>
+                  </a:schemeClr>
+                </a:solidFill>
+              </a:defRPr>
+            </a:lvl3pPr>
+            <a:lvl4pPr marL="1371600" indent="0" algn="ctr">
+              <a:buNone/>
+              <a:defRPr>
+                <a:solidFill>
+                  <a:schemeClr val="tx1">
+                    <a:tint val="75000"/>
+                  </a:schemeClr>
+                </a:solidFill>
+              </a:defRPr>
+            </a:lvl4pPr>
+            <a:lvl5pPr marL="1828800" indent="0" algn="ctr">
+              <a:buNone/>
+              <a:defRPr>
+                <a:solidFill>
+                  <a:schemeClr val="tx1">
+                    <a:tint val="75000"/>
+                  </a:schemeClr>
+                </a:solidFill>
+              </a:defRPr>
+            </a:lvl5pPr>
+            <a:lvl6pPr marL="2286000" indent="0" algn="ctr">
+              <a:buNone/>
+              <a:defRPr>
+                <a:solidFill>
+                  <a:schemeClr val="tx1">
+                    <a:tint val="75000"/>
+                  </a:schemeClr>
+                </a:solidFill>
+              </a:defRPr>
+            </a:lvl6pPr>
+            <a:lvl7pPr marL="2743200" indent="0" algn="ctr">
+              <a:buNone/>
+              <a:defRPr>
+                <a:solidFill>
+                  <a:schemeClr val="tx1">
+                    <a:tint val="75000"/>
+                  </a:schemeClr>
+                </a:solidFill>
+              </a:defRPr>
+            </a:lvl7pPr>
+            <a:lvl8pPr marL="3200400" indent="0" algn="ctr">
+              <a:buNone/>
+              <a:defRPr>
+                <a:solidFill>
+                  <a:schemeClr val="tx1">
+                    <a:tint val="75000"/>
+                  </a:schemeClr>
+                </a:solidFill>
+              </a:defRPr>
+            </a:lvl8pPr>
+            <a:lvl9pPr marL="3657600" indent="0" algn="ctr">
+              <a:buNone/>
+              <a:defRPr>
+                <a:solidFill>
+                  <a:schemeClr val="tx1">
+                    <a:tint val="75000"/>
+                  </a:schemeClr>
+                </a:solidFill>
+              </a:defRPr>
+            </a:lvl9pPr>
+          </a:lstStyle>
+          <a:p>
+            <a:r>
+              <a:rPr lang="cs-CZ"/>
+              <a:t>Kliknutím lze upravit styl předlohy.</a:t>
+            </a:r>
+            <a:endParaRPr lang="cs-CZ" dirty="0"/>
+          </a:p>
+        </p:txBody>
+      </p:sp>
+      <p:grpSp>
+        <p:nvGrpSpPr>
+          <p:cNvPr id="16" name="Skupina 15"/>
+          <p:cNvGrpSpPr/>
+          <p:nvPr/>
+        </p:nvGrpSpPr>
+        <p:grpSpPr bwMode="gray">
+          <a:xfrm>
+            <a:off x="-3328" y="0"/>
+            <a:ext cx="6096000" cy="151200"/>
+            <a:chOff x="3203928" y="2491755"/>
+            <a:chExt cx="2160000" cy="72000"/>
+          </a:xfrm>
+        </p:grpSpPr>
+        <p:sp>
+          <p:nvSpPr>
+            <p:cNvPr id="17" name="Obdélník 16"/>
+            <p:cNvSpPr/>
+            <p:nvPr/>
+          </p:nvSpPr>
+          <p:spPr bwMode="gray">
+            <a:xfrm>
+              <a:off x="3923928" y="2491755"/>
+              <a:ext cx="720000" cy="72000"/>
+            </a:xfrm>
+            <a:prstGeom prst="rect">
+              <a:avLst/>
+            </a:prstGeom>
+            <a:solidFill>
+              <a:schemeClr val="accent2"/>
+            </a:solidFill>
+            <a:ln>
+              <a:noFill/>
+            </a:ln>
+          </p:spPr>
+          <p:style>
+            <a:lnRef idx="2">
+              <a:schemeClr val="accent1">
+                <a:shade val="50000"/>
+              </a:schemeClr>
+            </a:lnRef>
+            <a:fillRef idx="1">
+              <a:schemeClr val="accent1"/>
+            </a:fillRef>
+            <a:effectRef idx="0">
+              <a:schemeClr val="accent1"/>
+            </a:effectRef>
+            <a:fontRef idx="minor">
+              <a:schemeClr val="lt1"/>
+            </a:fontRef>
+          </p:style>
+          <p:txBody>
+            <a:bodyPr rtlCol="0" anchor="ctr"/>
+            <a:lstStyle/>
+            <a:p>
+              <a:pPr algn="ctr"/>
+              <a:endParaRPr lang="cs-CZ" sz="1800">
+                <a:solidFill>
+                  <a:prstClr val="white"/>
+                </a:solidFill>
+              </a:endParaRPr>
+            </a:p>
+          </p:txBody>
+        </p:sp>
+        <p:sp>
+          <p:nvSpPr>
+            <p:cNvPr id="18" name="Obdélník 17"/>
+            <p:cNvSpPr/>
+            <p:nvPr/>
+          </p:nvSpPr>
+          <p:spPr bwMode="gray">
+            <a:xfrm>
+              <a:off x="3203928" y="2491755"/>
+              <a:ext cx="720000" cy="72000"/>
+            </a:xfrm>
+            <a:prstGeom prst="rect">
+              <a:avLst/>
+            </a:prstGeom>
+            <a:solidFill>
+              <a:schemeClr val="accent1"/>
+            </a:solidFill>
+            <a:ln>
+              <a:noFill/>
+            </a:ln>
+          </p:spPr>
+          <p:style>
+            <a:lnRef idx="2">
+              <a:schemeClr val="accent1">
+                <a:shade val="50000"/>
+              </a:schemeClr>
+            </a:lnRef>
+            <a:fillRef idx="1">
+              <a:schemeClr val="accent1"/>
+            </a:fillRef>
+            <a:effectRef idx="0">
+              <a:schemeClr val="accent1"/>
+            </a:effectRef>
+            <a:fontRef idx="minor">
+              <a:schemeClr val="lt1"/>
+            </a:fontRef>
+          </p:style>
+          <p:txBody>
+            <a:bodyPr rtlCol="0" anchor="ctr"/>
+            <a:lstStyle/>
+            <a:p>
+              <a:pPr algn="ctr"/>
+              <a:endParaRPr lang="cs-CZ" sz="1800">
+                <a:solidFill>
+                  <a:prstClr val="white"/>
+                </a:solidFill>
+              </a:endParaRPr>
+            </a:p>
+          </p:txBody>
+        </p:sp>
+        <p:sp>
+          <p:nvSpPr>
+            <p:cNvPr id="19" name="Obdélník 18"/>
+            <p:cNvSpPr/>
+            <p:nvPr/>
+          </p:nvSpPr>
+          <p:spPr bwMode="gray">
+            <a:xfrm>
+              <a:off x="4643928" y="2491755"/>
+              <a:ext cx="720000" cy="72000"/>
+            </a:xfrm>
+            <a:prstGeom prst="rect">
+              <a:avLst/>
+            </a:prstGeom>
+            <a:solidFill>
+              <a:schemeClr val="accent3"/>
+            </a:solidFill>
+            <a:ln>
+              <a:noFill/>
+            </a:ln>
+          </p:spPr>
+          <p:style>
+            <a:lnRef idx="2">
+              <a:schemeClr val="accent1">
+                <a:shade val="50000"/>
+              </a:schemeClr>
+            </a:lnRef>
+            <a:fillRef idx="1">
+              <a:schemeClr val="accent1"/>
+            </a:fillRef>
+            <a:effectRef idx="0">
+              <a:schemeClr val="accent1"/>
+            </a:effectRef>
+            <a:fontRef idx="minor">
+              <a:schemeClr val="lt1"/>
+            </a:fontRef>
+          </p:style>
+          <p:txBody>
+            <a:bodyPr rtlCol="0" anchor="ctr"/>
+            <a:lstStyle/>
+            <a:p>
+              <a:pPr algn="ctr"/>
+              <a:endParaRPr lang="cs-CZ" sz="1800">
+                <a:solidFill>
+                  <a:prstClr val="white"/>
+                </a:solidFill>
+              </a:endParaRPr>
+            </a:p>
+          </p:txBody>
+        </p:sp>
+      </p:grpSp>
     </p:spTree>
     <p:extLst>
       <p:ext uri="{BB962C8B-B14F-4D97-AF65-F5344CB8AC3E}">
-        <p14:creationId xmlns:p14="http://schemas.microsoft.com/office/powerpoint/2010/main" val="4162244054"/>
+        <p14:creationId xmlns:p14="http://schemas.microsoft.com/office/powerpoint/2010/main" val="1649655858"/>
       </p:ext>
     </p:extLst>
   </p:cSld>
@@ -1689,9 +1791,9 @@
 </p:sldLayout>
 </file>
 
-<file path=ppt/slideLayouts/slideLayout3.xml><?xml version="1.0" encoding="utf-8"?>
-<p:sldLayout xmlns:a="http://schemas.openxmlformats.org/drawingml/2006/main" xmlns:r="http://schemas.openxmlformats.org/officeDocument/2006/relationships" xmlns:p="http://schemas.openxmlformats.org/presentationml/2006/main" type="secHead" preserve="1">
-  <p:cSld name="Section Header">
+<file path=ppt/slideLayouts/slideLayout11.xml><?xml version="1.0" encoding="utf-8"?>
+<p:sldLayout xmlns:a="http://schemas.openxmlformats.org/drawingml/2006/main" xmlns:r="http://schemas.openxmlformats.org/officeDocument/2006/relationships" xmlns:p="http://schemas.openxmlformats.org/presentationml/2006/main" type="titleOnly" preserve="1">
+  <p:cSld name="Pouze nadpis">
     <p:spTree>
       <p:nvGrpSpPr>
         <p:cNvPr id="1" name=""/>
@@ -1708,253 +1810,172 @@
       </p:grpSpPr>
       <p:sp>
         <p:nvSpPr>
-          <p:cNvPr id="2" name="Title 1">
-            <a:extLst>
-              <a:ext uri="{FF2B5EF4-FFF2-40B4-BE49-F238E27FC236}">
-                <a16:creationId xmlns:a16="http://schemas.microsoft.com/office/drawing/2014/main" id="{C75AF47A-73B8-8D1B-0A1F-301C618AAA4C}"/>
-              </a:ext>
-            </a:extLst>
-          </p:cNvPr>
-          <p:cNvSpPr>
-            <a:spLocks noGrp="1"/>
-          </p:cNvSpPr>
-          <p:nvPr>
-            <p:ph type="title"/>
+          <p:cNvPr id="2" name="Nadpis 1"/>
+          <p:cNvSpPr>
+            <a:spLocks noGrp="1"/>
+          </p:cNvSpPr>
+          <p:nvPr>
+            <p:ph type="title" hasCustomPrompt="1"/>
+          </p:nvPr>
+        </p:nvSpPr>
+        <p:spPr/>
+        <p:txBody>
+          <a:bodyPr/>
+          <a:lstStyle>
+            <a:lvl1pPr>
+              <a:defRPr/>
+            </a:lvl1pPr>
+          </a:lstStyle>
+          <a:p>
+            <a:r>
+              <a:rPr lang="cs-CZ" dirty="0"/>
+              <a:t>Nadpis snímku</a:t>
+            </a:r>
+          </a:p>
+        </p:txBody>
+      </p:sp>
+      <p:sp>
+        <p:nvSpPr>
+          <p:cNvPr id="6" name="Zástupný symbol pro datum 3"/>
+          <p:cNvSpPr>
+            <a:spLocks noGrp="1"/>
+          </p:cNvSpPr>
+          <p:nvPr>
+            <p:ph type="dt" sz="half" idx="2"/>
           </p:nvPr>
         </p:nvSpPr>
         <p:spPr>
           <a:xfrm>
-            <a:off x="831850" y="1709738"/>
-            <a:ext cx="10515600" cy="2852737"/>
+            <a:off x="1391477" y="6448252"/>
+            <a:ext cx="1248139" cy="365125"/>
           </a:xfrm>
+          <a:prstGeom prst="rect">
+            <a:avLst/>
+          </a:prstGeom>
         </p:spPr>
         <p:txBody>
-          <a:bodyPr anchor="b"/>
+          <a:bodyPr lIns="0" tIns="0" rIns="0" bIns="0"/>
           <a:lstStyle>
-            <a:lvl1pPr>
-              <a:defRPr sz="6000"/>
+            <a:lvl1pPr algn="l">
+              <a:defRPr sz="1600">
+                <a:solidFill>
+                  <a:schemeClr val="tx1">
+                    <a:lumMod val="50000"/>
+                    <a:lumOff val="50000"/>
+                  </a:schemeClr>
+                </a:solidFill>
+              </a:defRPr>
             </a:lvl1pPr>
           </a:lstStyle>
           <a:p>
-            <a:r>
-              <a:rPr lang="en-US"/>
-              <a:t>Click to edit Master title style</a:t>
-            </a:r>
-          </a:p>
-        </p:txBody>
-      </p:sp>
-      <p:sp>
-        <p:nvSpPr>
-          <p:cNvPr id="3" name="Text Placeholder 2">
-            <a:extLst>
-              <a:ext uri="{FF2B5EF4-FFF2-40B4-BE49-F238E27FC236}">
-                <a16:creationId xmlns:a16="http://schemas.microsoft.com/office/drawing/2014/main" id="{9D792739-5AED-1A98-1118-88BDA7C68AE4}"/>
-              </a:ext>
-            </a:extLst>
-          </p:cNvPr>
-          <p:cNvSpPr>
-            <a:spLocks noGrp="1"/>
-          </p:cNvSpPr>
-          <p:nvPr>
-            <p:ph type="body" idx="1"/>
+            <a:endParaRPr lang="cs-CZ" dirty="0">
+              <a:solidFill>
+                <a:prstClr val="black">
+                  <a:lumMod val="50000"/>
+                  <a:lumOff val="50000"/>
+                </a:prstClr>
+              </a:solidFill>
+            </a:endParaRPr>
+          </a:p>
+        </p:txBody>
+      </p:sp>
+      <p:sp>
+        <p:nvSpPr>
+          <p:cNvPr id="7" name="Zástupný symbol pro zápatí 4"/>
+          <p:cNvSpPr>
+            <a:spLocks noGrp="1"/>
+          </p:cNvSpPr>
+          <p:nvPr>
+            <p:ph type="ftr" sz="quarter" idx="3"/>
           </p:nvPr>
         </p:nvSpPr>
         <p:spPr>
           <a:xfrm>
-            <a:off x="831850" y="4589463"/>
-            <a:ext cx="10515600" cy="1500187"/>
+            <a:off x="2831637" y="6448252"/>
+            <a:ext cx="6720747" cy="365125"/>
           </a:xfrm>
+          <a:prstGeom prst="rect">
+            <a:avLst/>
+          </a:prstGeom>
         </p:spPr>
         <p:txBody>
-          <a:bodyPr/>
+          <a:bodyPr lIns="0" tIns="0" rIns="0" bIns="0"/>
           <a:lstStyle>
-            <a:lvl1pPr marL="0" indent="0">
-              <a:buNone/>
-              <a:defRPr sz="2400">
+            <a:lvl1pPr algn="l">
+              <a:defRPr sz="1600">
                 <a:solidFill>
                   <a:schemeClr val="tx1">
-                    <a:tint val="82000"/>
+                    <a:lumMod val="50000"/>
+                    <a:lumOff val="50000"/>
                   </a:schemeClr>
                 </a:solidFill>
               </a:defRPr>
             </a:lvl1pPr>
-            <a:lvl2pPr marL="457200" indent="0">
-              <a:buNone/>
-              <a:defRPr sz="2000">
-                <a:solidFill>
-                  <a:schemeClr val="tx1">
-                    <a:tint val="82000"/>
-                  </a:schemeClr>
+          </a:lstStyle>
+          <a:p>
+            <a:endParaRPr lang="cs-CZ" dirty="0">
+              <a:solidFill>
+                <a:prstClr val="black">
+                  <a:lumMod val="50000"/>
+                  <a:lumOff val="50000"/>
+                </a:prstClr>
+              </a:solidFill>
+            </a:endParaRPr>
+          </a:p>
+        </p:txBody>
+      </p:sp>
+      <p:sp>
+        <p:nvSpPr>
+          <p:cNvPr id="8" name="Zástupný symbol pro číslo snímku 5"/>
+          <p:cNvSpPr>
+            <a:spLocks noGrp="1"/>
+          </p:cNvSpPr>
+          <p:nvPr>
+            <p:ph type="sldNum" sz="quarter" idx="4"/>
+          </p:nvPr>
+        </p:nvSpPr>
+        <p:spPr>
+          <a:xfrm>
+            <a:off x="623392" y="6448252"/>
+            <a:ext cx="576064" cy="365125"/>
+          </a:xfrm>
+          <a:prstGeom prst="rect">
+            <a:avLst/>
+          </a:prstGeom>
+        </p:spPr>
+        <p:txBody>
+          <a:bodyPr lIns="0" tIns="0" rIns="0" bIns="0"/>
+          <a:lstStyle>
+            <a:lvl1pPr algn="l">
+              <a:defRPr sz="1600" b="1">
+                <a:solidFill>
+                  <a:schemeClr val="tx2"/>
                 </a:solidFill>
               </a:defRPr>
-            </a:lvl2pPr>
-            <a:lvl3pPr marL="914400" indent="0">
-              <a:buNone/>
-              <a:defRPr sz="1800">
-                <a:solidFill>
-                  <a:schemeClr val="tx1">
-                    <a:tint val="82000"/>
-                  </a:schemeClr>
-                </a:solidFill>
-              </a:defRPr>
-            </a:lvl3pPr>
-            <a:lvl4pPr marL="1371600" indent="0">
-              <a:buNone/>
-              <a:defRPr sz="1600">
-                <a:solidFill>
-                  <a:schemeClr val="tx1">
-                    <a:tint val="82000"/>
-                  </a:schemeClr>
-                </a:solidFill>
-              </a:defRPr>
-            </a:lvl4pPr>
-            <a:lvl5pPr marL="1828800" indent="0">
-              <a:buNone/>
-              <a:defRPr sz="1600">
-                <a:solidFill>
-                  <a:schemeClr val="tx1">
-                    <a:tint val="82000"/>
-                  </a:schemeClr>
-                </a:solidFill>
-              </a:defRPr>
-            </a:lvl5pPr>
-            <a:lvl6pPr marL="2286000" indent="0">
-              <a:buNone/>
-              <a:defRPr sz="1600">
-                <a:solidFill>
-                  <a:schemeClr val="tx1">
-                    <a:tint val="82000"/>
-                  </a:schemeClr>
-                </a:solidFill>
-              </a:defRPr>
-            </a:lvl6pPr>
-            <a:lvl7pPr marL="2743200" indent="0">
-              <a:buNone/>
-              <a:defRPr sz="1600">
-                <a:solidFill>
-                  <a:schemeClr val="tx1">
-                    <a:tint val="82000"/>
-                  </a:schemeClr>
-                </a:solidFill>
-              </a:defRPr>
-            </a:lvl7pPr>
-            <a:lvl8pPr marL="3200400" indent="0">
-              <a:buNone/>
-              <a:defRPr sz="1600">
-                <a:solidFill>
-                  <a:schemeClr val="tx1">
-                    <a:tint val="82000"/>
-                  </a:schemeClr>
-                </a:solidFill>
-              </a:defRPr>
-            </a:lvl8pPr>
-            <a:lvl9pPr marL="3657600" indent="0">
-              <a:buNone/>
-              <a:defRPr sz="1600">
-                <a:solidFill>
-                  <a:schemeClr val="tx1">
-                    <a:tint val="82000"/>
-                  </a:schemeClr>
-                </a:solidFill>
-              </a:defRPr>
-            </a:lvl9pPr>
+            </a:lvl1pPr>
           </a:lstStyle>
           <a:p>
-            <a:pPr lvl="0"/>
-            <a:r>
-              <a:rPr lang="en-US"/>
-              <a:t>Click to edit Master text styles</a:t>
-            </a:r>
-          </a:p>
-        </p:txBody>
-      </p:sp>
-      <p:sp>
-        <p:nvSpPr>
-          <p:cNvPr id="4" name="Date Placeholder 3">
-            <a:extLst>
-              <a:ext uri="{FF2B5EF4-FFF2-40B4-BE49-F238E27FC236}">
-                <a16:creationId xmlns:a16="http://schemas.microsoft.com/office/drawing/2014/main" id="{0681CD5D-13F7-5BE2-41BA-81AE4C595773}"/>
-              </a:ext>
-            </a:extLst>
-          </p:cNvPr>
-          <p:cNvSpPr>
-            <a:spLocks noGrp="1"/>
-          </p:cNvSpPr>
-          <p:nvPr>
-            <p:ph type="dt" sz="half" idx="10"/>
-          </p:nvPr>
-        </p:nvSpPr>
-        <p:spPr/>
-        <p:txBody>
-          <a:bodyPr/>
-          <a:lstStyle/>
-          <a:p>
-            <a:fld id="{DBC98360-1B30-4F69-AE75-40532A18B4DE}" type="datetimeFigureOut">
-              <a:rPr lang="en-US" smtClean="0"/>
-              <a:t>2/21/2025</a:t>
-            </a:fld>
-            <a:endParaRPr lang="en-US"/>
-          </a:p>
-        </p:txBody>
-      </p:sp>
-      <p:sp>
-        <p:nvSpPr>
-          <p:cNvPr id="5" name="Footer Placeholder 4">
-            <a:extLst>
-              <a:ext uri="{FF2B5EF4-FFF2-40B4-BE49-F238E27FC236}">
-                <a16:creationId xmlns:a16="http://schemas.microsoft.com/office/drawing/2014/main" id="{C00023FA-57FC-76CD-34F6-C0FD42262AD3}"/>
-              </a:ext>
-            </a:extLst>
-          </p:cNvPr>
-          <p:cNvSpPr>
-            <a:spLocks noGrp="1"/>
-          </p:cNvSpPr>
-          <p:nvPr>
-            <p:ph type="ftr" sz="quarter" idx="11"/>
-          </p:nvPr>
-        </p:nvSpPr>
-        <p:spPr/>
-        <p:txBody>
-          <a:bodyPr/>
-          <a:lstStyle/>
-          <a:p>
-            <a:endParaRPr lang="en-US"/>
-          </a:p>
-        </p:txBody>
-      </p:sp>
-      <p:sp>
-        <p:nvSpPr>
-          <p:cNvPr id="6" name="Slide Number Placeholder 5">
-            <a:extLst>
-              <a:ext uri="{FF2B5EF4-FFF2-40B4-BE49-F238E27FC236}">
-                <a16:creationId xmlns:a16="http://schemas.microsoft.com/office/drawing/2014/main" id="{E0C559C4-34E7-15A3-5C48-06A71A1AABFF}"/>
-              </a:ext>
-            </a:extLst>
-          </p:cNvPr>
-          <p:cNvSpPr>
-            <a:spLocks noGrp="1"/>
-          </p:cNvSpPr>
-          <p:nvPr>
-            <p:ph type="sldNum" sz="quarter" idx="12"/>
-          </p:nvPr>
-        </p:nvSpPr>
-        <p:spPr/>
-        <p:txBody>
-          <a:bodyPr/>
-          <a:lstStyle/>
-          <a:p>
-            <a:fld id="{E0A240B1-0496-4BDB-87BA-8E24C4526A4F}" type="slidenum">
-              <a:rPr lang="en-US" smtClean="0"/>
+            <a:fld id="{31EF1479-3489-4788-BFA4-763D4DDB960F}" type="slidenum">
+              <a:rPr lang="cs-CZ" smtClean="0">
+                <a:solidFill>
+                  <a:srgbClr val="1E326C"/>
+                </a:solidFill>
+              </a:rPr>
+              <a:pPr/>
               <a:t>‹#›</a:t>
             </a:fld>
-            <a:endParaRPr lang="en-US"/>
+            <a:endParaRPr lang="cs-CZ" dirty="0">
+              <a:solidFill>
+                <a:srgbClr val="1E326C"/>
+              </a:solidFill>
+            </a:endParaRPr>
           </a:p>
         </p:txBody>
       </p:sp>
     </p:spTree>
     <p:extLst>
       <p:ext uri="{BB962C8B-B14F-4D97-AF65-F5344CB8AC3E}">
-        <p14:creationId xmlns:p14="http://schemas.microsoft.com/office/powerpoint/2010/main" val="2206000067"/>
+        <p14:creationId xmlns:p14="http://schemas.microsoft.com/office/powerpoint/2010/main" val="1195051362"/>
       </p:ext>
     </p:extLst>
   </p:cSld>
@@ -1964,9 +1985,9 @@
 </p:sldLayout>
 </file>
 
-<file path=ppt/slideLayouts/slideLayout4.xml><?xml version="1.0" encoding="utf-8"?>
-<p:sldLayout xmlns:a="http://schemas.openxmlformats.org/drawingml/2006/main" xmlns:r="http://schemas.openxmlformats.org/officeDocument/2006/relationships" xmlns:p="http://schemas.openxmlformats.org/presentationml/2006/main" type="twoObj" preserve="1">
-  <p:cSld name="Two Content">
+<file path=ppt/slideLayouts/slideLayout12.xml><?xml version="1.0" encoding="utf-8"?>
+<p:sldLayout xmlns:a="http://schemas.openxmlformats.org/drawingml/2006/main" xmlns:r="http://schemas.openxmlformats.org/officeDocument/2006/relationships" xmlns:p="http://schemas.openxmlformats.org/presentationml/2006/main" type="blank" preserve="1">
+  <p:cSld name="Prázdný snímek">
     <p:spTree>
       <p:nvGrpSpPr>
         <p:cNvPr id="1" name=""/>
@@ -1983,243 +2004,146 @@
       </p:grpSpPr>
       <p:sp>
         <p:nvSpPr>
-          <p:cNvPr id="2" name="Title 1">
-            <a:extLst>
-              <a:ext uri="{FF2B5EF4-FFF2-40B4-BE49-F238E27FC236}">
-                <a16:creationId xmlns:a16="http://schemas.microsoft.com/office/drawing/2014/main" id="{4C69E3BE-73AE-62E6-D430-A77D217CEC49}"/>
-              </a:ext>
-            </a:extLst>
-          </p:cNvPr>
-          <p:cNvSpPr>
-            <a:spLocks noGrp="1"/>
-          </p:cNvSpPr>
-          <p:nvPr>
-            <p:ph type="title"/>
-          </p:nvPr>
-        </p:nvSpPr>
-        <p:spPr/>
-        <p:txBody>
-          <a:bodyPr/>
-          <a:lstStyle/>
-          <a:p>
-            <a:r>
-              <a:rPr lang="en-US"/>
-              <a:t>Click to edit Master title style</a:t>
-            </a:r>
-          </a:p>
-        </p:txBody>
-      </p:sp>
-      <p:sp>
-        <p:nvSpPr>
-          <p:cNvPr id="3" name="Content Placeholder 2">
-            <a:extLst>
-              <a:ext uri="{FF2B5EF4-FFF2-40B4-BE49-F238E27FC236}">
-                <a16:creationId xmlns:a16="http://schemas.microsoft.com/office/drawing/2014/main" id="{E33C9147-062B-E4DF-6A77-084675C7D135}"/>
-              </a:ext>
-            </a:extLst>
-          </p:cNvPr>
-          <p:cNvSpPr>
-            <a:spLocks noGrp="1"/>
-          </p:cNvSpPr>
-          <p:nvPr>
-            <p:ph sz="half" idx="1"/>
+          <p:cNvPr id="5" name="Zástupný symbol pro datum 3"/>
+          <p:cNvSpPr>
+            <a:spLocks noGrp="1"/>
+          </p:cNvSpPr>
+          <p:nvPr>
+            <p:ph type="dt" sz="half" idx="2"/>
           </p:nvPr>
         </p:nvSpPr>
         <p:spPr>
           <a:xfrm>
-            <a:off x="838200" y="1825625"/>
-            <a:ext cx="5181600" cy="4351338"/>
+            <a:off x="1391477" y="6448252"/>
+            <a:ext cx="1248139" cy="365125"/>
           </a:xfrm>
+          <a:prstGeom prst="rect">
+            <a:avLst/>
+          </a:prstGeom>
         </p:spPr>
         <p:txBody>
-          <a:bodyPr/>
-          <a:lstStyle/>
-          <a:p>
-            <a:pPr lvl="0"/>
-            <a:r>
-              <a:rPr lang="en-US"/>
-              <a:t>Click to edit Master text styles</a:t>
-            </a:r>
-          </a:p>
-          <a:p>
-            <a:pPr lvl="1"/>
-            <a:r>
-              <a:rPr lang="en-US"/>
-              <a:t>Second level</a:t>
-            </a:r>
-          </a:p>
-          <a:p>
-            <a:pPr lvl="2"/>
-            <a:r>
-              <a:rPr lang="en-US"/>
-              <a:t>Third level</a:t>
-            </a:r>
-          </a:p>
-          <a:p>
-            <a:pPr lvl="3"/>
-            <a:r>
-              <a:rPr lang="en-US"/>
-              <a:t>Fourth level</a:t>
-            </a:r>
-          </a:p>
-          <a:p>
-            <a:pPr lvl="4"/>
-            <a:r>
-              <a:rPr lang="en-US"/>
-              <a:t>Fifth level</a:t>
-            </a:r>
-          </a:p>
-        </p:txBody>
-      </p:sp>
-      <p:sp>
-        <p:nvSpPr>
-          <p:cNvPr id="4" name="Content Placeholder 3">
-            <a:extLst>
-              <a:ext uri="{FF2B5EF4-FFF2-40B4-BE49-F238E27FC236}">
-                <a16:creationId xmlns:a16="http://schemas.microsoft.com/office/drawing/2014/main" id="{6F86C89D-FABE-9C8C-33AE-EF6694EE1E71}"/>
-              </a:ext>
-            </a:extLst>
-          </p:cNvPr>
-          <p:cNvSpPr>
-            <a:spLocks noGrp="1"/>
-          </p:cNvSpPr>
-          <p:nvPr>
-            <p:ph sz="half" idx="2"/>
+          <a:bodyPr lIns="0" tIns="0" rIns="0" bIns="0"/>
+          <a:lstStyle>
+            <a:lvl1pPr algn="l">
+              <a:defRPr sz="1600">
+                <a:solidFill>
+                  <a:schemeClr val="tx1">
+                    <a:lumMod val="50000"/>
+                    <a:lumOff val="50000"/>
+                  </a:schemeClr>
+                </a:solidFill>
+              </a:defRPr>
+            </a:lvl1pPr>
+          </a:lstStyle>
+          <a:p>
+            <a:endParaRPr lang="cs-CZ" dirty="0">
+              <a:solidFill>
+                <a:prstClr val="black">
+                  <a:lumMod val="50000"/>
+                  <a:lumOff val="50000"/>
+                </a:prstClr>
+              </a:solidFill>
+            </a:endParaRPr>
+          </a:p>
+        </p:txBody>
+      </p:sp>
+      <p:sp>
+        <p:nvSpPr>
+          <p:cNvPr id="6" name="Zástupný symbol pro zápatí 4"/>
+          <p:cNvSpPr>
+            <a:spLocks noGrp="1"/>
+          </p:cNvSpPr>
+          <p:nvPr>
+            <p:ph type="ftr" sz="quarter" idx="3"/>
           </p:nvPr>
         </p:nvSpPr>
         <p:spPr>
           <a:xfrm>
-            <a:off x="6172200" y="1825625"/>
-            <a:ext cx="5181600" cy="4351338"/>
+            <a:off x="2831637" y="6448252"/>
+            <a:ext cx="6720747" cy="365125"/>
           </a:xfrm>
+          <a:prstGeom prst="rect">
+            <a:avLst/>
+          </a:prstGeom>
         </p:spPr>
         <p:txBody>
-          <a:bodyPr/>
-          <a:lstStyle/>
-          <a:p>
-            <a:pPr lvl="0"/>
-            <a:r>
-              <a:rPr lang="en-US"/>
-              <a:t>Click to edit Master text styles</a:t>
-            </a:r>
-          </a:p>
-          <a:p>
-            <a:pPr lvl="1"/>
-            <a:r>
-              <a:rPr lang="en-US"/>
-              <a:t>Second level</a:t>
-            </a:r>
-          </a:p>
-          <a:p>
-            <a:pPr lvl="2"/>
-            <a:r>
-              <a:rPr lang="en-US"/>
-              <a:t>Third level</a:t>
-            </a:r>
-          </a:p>
-          <a:p>
-            <a:pPr lvl="3"/>
-            <a:r>
-              <a:rPr lang="en-US"/>
-              <a:t>Fourth level</a:t>
-            </a:r>
-          </a:p>
-          <a:p>
-            <a:pPr lvl="4"/>
-            <a:r>
-              <a:rPr lang="en-US"/>
-              <a:t>Fifth level</a:t>
-            </a:r>
-          </a:p>
-        </p:txBody>
-      </p:sp>
-      <p:sp>
-        <p:nvSpPr>
-          <p:cNvPr id="5" name="Date Placeholder 4">
-            <a:extLst>
-              <a:ext uri="{FF2B5EF4-FFF2-40B4-BE49-F238E27FC236}">
-                <a16:creationId xmlns:a16="http://schemas.microsoft.com/office/drawing/2014/main" id="{2330A09F-4715-0329-1813-A5B1FACD9B92}"/>
-              </a:ext>
-            </a:extLst>
-          </p:cNvPr>
-          <p:cNvSpPr>
-            <a:spLocks noGrp="1"/>
-          </p:cNvSpPr>
-          <p:nvPr>
-            <p:ph type="dt" sz="half" idx="10"/>
-          </p:nvPr>
-        </p:nvSpPr>
-        <p:spPr/>
-        <p:txBody>
-          <a:bodyPr/>
-          <a:lstStyle/>
-          <a:p>
-            <a:fld id="{DBC98360-1B30-4F69-AE75-40532A18B4DE}" type="datetimeFigureOut">
-              <a:rPr lang="en-US" smtClean="0"/>
-              <a:t>2/21/2025</a:t>
-            </a:fld>
-            <a:endParaRPr lang="en-US"/>
-          </a:p>
-        </p:txBody>
-      </p:sp>
-      <p:sp>
-        <p:nvSpPr>
-          <p:cNvPr id="6" name="Footer Placeholder 5">
-            <a:extLst>
-              <a:ext uri="{FF2B5EF4-FFF2-40B4-BE49-F238E27FC236}">
-                <a16:creationId xmlns:a16="http://schemas.microsoft.com/office/drawing/2014/main" id="{C8B50559-9799-62F4-8DEC-4972F043CE04}"/>
-              </a:ext>
-            </a:extLst>
-          </p:cNvPr>
-          <p:cNvSpPr>
-            <a:spLocks noGrp="1"/>
-          </p:cNvSpPr>
-          <p:nvPr>
-            <p:ph type="ftr" sz="quarter" idx="11"/>
-          </p:nvPr>
-        </p:nvSpPr>
-        <p:spPr/>
-        <p:txBody>
-          <a:bodyPr/>
-          <a:lstStyle/>
-          <a:p>
-            <a:endParaRPr lang="en-US"/>
-          </a:p>
-        </p:txBody>
-      </p:sp>
-      <p:sp>
-        <p:nvSpPr>
-          <p:cNvPr id="7" name="Slide Number Placeholder 6">
-            <a:extLst>
-              <a:ext uri="{FF2B5EF4-FFF2-40B4-BE49-F238E27FC236}">
-                <a16:creationId xmlns:a16="http://schemas.microsoft.com/office/drawing/2014/main" id="{F3FFE80F-A2B1-5B94-8ED6-773EB3A48CF7}"/>
-              </a:ext>
-            </a:extLst>
-          </p:cNvPr>
-          <p:cNvSpPr>
-            <a:spLocks noGrp="1"/>
-          </p:cNvSpPr>
-          <p:nvPr>
-            <p:ph type="sldNum" sz="quarter" idx="12"/>
-          </p:nvPr>
-        </p:nvSpPr>
-        <p:spPr/>
-        <p:txBody>
-          <a:bodyPr/>
-          <a:lstStyle/>
-          <a:p>
-            <a:fld id="{E0A240B1-0496-4BDB-87BA-8E24C4526A4F}" type="slidenum">
-              <a:rPr lang="en-US" smtClean="0"/>
+          <a:bodyPr lIns="0" tIns="0" rIns="0" bIns="0"/>
+          <a:lstStyle>
+            <a:lvl1pPr algn="l">
+              <a:defRPr sz="1600">
+                <a:solidFill>
+                  <a:schemeClr val="tx1">
+                    <a:lumMod val="50000"/>
+                    <a:lumOff val="50000"/>
+                  </a:schemeClr>
+                </a:solidFill>
+              </a:defRPr>
+            </a:lvl1pPr>
+          </a:lstStyle>
+          <a:p>
+            <a:endParaRPr lang="cs-CZ" dirty="0">
+              <a:solidFill>
+                <a:prstClr val="black">
+                  <a:lumMod val="50000"/>
+                  <a:lumOff val="50000"/>
+                </a:prstClr>
+              </a:solidFill>
+            </a:endParaRPr>
+          </a:p>
+        </p:txBody>
+      </p:sp>
+      <p:sp>
+        <p:nvSpPr>
+          <p:cNvPr id="7" name="Zástupný symbol pro číslo snímku 5"/>
+          <p:cNvSpPr>
+            <a:spLocks noGrp="1"/>
+          </p:cNvSpPr>
+          <p:nvPr>
+            <p:ph type="sldNum" sz="quarter" idx="4"/>
+          </p:nvPr>
+        </p:nvSpPr>
+        <p:spPr>
+          <a:xfrm>
+            <a:off x="623392" y="6448252"/>
+            <a:ext cx="576064" cy="365125"/>
+          </a:xfrm>
+          <a:prstGeom prst="rect">
+            <a:avLst/>
+          </a:prstGeom>
+        </p:spPr>
+        <p:txBody>
+          <a:bodyPr lIns="0" tIns="0" rIns="0" bIns="0"/>
+          <a:lstStyle>
+            <a:lvl1pPr algn="l">
+              <a:defRPr sz="1600" b="1">
+                <a:solidFill>
+                  <a:schemeClr val="tx2"/>
+                </a:solidFill>
+              </a:defRPr>
+            </a:lvl1pPr>
+          </a:lstStyle>
+          <a:p>
+            <a:fld id="{31EF1479-3489-4788-BFA4-763D4DDB960F}" type="slidenum">
+              <a:rPr lang="cs-CZ" smtClean="0">
+                <a:solidFill>
+                  <a:srgbClr val="1E326C"/>
+                </a:solidFill>
+              </a:rPr>
+              <a:pPr/>
               <a:t>‹#›</a:t>
             </a:fld>
-            <a:endParaRPr lang="en-US"/>
+            <a:endParaRPr lang="cs-CZ" dirty="0">
+              <a:solidFill>
+                <a:srgbClr val="1E326C"/>
+              </a:solidFill>
+            </a:endParaRPr>
           </a:p>
         </p:txBody>
       </p:sp>
     </p:spTree>
     <p:extLst>
       <p:ext uri="{BB962C8B-B14F-4D97-AF65-F5344CB8AC3E}">
-        <p14:creationId xmlns:p14="http://schemas.microsoft.com/office/powerpoint/2010/main" val="3360578388"/>
+        <p14:creationId xmlns:p14="http://schemas.microsoft.com/office/powerpoint/2010/main" val="763398457"/>
       </p:ext>
     </p:extLst>
   </p:cSld>
@@ -2229,9 +2153,9 @@
 </p:sldLayout>
 </file>
 
-<file path=ppt/slideLayouts/slideLayout5.xml><?xml version="1.0" encoding="utf-8"?>
-<p:sldLayout xmlns:a="http://schemas.openxmlformats.org/drawingml/2006/main" xmlns:r="http://schemas.openxmlformats.org/officeDocument/2006/relationships" xmlns:p="http://schemas.openxmlformats.org/presentationml/2006/main" type="twoTxTwoObj" preserve="1">
-  <p:cSld name="Comparison">
+<file path=ppt/slideLayouts/slideLayout2.xml><?xml version="1.0" encoding="utf-8"?>
+<p:sldLayout xmlns:a="http://schemas.openxmlformats.org/drawingml/2006/main" xmlns:r="http://schemas.openxmlformats.org/officeDocument/2006/relationships" xmlns:p="http://schemas.openxmlformats.org/presentationml/2006/main" type="obj" preserve="1">
+  <p:cSld name="Nadpis 2řádkový + obsah">
     <p:spTree>
       <p:nvGrpSpPr>
         <p:cNvPr id="1" name=""/>
@@ -2248,390 +2172,251 @@
       </p:grpSpPr>
       <p:sp>
         <p:nvSpPr>
-          <p:cNvPr id="2" name="Title 1">
-            <a:extLst>
-              <a:ext uri="{FF2B5EF4-FFF2-40B4-BE49-F238E27FC236}">
-                <a16:creationId xmlns:a16="http://schemas.microsoft.com/office/drawing/2014/main" id="{14834F02-071E-7D78-FB40-9B3B377466B5}"/>
-              </a:ext>
-            </a:extLst>
-          </p:cNvPr>
-          <p:cNvSpPr>
-            <a:spLocks noGrp="1"/>
-          </p:cNvSpPr>
-          <p:nvPr>
-            <p:ph type="title"/>
+          <p:cNvPr id="2" name="Nadpis 1"/>
+          <p:cNvSpPr>
+            <a:spLocks noGrp="1"/>
+          </p:cNvSpPr>
+          <p:nvPr>
+            <p:ph type="title" hasCustomPrompt="1"/>
+          </p:nvPr>
+        </p:nvSpPr>
+        <p:spPr/>
+        <p:txBody>
+          <a:bodyPr>
+            <a:normAutofit/>
+          </a:bodyPr>
+          <a:lstStyle>
+            <a:lvl1pPr>
+              <a:defRPr sz="4000" spc="-60" baseline="0">
+                <a:latin typeface="Segoe UI Semibold" panose="020B0702040204020203" pitchFamily="34" charset="0"/>
+                <a:cs typeface="Segoe UI Semibold" panose="020B0702040204020203" pitchFamily="34" charset="0"/>
+              </a:defRPr>
+            </a:lvl1pPr>
+          </a:lstStyle>
+          <a:p>
+            <a:r>
+              <a:rPr lang="cs-CZ" dirty="0"/>
+              <a:t>Nadpis snímku</a:t>
+            </a:r>
+          </a:p>
+        </p:txBody>
+      </p:sp>
+      <p:sp>
+        <p:nvSpPr>
+          <p:cNvPr id="3" name="Zástupný symbol pro obsah 2"/>
+          <p:cNvSpPr>
+            <a:spLocks noGrp="1"/>
+          </p:cNvSpPr>
+          <p:nvPr>
+            <p:ph idx="1" hasCustomPrompt="1"/>
           </p:nvPr>
         </p:nvSpPr>
         <p:spPr>
           <a:xfrm>
-            <a:off x="839788" y="365125"/>
-            <a:ext cx="10515600" cy="1325563"/>
+            <a:off x="609600" y="1772816"/>
+            <a:ext cx="10972800" cy="4464496"/>
           </a:xfrm>
         </p:spPr>
         <p:txBody>
-          <a:bodyPr/>
-          <a:lstStyle/>
-          <a:p>
-            <a:r>
-              <a:rPr lang="en-US"/>
-              <a:t>Click to edit Master title style</a:t>
-            </a:r>
-          </a:p>
-        </p:txBody>
-      </p:sp>
-      <p:sp>
-        <p:nvSpPr>
-          <p:cNvPr id="3" name="Text Placeholder 2">
-            <a:extLst>
-              <a:ext uri="{FF2B5EF4-FFF2-40B4-BE49-F238E27FC236}">
-                <a16:creationId xmlns:a16="http://schemas.microsoft.com/office/drawing/2014/main" id="{2B9C80DB-9B7E-EADA-0E5B-75C9C58BA8A8}"/>
-              </a:ext>
-            </a:extLst>
-          </p:cNvPr>
-          <p:cNvSpPr>
-            <a:spLocks noGrp="1"/>
-          </p:cNvSpPr>
-          <p:nvPr>
-            <p:ph type="body" idx="1"/>
+          <a:bodyPr>
+            <a:normAutofit/>
+          </a:bodyPr>
+          <a:lstStyle>
+            <a:lvl1pPr>
+              <a:defRPr sz="2800"/>
+            </a:lvl1pPr>
+            <a:lvl2pPr>
+              <a:defRPr sz="2400"/>
+            </a:lvl2pPr>
+            <a:lvl3pPr>
+              <a:defRPr sz="2400"/>
+            </a:lvl3pPr>
+            <a:lvl4pPr>
+              <a:defRPr sz="2000"/>
+            </a:lvl4pPr>
+            <a:lvl5pPr>
+              <a:defRPr sz="2000" i="1"/>
+            </a:lvl5pPr>
+          </a:lstStyle>
+          <a:p>
+            <a:pPr lvl="0"/>
+            <a:r>
+              <a:rPr lang="cs-CZ" dirty="0"/>
+              <a:t>První úroveň</a:t>
+            </a:r>
+          </a:p>
+          <a:p>
+            <a:pPr lvl="1"/>
+            <a:r>
+              <a:rPr lang="cs-CZ" dirty="0"/>
+              <a:t>Druhá úroveň</a:t>
+            </a:r>
+          </a:p>
+          <a:p>
+            <a:pPr lvl="2"/>
+            <a:r>
+              <a:rPr lang="cs-CZ" dirty="0"/>
+              <a:t>Třetí úroveň</a:t>
+            </a:r>
+          </a:p>
+          <a:p>
+            <a:pPr lvl="3"/>
+            <a:r>
+              <a:rPr lang="cs-CZ" dirty="0"/>
+              <a:t>Čtvrtá úroveň</a:t>
+            </a:r>
+          </a:p>
+          <a:p>
+            <a:pPr lvl="4"/>
+            <a:r>
+              <a:rPr lang="cs-CZ" dirty="0"/>
+              <a:t>Pátá úroveň</a:t>
+            </a:r>
+          </a:p>
+        </p:txBody>
+      </p:sp>
+      <p:sp>
+        <p:nvSpPr>
+          <p:cNvPr id="18" name="Zástupný symbol pro datum 3"/>
+          <p:cNvSpPr>
+            <a:spLocks noGrp="1"/>
+          </p:cNvSpPr>
+          <p:nvPr>
+            <p:ph type="dt" sz="half" idx="2"/>
           </p:nvPr>
         </p:nvSpPr>
         <p:spPr>
           <a:xfrm>
-            <a:off x="839788" y="1681163"/>
-            <a:ext cx="5157787" cy="823912"/>
+            <a:off x="1391477" y="6448252"/>
+            <a:ext cx="1248139" cy="365125"/>
           </a:xfrm>
+          <a:prstGeom prst="rect">
+            <a:avLst/>
+          </a:prstGeom>
         </p:spPr>
         <p:txBody>
-          <a:bodyPr anchor="b"/>
+          <a:bodyPr lIns="0" tIns="0" rIns="0" bIns="0"/>
           <a:lstStyle>
-            <a:lvl1pPr marL="0" indent="0">
-              <a:buNone/>
-              <a:defRPr sz="2400" b="1"/>
+            <a:lvl1pPr algn="l">
+              <a:defRPr sz="1600">
+                <a:solidFill>
+                  <a:schemeClr val="tx1">
+                    <a:lumMod val="50000"/>
+                    <a:lumOff val="50000"/>
+                  </a:schemeClr>
+                </a:solidFill>
+              </a:defRPr>
             </a:lvl1pPr>
-            <a:lvl2pPr marL="457200" indent="0">
-              <a:buNone/>
-              <a:defRPr sz="2000" b="1"/>
-            </a:lvl2pPr>
-            <a:lvl3pPr marL="914400" indent="0">
-              <a:buNone/>
-              <a:defRPr sz="1800" b="1"/>
-            </a:lvl3pPr>
-            <a:lvl4pPr marL="1371600" indent="0">
-              <a:buNone/>
-              <a:defRPr sz="1600" b="1"/>
-            </a:lvl4pPr>
-            <a:lvl5pPr marL="1828800" indent="0">
-              <a:buNone/>
-              <a:defRPr sz="1600" b="1"/>
-            </a:lvl5pPr>
-            <a:lvl6pPr marL="2286000" indent="0">
-              <a:buNone/>
-              <a:defRPr sz="1600" b="1"/>
-            </a:lvl6pPr>
-            <a:lvl7pPr marL="2743200" indent="0">
-              <a:buNone/>
-              <a:defRPr sz="1600" b="1"/>
-            </a:lvl7pPr>
-            <a:lvl8pPr marL="3200400" indent="0">
-              <a:buNone/>
-              <a:defRPr sz="1600" b="1"/>
-            </a:lvl8pPr>
-            <a:lvl9pPr marL="3657600" indent="0">
-              <a:buNone/>
-              <a:defRPr sz="1600" b="1"/>
-            </a:lvl9pPr>
           </a:lstStyle>
           <a:p>
-            <a:pPr lvl="0"/>
-            <a:r>
-              <a:rPr lang="en-US"/>
-              <a:t>Click to edit Master text styles</a:t>
-            </a:r>
-          </a:p>
-        </p:txBody>
-      </p:sp>
-      <p:sp>
-        <p:nvSpPr>
-          <p:cNvPr id="4" name="Content Placeholder 3">
-            <a:extLst>
-              <a:ext uri="{FF2B5EF4-FFF2-40B4-BE49-F238E27FC236}">
-                <a16:creationId xmlns:a16="http://schemas.microsoft.com/office/drawing/2014/main" id="{49968076-2C08-8417-CB44-011B7B80ECEB}"/>
-              </a:ext>
-            </a:extLst>
-          </p:cNvPr>
-          <p:cNvSpPr>
-            <a:spLocks noGrp="1"/>
-          </p:cNvSpPr>
-          <p:nvPr>
-            <p:ph sz="half" idx="2"/>
+            <a:endParaRPr lang="cs-CZ" dirty="0">
+              <a:solidFill>
+                <a:prstClr val="black">
+                  <a:lumMod val="50000"/>
+                  <a:lumOff val="50000"/>
+                </a:prstClr>
+              </a:solidFill>
+            </a:endParaRPr>
+          </a:p>
+        </p:txBody>
+      </p:sp>
+      <p:sp>
+        <p:nvSpPr>
+          <p:cNvPr id="19" name="Zástupný symbol pro zápatí 4"/>
+          <p:cNvSpPr>
+            <a:spLocks noGrp="1"/>
+          </p:cNvSpPr>
+          <p:nvPr>
+            <p:ph type="ftr" sz="quarter" idx="3"/>
           </p:nvPr>
         </p:nvSpPr>
         <p:spPr>
           <a:xfrm>
-            <a:off x="839788" y="2505075"/>
-            <a:ext cx="5157787" cy="3684588"/>
+            <a:off x="2831637" y="6448252"/>
+            <a:ext cx="6720747" cy="365125"/>
           </a:xfrm>
+          <a:prstGeom prst="rect">
+            <a:avLst/>
+          </a:prstGeom>
         </p:spPr>
         <p:txBody>
-          <a:bodyPr/>
-          <a:lstStyle/>
-          <a:p>
-            <a:pPr lvl="0"/>
-            <a:r>
-              <a:rPr lang="en-US"/>
-              <a:t>Click to edit Master text styles</a:t>
-            </a:r>
-          </a:p>
-          <a:p>
-            <a:pPr lvl="1"/>
-            <a:r>
-              <a:rPr lang="en-US"/>
-              <a:t>Second level</a:t>
-            </a:r>
-          </a:p>
-          <a:p>
-            <a:pPr lvl="2"/>
-            <a:r>
-              <a:rPr lang="en-US"/>
-              <a:t>Third level</a:t>
-            </a:r>
-          </a:p>
-          <a:p>
-            <a:pPr lvl="3"/>
-            <a:r>
-              <a:rPr lang="en-US"/>
-              <a:t>Fourth level</a:t>
-            </a:r>
-          </a:p>
-          <a:p>
-            <a:pPr lvl="4"/>
-            <a:r>
-              <a:rPr lang="en-US"/>
-              <a:t>Fifth level</a:t>
-            </a:r>
-          </a:p>
-        </p:txBody>
-      </p:sp>
-      <p:sp>
-        <p:nvSpPr>
-          <p:cNvPr id="5" name="Text Placeholder 4">
-            <a:extLst>
-              <a:ext uri="{FF2B5EF4-FFF2-40B4-BE49-F238E27FC236}">
-                <a16:creationId xmlns:a16="http://schemas.microsoft.com/office/drawing/2014/main" id="{E621EFCB-1E84-E378-2ADF-1985542E1DAF}"/>
-              </a:ext>
-            </a:extLst>
-          </p:cNvPr>
-          <p:cNvSpPr>
-            <a:spLocks noGrp="1"/>
-          </p:cNvSpPr>
-          <p:nvPr>
-            <p:ph type="body" sz="quarter" idx="3"/>
+          <a:bodyPr lIns="0" tIns="0" rIns="0" bIns="0"/>
+          <a:lstStyle>
+            <a:lvl1pPr algn="l">
+              <a:defRPr sz="1600">
+                <a:solidFill>
+                  <a:schemeClr val="tx1">
+                    <a:lumMod val="50000"/>
+                    <a:lumOff val="50000"/>
+                  </a:schemeClr>
+                </a:solidFill>
+              </a:defRPr>
+            </a:lvl1pPr>
+          </a:lstStyle>
+          <a:p>
+            <a:endParaRPr lang="cs-CZ" dirty="0">
+              <a:solidFill>
+                <a:prstClr val="black">
+                  <a:lumMod val="50000"/>
+                  <a:lumOff val="50000"/>
+                </a:prstClr>
+              </a:solidFill>
+            </a:endParaRPr>
+          </a:p>
+        </p:txBody>
+      </p:sp>
+      <p:sp>
+        <p:nvSpPr>
+          <p:cNvPr id="20" name="Zástupný symbol pro číslo snímku 5"/>
+          <p:cNvSpPr>
+            <a:spLocks noGrp="1"/>
+          </p:cNvSpPr>
+          <p:nvPr>
+            <p:ph type="sldNum" sz="quarter" idx="4"/>
           </p:nvPr>
         </p:nvSpPr>
         <p:spPr>
           <a:xfrm>
-            <a:off x="6172200" y="1681163"/>
-            <a:ext cx="5183188" cy="823912"/>
+            <a:off x="623392" y="6448252"/>
+            <a:ext cx="576064" cy="365125"/>
           </a:xfrm>
+          <a:prstGeom prst="rect">
+            <a:avLst/>
+          </a:prstGeom>
         </p:spPr>
         <p:txBody>
-          <a:bodyPr anchor="b"/>
+          <a:bodyPr lIns="0" tIns="0" rIns="0" bIns="0"/>
           <a:lstStyle>
-            <a:lvl1pPr marL="0" indent="0">
-              <a:buNone/>
-              <a:defRPr sz="2400" b="1"/>
+            <a:lvl1pPr algn="l">
+              <a:defRPr sz="1600" b="1">
+                <a:solidFill>
+                  <a:schemeClr val="tx2"/>
+                </a:solidFill>
+              </a:defRPr>
             </a:lvl1pPr>
-            <a:lvl2pPr marL="457200" indent="0">
-              <a:buNone/>
-              <a:defRPr sz="2000" b="1"/>
-            </a:lvl2pPr>
-            <a:lvl3pPr marL="914400" indent="0">
-              <a:buNone/>
-              <a:defRPr sz="1800" b="1"/>
-            </a:lvl3pPr>
-            <a:lvl4pPr marL="1371600" indent="0">
-              <a:buNone/>
-              <a:defRPr sz="1600" b="1"/>
-            </a:lvl4pPr>
-            <a:lvl5pPr marL="1828800" indent="0">
-              <a:buNone/>
-              <a:defRPr sz="1600" b="1"/>
-            </a:lvl5pPr>
-            <a:lvl6pPr marL="2286000" indent="0">
-              <a:buNone/>
-              <a:defRPr sz="1600" b="1"/>
-            </a:lvl6pPr>
-            <a:lvl7pPr marL="2743200" indent="0">
-              <a:buNone/>
-              <a:defRPr sz="1600" b="1"/>
-            </a:lvl7pPr>
-            <a:lvl8pPr marL="3200400" indent="0">
-              <a:buNone/>
-              <a:defRPr sz="1600" b="1"/>
-            </a:lvl8pPr>
-            <a:lvl9pPr marL="3657600" indent="0">
-              <a:buNone/>
-              <a:defRPr sz="1600" b="1"/>
-            </a:lvl9pPr>
           </a:lstStyle>
           <a:p>
-            <a:pPr lvl="0"/>
-            <a:r>
-              <a:rPr lang="en-US"/>
-              <a:t>Click to edit Master text styles</a:t>
-            </a:r>
-          </a:p>
-        </p:txBody>
-      </p:sp>
-      <p:sp>
-        <p:nvSpPr>
-          <p:cNvPr id="6" name="Content Placeholder 5">
-            <a:extLst>
-              <a:ext uri="{FF2B5EF4-FFF2-40B4-BE49-F238E27FC236}">
-                <a16:creationId xmlns:a16="http://schemas.microsoft.com/office/drawing/2014/main" id="{426EA6EB-FA7F-91BD-0A5E-E2BEF6A8012A}"/>
-              </a:ext>
-            </a:extLst>
-          </p:cNvPr>
-          <p:cNvSpPr>
-            <a:spLocks noGrp="1"/>
-          </p:cNvSpPr>
-          <p:nvPr>
-            <p:ph sz="quarter" idx="4"/>
-          </p:nvPr>
-        </p:nvSpPr>
-        <p:spPr>
-          <a:xfrm>
-            <a:off x="6172200" y="2505075"/>
-            <a:ext cx="5183188" cy="3684588"/>
-          </a:xfrm>
-        </p:spPr>
-        <p:txBody>
-          <a:bodyPr/>
-          <a:lstStyle/>
-          <a:p>
-            <a:pPr lvl="0"/>
-            <a:r>
-              <a:rPr lang="en-US"/>
-              <a:t>Click to edit Master text styles</a:t>
-            </a:r>
-          </a:p>
-          <a:p>
-            <a:pPr lvl="1"/>
-            <a:r>
-              <a:rPr lang="en-US"/>
-              <a:t>Second level</a:t>
-            </a:r>
-          </a:p>
-          <a:p>
-            <a:pPr lvl="2"/>
-            <a:r>
-              <a:rPr lang="en-US"/>
-              <a:t>Third level</a:t>
-            </a:r>
-          </a:p>
-          <a:p>
-            <a:pPr lvl="3"/>
-            <a:r>
-              <a:rPr lang="en-US"/>
-              <a:t>Fourth level</a:t>
-            </a:r>
-          </a:p>
-          <a:p>
-            <a:pPr lvl="4"/>
-            <a:r>
-              <a:rPr lang="en-US"/>
-              <a:t>Fifth level</a:t>
-            </a:r>
-          </a:p>
-        </p:txBody>
-      </p:sp>
-      <p:sp>
-        <p:nvSpPr>
-          <p:cNvPr id="7" name="Date Placeholder 6">
-            <a:extLst>
-              <a:ext uri="{FF2B5EF4-FFF2-40B4-BE49-F238E27FC236}">
-                <a16:creationId xmlns:a16="http://schemas.microsoft.com/office/drawing/2014/main" id="{C66CEFE1-0F75-8972-EB30-9DD98B49F5D3}"/>
-              </a:ext>
-            </a:extLst>
-          </p:cNvPr>
-          <p:cNvSpPr>
-            <a:spLocks noGrp="1"/>
-          </p:cNvSpPr>
-          <p:nvPr>
-            <p:ph type="dt" sz="half" idx="10"/>
-          </p:nvPr>
-        </p:nvSpPr>
-        <p:spPr/>
-        <p:txBody>
-          <a:bodyPr/>
-          <a:lstStyle/>
-          <a:p>
-            <a:fld id="{DBC98360-1B30-4F69-AE75-40532A18B4DE}" type="datetimeFigureOut">
-              <a:rPr lang="en-US" smtClean="0"/>
-              <a:t>2/21/2025</a:t>
-            </a:fld>
-            <a:endParaRPr lang="en-US"/>
-          </a:p>
-        </p:txBody>
-      </p:sp>
-      <p:sp>
-        <p:nvSpPr>
-          <p:cNvPr id="8" name="Footer Placeholder 7">
-            <a:extLst>
-              <a:ext uri="{FF2B5EF4-FFF2-40B4-BE49-F238E27FC236}">
-                <a16:creationId xmlns:a16="http://schemas.microsoft.com/office/drawing/2014/main" id="{097F3BE6-5A9B-E6D4-9FDE-0EDE1ED26018}"/>
-              </a:ext>
-            </a:extLst>
-          </p:cNvPr>
-          <p:cNvSpPr>
-            <a:spLocks noGrp="1"/>
-          </p:cNvSpPr>
-          <p:nvPr>
-            <p:ph type="ftr" sz="quarter" idx="11"/>
-          </p:nvPr>
-        </p:nvSpPr>
-        <p:spPr/>
-        <p:txBody>
-          <a:bodyPr/>
-          <a:lstStyle/>
-          <a:p>
-            <a:endParaRPr lang="en-US"/>
-          </a:p>
-        </p:txBody>
-      </p:sp>
-      <p:sp>
-        <p:nvSpPr>
-          <p:cNvPr id="9" name="Slide Number Placeholder 8">
-            <a:extLst>
-              <a:ext uri="{FF2B5EF4-FFF2-40B4-BE49-F238E27FC236}">
-                <a16:creationId xmlns:a16="http://schemas.microsoft.com/office/drawing/2014/main" id="{EE4344CA-0619-FADC-8571-41D04DF5EBA2}"/>
-              </a:ext>
-            </a:extLst>
-          </p:cNvPr>
-          <p:cNvSpPr>
-            <a:spLocks noGrp="1"/>
-          </p:cNvSpPr>
-          <p:nvPr>
-            <p:ph type="sldNum" sz="quarter" idx="12"/>
-          </p:nvPr>
-        </p:nvSpPr>
-        <p:spPr/>
-        <p:txBody>
-          <a:bodyPr/>
-          <a:lstStyle/>
-          <a:p>
-            <a:fld id="{E0A240B1-0496-4BDB-87BA-8E24C4526A4F}" type="slidenum">
-              <a:rPr lang="en-US" smtClean="0"/>
+            <a:fld id="{31EF1479-3489-4788-BFA4-763D4DDB960F}" type="slidenum">
+              <a:rPr lang="cs-CZ" smtClean="0">
+                <a:solidFill>
+                  <a:srgbClr val="1E326C"/>
+                </a:solidFill>
+              </a:rPr>
+              <a:pPr/>
               <a:t>‹#›</a:t>
             </a:fld>
-            <a:endParaRPr lang="en-US"/>
+            <a:endParaRPr lang="cs-CZ" dirty="0">
+              <a:solidFill>
+                <a:srgbClr val="1E326C"/>
+              </a:solidFill>
+            </a:endParaRPr>
           </a:p>
         </p:txBody>
       </p:sp>
     </p:spTree>
     <p:extLst>
       <p:ext uri="{BB962C8B-B14F-4D97-AF65-F5344CB8AC3E}">
-        <p14:creationId xmlns:p14="http://schemas.microsoft.com/office/powerpoint/2010/main" val="513533464"/>
+        <p14:creationId xmlns:p14="http://schemas.microsoft.com/office/powerpoint/2010/main" val="4067567648"/>
       </p:ext>
     </p:extLst>
   </p:cSld>
@@ -2641,9 +2426,9 @@
 </p:sldLayout>
 </file>
 
-<file path=ppt/slideLayouts/slideLayout6.xml><?xml version="1.0" encoding="utf-8"?>
-<p:sldLayout xmlns:a="http://schemas.openxmlformats.org/drawingml/2006/main" xmlns:r="http://schemas.openxmlformats.org/officeDocument/2006/relationships" xmlns:p="http://schemas.openxmlformats.org/presentationml/2006/main" type="titleOnly" preserve="1">
-  <p:cSld name="Title Only">
+<file path=ppt/slideLayouts/slideLayout3.xml><?xml version="1.0" encoding="utf-8"?>
+<p:sldLayout xmlns:a="http://schemas.openxmlformats.org/drawingml/2006/main" xmlns:r="http://schemas.openxmlformats.org/officeDocument/2006/relationships" xmlns:p="http://schemas.openxmlformats.org/presentationml/2006/main" type="obj" preserve="1">
+  <p:cSld name="Nadpis 1řádkový + obsah">
     <p:spTree>
       <p:nvGrpSpPr>
         <p:cNvPr id="1" name=""/>
@@ -2660,119 +2445,258 @@
       </p:grpSpPr>
       <p:sp>
         <p:nvSpPr>
-          <p:cNvPr id="2" name="Title 1">
-            <a:extLst>
-              <a:ext uri="{FF2B5EF4-FFF2-40B4-BE49-F238E27FC236}">
-                <a16:creationId xmlns:a16="http://schemas.microsoft.com/office/drawing/2014/main" id="{5E444B75-A6B1-0D82-993F-9C24F653888B}"/>
-              </a:ext>
-            </a:extLst>
-          </p:cNvPr>
-          <p:cNvSpPr>
-            <a:spLocks noGrp="1"/>
-          </p:cNvSpPr>
-          <p:nvPr>
-            <p:ph type="title"/>
-          </p:nvPr>
-        </p:nvSpPr>
-        <p:spPr/>
-        <p:txBody>
-          <a:bodyPr/>
-          <a:lstStyle/>
-          <a:p>
-            <a:r>
-              <a:rPr lang="en-US"/>
-              <a:t>Click to edit Master title style</a:t>
-            </a:r>
-          </a:p>
-        </p:txBody>
-      </p:sp>
-      <p:sp>
-        <p:nvSpPr>
-          <p:cNvPr id="3" name="Date Placeholder 2">
-            <a:extLst>
-              <a:ext uri="{FF2B5EF4-FFF2-40B4-BE49-F238E27FC236}">
-                <a16:creationId xmlns:a16="http://schemas.microsoft.com/office/drawing/2014/main" id="{1325D2B5-3B28-D406-64BB-527E231E0A73}"/>
-              </a:ext>
-            </a:extLst>
-          </p:cNvPr>
-          <p:cNvSpPr>
-            <a:spLocks noGrp="1"/>
-          </p:cNvSpPr>
-          <p:nvPr>
-            <p:ph type="dt" sz="half" idx="10"/>
-          </p:nvPr>
-        </p:nvSpPr>
-        <p:spPr/>
-        <p:txBody>
-          <a:bodyPr/>
-          <a:lstStyle/>
-          <a:p>
-            <a:fld id="{DBC98360-1B30-4F69-AE75-40532A18B4DE}" type="datetimeFigureOut">
-              <a:rPr lang="en-US" smtClean="0"/>
-              <a:t>2/21/2025</a:t>
-            </a:fld>
-            <a:endParaRPr lang="en-US"/>
-          </a:p>
-        </p:txBody>
-      </p:sp>
-      <p:sp>
-        <p:nvSpPr>
-          <p:cNvPr id="4" name="Footer Placeholder 3">
-            <a:extLst>
-              <a:ext uri="{FF2B5EF4-FFF2-40B4-BE49-F238E27FC236}">
-                <a16:creationId xmlns:a16="http://schemas.microsoft.com/office/drawing/2014/main" id="{D7C8BC39-D298-0849-1090-B6246CC5FC72}"/>
-              </a:ext>
-            </a:extLst>
-          </p:cNvPr>
-          <p:cNvSpPr>
-            <a:spLocks noGrp="1"/>
-          </p:cNvSpPr>
-          <p:nvPr>
-            <p:ph type="ftr" sz="quarter" idx="11"/>
-          </p:nvPr>
-        </p:nvSpPr>
-        <p:spPr/>
-        <p:txBody>
-          <a:bodyPr/>
-          <a:lstStyle/>
-          <a:p>
-            <a:endParaRPr lang="en-US"/>
-          </a:p>
-        </p:txBody>
-      </p:sp>
-      <p:sp>
-        <p:nvSpPr>
-          <p:cNvPr id="5" name="Slide Number Placeholder 4">
-            <a:extLst>
-              <a:ext uri="{FF2B5EF4-FFF2-40B4-BE49-F238E27FC236}">
-                <a16:creationId xmlns:a16="http://schemas.microsoft.com/office/drawing/2014/main" id="{5AEECD56-3B52-4859-A28D-AAA1CDF6DDFE}"/>
-              </a:ext>
-            </a:extLst>
-          </p:cNvPr>
-          <p:cNvSpPr>
-            <a:spLocks noGrp="1"/>
-          </p:cNvSpPr>
-          <p:nvPr>
-            <p:ph type="sldNum" sz="quarter" idx="12"/>
-          </p:nvPr>
-        </p:nvSpPr>
-        <p:spPr/>
-        <p:txBody>
-          <a:bodyPr/>
-          <a:lstStyle/>
-          <a:p>
-            <a:fld id="{E0A240B1-0496-4BDB-87BA-8E24C4526A4F}" type="slidenum">
-              <a:rPr lang="en-US" smtClean="0"/>
+          <p:cNvPr id="2" name="Nadpis 1"/>
+          <p:cNvSpPr>
+            <a:spLocks noGrp="1"/>
+          </p:cNvSpPr>
+          <p:nvPr>
+            <p:ph type="title" hasCustomPrompt="1"/>
+          </p:nvPr>
+        </p:nvSpPr>
+        <p:spPr>
+          <a:xfrm>
+            <a:off x="609600" y="413792"/>
+            <a:ext cx="10972800" cy="782960"/>
+          </a:xfrm>
+        </p:spPr>
+        <p:txBody>
+          <a:bodyPr>
+            <a:normAutofit/>
+          </a:bodyPr>
+          <a:lstStyle>
+            <a:lvl1pPr>
+              <a:defRPr sz="4000" spc="-60" baseline="0">
+                <a:latin typeface="Segoe UI Semibold" panose="020B0702040204020203" pitchFamily="34" charset="0"/>
+                <a:cs typeface="Segoe UI Semibold" panose="020B0702040204020203" pitchFamily="34" charset="0"/>
+              </a:defRPr>
+            </a:lvl1pPr>
+          </a:lstStyle>
+          <a:p>
+            <a:r>
+              <a:rPr lang="cs-CZ" dirty="0"/>
+              <a:t>Nadpis snímku</a:t>
+            </a:r>
+          </a:p>
+        </p:txBody>
+      </p:sp>
+      <p:sp>
+        <p:nvSpPr>
+          <p:cNvPr id="3" name="Zástupný symbol pro obsah 2"/>
+          <p:cNvSpPr>
+            <a:spLocks noGrp="1"/>
+          </p:cNvSpPr>
+          <p:nvPr>
+            <p:ph idx="1" hasCustomPrompt="1"/>
+          </p:nvPr>
+        </p:nvSpPr>
+        <p:spPr>
+          <a:xfrm>
+            <a:off x="609600" y="1412776"/>
+            <a:ext cx="10972800" cy="4824536"/>
+          </a:xfrm>
+        </p:spPr>
+        <p:txBody>
+          <a:bodyPr>
+            <a:normAutofit/>
+          </a:bodyPr>
+          <a:lstStyle>
+            <a:lvl1pPr>
+              <a:defRPr sz="2800"/>
+            </a:lvl1pPr>
+            <a:lvl2pPr marL="628650" indent="-285750">
+              <a:buFont typeface="Segoe UI" panose="020B0502040204020203" pitchFamily="34" charset="0"/>
+              <a:buChar char="−"/>
+              <a:defRPr sz="2400"/>
+            </a:lvl2pPr>
+            <a:lvl3pPr>
+              <a:defRPr sz="2400"/>
+            </a:lvl3pPr>
+            <a:lvl4pPr>
+              <a:defRPr sz="2000"/>
+            </a:lvl4pPr>
+            <a:lvl5pPr>
+              <a:defRPr sz="2000" i="1"/>
+            </a:lvl5pPr>
+          </a:lstStyle>
+          <a:p>
+            <a:pPr lvl="0"/>
+            <a:r>
+              <a:rPr lang="cs-CZ" dirty="0"/>
+              <a:t>První úroveň</a:t>
+            </a:r>
+          </a:p>
+          <a:p>
+            <a:pPr lvl="1"/>
+            <a:r>
+              <a:rPr lang="cs-CZ" dirty="0"/>
+              <a:t>Druhá úroveň</a:t>
+            </a:r>
+          </a:p>
+          <a:p>
+            <a:pPr lvl="2"/>
+            <a:r>
+              <a:rPr lang="cs-CZ" dirty="0"/>
+              <a:t>Třetí úroveň</a:t>
+            </a:r>
+          </a:p>
+          <a:p>
+            <a:pPr lvl="3"/>
+            <a:r>
+              <a:rPr lang="cs-CZ" dirty="0"/>
+              <a:t>Čtvrtá úroveň</a:t>
+            </a:r>
+          </a:p>
+          <a:p>
+            <a:pPr lvl="4"/>
+            <a:r>
+              <a:rPr lang="cs-CZ" dirty="0"/>
+              <a:t>Pátá úroveň</a:t>
+            </a:r>
+          </a:p>
+        </p:txBody>
+      </p:sp>
+      <p:sp>
+        <p:nvSpPr>
+          <p:cNvPr id="18" name="Zástupný symbol pro datum 3"/>
+          <p:cNvSpPr>
+            <a:spLocks noGrp="1"/>
+          </p:cNvSpPr>
+          <p:nvPr>
+            <p:ph type="dt" sz="half" idx="2"/>
+          </p:nvPr>
+        </p:nvSpPr>
+        <p:spPr>
+          <a:xfrm>
+            <a:off x="1391477" y="6448252"/>
+            <a:ext cx="1248139" cy="365125"/>
+          </a:xfrm>
+          <a:prstGeom prst="rect">
+            <a:avLst/>
+          </a:prstGeom>
+        </p:spPr>
+        <p:txBody>
+          <a:bodyPr lIns="0" tIns="0" rIns="0" bIns="0"/>
+          <a:lstStyle>
+            <a:lvl1pPr algn="l">
+              <a:defRPr sz="1600">
+                <a:solidFill>
+                  <a:schemeClr val="tx1">
+                    <a:lumMod val="50000"/>
+                    <a:lumOff val="50000"/>
+                  </a:schemeClr>
+                </a:solidFill>
+              </a:defRPr>
+            </a:lvl1pPr>
+          </a:lstStyle>
+          <a:p>
+            <a:endParaRPr lang="cs-CZ" dirty="0">
+              <a:solidFill>
+                <a:prstClr val="black">
+                  <a:lumMod val="50000"/>
+                  <a:lumOff val="50000"/>
+                </a:prstClr>
+              </a:solidFill>
+            </a:endParaRPr>
+          </a:p>
+        </p:txBody>
+      </p:sp>
+      <p:sp>
+        <p:nvSpPr>
+          <p:cNvPr id="19" name="Zástupný symbol pro zápatí 4"/>
+          <p:cNvSpPr>
+            <a:spLocks noGrp="1"/>
+          </p:cNvSpPr>
+          <p:nvPr>
+            <p:ph type="ftr" sz="quarter" idx="3"/>
+          </p:nvPr>
+        </p:nvSpPr>
+        <p:spPr>
+          <a:xfrm>
+            <a:off x="2831637" y="6448252"/>
+            <a:ext cx="6720747" cy="365125"/>
+          </a:xfrm>
+          <a:prstGeom prst="rect">
+            <a:avLst/>
+          </a:prstGeom>
+        </p:spPr>
+        <p:txBody>
+          <a:bodyPr lIns="0" tIns="0" rIns="0" bIns="0"/>
+          <a:lstStyle>
+            <a:lvl1pPr algn="l">
+              <a:defRPr sz="1600">
+                <a:solidFill>
+                  <a:schemeClr val="tx1">
+                    <a:lumMod val="50000"/>
+                    <a:lumOff val="50000"/>
+                  </a:schemeClr>
+                </a:solidFill>
+              </a:defRPr>
+            </a:lvl1pPr>
+          </a:lstStyle>
+          <a:p>
+            <a:endParaRPr lang="cs-CZ" dirty="0">
+              <a:solidFill>
+                <a:prstClr val="black">
+                  <a:lumMod val="50000"/>
+                  <a:lumOff val="50000"/>
+                </a:prstClr>
+              </a:solidFill>
+            </a:endParaRPr>
+          </a:p>
+        </p:txBody>
+      </p:sp>
+      <p:sp>
+        <p:nvSpPr>
+          <p:cNvPr id="20" name="Zástupný symbol pro číslo snímku 5"/>
+          <p:cNvSpPr>
+            <a:spLocks noGrp="1"/>
+          </p:cNvSpPr>
+          <p:nvPr>
+            <p:ph type="sldNum" sz="quarter" idx="4"/>
+          </p:nvPr>
+        </p:nvSpPr>
+        <p:spPr>
+          <a:xfrm>
+            <a:off x="623392" y="6448252"/>
+            <a:ext cx="576064" cy="365125"/>
+          </a:xfrm>
+          <a:prstGeom prst="rect">
+            <a:avLst/>
+          </a:prstGeom>
+        </p:spPr>
+        <p:txBody>
+          <a:bodyPr lIns="0" tIns="0" rIns="0" bIns="0"/>
+          <a:lstStyle>
+            <a:lvl1pPr algn="l">
+              <a:defRPr sz="1600" b="1">
+                <a:solidFill>
+                  <a:schemeClr val="tx2"/>
+                </a:solidFill>
+              </a:defRPr>
+            </a:lvl1pPr>
+          </a:lstStyle>
+          <a:p>
+            <a:fld id="{31EF1479-3489-4788-BFA4-763D4DDB960F}" type="slidenum">
+              <a:rPr lang="cs-CZ" smtClean="0">
+                <a:solidFill>
+                  <a:srgbClr val="1E326C"/>
+                </a:solidFill>
+              </a:rPr>
+              <a:pPr/>
               <a:t>‹#›</a:t>
             </a:fld>
-            <a:endParaRPr lang="en-US"/>
+            <a:endParaRPr lang="cs-CZ" dirty="0">
+              <a:solidFill>
+                <a:srgbClr val="1E326C"/>
+              </a:solidFill>
+            </a:endParaRPr>
           </a:p>
         </p:txBody>
       </p:sp>
     </p:spTree>
     <p:extLst>
       <p:ext uri="{BB962C8B-B14F-4D97-AF65-F5344CB8AC3E}">
-        <p14:creationId xmlns:p14="http://schemas.microsoft.com/office/powerpoint/2010/main" val="3280266919"/>
+        <p14:creationId xmlns:p14="http://schemas.microsoft.com/office/powerpoint/2010/main" val="203471260"/>
       </p:ext>
     </p:extLst>
   </p:cSld>
@@ -2782,9 +2706,9 @@
 </p:sldLayout>
 </file>
 
-<file path=ppt/slideLayouts/slideLayout7.xml><?xml version="1.0" encoding="utf-8"?>
-<p:sldLayout xmlns:a="http://schemas.openxmlformats.org/drawingml/2006/main" xmlns:r="http://schemas.openxmlformats.org/officeDocument/2006/relationships" xmlns:p="http://schemas.openxmlformats.org/presentationml/2006/main" type="blank" preserve="1">
-  <p:cSld name="Blank">
+<file path=ppt/slideLayouts/slideLayout4.xml><?xml version="1.0" encoding="utf-8"?>
+<p:sldLayout xmlns:a="http://schemas.openxmlformats.org/drawingml/2006/main" xmlns:r="http://schemas.openxmlformats.org/officeDocument/2006/relationships" xmlns:p="http://schemas.openxmlformats.org/presentationml/2006/main" showMasterSp="0" type="title" preserve="1">
+  <p:cSld name="Úvodní snímek">
     <p:spTree>
       <p:nvGrpSpPr>
         <p:cNvPr id="1" name=""/>
@@ -2801,91 +2725,331 @@
       </p:grpSpPr>
       <p:sp>
         <p:nvSpPr>
-          <p:cNvPr id="2" name="Date Placeholder 1">
-            <a:extLst>
-              <a:ext uri="{FF2B5EF4-FFF2-40B4-BE49-F238E27FC236}">
-                <a16:creationId xmlns:a16="http://schemas.microsoft.com/office/drawing/2014/main" id="{8CA6E553-C3B0-6711-216E-AA6EEA2E7869}"/>
-              </a:ext>
-            </a:extLst>
-          </p:cNvPr>
-          <p:cNvSpPr>
-            <a:spLocks noGrp="1"/>
-          </p:cNvSpPr>
-          <p:nvPr>
-            <p:ph type="dt" sz="half" idx="10"/>
-          </p:nvPr>
-        </p:nvSpPr>
-        <p:spPr/>
-        <p:txBody>
-          <a:bodyPr/>
-          <a:lstStyle/>
-          <a:p>
-            <a:fld id="{DBC98360-1B30-4F69-AE75-40532A18B4DE}" type="datetimeFigureOut">
-              <a:rPr lang="en-US" smtClean="0"/>
-              <a:t>2/21/2025</a:t>
-            </a:fld>
-            <a:endParaRPr lang="en-US"/>
-          </a:p>
-        </p:txBody>
-      </p:sp>
-      <p:sp>
-        <p:nvSpPr>
-          <p:cNvPr id="3" name="Footer Placeholder 2">
-            <a:extLst>
-              <a:ext uri="{FF2B5EF4-FFF2-40B4-BE49-F238E27FC236}">
-                <a16:creationId xmlns:a16="http://schemas.microsoft.com/office/drawing/2014/main" id="{4CAC0985-2CB3-D496-8F55-2E16565E24EE}"/>
-              </a:ext>
-            </a:extLst>
-          </p:cNvPr>
-          <p:cNvSpPr>
-            <a:spLocks noGrp="1"/>
-          </p:cNvSpPr>
-          <p:nvPr>
-            <p:ph type="ftr" sz="quarter" idx="11"/>
-          </p:nvPr>
-        </p:nvSpPr>
-        <p:spPr/>
-        <p:txBody>
-          <a:bodyPr/>
-          <a:lstStyle/>
-          <a:p>
-            <a:endParaRPr lang="en-US"/>
-          </a:p>
-        </p:txBody>
-      </p:sp>
-      <p:sp>
-        <p:nvSpPr>
-          <p:cNvPr id="4" name="Slide Number Placeholder 3">
-            <a:extLst>
-              <a:ext uri="{FF2B5EF4-FFF2-40B4-BE49-F238E27FC236}">
-                <a16:creationId xmlns:a16="http://schemas.microsoft.com/office/drawing/2014/main" id="{EBB057FC-C5BE-36F3-27FC-32E9A21C8B5D}"/>
-              </a:ext>
-            </a:extLst>
-          </p:cNvPr>
-          <p:cNvSpPr>
-            <a:spLocks noGrp="1"/>
-          </p:cNvSpPr>
-          <p:nvPr>
-            <p:ph type="sldNum" sz="quarter" idx="12"/>
-          </p:nvPr>
-        </p:nvSpPr>
-        <p:spPr/>
-        <p:txBody>
-          <a:bodyPr/>
-          <a:lstStyle/>
-          <a:p>
-            <a:fld id="{E0A240B1-0496-4BDB-87BA-8E24C4526A4F}" type="slidenum">
-              <a:rPr lang="en-US" smtClean="0"/>
-              <a:t>‹#›</a:t>
-            </a:fld>
-            <a:endParaRPr lang="en-US"/>
-          </a:p>
-        </p:txBody>
-      </p:sp>
+          <p:cNvPr id="2" name="Nadpis 1"/>
+          <p:cNvSpPr>
+            <a:spLocks noGrp="1"/>
+          </p:cNvSpPr>
+          <p:nvPr>
+            <p:ph type="ctrTitle" hasCustomPrompt="1"/>
+          </p:nvPr>
+        </p:nvSpPr>
+        <p:spPr>
+          <a:xfrm>
+            <a:off x="814918" y="2130426"/>
+            <a:ext cx="10561669" cy="1470025"/>
+          </a:xfrm>
+        </p:spPr>
+        <p:txBody>
+          <a:bodyPr>
+            <a:normAutofit/>
+          </a:bodyPr>
+          <a:lstStyle>
+            <a:lvl1pPr>
+              <a:defRPr sz="4400" baseline="0">
+                <a:latin typeface="Segoe UI Semibold" panose="020B0702040204020203" pitchFamily="34" charset="0"/>
+                <a:cs typeface="Segoe UI Semibold" panose="020B0702040204020203" pitchFamily="34" charset="0"/>
+              </a:defRPr>
+            </a:lvl1pPr>
+          </a:lstStyle>
+          <a:p>
+            <a:r>
+              <a:rPr lang="cs-CZ" dirty="0"/>
+              <a:t>Název přednášky</a:t>
+            </a:r>
+          </a:p>
+        </p:txBody>
+      </p:sp>
+      <p:sp>
+        <p:nvSpPr>
+          <p:cNvPr id="3" name="Podnadpis 2"/>
+          <p:cNvSpPr>
+            <a:spLocks noGrp="1"/>
+          </p:cNvSpPr>
+          <p:nvPr>
+            <p:ph type="subTitle" idx="1" hasCustomPrompt="1"/>
+          </p:nvPr>
+        </p:nvSpPr>
+        <p:spPr>
+          <a:xfrm>
+            <a:off x="814918" y="4052664"/>
+            <a:ext cx="10561669" cy="1968624"/>
+          </a:xfrm>
+        </p:spPr>
+        <p:txBody>
+          <a:bodyPr anchor="b" anchorCtr="0">
+            <a:normAutofit/>
+          </a:bodyPr>
+          <a:lstStyle>
+            <a:lvl1pPr marL="0" indent="0" algn="l">
+              <a:buNone/>
+              <a:defRPr sz="2400" spc="-60" baseline="0">
+                <a:solidFill>
+                  <a:schemeClr val="tx1">
+                    <a:tint val="75000"/>
+                  </a:schemeClr>
+                </a:solidFill>
+                <a:latin typeface="Segoe UI" panose="020B0502040204020203" pitchFamily="34" charset="0"/>
+                <a:cs typeface="Segoe UI" panose="020B0502040204020203" pitchFamily="34" charset="0"/>
+              </a:defRPr>
+            </a:lvl1pPr>
+            <a:lvl2pPr marL="457200" indent="0" algn="ctr">
+              <a:buNone/>
+              <a:defRPr>
+                <a:solidFill>
+                  <a:schemeClr val="tx1">
+                    <a:tint val="75000"/>
+                  </a:schemeClr>
+                </a:solidFill>
+              </a:defRPr>
+            </a:lvl2pPr>
+            <a:lvl3pPr marL="914400" indent="0" algn="ctr">
+              <a:buNone/>
+              <a:defRPr>
+                <a:solidFill>
+                  <a:schemeClr val="tx1">
+                    <a:tint val="75000"/>
+                  </a:schemeClr>
+                </a:solidFill>
+              </a:defRPr>
+            </a:lvl3pPr>
+            <a:lvl4pPr marL="1371600" indent="0" algn="ctr">
+              <a:buNone/>
+              <a:defRPr>
+                <a:solidFill>
+                  <a:schemeClr val="tx1">
+                    <a:tint val="75000"/>
+                  </a:schemeClr>
+                </a:solidFill>
+              </a:defRPr>
+            </a:lvl4pPr>
+            <a:lvl5pPr marL="1828800" indent="0" algn="ctr">
+              <a:buNone/>
+              <a:defRPr>
+                <a:solidFill>
+                  <a:schemeClr val="tx1">
+                    <a:tint val="75000"/>
+                  </a:schemeClr>
+                </a:solidFill>
+              </a:defRPr>
+            </a:lvl5pPr>
+            <a:lvl6pPr marL="2286000" indent="0" algn="ctr">
+              <a:buNone/>
+              <a:defRPr>
+                <a:solidFill>
+                  <a:schemeClr val="tx1">
+                    <a:tint val="75000"/>
+                  </a:schemeClr>
+                </a:solidFill>
+              </a:defRPr>
+            </a:lvl6pPr>
+            <a:lvl7pPr marL="2743200" indent="0" algn="ctr">
+              <a:buNone/>
+              <a:defRPr>
+                <a:solidFill>
+                  <a:schemeClr val="tx1">
+                    <a:tint val="75000"/>
+                  </a:schemeClr>
+                </a:solidFill>
+              </a:defRPr>
+            </a:lvl7pPr>
+            <a:lvl8pPr marL="3200400" indent="0" algn="ctr">
+              <a:buNone/>
+              <a:defRPr>
+                <a:solidFill>
+                  <a:schemeClr val="tx1">
+                    <a:tint val="75000"/>
+                  </a:schemeClr>
+                </a:solidFill>
+              </a:defRPr>
+            </a:lvl8pPr>
+            <a:lvl9pPr marL="3657600" indent="0" algn="ctr">
+              <a:buNone/>
+              <a:defRPr>
+                <a:solidFill>
+                  <a:schemeClr val="tx1">
+                    <a:tint val="75000"/>
+                  </a:schemeClr>
+                </a:solidFill>
+              </a:defRPr>
+            </a:lvl9pPr>
+          </a:lstStyle>
+          <a:p>
+            <a:r>
+              <a:rPr lang="cs-CZ" dirty="0"/>
+              <a:t>Kontaktní informace</a:t>
+            </a:r>
+          </a:p>
+        </p:txBody>
+      </p:sp>
+      <p:grpSp>
+        <p:nvGrpSpPr>
+          <p:cNvPr id="16" name="Skupina 15"/>
+          <p:cNvGrpSpPr/>
+          <p:nvPr/>
+        </p:nvGrpSpPr>
+        <p:grpSpPr bwMode="gray">
+          <a:xfrm>
+            <a:off x="-3328" y="0"/>
+            <a:ext cx="6096000" cy="151200"/>
+            <a:chOff x="3203928" y="2491755"/>
+            <a:chExt cx="2160000" cy="72000"/>
+          </a:xfrm>
+        </p:grpSpPr>
+        <p:sp>
+          <p:nvSpPr>
+            <p:cNvPr id="17" name="Obdélník 16"/>
+            <p:cNvSpPr/>
+            <p:nvPr/>
+          </p:nvSpPr>
+          <p:spPr bwMode="gray">
+            <a:xfrm>
+              <a:off x="3923928" y="2491755"/>
+              <a:ext cx="720000" cy="72000"/>
+            </a:xfrm>
+            <a:prstGeom prst="rect">
+              <a:avLst/>
+            </a:prstGeom>
+            <a:solidFill>
+              <a:schemeClr val="accent2"/>
+            </a:solidFill>
+            <a:ln>
+              <a:noFill/>
+            </a:ln>
+          </p:spPr>
+          <p:style>
+            <a:lnRef idx="2">
+              <a:schemeClr val="accent1">
+                <a:shade val="50000"/>
+              </a:schemeClr>
+            </a:lnRef>
+            <a:fillRef idx="1">
+              <a:schemeClr val="accent1"/>
+            </a:fillRef>
+            <a:effectRef idx="0">
+              <a:schemeClr val="accent1"/>
+            </a:effectRef>
+            <a:fontRef idx="minor">
+              <a:schemeClr val="lt1"/>
+            </a:fontRef>
+          </p:style>
+          <p:txBody>
+            <a:bodyPr rtlCol="0" anchor="ctr"/>
+            <a:lstStyle/>
+            <a:p>
+              <a:pPr algn="ctr"/>
+              <a:endParaRPr lang="cs-CZ" sz="1800">
+                <a:solidFill>
+                  <a:prstClr val="white"/>
+                </a:solidFill>
+              </a:endParaRPr>
+            </a:p>
+          </p:txBody>
+        </p:sp>
+        <p:sp>
+          <p:nvSpPr>
+            <p:cNvPr id="18" name="Obdélník 17"/>
+            <p:cNvSpPr/>
+            <p:nvPr/>
+          </p:nvSpPr>
+          <p:spPr bwMode="gray">
+            <a:xfrm>
+              <a:off x="3203928" y="2491755"/>
+              <a:ext cx="720000" cy="72000"/>
+            </a:xfrm>
+            <a:prstGeom prst="rect">
+              <a:avLst/>
+            </a:prstGeom>
+            <a:solidFill>
+              <a:schemeClr val="accent1"/>
+            </a:solidFill>
+            <a:ln>
+              <a:noFill/>
+            </a:ln>
+          </p:spPr>
+          <p:style>
+            <a:lnRef idx="2">
+              <a:schemeClr val="accent1">
+                <a:shade val="50000"/>
+              </a:schemeClr>
+            </a:lnRef>
+            <a:fillRef idx="1">
+              <a:schemeClr val="accent1"/>
+            </a:fillRef>
+            <a:effectRef idx="0">
+              <a:schemeClr val="accent1"/>
+            </a:effectRef>
+            <a:fontRef idx="minor">
+              <a:schemeClr val="lt1"/>
+            </a:fontRef>
+          </p:style>
+          <p:txBody>
+            <a:bodyPr rtlCol="0" anchor="ctr"/>
+            <a:lstStyle/>
+            <a:p>
+              <a:pPr algn="ctr"/>
+              <a:endParaRPr lang="cs-CZ" sz="1800">
+                <a:solidFill>
+                  <a:prstClr val="white"/>
+                </a:solidFill>
+              </a:endParaRPr>
+            </a:p>
+          </p:txBody>
+        </p:sp>
+        <p:sp>
+          <p:nvSpPr>
+            <p:cNvPr id="19" name="Obdélník 18"/>
+            <p:cNvSpPr/>
+            <p:nvPr/>
+          </p:nvSpPr>
+          <p:spPr bwMode="gray">
+            <a:xfrm>
+              <a:off x="4643928" y="2491755"/>
+              <a:ext cx="720000" cy="72000"/>
+            </a:xfrm>
+            <a:prstGeom prst="rect">
+              <a:avLst/>
+            </a:prstGeom>
+            <a:solidFill>
+              <a:schemeClr val="accent3"/>
+            </a:solidFill>
+            <a:ln>
+              <a:noFill/>
+            </a:ln>
+          </p:spPr>
+          <p:style>
+            <a:lnRef idx="2">
+              <a:schemeClr val="accent1">
+                <a:shade val="50000"/>
+              </a:schemeClr>
+            </a:lnRef>
+            <a:fillRef idx="1">
+              <a:schemeClr val="accent1"/>
+            </a:fillRef>
+            <a:effectRef idx="0">
+              <a:schemeClr val="accent1"/>
+            </a:effectRef>
+            <a:fontRef idx="minor">
+              <a:schemeClr val="lt1"/>
+            </a:fontRef>
+          </p:style>
+          <p:txBody>
+            <a:bodyPr rtlCol="0" anchor="ctr"/>
+            <a:lstStyle/>
+            <a:p>
+              <a:pPr algn="ctr"/>
+              <a:endParaRPr lang="cs-CZ" sz="1800">
+                <a:solidFill>
+                  <a:prstClr val="white"/>
+                </a:solidFill>
+              </a:endParaRPr>
+            </a:p>
+          </p:txBody>
+        </p:sp>
+      </p:grpSp>
     </p:spTree>
     <p:extLst>
       <p:ext uri="{BB962C8B-B14F-4D97-AF65-F5344CB8AC3E}">
-        <p14:creationId xmlns:p14="http://schemas.microsoft.com/office/powerpoint/2010/main" val="1606895185"/>
+        <p14:creationId xmlns:p14="http://schemas.microsoft.com/office/powerpoint/2010/main" val="2470243684"/>
       </p:ext>
     </p:extLst>
   </p:cSld>
@@ -2895,9 +3059,9 @@
 </p:sldLayout>
 </file>
 
-<file path=ppt/slideLayouts/slideLayout8.xml><?xml version="1.0" encoding="utf-8"?>
-<p:sldLayout xmlns:a="http://schemas.openxmlformats.org/drawingml/2006/main" xmlns:r="http://schemas.openxmlformats.org/officeDocument/2006/relationships" xmlns:p="http://schemas.openxmlformats.org/presentationml/2006/main" type="objTx" preserve="1">
-  <p:cSld name="Content with Caption">
+<file path=ppt/slideLayouts/slideLayout5.xml><?xml version="1.0" encoding="utf-8"?>
+<p:sldLayout xmlns:a="http://schemas.openxmlformats.org/drawingml/2006/main" xmlns:r="http://schemas.openxmlformats.org/officeDocument/2006/relationships" xmlns:p="http://schemas.openxmlformats.org/presentationml/2006/main" type="twoObj" preserve="1">
+  <p:cSld name="Dva obsahy">
     <p:spTree>
       <p:nvGrpSpPr>
         <p:cNvPr id="1" name=""/>
@@ -2914,211 +3078,201 @@
       </p:grpSpPr>
       <p:sp>
         <p:nvSpPr>
-          <p:cNvPr id="2" name="Title 1">
-            <a:extLst>
-              <a:ext uri="{FF2B5EF4-FFF2-40B4-BE49-F238E27FC236}">
-                <a16:creationId xmlns:a16="http://schemas.microsoft.com/office/drawing/2014/main" id="{EEEC4CFC-ED05-F671-2B3C-ABF2A925E637}"/>
-              </a:ext>
-            </a:extLst>
-          </p:cNvPr>
-          <p:cNvSpPr>
-            <a:spLocks noGrp="1"/>
-          </p:cNvSpPr>
-          <p:nvPr>
-            <p:ph type="title"/>
-          </p:nvPr>
-        </p:nvSpPr>
-        <p:spPr>
-          <a:xfrm>
-            <a:off x="839788" y="457200"/>
-            <a:ext cx="3932237" cy="1600200"/>
-          </a:xfrm>
-        </p:spPr>
-        <p:txBody>
-          <a:bodyPr anchor="b"/>
-          <a:lstStyle>
-            <a:lvl1pPr>
-              <a:defRPr sz="3200"/>
-            </a:lvl1pPr>
-          </a:lstStyle>
-          <a:p>
-            <a:r>
-              <a:rPr lang="en-US"/>
-              <a:t>Click to edit Master title style</a:t>
-            </a:r>
-          </a:p>
-        </p:txBody>
-      </p:sp>
-      <p:sp>
-        <p:nvSpPr>
-          <p:cNvPr id="3" name="Content Placeholder 2">
-            <a:extLst>
-              <a:ext uri="{FF2B5EF4-FFF2-40B4-BE49-F238E27FC236}">
-                <a16:creationId xmlns:a16="http://schemas.microsoft.com/office/drawing/2014/main" id="{85EF2AD4-BD4B-DCC3-91A4-D46F82B5EEB5}"/>
-              </a:ext>
-            </a:extLst>
-          </p:cNvPr>
-          <p:cNvSpPr>
-            <a:spLocks noGrp="1"/>
-          </p:cNvSpPr>
-          <p:nvPr>
-            <p:ph idx="1"/>
-          </p:nvPr>
-        </p:nvSpPr>
-        <p:spPr>
-          <a:xfrm>
-            <a:off x="5183188" y="987425"/>
-            <a:ext cx="6172200" cy="4873625"/>
-          </a:xfrm>
-        </p:spPr>
+          <p:cNvPr id="2" name="Nadpis 1"/>
+          <p:cNvSpPr>
+            <a:spLocks noGrp="1"/>
+          </p:cNvSpPr>
+          <p:nvPr>
+            <p:ph type="title" hasCustomPrompt="1"/>
+          </p:nvPr>
+        </p:nvSpPr>
+        <p:spPr/>
         <p:txBody>
           <a:bodyPr/>
           <a:lstStyle>
             <a:lvl1pPr>
-              <a:defRPr sz="3200"/>
+              <a:defRPr/>
+            </a:lvl1pPr>
+          </a:lstStyle>
+          <a:p>
+            <a:r>
+              <a:rPr lang="cs-CZ" dirty="0"/>
+              <a:t>Nadpis snímku</a:t>
+            </a:r>
+          </a:p>
+        </p:txBody>
+      </p:sp>
+      <p:sp>
+        <p:nvSpPr>
+          <p:cNvPr id="3" name="Zástupný symbol pro obsah 2"/>
+          <p:cNvSpPr>
+            <a:spLocks noGrp="1"/>
+          </p:cNvSpPr>
+          <p:nvPr>
+            <p:ph sz="half" idx="1" hasCustomPrompt="1"/>
+          </p:nvPr>
+        </p:nvSpPr>
+        <p:spPr>
+          <a:xfrm>
+            <a:off x="609600" y="1772816"/>
+            <a:ext cx="5384800" cy="4353347"/>
+          </a:xfrm>
+        </p:spPr>
+        <p:txBody>
+          <a:bodyPr/>
+          <a:lstStyle>
+            <a:lvl1pPr>
+              <a:defRPr sz="2600"/>
             </a:lvl1pPr>
             <a:lvl2pPr>
-              <a:defRPr sz="2800"/>
+              <a:defRPr sz="2200"/>
             </a:lvl2pPr>
             <a:lvl3pPr>
-              <a:defRPr sz="2400"/>
+              <a:defRPr sz="2000"/>
             </a:lvl3pPr>
             <a:lvl4pPr>
-              <a:defRPr sz="2000"/>
+              <a:defRPr sz="1800"/>
             </a:lvl4pPr>
             <a:lvl5pPr>
-              <a:defRPr sz="2000"/>
+              <a:defRPr sz="1800"/>
             </a:lvl5pPr>
             <a:lvl6pPr>
-              <a:defRPr sz="2000"/>
+              <a:defRPr sz="1800"/>
             </a:lvl6pPr>
             <a:lvl7pPr>
-              <a:defRPr sz="2000"/>
+              <a:defRPr sz="1800"/>
             </a:lvl7pPr>
             <a:lvl8pPr>
-              <a:defRPr sz="2000"/>
+              <a:defRPr sz="1800"/>
             </a:lvl8pPr>
             <a:lvl9pPr>
-              <a:defRPr sz="2000"/>
+              <a:defRPr sz="1800"/>
             </a:lvl9pPr>
           </a:lstStyle>
           <a:p>
             <a:pPr lvl="0"/>
             <a:r>
-              <a:rPr lang="en-US"/>
-              <a:t>Click to edit Master text styles</a:t>
+              <a:rPr lang="cs-CZ" dirty="0"/>
+              <a:t>První úroveň</a:t>
             </a:r>
           </a:p>
           <a:p>
             <a:pPr lvl="1"/>
             <a:r>
-              <a:rPr lang="en-US"/>
-              <a:t>Second level</a:t>
+              <a:rPr lang="cs-CZ" dirty="0"/>
+              <a:t>Druhá úroveň</a:t>
             </a:r>
           </a:p>
           <a:p>
             <a:pPr lvl="2"/>
             <a:r>
-              <a:rPr lang="en-US"/>
-              <a:t>Third level</a:t>
+              <a:rPr lang="cs-CZ" dirty="0"/>
+              <a:t>Třetí úroveň</a:t>
             </a:r>
           </a:p>
           <a:p>
             <a:pPr lvl="3"/>
             <a:r>
-              <a:rPr lang="en-US"/>
-              <a:t>Fourth level</a:t>
+              <a:rPr lang="cs-CZ" dirty="0"/>
+              <a:t>Čtvrtá úroveň</a:t>
             </a:r>
           </a:p>
           <a:p>
             <a:pPr lvl="4"/>
             <a:r>
-              <a:rPr lang="en-US"/>
-              <a:t>Fifth level</a:t>
-            </a:r>
-          </a:p>
-        </p:txBody>
-      </p:sp>
-      <p:sp>
-        <p:nvSpPr>
-          <p:cNvPr id="4" name="Text Placeholder 3">
-            <a:extLst>
-              <a:ext uri="{FF2B5EF4-FFF2-40B4-BE49-F238E27FC236}">
-                <a16:creationId xmlns:a16="http://schemas.microsoft.com/office/drawing/2014/main" id="{0C609E4B-28E3-D9CC-241E-D0FCA360B78C}"/>
-              </a:ext>
-            </a:extLst>
-          </p:cNvPr>
-          <p:cNvSpPr>
-            <a:spLocks noGrp="1"/>
-          </p:cNvSpPr>
-          <p:nvPr>
-            <p:ph type="body" sz="half" idx="2"/>
+              <a:rPr lang="cs-CZ" dirty="0"/>
+              <a:t>Pátá úroveň</a:t>
+            </a:r>
+          </a:p>
+        </p:txBody>
+      </p:sp>
+      <p:sp>
+        <p:nvSpPr>
+          <p:cNvPr id="4" name="Zástupný symbol pro obsah 3"/>
+          <p:cNvSpPr>
+            <a:spLocks noGrp="1"/>
+          </p:cNvSpPr>
+          <p:nvPr>
+            <p:ph sz="half" idx="2" hasCustomPrompt="1"/>
           </p:nvPr>
         </p:nvSpPr>
         <p:spPr>
           <a:xfrm>
-            <a:off x="839788" y="2057400"/>
-            <a:ext cx="3932237" cy="3811588"/>
+            <a:off x="6197600" y="1772816"/>
+            <a:ext cx="5384800" cy="4353347"/>
           </a:xfrm>
         </p:spPr>
         <p:txBody>
           <a:bodyPr/>
           <a:lstStyle>
-            <a:lvl1pPr marL="0" indent="0">
-              <a:buNone/>
-              <a:defRPr sz="1600"/>
+            <a:lvl1pPr>
+              <a:defRPr sz="2600"/>
             </a:lvl1pPr>
-            <a:lvl2pPr marL="457200" indent="0">
-              <a:buNone/>
-              <a:defRPr sz="1400"/>
+            <a:lvl2pPr>
+              <a:defRPr sz="2200"/>
             </a:lvl2pPr>
-            <a:lvl3pPr marL="914400" indent="0">
-              <a:buNone/>
-              <a:defRPr sz="1200"/>
+            <a:lvl3pPr>
+              <a:defRPr sz="2000"/>
             </a:lvl3pPr>
-            <a:lvl4pPr marL="1371600" indent="0">
-              <a:buNone/>
-              <a:defRPr sz="1000"/>
+            <a:lvl4pPr>
+              <a:defRPr sz="1800"/>
             </a:lvl4pPr>
-            <a:lvl5pPr marL="1828800" indent="0">
-              <a:buNone/>
-              <a:defRPr sz="1000"/>
+            <a:lvl5pPr>
+              <a:defRPr sz="1800"/>
             </a:lvl5pPr>
-            <a:lvl6pPr marL="2286000" indent="0">
-              <a:buNone/>
-              <a:defRPr sz="1000"/>
+            <a:lvl6pPr>
+              <a:defRPr sz="1800"/>
             </a:lvl6pPr>
-            <a:lvl7pPr marL="2743200" indent="0">
-              <a:buNone/>
-              <a:defRPr sz="1000"/>
+            <a:lvl7pPr>
+              <a:defRPr sz="1800"/>
             </a:lvl7pPr>
-            <a:lvl8pPr marL="3200400" indent="0">
-              <a:buNone/>
-              <a:defRPr sz="1000"/>
+            <a:lvl8pPr>
+              <a:defRPr sz="1800"/>
             </a:lvl8pPr>
-            <a:lvl9pPr marL="3657600" indent="0">
-              <a:buNone/>
-              <a:defRPr sz="1000"/>
+            <a:lvl9pPr>
+              <a:defRPr sz="1800"/>
             </a:lvl9pPr>
           </a:lstStyle>
           <a:p>
             <a:pPr lvl="0"/>
             <a:r>
-              <a:rPr lang="en-US"/>
-              <a:t>Click to edit Master text styles</a:t>
-            </a:r>
-          </a:p>
-        </p:txBody>
-      </p:sp>
-      <p:sp>
-        <p:nvSpPr>
-          <p:cNvPr id="5" name="Date Placeholder 4">
-            <a:extLst>
-              <a:ext uri="{FF2B5EF4-FFF2-40B4-BE49-F238E27FC236}">
-                <a16:creationId xmlns:a16="http://schemas.microsoft.com/office/drawing/2014/main" id="{C42E2EF7-D945-4B5B-47BC-6D877BCF6354}"/>
-              </a:ext>
-            </a:extLst>
-          </p:cNvPr>
+              <a:rPr lang="cs-CZ" dirty="0"/>
+              <a:t>První úroveň</a:t>
+            </a:r>
+          </a:p>
+          <a:p>
+            <a:pPr lvl="1"/>
+            <a:r>
+              <a:rPr lang="cs-CZ" dirty="0"/>
+              <a:t>Druhá úroveň</a:t>
+            </a:r>
+          </a:p>
+          <a:p>
+            <a:pPr lvl="2"/>
+            <a:r>
+              <a:rPr lang="cs-CZ" dirty="0"/>
+              <a:t>Třetí úroveň</a:t>
+            </a:r>
+          </a:p>
+          <a:p>
+            <a:pPr lvl="3"/>
+            <a:r>
+              <a:rPr lang="cs-CZ" dirty="0"/>
+              <a:t>Čtvrtá úroveň</a:t>
+            </a:r>
+          </a:p>
+          <a:p>
+            <a:pPr lvl="4"/>
+            <a:r>
+              <a:rPr lang="cs-CZ" dirty="0"/>
+              <a:t>Pátá úroveň</a:t>
+            </a:r>
+          </a:p>
+        </p:txBody>
+      </p:sp>
+      <p:sp>
+        <p:nvSpPr>
+          <p:cNvPr id="8" name="Zástupný symbol pro datum 3"/>
           <p:cNvSpPr>
             <a:spLocks noGrp="1"/>
           </p:cNvSpPr>
@@ -3126,77 +3280,138 @@
             <p:ph type="dt" sz="half" idx="10"/>
           </p:nvPr>
         </p:nvSpPr>
-        <p:spPr/>
-        <p:txBody>
-          <a:bodyPr/>
-          <a:lstStyle/>
-          <a:p>
-            <a:fld id="{DBC98360-1B30-4F69-AE75-40532A18B4DE}" type="datetimeFigureOut">
-              <a:rPr lang="en-US" smtClean="0"/>
-              <a:t>2/21/2025</a:t>
-            </a:fld>
-            <a:endParaRPr lang="en-US"/>
-          </a:p>
-        </p:txBody>
-      </p:sp>
-      <p:sp>
-        <p:nvSpPr>
-          <p:cNvPr id="6" name="Footer Placeholder 5">
-            <a:extLst>
-              <a:ext uri="{FF2B5EF4-FFF2-40B4-BE49-F238E27FC236}">
-                <a16:creationId xmlns:a16="http://schemas.microsoft.com/office/drawing/2014/main" id="{079D722C-1A45-7E66-3D52-92F77A09D988}"/>
-              </a:ext>
-            </a:extLst>
-          </p:cNvPr>
-          <p:cNvSpPr>
-            <a:spLocks noGrp="1"/>
-          </p:cNvSpPr>
-          <p:nvPr>
-            <p:ph type="ftr" sz="quarter" idx="11"/>
-          </p:nvPr>
-        </p:nvSpPr>
-        <p:spPr/>
-        <p:txBody>
-          <a:bodyPr/>
-          <a:lstStyle/>
-          <a:p>
-            <a:endParaRPr lang="en-US"/>
-          </a:p>
-        </p:txBody>
-      </p:sp>
-      <p:sp>
-        <p:nvSpPr>
-          <p:cNvPr id="7" name="Slide Number Placeholder 6">
-            <a:extLst>
-              <a:ext uri="{FF2B5EF4-FFF2-40B4-BE49-F238E27FC236}">
-                <a16:creationId xmlns:a16="http://schemas.microsoft.com/office/drawing/2014/main" id="{2C464A77-2E70-9C7E-F2E6-61BF97A8883D}"/>
-              </a:ext>
-            </a:extLst>
-          </p:cNvPr>
-          <p:cNvSpPr>
-            <a:spLocks noGrp="1"/>
-          </p:cNvSpPr>
-          <p:nvPr>
-            <p:ph type="sldNum" sz="quarter" idx="12"/>
-          </p:nvPr>
-        </p:nvSpPr>
-        <p:spPr/>
-        <p:txBody>
-          <a:bodyPr/>
-          <a:lstStyle/>
-          <a:p>
-            <a:fld id="{E0A240B1-0496-4BDB-87BA-8E24C4526A4F}" type="slidenum">
-              <a:rPr lang="en-US" smtClean="0"/>
+        <p:spPr>
+          <a:xfrm>
+            <a:off x="1391477" y="6448252"/>
+            <a:ext cx="1248139" cy="365125"/>
+          </a:xfrm>
+          <a:prstGeom prst="rect">
+            <a:avLst/>
+          </a:prstGeom>
+        </p:spPr>
+        <p:txBody>
+          <a:bodyPr lIns="0" tIns="0" rIns="0" bIns="0"/>
+          <a:lstStyle>
+            <a:lvl1pPr algn="l">
+              <a:defRPr sz="1600">
+                <a:solidFill>
+                  <a:schemeClr val="tx1">
+                    <a:lumMod val="50000"/>
+                    <a:lumOff val="50000"/>
+                  </a:schemeClr>
+                </a:solidFill>
+              </a:defRPr>
+            </a:lvl1pPr>
+          </a:lstStyle>
+          <a:p>
+            <a:endParaRPr lang="cs-CZ" dirty="0">
+              <a:solidFill>
+                <a:prstClr val="black">
+                  <a:lumMod val="50000"/>
+                  <a:lumOff val="50000"/>
+                </a:prstClr>
+              </a:solidFill>
+            </a:endParaRPr>
+          </a:p>
+        </p:txBody>
+      </p:sp>
+      <p:sp>
+        <p:nvSpPr>
+          <p:cNvPr id="9" name="Zástupný symbol pro zápatí 4"/>
+          <p:cNvSpPr>
+            <a:spLocks noGrp="1"/>
+          </p:cNvSpPr>
+          <p:nvPr>
+            <p:ph type="ftr" sz="quarter" idx="3"/>
+          </p:nvPr>
+        </p:nvSpPr>
+        <p:spPr>
+          <a:xfrm>
+            <a:off x="2831637" y="6448252"/>
+            <a:ext cx="6720747" cy="365125"/>
+          </a:xfrm>
+          <a:prstGeom prst="rect">
+            <a:avLst/>
+          </a:prstGeom>
+        </p:spPr>
+        <p:txBody>
+          <a:bodyPr lIns="0" tIns="0" rIns="0" bIns="0"/>
+          <a:lstStyle>
+            <a:lvl1pPr algn="l">
+              <a:defRPr sz="1600">
+                <a:solidFill>
+                  <a:schemeClr val="tx1">
+                    <a:lumMod val="50000"/>
+                    <a:lumOff val="50000"/>
+                  </a:schemeClr>
+                </a:solidFill>
+              </a:defRPr>
+            </a:lvl1pPr>
+          </a:lstStyle>
+          <a:p>
+            <a:endParaRPr lang="cs-CZ" dirty="0">
+              <a:solidFill>
+                <a:prstClr val="black">
+                  <a:lumMod val="50000"/>
+                  <a:lumOff val="50000"/>
+                </a:prstClr>
+              </a:solidFill>
+            </a:endParaRPr>
+          </a:p>
+        </p:txBody>
+      </p:sp>
+      <p:sp>
+        <p:nvSpPr>
+          <p:cNvPr id="10" name="Zástupný symbol pro číslo snímku 5"/>
+          <p:cNvSpPr>
+            <a:spLocks noGrp="1"/>
+          </p:cNvSpPr>
+          <p:nvPr>
+            <p:ph type="sldNum" sz="quarter" idx="4"/>
+          </p:nvPr>
+        </p:nvSpPr>
+        <p:spPr>
+          <a:xfrm>
+            <a:off x="623392" y="6453337"/>
+            <a:ext cx="576064" cy="365125"/>
+          </a:xfrm>
+          <a:prstGeom prst="rect">
+            <a:avLst/>
+          </a:prstGeom>
+        </p:spPr>
+        <p:txBody>
+          <a:bodyPr lIns="0" tIns="0" rIns="0" bIns="0"/>
+          <a:lstStyle>
+            <a:lvl1pPr algn="l">
+              <a:defRPr sz="1600" b="1">
+                <a:solidFill>
+                  <a:schemeClr val="tx2"/>
+                </a:solidFill>
+              </a:defRPr>
+            </a:lvl1pPr>
+          </a:lstStyle>
+          <a:p>
+            <a:fld id="{31EF1479-3489-4788-BFA4-763D4DDB960F}" type="slidenum">
+              <a:rPr lang="cs-CZ" smtClean="0">
+                <a:solidFill>
+                  <a:srgbClr val="1E326C"/>
+                </a:solidFill>
+              </a:rPr>
+              <a:pPr/>
               <a:t>‹#›</a:t>
             </a:fld>
-            <a:endParaRPr lang="en-US"/>
+            <a:endParaRPr lang="cs-CZ" dirty="0">
+              <a:solidFill>
+                <a:srgbClr val="1E326C"/>
+              </a:solidFill>
+            </a:endParaRPr>
           </a:p>
         </p:txBody>
       </p:sp>
     </p:spTree>
     <p:extLst>
       <p:ext uri="{BB962C8B-B14F-4D97-AF65-F5344CB8AC3E}">
-        <p14:creationId xmlns:p14="http://schemas.microsoft.com/office/powerpoint/2010/main" val="530940156"/>
+        <p14:creationId xmlns:p14="http://schemas.microsoft.com/office/powerpoint/2010/main" val="3212610235"/>
       </p:ext>
     </p:extLst>
   </p:cSld>
@@ -3206,9 +3421,9 @@
 </p:sldLayout>
 </file>
 
-<file path=ppt/slideLayouts/slideLayout9.xml><?xml version="1.0" encoding="utf-8"?>
-<p:sldLayout xmlns:a="http://schemas.openxmlformats.org/drawingml/2006/main" xmlns:r="http://schemas.openxmlformats.org/officeDocument/2006/relationships" xmlns:p="http://schemas.openxmlformats.org/presentationml/2006/main" type="picTx" preserve="1">
-  <p:cSld name="Picture with Caption">
+<file path=ppt/slideLayouts/slideLayout6.xml><?xml version="1.0" encoding="utf-8"?>
+<p:sldLayout xmlns:a="http://schemas.openxmlformats.org/drawingml/2006/main" xmlns:r="http://schemas.openxmlformats.org/officeDocument/2006/relationships" xmlns:p="http://schemas.openxmlformats.org/presentationml/2006/main" type="twoTxTwoObj" preserve="1">
+  <p:cSld name="Porovnání dva obsahy">
     <p:spTree>
       <p:nvGrpSpPr>
         <p:cNvPr id="1" name=""/>
@@ -3225,266 +3440,1986 @@
       </p:grpSpPr>
       <p:sp>
         <p:nvSpPr>
-          <p:cNvPr id="2" name="Title 1">
-            <a:extLst>
-              <a:ext uri="{FF2B5EF4-FFF2-40B4-BE49-F238E27FC236}">
-                <a16:creationId xmlns:a16="http://schemas.microsoft.com/office/drawing/2014/main" id="{3C57C47B-0832-A53C-31B1-EBBB0D8C4E82}"/>
-              </a:ext>
-            </a:extLst>
-          </p:cNvPr>
-          <p:cNvSpPr>
-            <a:spLocks noGrp="1"/>
-          </p:cNvSpPr>
-          <p:nvPr>
-            <p:ph type="title"/>
+          <p:cNvPr id="2" name="Nadpis 1"/>
+          <p:cNvSpPr>
+            <a:spLocks noGrp="1"/>
+          </p:cNvSpPr>
+          <p:nvPr>
+            <p:ph type="title" hasCustomPrompt="1"/>
+          </p:nvPr>
+        </p:nvSpPr>
+        <p:spPr/>
+        <p:txBody>
+          <a:bodyPr/>
+          <a:lstStyle>
+            <a:lvl1pPr>
+              <a:defRPr/>
+            </a:lvl1pPr>
+          </a:lstStyle>
+          <a:p>
+            <a:r>
+              <a:rPr lang="cs-CZ" dirty="0"/>
+              <a:t>Nadpis snímku</a:t>
+            </a:r>
+          </a:p>
+        </p:txBody>
+      </p:sp>
+      <p:sp>
+        <p:nvSpPr>
+          <p:cNvPr id="3" name="Zástupný symbol pro text 2"/>
+          <p:cNvSpPr>
+            <a:spLocks noGrp="1"/>
+          </p:cNvSpPr>
+          <p:nvPr>
+            <p:ph type="body" idx="1" hasCustomPrompt="1"/>
           </p:nvPr>
         </p:nvSpPr>
         <p:spPr>
           <a:xfrm>
-            <a:off x="839788" y="457200"/>
-            <a:ext cx="3932237" cy="1600200"/>
+            <a:off x="609600" y="1535113"/>
+            <a:ext cx="5386917" cy="639762"/>
           </a:xfrm>
         </p:spPr>
         <p:txBody>
-          <a:bodyPr anchor="b"/>
+          <a:bodyPr anchor="ctr" anchorCtr="0"/>
+          <a:lstStyle>
+            <a:lvl1pPr marL="0" indent="0">
+              <a:buNone/>
+              <a:defRPr sz="2400" b="1"/>
+            </a:lvl1pPr>
+            <a:lvl2pPr marL="457200" indent="0">
+              <a:buNone/>
+              <a:defRPr sz="2000" b="1"/>
+            </a:lvl2pPr>
+            <a:lvl3pPr marL="914400" indent="0">
+              <a:buNone/>
+              <a:defRPr sz="1800" b="1"/>
+            </a:lvl3pPr>
+            <a:lvl4pPr marL="1371600" indent="0">
+              <a:buNone/>
+              <a:defRPr sz="1600" b="1"/>
+            </a:lvl4pPr>
+            <a:lvl5pPr marL="1828800" indent="0">
+              <a:buNone/>
+              <a:defRPr sz="1600" b="1"/>
+            </a:lvl5pPr>
+            <a:lvl6pPr marL="2286000" indent="0">
+              <a:buNone/>
+              <a:defRPr sz="1600" b="1"/>
+            </a:lvl6pPr>
+            <a:lvl7pPr marL="2743200" indent="0">
+              <a:buNone/>
+              <a:defRPr sz="1600" b="1"/>
+            </a:lvl7pPr>
+            <a:lvl8pPr marL="3200400" indent="0">
+              <a:buNone/>
+              <a:defRPr sz="1600" b="1"/>
+            </a:lvl8pPr>
+            <a:lvl9pPr marL="3657600" indent="0">
+              <a:buNone/>
+              <a:defRPr sz="1600" b="1"/>
+            </a:lvl9pPr>
+          </a:lstStyle>
+          <a:p>
+            <a:pPr lvl="0"/>
+            <a:r>
+              <a:rPr lang="cs-CZ" dirty="0"/>
+              <a:t>Porovnání 1</a:t>
+            </a:r>
+          </a:p>
+        </p:txBody>
+      </p:sp>
+      <p:sp>
+        <p:nvSpPr>
+          <p:cNvPr id="4" name="Zástupný symbol pro obsah 3"/>
+          <p:cNvSpPr>
+            <a:spLocks noGrp="1"/>
+          </p:cNvSpPr>
+          <p:nvPr>
+            <p:ph sz="half" idx="2" hasCustomPrompt="1"/>
+          </p:nvPr>
+        </p:nvSpPr>
+        <p:spPr>
+          <a:xfrm>
+            <a:off x="609600" y="2174875"/>
+            <a:ext cx="5386917" cy="3951288"/>
+          </a:xfrm>
+        </p:spPr>
+        <p:txBody>
+          <a:bodyPr/>
           <a:lstStyle>
             <a:lvl1pPr>
-              <a:defRPr sz="3200"/>
+              <a:defRPr sz="2400"/>
+            </a:lvl1pPr>
+            <a:lvl2pPr>
+              <a:defRPr sz="2000"/>
+            </a:lvl2pPr>
+            <a:lvl3pPr>
+              <a:defRPr sz="1800"/>
+            </a:lvl3pPr>
+            <a:lvl4pPr>
+              <a:defRPr sz="1600"/>
+            </a:lvl4pPr>
+            <a:lvl5pPr>
+              <a:defRPr sz="1600"/>
+            </a:lvl5pPr>
+            <a:lvl6pPr>
+              <a:defRPr sz="1600"/>
+            </a:lvl6pPr>
+            <a:lvl7pPr>
+              <a:defRPr sz="1600"/>
+            </a:lvl7pPr>
+            <a:lvl8pPr>
+              <a:defRPr sz="1600"/>
+            </a:lvl8pPr>
+            <a:lvl9pPr>
+              <a:defRPr sz="1600"/>
+            </a:lvl9pPr>
+          </a:lstStyle>
+          <a:p>
+            <a:pPr lvl="0"/>
+            <a:r>
+              <a:rPr lang="cs-CZ" dirty="0"/>
+              <a:t>První úroveň</a:t>
+            </a:r>
+          </a:p>
+          <a:p>
+            <a:pPr lvl="1"/>
+            <a:r>
+              <a:rPr lang="cs-CZ" dirty="0"/>
+              <a:t>Druhá úroveň</a:t>
+            </a:r>
+          </a:p>
+          <a:p>
+            <a:pPr lvl="2"/>
+            <a:r>
+              <a:rPr lang="cs-CZ" dirty="0"/>
+              <a:t>Třetí úroveň</a:t>
+            </a:r>
+          </a:p>
+          <a:p>
+            <a:pPr lvl="3"/>
+            <a:r>
+              <a:rPr lang="cs-CZ" dirty="0"/>
+              <a:t>Čtvrtá úroveň</a:t>
+            </a:r>
+          </a:p>
+          <a:p>
+            <a:pPr lvl="4"/>
+            <a:r>
+              <a:rPr lang="cs-CZ" dirty="0"/>
+              <a:t>Pátá úroveň</a:t>
+            </a:r>
+          </a:p>
+        </p:txBody>
+      </p:sp>
+      <p:sp>
+        <p:nvSpPr>
+          <p:cNvPr id="5" name="Zástupný symbol pro text 4"/>
+          <p:cNvSpPr>
+            <a:spLocks noGrp="1"/>
+          </p:cNvSpPr>
+          <p:nvPr>
+            <p:ph type="body" sz="quarter" idx="3" hasCustomPrompt="1"/>
+          </p:nvPr>
+        </p:nvSpPr>
+        <p:spPr>
+          <a:xfrm>
+            <a:off x="6193368" y="1535113"/>
+            <a:ext cx="5389033" cy="639762"/>
+          </a:xfrm>
+        </p:spPr>
+        <p:txBody>
+          <a:bodyPr anchor="ctr" anchorCtr="0"/>
+          <a:lstStyle>
+            <a:lvl1pPr marL="0" indent="0">
+              <a:buNone/>
+              <a:defRPr sz="2400" b="1"/>
+            </a:lvl1pPr>
+            <a:lvl2pPr marL="457200" indent="0">
+              <a:buNone/>
+              <a:defRPr sz="2000" b="1"/>
+            </a:lvl2pPr>
+            <a:lvl3pPr marL="914400" indent="0">
+              <a:buNone/>
+              <a:defRPr sz="1800" b="1"/>
+            </a:lvl3pPr>
+            <a:lvl4pPr marL="1371600" indent="0">
+              <a:buNone/>
+              <a:defRPr sz="1600" b="1"/>
+            </a:lvl4pPr>
+            <a:lvl5pPr marL="1828800" indent="0">
+              <a:buNone/>
+              <a:defRPr sz="1600" b="1"/>
+            </a:lvl5pPr>
+            <a:lvl6pPr marL="2286000" indent="0">
+              <a:buNone/>
+              <a:defRPr sz="1600" b="1"/>
+            </a:lvl6pPr>
+            <a:lvl7pPr marL="2743200" indent="0">
+              <a:buNone/>
+              <a:defRPr sz="1600" b="1"/>
+            </a:lvl7pPr>
+            <a:lvl8pPr marL="3200400" indent="0">
+              <a:buNone/>
+              <a:defRPr sz="1600" b="1"/>
+            </a:lvl8pPr>
+            <a:lvl9pPr marL="3657600" indent="0">
+              <a:buNone/>
+              <a:defRPr sz="1600" b="1"/>
+            </a:lvl9pPr>
+          </a:lstStyle>
+          <a:p>
+            <a:pPr lvl="0"/>
+            <a:r>
+              <a:rPr lang="cs-CZ" dirty="0"/>
+              <a:t>Porovnání 2</a:t>
+            </a:r>
+          </a:p>
+        </p:txBody>
+      </p:sp>
+      <p:sp>
+        <p:nvSpPr>
+          <p:cNvPr id="6" name="Zástupný symbol pro obsah 5"/>
+          <p:cNvSpPr>
+            <a:spLocks noGrp="1"/>
+          </p:cNvSpPr>
+          <p:nvPr>
+            <p:ph sz="quarter" idx="4" hasCustomPrompt="1"/>
+          </p:nvPr>
+        </p:nvSpPr>
+        <p:spPr>
+          <a:xfrm>
+            <a:off x="6193368" y="2174875"/>
+            <a:ext cx="5389033" cy="3951288"/>
+          </a:xfrm>
+        </p:spPr>
+        <p:txBody>
+          <a:bodyPr/>
+          <a:lstStyle>
+            <a:lvl1pPr>
+              <a:defRPr sz="2400"/>
+            </a:lvl1pPr>
+            <a:lvl2pPr>
+              <a:defRPr sz="2000"/>
+            </a:lvl2pPr>
+            <a:lvl3pPr>
+              <a:defRPr sz="1800"/>
+            </a:lvl3pPr>
+            <a:lvl4pPr>
+              <a:defRPr sz="1600"/>
+            </a:lvl4pPr>
+            <a:lvl5pPr>
+              <a:defRPr sz="1600"/>
+            </a:lvl5pPr>
+            <a:lvl6pPr>
+              <a:defRPr sz="1600"/>
+            </a:lvl6pPr>
+            <a:lvl7pPr>
+              <a:defRPr sz="1600"/>
+            </a:lvl7pPr>
+            <a:lvl8pPr>
+              <a:defRPr sz="1600"/>
+            </a:lvl8pPr>
+            <a:lvl9pPr>
+              <a:defRPr sz="1600"/>
+            </a:lvl9pPr>
+          </a:lstStyle>
+          <a:p>
+            <a:pPr lvl="0"/>
+            <a:r>
+              <a:rPr lang="cs-CZ" dirty="0"/>
+              <a:t>První úroveň</a:t>
+            </a:r>
+          </a:p>
+          <a:p>
+            <a:pPr lvl="1"/>
+            <a:r>
+              <a:rPr lang="cs-CZ" dirty="0"/>
+              <a:t>Druhá úroveň</a:t>
+            </a:r>
+          </a:p>
+          <a:p>
+            <a:pPr lvl="2"/>
+            <a:r>
+              <a:rPr lang="cs-CZ" dirty="0"/>
+              <a:t>Třetí úroveň</a:t>
+            </a:r>
+          </a:p>
+          <a:p>
+            <a:pPr lvl="3"/>
+            <a:r>
+              <a:rPr lang="cs-CZ" dirty="0"/>
+              <a:t>Čtvrtá úroveň</a:t>
+            </a:r>
+          </a:p>
+          <a:p>
+            <a:pPr lvl="4"/>
+            <a:r>
+              <a:rPr lang="cs-CZ" dirty="0"/>
+              <a:t>Pátá úroveň</a:t>
+            </a:r>
+          </a:p>
+        </p:txBody>
+      </p:sp>
+      <p:sp>
+        <p:nvSpPr>
+          <p:cNvPr id="10" name="Zástupný symbol pro datum 3"/>
+          <p:cNvSpPr>
+            <a:spLocks noGrp="1"/>
+          </p:cNvSpPr>
+          <p:nvPr>
+            <p:ph type="dt" sz="half" idx="10"/>
+          </p:nvPr>
+        </p:nvSpPr>
+        <p:spPr>
+          <a:xfrm>
+            <a:off x="1391477" y="6448252"/>
+            <a:ext cx="1248139" cy="365125"/>
+          </a:xfrm>
+          <a:prstGeom prst="rect">
+            <a:avLst/>
+          </a:prstGeom>
+        </p:spPr>
+        <p:txBody>
+          <a:bodyPr lIns="0" tIns="0" rIns="0" bIns="0"/>
+          <a:lstStyle>
+            <a:lvl1pPr algn="l">
+              <a:defRPr sz="1600">
+                <a:solidFill>
+                  <a:schemeClr val="tx1">
+                    <a:lumMod val="50000"/>
+                    <a:lumOff val="50000"/>
+                  </a:schemeClr>
+                </a:solidFill>
+              </a:defRPr>
             </a:lvl1pPr>
           </a:lstStyle>
           <a:p>
-            <a:r>
-              <a:rPr lang="en-US"/>
-              <a:t>Click to edit Master title style</a:t>
-            </a:r>
-          </a:p>
-        </p:txBody>
-      </p:sp>
-      <p:sp>
-        <p:nvSpPr>
-          <p:cNvPr id="3" name="Picture Placeholder 2">
-            <a:extLst>
-              <a:ext uri="{FF2B5EF4-FFF2-40B4-BE49-F238E27FC236}">
-                <a16:creationId xmlns:a16="http://schemas.microsoft.com/office/drawing/2014/main" id="{0C85B071-7BE7-565D-BA37-8CC039EFFD5E}"/>
-              </a:ext>
-            </a:extLst>
-          </p:cNvPr>
-          <p:cNvSpPr>
-            <a:spLocks noGrp="1"/>
-          </p:cNvSpPr>
-          <p:nvPr>
-            <p:ph type="pic" idx="1"/>
+            <a:endParaRPr lang="cs-CZ" dirty="0">
+              <a:solidFill>
+                <a:prstClr val="black">
+                  <a:lumMod val="50000"/>
+                  <a:lumOff val="50000"/>
+                </a:prstClr>
+              </a:solidFill>
+            </a:endParaRPr>
+          </a:p>
+        </p:txBody>
+      </p:sp>
+      <p:sp>
+        <p:nvSpPr>
+          <p:cNvPr id="11" name="Zástupný symbol pro zápatí 4"/>
+          <p:cNvSpPr>
+            <a:spLocks noGrp="1"/>
+          </p:cNvSpPr>
+          <p:nvPr>
+            <p:ph type="ftr" sz="quarter" idx="11"/>
           </p:nvPr>
         </p:nvSpPr>
         <p:spPr>
           <a:xfrm>
-            <a:off x="5183188" y="987425"/>
-            <a:ext cx="6172200" cy="4873625"/>
+            <a:off x="2831637" y="6448252"/>
+            <a:ext cx="6720747" cy="365125"/>
           </a:xfrm>
+          <a:prstGeom prst="rect">
+            <a:avLst/>
+          </a:prstGeom>
         </p:spPr>
         <p:txBody>
-          <a:bodyPr/>
+          <a:bodyPr lIns="0" tIns="0" rIns="0" bIns="0"/>
           <a:lstStyle>
-            <a:lvl1pPr marL="0" indent="0">
-              <a:buNone/>
-              <a:defRPr sz="3200"/>
+            <a:lvl1pPr algn="l">
+              <a:defRPr sz="1600">
+                <a:solidFill>
+                  <a:schemeClr val="tx1">
+                    <a:lumMod val="50000"/>
+                    <a:lumOff val="50000"/>
+                  </a:schemeClr>
+                </a:solidFill>
+              </a:defRPr>
             </a:lvl1pPr>
-            <a:lvl2pPr marL="457200" indent="0">
-              <a:buNone/>
-              <a:defRPr sz="2800"/>
-            </a:lvl2pPr>
-            <a:lvl3pPr marL="914400" indent="0">
-              <a:buNone/>
-              <a:defRPr sz="2400"/>
-            </a:lvl3pPr>
-            <a:lvl4pPr marL="1371600" indent="0">
-              <a:buNone/>
-              <a:defRPr sz="2000"/>
-            </a:lvl4pPr>
-            <a:lvl5pPr marL="1828800" indent="0">
-              <a:buNone/>
-              <a:defRPr sz="2000"/>
-            </a:lvl5pPr>
-            <a:lvl6pPr marL="2286000" indent="0">
-              <a:buNone/>
-              <a:defRPr sz="2000"/>
-            </a:lvl6pPr>
-            <a:lvl7pPr marL="2743200" indent="0">
-              <a:buNone/>
-              <a:defRPr sz="2000"/>
-            </a:lvl7pPr>
-            <a:lvl8pPr marL="3200400" indent="0">
-              <a:buNone/>
-              <a:defRPr sz="2000"/>
-            </a:lvl8pPr>
-            <a:lvl9pPr marL="3657600" indent="0">
-              <a:buNone/>
-              <a:defRPr sz="2000"/>
-            </a:lvl9pPr>
           </a:lstStyle>
           <a:p>
-            <a:endParaRPr lang="en-US"/>
-          </a:p>
-        </p:txBody>
-      </p:sp>
-      <p:sp>
-        <p:nvSpPr>
-          <p:cNvPr id="4" name="Text Placeholder 3">
-            <a:extLst>
-              <a:ext uri="{FF2B5EF4-FFF2-40B4-BE49-F238E27FC236}">
-                <a16:creationId xmlns:a16="http://schemas.microsoft.com/office/drawing/2014/main" id="{77EF58A2-731B-F9DB-80EA-33611CE32F48}"/>
-              </a:ext>
-            </a:extLst>
-          </p:cNvPr>
-          <p:cNvSpPr>
-            <a:spLocks noGrp="1"/>
-          </p:cNvSpPr>
-          <p:nvPr>
-            <p:ph type="body" sz="half" idx="2"/>
+            <a:endParaRPr lang="cs-CZ" dirty="0">
+              <a:solidFill>
+                <a:prstClr val="black">
+                  <a:lumMod val="50000"/>
+                  <a:lumOff val="50000"/>
+                </a:prstClr>
+              </a:solidFill>
+            </a:endParaRPr>
+          </a:p>
+        </p:txBody>
+      </p:sp>
+      <p:sp>
+        <p:nvSpPr>
+          <p:cNvPr id="12" name="Zástupný symbol pro číslo snímku 5"/>
+          <p:cNvSpPr>
+            <a:spLocks noGrp="1"/>
+          </p:cNvSpPr>
+          <p:nvPr>
+            <p:ph type="sldNum" sz="quarter" idx="12"/>
           </p:nvPr>
         </p:nvSpPr>
         <p:spPr>
           <a:xfrm>
-            <a:off x="839788" y="2057400"/>
-            <a:ext cx="3932237" cy="3811588"/>
+            <a:off x="623392" y="6448252"/>
+            <a:ext cx="576064" cy="365125"/>
           </a:xfrm>
+          <a:prstGeom prst="rect">
+            <a:avLst/>
+          </a:prstGeom>
         </p:spPr>
         <p:txBody>
-          <a:bodyPr/>
+          <a:bodyPr lIns="0" tIns="0" rIns="0" bIns="0"/>
           <a:lstStyle>
-            <a:lvl1pPr marL="0" indent="0">
-              <a:buNone/>
-              <a:defRPr sz="1600"/>
+            <a:lvl1pPr algn="l">
+              <a:defRPr sz="1600" b="1">
+                <a:solidFill>
+                  <a:schemeClr val="tx2"/>
+                </a:solidFill>
+              </a:defRPr>
             </a:lvl1pPr>
-            <a:lvl2pPr marL="457200" indent="0">
-              <a:buNone/>
-              <a:defRPr sz="1400"/>
-            </a:lvl2pPr>
-            <a:lvl3pPr marL="914400" indent="0">
-              <a:buNone/>
-              <a:defRPr sz="1200"/>
-            </a:lvl3pPr>
-            <a:lvl4pPr marL="1371600" indent="0">
-              <a:buNone/>
-              <a:defRPr sz="1000"/>
-            </a:lvl4pPr>
-            <a:lvl5pPr marL="1828800" indent="0">
-              <a:buNone/>
-              <a:defRPr sz="1000"/>
-            </a:lvl5pPr>
-            <a:lvl6pPr marL="2286000" indent="0">
-              <a:buNone/>
-              <a:defRPr sz="1000"/>
-            </a:lvl6pPr>
-            <a:lvl7pPr marL="2743200" indent="0">
-              <a:buNone/>
-              <a:defRPr sz="1000"/>
-            </a:lvl7pPr>
-            <a:lvl8pPr marL="3200400" indent="0">
-              <a:buNone/>
-              <a:defRPr sz="1000"/>
-            </a:lvl8pPr>
-            <a:lvl9pPr marL="3657600" indent="0">
-              <a:buNone/>
-              <a:defRPr sz="1000"/>
-            </a:lvl9pPr>
           </a:lstStyle>
           <a:p>
-            <a:pPr lvl="0"/>
-            <a:r>
-              <a:rPr lang="en-US"/>
-              <a:t>Click to edit Master text styles</a:t>
-            </a:r>
-          </a:p>
-        </p:txBody>
-      </p:sp>
-      <p:sp>
-        <p:nvSpPr>
-          <p:cNvPr id="5" name="Date Placeholder 4">
-            <a:extLst>
-              <a:ext uri="{FF2B5EF4-FFF2-40B4-BE49-F238E27FC236}">
-                <a16:creationId xmlns:a16="http://schemas.microsoft.com/office/drawing/2014/main" id="{0E2B7C40-BDE0-B459-6618-85560ADE783D}"/>
-              </a:ext>
-            </a:extLst>
-          </p:cNvPr>
-          <p:cNvSpPr>
-            <a:spLocks noGrp="1"/>
-          </p:cNvSpPr>
-          <p:nvPr>
-            <p:ph type="dt" sz="half" idx="10"/>
-          </p:nvPr>
-        </p:nvSpPr>
-        <p:spPr/>
-        <p:txBody>
-          <a:bodyPr/>
-          <a:lstStyle/>
-          <a:p>
-            <a:fld id="{DBC98360-1B30-4F69-AE75-40532A18B4DE}" type="datetimeFigureOut">
-              <a:rPr lang="en-US" smtClean="0"/>
-              <a:t>2/21/2025</a:t>
-            </a:fld>
-            <a:endParaRPr lang="en-US"/>
-          </a:p>
-        </p:txBody>
-      </p:sp>
-      <p:sp>
-        <p:nvSpPr>
-          <p:cNvPr id="6" name="Footer Placeholder 5">
-            <a:extLst>
-              <a:ext uri="{FF2B5EF4-FFF2-40B4-BE49-F238E27FC236}">
-                <a16:creationId xmlns:a16="http://schemas.microsoft.com/office/drawing/2014/main" id="{81BBA881-4C8A-375A-689F-983ABD6F1E6D}"/>
-              </a:ext>
-            </a:extLst>
-          </p:cNvPr>
-          <p:cNvSpPr>
-            <a:spLocks noGrp="1"/>
-          </p:cNvSpPr>
-          <p:nvPr>
-            <p:ph type="ftr" sz="quarter" idx="11"/>
-          </p:nvPr>
-        </p:nvSpPr>
-        <p:spPr/>
-        <p:txBody>
-          <a:bodyPr/>
-          <a:lstStyle/>
-          <a:p>
-            <a:endParaRPr lang="en-US"/>
-          </a:p>
-        </p:txBody>
-      </p:sp>
-      <p:sp>
-        <p:nvSpPr>
-          <p:cNvPr id="7" name="Slide Number Placeholder 6">
-            <a:extLst>
-              <a:ext uri="{FF2B5EF4-FFF2-40B4-BE49-F238E27FC236}">
-                <a16:creationId xmlns:a16="http://schemas.microsoft.com/office/drawing/2014/main" id="{6A4ABC61-A816-2965-F42E-6B40424FE367}"/>
-              </a:ext>
-            </a:extLst>
-          </p:cNvPr>
-          <p:cNvSpPr>
-            <a:spLocks noGrp="1"/>
-          </p:cNvSpPr>
-          <p:nvPr>
-            <p:ph type="sldNum" sz="quarter" idx="12"/>
-          </p:nvPr>
-        </p:nvSpPr>
-        <p:spPr/>
-        <p:txBody>
-          <a:bodyPr/>
-          <a:lstStyle/>
-          <a:p>
-            <a:fld id="{E0A240B1-0496-4BDB-87BA-8E24C4526A4F}" type="slidenum">
-              <a:rPr lang="en-US" smtClean="0"/>
+            <a:fld id="{31EF1479-3489-4788-BFA4-763D4DDB960F}" type="slidenum">
+              <a:rPr lang="cs-CZ" smtClean="0">
+                <a:solidFill>
+                  <a:srgbClr val="1E326C"/>
+                </a:solidFill>
+              </a:rPr>
+              <a:pPr/>
               <a:t>‹#›</a:t>
             </a:fld>
-            <a:endParaRPr lang="en-US"/>
+            <a:endParaRPr lang="cs-CZ" dirty="0">
+              <a:solidFill>
+                <a:srgbClr val="1E326C"/>
+              </a:solidFill>
+            </a:endParaRPr>
           </a:p>
         </p:txBody>
       </p:sp>
     </p:spTree>
     <p:extLst>
       <p:ext uri="{BB962C8B-B14F-4D97-AF65-F5344CB8AC3E}">
-        <p14:creationId xmlns:p14="http://schemas.microsoft.com/office/powerpoint/2010/main" val="1816491316"/>
+        <p14:creationId xmlns:p14="http://schemas.microsoft.com/office/powerpoint/2010/main" val="4055705826"/>
+      </p:ext>
+    </p:extLst>
+  </p:cSld>
+  <p:clrMapOvr>
+    <a:masterClrMapping/>
+  </p:clrMapOvr>
+</p:sldLayout>
+</file>
+
+<file path=ppt/slideLayouts/slideLayout7.xml><?xml version="1.0" encoding="utf-8"?>
+<p:sldLayout xmlns:a="http://schemas.openxmlformats.org/drawingml/2006/main" xmlns:r="http://schemas.openxmlformats.org/officeDocument/2006/relationships" xmlns:p="http://schemas.openxmlformats.org/presentationml/2006/main" preserve="1" userDrawn="1">
+  <p:cSld name="Tři obsahy">
+    <p:spTree>
+      <p:nvGrpSpPr>
+        <p:cNvPr id="1" name=""/>
+        <p:cNvGrpSpPr/>
+        <p:nvPr/>
+      </p:nvGrpSpPr>
+      <p:grpSpPr>
+        <a:xfrm>
+          <a:off x="0" y="0"/>
+          <a:ext cx="0" cy="0"/>
+          <a:chOff x="0" y="0"/>
+          <a:chExt cx="0" cy="0"/>
+        </a:xfrm>
+      </p:grpSpPr>
+      <p:sp>
+        <p:nvSpPr>
+          <p:cNvPr id="2" name="Title 1"/>
+          <p:cNvSpPr>
+            <a:spLocks noGrp="1"/>
+          </p:cNvSpPr>
+          <p:nvPr>
+            <p:ph type="title" hasCustomPrompt="1"/>
+          </p:nvPr>
+        </p:nvSpPr>
+        <p:spPr>
+          <a:xfrm>
+            <a:off x="609600" y="397348"/>
+            <a:ext cx="10972800" cy="1143000"/>
+          </a:xfrm>
+        </p:spPr>
+        <p:txBody>
+          <a:bodyPr/>
+          <a:lstStyle>
+            <a:lvl1pPr>
+              <a:defRPr/>
+            </a:lvl1pPr>
+          </a:lstStyle>
+          <a:p>
+            <a:r>
+              <a:rPr lang="cs-CZ" dirty="0"/>
+              <a:t>Nadpis snímku</a:t>
+            </a:r>
+            <a:endParaRPr lang="en-US" dirty="0"/>
+          </a:p>
+        </p:txBody>
+      </p:sp>
+      <p:sp>
+        <p:nvSpPr>
+          <p:cNvPr id="4" name="Content Placeholder 3"/>
+          <p:cNvSpPr>
+            <a:spLocks noGrp="1"/>
+          </p:cNvSpPr>
+          <p:nvPr>
+            <p:ph sz="half" idx="2" hasCustomPrompt="1"/>
+          </p:nvPr>
+        </p:nvSpPr>
+        <p:spPr>
+          <a:xfrm>
+            <a:off x="609600" y="1700808"/>
+            <a:ext cx="3504000" cy="4383336"/>
+          </a:xfrm>
+        </p:spPr>
+        <p:txBody>
+          <a:bodyPr/>
+          <a:lstStyle>
+            <a:lvl1pPr>
+              <a:defRPr sz="2400"/>
+            </a:lvl1pPr>
+            <a:lvl2pPr>
+              <a:defRPr sz="2000"/>
+            </a:lvl2pPr>
+            <a:lvl3pPr>
+              <a:defRPr sz="1800"/>
+            </a:lvl3pPr>
+            <a:lvl4pPr>
+              <a:defRPr sz="1600"/>
+            </a:lvl4pPr>
+            <a:lvl5pPr>
+              <a:defRPr sz="1600"/>
+            </a:lvl5pPr>
+            <a:lvl6pPr>
+              <a:defRPr sz="1600"/>
+            </a:lvl6pPr>
+            <a:lvl7pPr>
+              <a:defRPr sz="1600"/>
+            </a:lvl7pPr>
+            <a:lvl8pPr>
+              <a:defRPr sz="1600"/>
+            </a:lvl8pPr>
+            <a:lvl9pPr>
+              <a:defRPr sz="1600"/>
+            </a:lvl9pPr>
+          </a:lstStyle>
+          <a:p>
+            <a:pPr lvl="0"/>
+            <a:r>
+              <a:rPr lang="cs-CZ" dirty="0"/>
+              <a:t>První úroveň</a:t>
+            </a:r>
+          </a:p>
+          <a:p>
+            <a:pPr lvl="1"/>
+            <a:r>
+              <a:rPr lang="cs-CZ" dirty="0"/>
+              <a:t>Druhá úroveň</a:t>
+            </a:r>
+          </a:p>
+          <a:p>
+            <a:pPr lvl="2"/>
+            <a:r>
+              <a:rPr lang="cs-CZ" dirty="0"/>
+              <a:t>Třetí úroveň</a:t>
+            </a:r>
+          </a:p>
+          <a:p>
+            <a:pPr lvl="3"/>
+            <a:r>
+              <a:rPr lang="cs-CZ" dirty="0"/>
+              <a:t>Čtvrtá úroveň</a:t>
+            </a:r>
+          </a:p>
+          <a:p>
+            <a:pPr lvl="4"/>
+            <a:r>
+              <a:rPr lang="cs-CZ" dirty="0"/>
+              <a:t>Pátá úroveň</a:t>
+            </a:r>
+            <a:endParaRPr lang="en-US" dirty="0"/>
+          </a:p>
+        </p:txBody>
+      </p:sp>
+      <p:sp>
+        <p:nvSpPr>
+          <p:cNvPr id="6" name="Content Placeholder 5"/>
+          <p:cNvSpPr>
+            <a:spLocks noGrp="1"/>
+          </p:cNvSpPr>
+          <p:nvPr>
+            <p:ph sz="quarter" idx="4" hasCustomPrompt="1"/>
+          </p:nvPr>
+        </p:nvSpPr>
+        <p:spPr>
+          <a:xfrm>
+            <a:off x="8078400" y="1742827"/>
+            <a:ext cx="3504000" cy="4383336"/>
+          </a:xfrm>
+        </p:spPr>
+        <p:txBody>
+          <a:bodyPr/>
+          <a:lstStyle>
+            <a:lvl1pPr>
+              <a:defRPr sz="2400"/>
+            </a:lvl1pPr>
+            <a:lvl2pPr>
+              <a:defRPr sz="2000"/>
+            </a:lvl2pPr>
+            <a:lvl3pPr>
+              <a:defRPr sz="1800"/>
+            </a:lvl3pPr>
+            <a:lvl4pPr>
+              <a:defRPr sz="1600"/>
+            </a:lvl4pPr>
+            <a:lvl5pPr>
+              <a:defRPr sz="1600"/>
+            </a:lvl5pPr>
+            <a:lvl6pPr>
+              <a:defRPr sz="1600"/>
+            </a:lvl6pPr>
+            <a:lvl7pPr>
+              <a:defRPr sz="1600"/>
+            </a:lvl7pPr>
+            <a:lvl8pPr>
+              <a:defRPr sz="1600"/>
+            </a:lvl8pPr>
+            <a:lvl9pPr>
+              <a:defRPr sz="1600"/>
+            </a:lvl9pPr>
+          </a:lstStyle>
+          <a:p>
+            <a:pPr lvl="0"/>
+            <a:r>
+              <a:rPr lang="cs-CZ" dirty="0"/>
+              <a:t>První úroveň</a:t>
+            </a:r>
+          </a:p>
+          <a:p>
+            <a:pPr lvl="1"/>
+            <a:r>
+              <a:rPr lang="cs-CZ" dirty="0"/>
+              <a:t>Druhá úroveň</a:t>
+            </a:r>
+          </a:p>
+          <a:p>
+            <a:pPr lvl="2"/>
+            <a:r>
+              <a:rPr lang="cs-CZ" dirty="0"/>
+              <a:t>Třetí úroveň</a:t>
+            </a:r>
+          </a:p>
+          <a:p>
+            <a:pPr lvl="3"/>
+            <a:r>
+              <a:rPr lang="cs-CZ" dirty="0"/>
+              <a:t>Čtvrtá úroveň</a:t>
+            </a:r>
+          </a:p>
+          <a:p>
+            <a:pPr lvl="4"/>
+            <a:r>
+              <a:rPr lang="cs-CZ" dirty="0"/>
+              <a:t>Pátá úroveň</a:t>
+            </a:r>
+            <a:endParaRPr lang="en-US" dirty="0"/>
+          </a:p>
+        </p:txBody>
+      </p:sp>
+      <p:sp>
+        <p:nvSpPr>
+          <p:cNvPr id="7" name="Date Placeholder 6"/>
+          <p:cNvSpPr>
+            <a:spLocks noGrp="1"/>
+          </p:cNvSpPr>
+          <p:nvPr>
+            <p:ph type="dt" sz="half" idx="10"/>
+          </p:nvPr>
+        </p:nvSpPr>
+        <p:spPr/>
+        <p:txBody>
+          <a:bodyPr/>
+          <a:lstStyle/>
+          <a:p>
+            <a:pPr>
+              <a:defRPr/>
+            </a:pPr>
+            <a:endParaRPr lang="en-US" dirty="0">
+              <a:solidFill>
+                <a:prstClr val="black">
+                  <a:lumMod val="50000"/>
+                  <a:lumOff val="50000"/>
+                </a:prstClr>
+              </a:solidFill>
+            </a:endParaRPr>
+          </a:p>
+        </p:txBody>
+      </p:sp>
+      <p:sp>
+        <p:nvSpPr>
+          <p:cNvPr id="8" name="Footer Placeholder 7"/>
+          <p:cNvSpPr>
+            <a:spLocks noGrp="1"/>
+          </p:cNvSpPr>
+          <p:nvPr>
+            <p:ph type="ftr" sz="quarter" idx="11"/>
+          </p:nvPr>
+        </p:nvSpPr>
+        <p:spPr/>
+        <p:txBody>
+          <a:bodyPr/>
+          <a:lstStyle/>
+          <a:p>
+            <a:pPr>
+              <a:defRPr/>
+            </a:pPr>
+            <a:endParaRPr lang="en-US">
+              <a:solidFill>
+                <a:prstClr val="black">
+                  <a:lumMod val="50000"/>
+                  <a:lumOff val="50000"/>
+                </a:prstClr>
+              </a:solidFill>
+            </a:endParaRPr>
+          </a:p>
+        </p:txBody>
+      </p:sp>
+      <p:sp>
+        <p:nvSpPr>
+          <p:cNvPr id="9" name="Slide Number Placeholder 8"/>
+          <p:cNvSpPr>
+            <a:spLocks noGrp="1"/>
+          </p:cNvSpPr>
+          <p:nvPr>
+            <p:ph type="sldNum" sz="quarter" idx="12"/>
+          </p:nvPr>
+        </p:nvSpPr>
+        <p:spPr/>
+        <p:txBody>
+          <a:bodyPr/>
+          <a:lstStyle/>
+          <a:p>
+            <a:pPr>
+              <a:defRPr/>
+            </a:pPr>
+            <a:fld id="{489A16E3-E0DB-47A0-BDE6-AF5C7EC7EAB9}" type="slidenum">
+              <a:rPr lang="en-US" smtClean="0">
+                <a:solidFill>
+                  <a:srgbClr val="1E326C"/>
+                </a:solidFill>
+              </a:rPr>
+              <a:pPr>
+                <a:defRPr/>
+              </a:pPr>
+              <a:t>‹#›</a:t>
+            </a:fld>
+            <a:endParaRPr lang="en-US">
+              <a:solidFill>
+                <a:srgbClr val="1E326C"/>
+              </a:solidFill>
+            </a:endParaRPr>
+          </a:p>
+        </p:txBody>
+      </p:sp>
+      <p:sp>
+        <p:nvSpPr>
+          <p:cNvPr id="11" name="Content Placeholder 3"/>
+          <p:cNvSpPr>
+            <a:spLocks noGrp="1"/>
+          </p:cNvSpPr>
+          <p:nvPr>
+            <p:ph sz="half" idx="14" hasCustomPrompt="1"/>
+          </p:nvPr>
+        </p:nvSpPr>
+        <p:spPr>
+          <a:xfrm>
+            <a:off x="4344000" y="1700808"/>
+            <a:ext cx="3504000" cy="4383336"/>
+          </a:xfrm>
+        </p:spPr>
+        <p:txBody>
+          <a:bodyPr/>
+          <a:lstStyle>
+            <a:lvl1pPr>
+              <a:defRPr sz="2400"/>
+            </a:lvl1pPr>
+            <a:lvl2pPr>
+              <a:defRPr sz="2000"/>
+            </a:lvl2pPr>
+            <a:lvl3pPr>
+              <a:defRPr sz="1800"/>
+            </a:lvl3pPr>
+            <a:lvl4pPr>
+              <a:defRPr sz="1600"/>
+            </a:lvl4pPr>
+            <a:lvl5pPr>
+              <a:defRPr sz="1600"/>
+            </a:lvl5pPr>
+            <a:lvl6pPr>
+              <a:defRPr sz="1600"/>
+            </a:lvl6pPr>
+            <a:lvl7pPr>
+              <a:defRPr sz="1600"/>
+            </a:lvl7pPr>
+            <a:lvl8pPr>
+              <a:defRPr sz="1600"/>
+            </a:lvl8pPr>
+            <a:lvl9pPr>
+              <a:defRPr sz="1600"/>
+            </a:lvl9pPr>
+          </a:lstStyle>
+          <a:p>
+            <a:pPr lvl="0"/>
+            <a:r>
+              <a:rPr lang="cs-CZ" dirty="0"/>
+              <a:t>První úroveň</a:t>
+            </a:r>
+          </a:p>
+          <a:p>
+            <a:pPr lvl="1"/>
+            <a:r>
+              <a:rPr lang="cs-CZ" dirty="0"/>
+              <a:t>Druhá úroveň</a:t>
+            </a:r>
+          </a:p>
+          <a:p>
+            <a:pPr lvl="2"/>
+            <a:r>
+              <a:rPr lang="cs-CZ" dirty="0"/>
+              <a:t>Třetí úroveň</a:t>
+            </a:r>
+          </a:p>
+          <a:p>
+            <a:pPr lvl="3"/>
+            <a:r>
+              <a:rPr lang="cs-CZ" dirty="0"/>
+              <a:t>Čtvrtá úroveň</a:t>
+            </a:r>
+          </a:p>
+          <a:p>
+            <a:pPr lvl="4"/>
+            <a:r>
+              <a:rPr lang="cs-CZ" dirty="0"/>
+              <a:t>Pátá úroveň</a:t>
+            </a:r>
+            <a:endParaRPr lang="en-US" dirty="0"/>
+          </a:p>
+        </p:txBody>
+      </p:sp>
+    </p:spTree>
+    <p:extLst>
+      <p:ext uri="{BB962C8B-B14F-4D97-AF65-F5344CB8AC3E}">
+        <p14:creationId xmlns:p14="http://schemas.microsoft.com/office/powerpoint/2010/main" val="1762512683"/>
+      </p:ext>
+    </p:extLst>
+  </p:cSld>
+  <p:clrMapOvr>
+    <a:masterClrMapping/>
+  </p:clrMapOvr>
+</p:sldLayout>
+</file>
+
+<file path=ppt/slideLayouts/slideLayout8.xml><?xml version="1.0" encoding="utf-8"?>
+<p:sldLayout xmlns:a="http://schemas.openxmlformats.org/drawingml/2006/main" xmlns:r="http://schemas.openxmlformats.org/officeDocument/2006/relationships" xmlns:p="http://schemas.openxmlformats.org/presentationml/2006/main" type="twoTxTwoObj" preserve="1">
+  <p:cSld name="Porovnání tři obsahy">
+    <p:spTree>
+      <p:nvGrpSpPr>
+        <p:cNvPr id="1" name=""/>
+        <p:cNvGrpSpPr/>
+        <p:nvPr/>
+      </p:nvGrpSpPr>
+      <p:grpSpPr>
+        <a:xfrm>
+          <a:off x="0" y="0"/>
+          <a:ext cx="0" cy="0"/>
+          <a:chOff x="0" y="0"/>
+          <a:chExt cx="0" cy="0"/>
+        </a:xfrm>
+      </p:grpSpPr>
+      <p:sp>
+        <p:nvSpPr>
+          <p:cNvPr id="2" name="Title 1"/>
+          <p:cNvSpPr>
+            <a:spLocks noGrp="1"/>
+          </p:cNvSpPr>
+          <p:nvPr>
+            <p:ph type="title" hasCustomPrompt="1"/>
+          </p:nvPr>
+        </p:nvSpPr>
+        <p:spPr>
+          <a:xfrm>
+            <a:off x="609600" y="397348"/>
+            <a:ext cx="10972800" cy="1143000"/>
+          </a:xfrm>
+        </p:spPr>
+        <p:txBody>
+          <a:bodyPr/>
+          <a:lstStyle>
+            <a:lvl1pPr>
+              <a:defRPr/>
+            </a:lvl1pPr>
+          </a:lstStyle>
+          <a:p>
+            <a:r>
+              <a:rPr lang="cs-CZ" dirty="0"/>
+              <a:t>Nadpis snímku</a:t>
+            </a:r>
+            <a:endParaRPr lang="en-US" dirty="0"/>
+          </a:p>
+        </p:txBody>
+      </p:sp>
+      <p:sp>
+        <p:nvSpPr>
+          <p:cNvPr id="3" name="Text Placeholder 2"/>
+          <p:cNvSpPr>
+            <a:spLocks noGrp="1"/>
+          </p:cNvSpPr>
+          <p:nvPr>
+            <p:ph type="body" idx="1" hasCustomPrompt="1"/>
+          </p:nvPr>
+        </p:nvSpPr>
+        <p:spPr>
+          <a:xfrm>
+            <a:off x="609600" y="1535113"/>
+            <a:ext cx="3504000" cy="639762"/>
+          </a:xfrm>
+        </p:spPr>
+        <p:txBody>
+          <a:bodyPr anchor="ctr" anchorCtr="0"/>
+          <a:lstStyle>
+            <a:lvl1pPr marL="0" indent="0">
+              <a:buNone/>
+              <a:defRPr sz="2400" b="1"/>
+            </a:lvl1pPr>
+            <a:lvl2pPr marL="457200" indent="0">
+              <a:buNone/>
+              <a:defRPr sz="2000" b="1"/>
+            </a:lvl2pPr>
+            <a:lvl3pPr marL="914400" indent="0">
+              <a:buNone/>
+              <a:defRPr sz="1800" b="1"/>
+            </a:lvl3pPr>
+            <a:lvl4pPr marL="1371600" indent="0">
+              <a:buNone/>
+              <a:defRPr sz="1600" b="1"/>
+            </a:lvl4pPr>
+            <a:lvl5pPr marL="1828800" indent="0">
+              <a:buNone/>
+              <a:defRPr sz="1600" b="1"/>
+            </a:lvl5pPr>
+            <a:lvl6pPr marL="2286000" indent="0">
+              <a:buNone/>
+              <a:defRPr sz="1600" b="1"/>
+            </a:lvl6pPr>
+            <a:lvl7pPr marL="2743200" indent="0">
+              <a:buNone/>
+              <a:defRPr sz="1600" b="1"/>
+            </a:lvl7pPr>
+            <a:lvl8pPr marL="3200400" indent="0">
+              <a:buNone/>
+              <a:defRPr sz="1600" b="1"/>
+            </a:lvl8pPr>
+            <a:lvl9pPr marL="3657600" indent="0">
+              <a:buNone/>
+              <a:defRPr sz="1600" b="1"/>
+            </a:lvl9pPr>
+          </a:lstStyle>
+          <a:p>
+            <a:pPr lvl="0"/>
+            <a:r>
+              <a:rPr lang="cs-CZ" dirty="0"/>
+              <a:t>Porovnání 1</a:t>
+            </a:r>
+          </a:p>
+        </p:txBody>
+      </p:sp>
+      <p:sp>
+        <p:nvSpPr>
+          <p:cNvPr id="4" name="Content Placeholder 3"/>
+          <p:cNvSpPr>
+            <a:spLocks noGrp="1"/>
+          </p:cNvSpPr>
+          <p:nvPr>
+            <p:ph sz="half" idx="2" hasCustomPrompt="1"/>
+          </p:nvPr>
+        </p:nvSpPr>
+        <p:spPr>
+          <a:xfrm>
+            <a:off x="609600" y="2174875"/>
+            <a:ext cx="3504000" cy="3951288"/>
+          </a:xfrm>
+        </p:spPr>
+        <p:txBody>
+          <a:bodyPr/>
+          <a:lstStyle>
+            <a:lvl1pPr>
+              <a:defRPr sz="2400"/>
+            </a:lvl1pPr>
+            <a:lvl2pPr>
+              <a:defRPr sz="2000"/>
+            </a:lvl2pPr>
+            <a:lvl3pPr>
+              <a:defRPr sz="1800"/>
+            </a:lvl3pPr>
+            <a:lvl4pPr>
+              <a:defRPr sz="1600"/>
+            </a:lvl4pPr>
+            <a:lvl5pPr>
+              <a:defRPr sz="1600"/>
+            </a:lvl5pPr>
+            <a:lvl6pPr>
+              <a:defRPr sz="1600"/>
+            </a:lvl6pPr>
+            <a:lvl7pPr>
+              <a:defRPr sz="1600"/>
+            </a:lvl7pPr>
+            <a:lvl8pPr>
+              <a:defRPr sz="1600"/>
+            </a:lvl8pPr>
+            <a:lvl9pPr>
+              <a:defRPr sz="1600"/>
+            </a:lvl9pPr>
+          </a:lstStyle>
+          <a:p>
+            <a:pPr lvl="0"/>
+            <a:r>
+              <a:rPr lang="cs-CZ" dirty="0"/>
+              <a:t>První úroveň</a:t>
+            </a:r>
+          </a:p>
+          <a:p>
+            <a:pPr lvl="1"/>
+            <a:r>
+              <a:rPr lang="cs-CZ" dirty="0"/>
+              <a:t>Druhá úroveň</a:t>
+            </a:r>
+          </a:p>
+          <a:p>
+            <a:pPr lvl="2"/>
+            <a:r>
+              <a:rPr lang="cs-CZ" dirty="0"/>
+              <a:t>Třetí úroveň</a:t>
+            </a:r>
+          </a:p>
+          <a:p>
+            <a:pPr lvl="3"/>
+            <a:r>
+              <a:rPr lang="cs-CZ" dirty="0"/>
+              <a:t>Čtvrtá úroveň</a:t>
+            </a:r>
+          </a:p>
+          <a:p>
+            <a:pPr lvl="4"/>
+            <a:r>
+              <a:rPr lang="cs-CZ" dirty="0"/>
+              <a:t>Pátá úroveň</a:t>
+            </a:r>
+            <a:endParaRPr lang="en-US" dirty="0"/>
+          </a:p>
+        </p:txBody>
+      </p:sp>
+      <p:sp>
+        <p:nvSpPr>
+          <p:cNvPr id="5" name="Text Placeholder 4"/>
+          <p:cNvSpPr>
+            <a:spLocks noGrp="1"/>
+          </p:cNvSpPr>
+          <p:nvPr>
+            <p:ph type="body" sz="quarter" idx="3" hasCustomPrompt="1"/>
+          </p:nvPr>
+        </p:nvSpPr>
+        <p:spPr>
+          <a:xfrm>
+            <a:off x="8078400" y="1535113"/>
+            <a:ext cx="3504000" cy="639762"/>
+          </a:xfrm>
+        </p:spPr>
+        <p:txBody>
+          <a:bodyPr anchor="ctr" anchorCtr="0"/>
+          <a:lstStyle>
+            <a:lvl1pPr marL="0" indent="0">
+              <a:buNone/>
+              <a:defRPr sz="2400" b="1"/>
+            </a:lvl1pPr>
+            <a:lvl2pPr marL="457200" indent="0">
+              <a:buNone/>
+              <a:defRPr sz="2000" b="1"/>
+            </a:lvl2pPr>
+            <a:lvl3pPr marL="914400" indent="0">
+              <a:buNone/>
+              <a:defRPr sz="1800" b="1"/>
+            </a:lvl3pPr>
+            <a:lvl4pPr marL="1371600" indent="0">
+              <a:buNone/>
+              <a:defRPr sz="1600" b="1"/>
+            </a:lvl4pPr>
+            <a:lvl5pPr marL="1828800" indent="0">
+              <a:buNone/>
+              <a:defRPr sz="1600" b="1"/>
+            </a:lvl5pPr>
+            <a:lvl6pPr marL="2286000" indent="0">
+              <a:buNone/>
+              <a:defRPr sz="1600" b="1"/>
+            </a:lvl6pPr>
+            <a:lvl7pPr marL="2743200" indent="0">
+              <a:buNone/>
+              <a:defRPr sz="1600" b="1"/>
+            </a:lvl7pPr>
+            <a:lvl8pPr marL="3200400" indent="0">
+              <a:buNone/>
+              <a:defRPr sz="1600" b="1"/>
+            </a:lvl8pPr>
+            <a:lvl9pPr marL="3657600" indent="0">
+              <a:buNone/>
+              <a:defRPr sz="1600" b="1"/>
+            </a:lvl9pPr>
+          </a:lstStyle>
+          <a:p>
+            <a:pPr lvl="0"/>
+            <a:r>
+              <a:rPr lang="cs-CZ" dirty="0"/>
+              <a:t>Porovnání 3</a:t>
+            </a:r>
+          </a:p>
+        </p:txBody>
+      </p:sp>
+      <p:sp>
+        <p:nvSpPr>
+          <p:cNvPr id="6" name="Content Placeholder 5"/>
+          <p:cNvSpPr>
+            <a:spLocks noGrp="1"/>
+          </p:cNvSpPr>
+          <p:nvPr>
+            <p:ph sz="quarter" idx="4" hasCustomPrompt="1"/>
+          </p:nvPr>
+        </p:nvSpPr>
+        <p:spPr>
+          <a:xfrm>
+            <a:off x="8078400" y="2174875"/>
+            <a:ext cx="3504000" cy="3951288"/>
+          </a:xfrm>
+        </p:spPr>
+        <p:txBody>
+          <a:bodyPr/>
+          <a:lstStyle>
+            <a:lvl1pPr>
+              <a:defRPr sz="2400"/>
+            </a:lvl1pPr>
+            <a:lvl2pPr>
+              <a:defRPr sz="2000"/>
+            </a:lvl2pPr>
+            <a:lvl3pPr>
+              <a:defRPr sz="1800"/>
+            </a:lvl3pPr>
+            <a:lvl4pPr>
+              <a:defRPr sz="1600"/>
+            </a:lvl4pPr>
+            <a:lvl5pPr>
+              <a:defRPr sz="1600"/>
+            </a:lvl5pPr>
+            <a:lvl6pPr>
+              <a:defRPr sz="1600"/>
+            </a:lvl6pPr>
+            <a:lvl7pPr>
+              <a:defRPr sz="1600"/>
+            </a:lvl7pPr>
+            <a:lvl8pPr>
+              <a:defRPr sz="1600"/>
+            </a:lvl8pPr>
+            <a:lvl9pPr>
+              <a:defRPr sz="1600"/>
+            </a:lvl9pPr>
+          </a:lstStyle>
+          <a:p>
+            <a:pPr lvl="0"/>
+            <a:r>
+              <a:rPr lang="cs-CZ" dirty="0"/>
+              <a:t>První úroveň</a:t>
+            </a:r>
+          </a:p>
+          <a:p>
+            <a:pPr lvl="1"/>
+            <a:r>
+              <a:rPr lang="cs-CZ" dirty="0"/>
+              <a:t>Druhá úroveň</a:t>
+            </a:r>
+          </a:p>
+          <a:p>
+            <a:pPr lvl="2"/>
+            <a:r>
+              <a:rPr lang="cs-CZ" dirty="0"/>
+              <a:t>Třetí úroveň</a:t>
+            </a:r>
+          </a:p>
+          <a:p>
+            <a:pPr lvl="3"/>
+            <a:r>
+              <a:rPr lang="cs-CZ" dirty="0"/>
+              <a:t>Čtvrtá úroveň</a:t>
+            </a:r>
+          </a:p>
+          <a:p>
+            <a:pPr lvl="4"/>
+            <a:r>
+              <a:rPr lang="cs-CZ" dirty="0"/>
+              <a:t>Pátá úroveň</a:t>
+            </a:r>
+            <a:endParaRPr lang="en-US" dirty="0"/>
+          </a:p>
+        </p:txBody>
+      </p:sp>
+      <p:sp>
+        <p:nvSpPr>
+          <p:cNvPr id="7" name="Date Placeholder 6"/>
+          <p:cNvSpPr>
+            <a:spLocks noGrp="1"/>
+          </p:cNvSpPr>
+          <p:nvPr>
+            <p:ph type="dt" sz="half" idx="10"/>
+          </p:nvPr>
+        </p:nvSpPr>
+        <p:spPr/>
+        <p:txBody>
+          <a:bodyPr/>
+          <a:lstStyle/>
+          <a:p>
+            <a:pPr>
+              <a:defRPr/>
+            </a:pPr>
+            <a:endParaRPr lang="en-US" dirty="0">
+              <a:solidFill>
+                <a:prstClr val="black">
+                  <a:lumMod val="50000"/>
+                  <a:lumOff val="50000"/>
+                </a:prstClr>
+              </a:solidFill>
+            </a:endParaRPr>
+          </a:p>
+        </p:txBody>
+      </p:sp>
+      <p:sp>
+        <p:nvSpPr>
+          <p:cNvPr id="8" name="Footer Placeholder 7"/>
+          <p:cNvSpPr>
+            <a:spLocks noGrp="1"/>
+          </p:cNvSpPr>
+          <p:nvPr>
+            <p:ph type="ftr" sz="quarter" idx="11"/>
+          </p:nvPr>
+        </p:nvSpPr>
+        <p:spPr/>
+        <p:txBody>
+          <a:bodyPr/>
+          <a:lstStyle/>
+          <a:p>
+            <a:pPr>
+              <a:defRPr/>
+            </a:pPr>
+            <a:endParaRPr lang="en-US">
+              <a:solidFill>
+                <a:prstClr val="black">
+                  <a:lumMod val="50000"/>
+                  <a:lumOff val="50000"/>
+                </a:prstClr>
+              </a:solidFill>
+            </a:endParaRPr>
+          </a:p>
+        </p:txBody>
+      </p:sp>
+      <p:sp>
+        <p:nvSpPr>
+          <p:cNvPr id="9" name="Slide Number Placeholder 8"/>
+          <p:cNvSpPr>
+            <a:spLocks noGrp="1"/>
+          </p:cNvSpPr>
+          <p:nvPr>
+            <p:ph type="sldNum" sz="quarter" idx="12"/>
+          </p:nvPr>
+        </p:nvSpPr>
+        <p:spPr/>
+        <p:txBody>
+          <a:bodyPr/>
+          <a:lstStyle/>
+          <a:p>
+            <a:pPr>
+              <a:defRPr/>
+            </a:pPr>
+            <a:fld id="{489A16E3-E0DB-47A0-BDE6-AF5C7EC7EAB9}" type="slidenum">
+              <a:rPr lang="en-US" smtClean="0">
+                <a:solidFill>
+                  <a:srgbClr val="1E326C"/>
+                </a:solidFill>
+              </a:rPr>
+              <a:pPr>
+                <a:defRPr/>
+              </a:pPr>
+              <a:t>‹#›</a:t>
+            </a:fld>
+            <a:endParaRPr lang="en-US">
+              <a:solidFill>
+                <a:srgbClr val="1E326C"/>
+              </a:solidFill>
+            </a:endParaRPr>
+          </a:p>
+        </p:txBody>
+      </p:sp>
+      <p:sp>
+        <p:nvSpPr>
+          <p:cNvPr id="10" name="Text Placeholder 2"/>
+          <p:cNvSpPr>
+            <a:spLocks noGrp="1"/>
+          </p:cNvSpPr>
+          <p:nvPr>
+            <p:ph type="body" idx="13" hasCustomPrompt="1"/>
+          </p:nvPr>
+        </p:nvSpPr>
+        <p:spPr>
+          <a:xfrm>
+            <a:off x="4344000" y="1535113"/>
+            <a:ext cx="3504000" cy="639762"/>
+          </a:xfrm>
+        </p:spPr>
+        <p:txBody>
+          <a:bodyPr anchor="ctr" anchorCtr="0"/>
+          <a:lstStyle>
+            <a:lvl1pPr marL="0" indent="0">
+              <a:buNone/>
+              <a:defRPr sz="2400" b="1"/>
+            </a:lvl1pPr>
+            <a:lvl2pPr marL="457200" indent="0">
+              <a:buNone/>
+              <a:defRPr sz="2000" b="1"/>
+            </a:lvl2pPr>
+            <a:lvl3pPr marL="914400" indent="0">
+              <a:buNone/>
+              <a:defRPr sz="1800" b="1"/>
+            </a:lvl3pPr>
+            <a:lvl4pPr marL="1371600" indent="0">
+              <a:buNone/>
+              <a:defRPr sz="1600" b="1"/>
+            </a:lvl4pPr>
+            <a:lvl5pPr marL="1828800" indent="0">
+              <a:buNone/>
+              <a:defRPr sz="1600" b="1"/>
+            </a:lvl5pPr>
+            <a:lvl6pPr marL="2286000" indent="0">
+              <a:buNone/>
+              <a:defRPr sz="1600" b="1"/>
+            </a:lvl6pPr>
+            <a:lvl7pPr marL="2743200" indent="0">
+              <a:buNone/>
+              <a:defRPr sz="1600" b="1"/>
+            </a:lvl7pPr>
+            <a:lvl8pPr marL="3200400" indent="0">
+              <a:buNone/>
+              <a:defRPr sz="1600" b="1"/>
+            </a:lvl8pPr>
+            <a:lvl9pPr marL="3657600" indent="0">
+              <a:buNone/>
+              <a:defRPr sz="1600" b="1"/>
+            </a:lvl9pPr>
+          </a:lstStyle>
+          <a:p>
+            <a:pPr lvl="0"/>
+            <a:r>
+              <a:rPr lang="cs-CZ" dirty="0"/>
+              <a:t>Porovnání 2</a:t>
+            </a:r>
+          </a:p>
+        </p:txBody>
+      </p:sp>
+      <p:sp>
+        <p:nvSpPr>
+          <p:cNvPr id="11" name="Content Placeholder 3"/>
+          <p:cNvSpPr>
+            <a:spLocks noGrp="1"/>
+          </p:cNvSpPr>
+          <p:nvPr>
+            <p:ph sz="half" idx="14" hasCustomPrompt="1"/>
+          </p:nvPr>
+        </p:nvSpPr>
+        <p:spPr>
+          <a:xfrm>
+            <a:off x="4344000" y="2174875"/>
+            <a:ext cx="3504000" cy="3951288"/>
+          </a:xfrm>
+        </p:spPr>
+        <p:txBody>
+          <a:bodyPr/>
+          <a:lstStyle>
+            <a:lvl1pPr>
+              <a:defRPr sz="2400"/>
+            </a:lvl1pPr>
+            <a:lvl2pPr>
+              <a:defRPr sz="2000"/>
+            </a:lvl2pPr>
+            <a:lvl3pPr>
+              <a:defRPr sz="1800"/>
+            </a:lvl3pPr>
+            <a:lvl4pPr>
+              <a:defRPr sz="1600"/>
+            </a:lvl4pPr>
+            <a:lvl5pPr>
+              <a:defRPr sz="1600"/>
+            </a:lvl5pPr>
+            <a:lvl6pPr>
+              <a:defRPr sz="1600"/>
+            </a:lvl6pPr>
+            <a:lvl7pPr>
+              <a:defRPr sz="1600"/>
+            </a:lvl7pPr>
+            <a:lvl8pPr>
+              <a:defRPr sz="1600"/>
+            </a:lvl8pPr>
+            <a:lvl9pPr>
+              <a:defRPr sz="1600"/>
+            </a:lvl9pPr>
+          </a:lstStyle>
+          <a:p>
+            <a:pPr lvl="0"/>
+            <a:r>
+              <a:rPr lang="cs-CZ" dirty="0"/>
+              <a:t>První úroveň</a:t>
+            </a:r>
+          </a:p>
+          <a:p>
+            <a:pPr lvl="1"/>
+            <a:r>
+              <a:rPr lang="cs-CZ" dirty="0"/>
+              <a:t>Druhá úroveň</a:t>
+            </a:r>
+          </a:p>
+          <a:p>
+            <a:pPr lvl="2"/>
+            <a:r>
+              <a:rPr lang="cs-CZ" dirty="0"/>
+              <a:t>Třetí úroveň</a:t>
+            </a:r>
+          </a:p>
+          <a:p>
+            <a:pPr lvl="3"/>
+            <a:r>
+              <a:rPr lang="cs-CZ" dirty="0"/>
+              <a:t>Čtvrtá úroveň</a:t>
+            </a:r>
+          </a:p>
+          <a:p>
+            <a:pPr lvl="4"/>
+            <a:r>
+              <a:rPr lang="cs-CZ" dirty="0"/>
+              <a:t>Pátá úroveň</a:t>
+            </a:r>
+            <a:endParaRPr lang="en-US" dirty="0"/>
+          </a:p>
+        </p:txBody>
+      </p:sp>
+    </p:spTree>
+    <p:extLst>
+      <p:ext uri="{BB962C8B-B14F-4D97-AF65-F5344CB8AC3E}">
+        <p14:creationId xmlns:p14="http://schemas.microsoft.com/office/powerpoint/2010/main" val="1289134020"/>
+      </p:ext>
+    </p:extLst>
+  </p:cSld>
+  <p:clrMapOvr>
+    <a:masterClrMapping/>
+  </p:clrMapOvr>
+</p:sldLayout>
+</file>
+
+<file path=ppt/slideLayouts/slideLayout9.xml><?xml version="1.0" encoding="utf-8"?>
+<p:sldLayout xmlns:a="http://schemas.openxmlformats.org/drawingml/2006/main" xmlns:r="http://schemas.openxmlformats.org/officeDocument/2006/relationships" xmlns:p="http://schemas.openxmlformats.org/presentationml/2006/main" preserve="1" userDrawn="1">
+  <p:cSld name="Čtyři obsahy">
+    <p:spTree>
+      <p:nvGrpSpPr>
+        <p:cNvPr id="1" name=""/>
+        <p:cNvGrpSpPr/>
+        <p:nvPr/>
+      </p:nvGrpSpPr>
+      <p:grpSpPr>
+        <a:xfrm>
+          <a:off x="0" y="0"/>
+          <a:ext cx="0" cy="0"/>
+          <a:chOff x="0" y="0"/>
+          <a:chExt cx="0" cy="0"/>
+        </a:xfrm>
+      </p:grpSpPr>
+      <p:sp>
+        <p:nvSpPr>
+          <p:cNvPr id="2" name="Title 1"/>
+          <p:cNvSpPr>
+            <a:spLocks noGrp="1"/>
+          </p:cNvSpPr>
+          <p:nvPr>
+            <p:ph type="title" hasCustomPrompt="1"/>
+          </p:nvPr>
+        </p:nvSpPr>
+        <p:spPr>
+          <a:xfrm>
+            <a:off x="609600" y="397348"/>
+            <a:ext cx="10972800" cy="1143000"/>
+          </a:xfrm>
+        </p:spPr>
+        <p:txBody>
+          <a:bodyPr/>
+          <a:lstStyle>
+            <a:lvl1pPr>
+              <a:defRPr/>
+            </a:lvl1pPr>
+          </a:lstStyle>
+          <a:p>
+            <a:r>
+              <a:rPr lang="cs-CZ" dirty="0"/>
+              <a:t>Nadpis snímku</a:t>
+            </a:r>
+            <a:endParaRPr lang="en-US" dirty="0"/>
+          </a:p>
+        </p:txBody>
+      </p:sp>
+      <p:sp>
+        <p:nvSpPr>
+          <p:cNvPr id="4" name="Content Placeholder 3"/>
+          <p:cNvSpPr>
+            <a:spLocks noGrp="1"/>
+          </p:cNvSpPr>
+          <p:nvPr>
+            <p:ph sz="half" idx="2" hasCustomPrompt="1"/>
+          </p:nvPr>
+        </p:nvSpPr>
+        <p:spPr>
+          <a:xfrm>
+            <a:off x="609600" y="3933056"/>
+            <a:ext cx="5390389" cy="2160000"/>
+          </a:xfrm>
+        </p:spPr>
+        <p:txBody>
+          <a:bodyPr/>
+          <a:lstStyle>
+            <a:lvl1pPr>
+              <a:defRPr sz="2400"/>
+            </a:lvl1pPr>
+            <a:lvl2pPr>
+              <a:defRPr sz="2000"/>
+            </a:lvl2pPr>
+            <a:lvl3pPr>
+              <a:defRPr sz="1800"/>
+            </a:lvl3pPr>
+            <a:lvl4pPr>
+              <a:defRPr sz="1600"/>
+            </a:lvl4pPr>
+            <a:lvl5pPr>
+              <a:defRPr sz="1600"/>
+            </a:lvl5pPr>
+            <a:lvl6pPr>
+              <a:defRPr sz="1600"/>
+            </a:lvl6pPr>
+            <a:lvl7pPr>
+              <a:defRPr sz="1600"/>
+            </a:lvl7pPr>
+            <a:lvl8pPr>
+              <a:defRPr sz="1600"/>
+            </a:lvl8pPr>
+            <a:lvl9pPr>
+              <a:defRPr sz="1600"/>
+            </a:lvl9pPr>
+          </a:lstStyle>
+          <a:p>
+            <a:pPr lvl="0"/>
+            <a:r>
+              <a:rPr lang="cs-CZ" dirty="0"/>
+              <a:t>První úroveň</a:t>
+            </a:r>
+          </a:p>
+          <a:p>
+            <a:pPr lvl="1"/>
+            <a:r>
+              <a:rPr lang="cs-CZ" dirty="0"/>
+              <a:t>Druhá úroveň</a:t>
+            </a:r>
+          </a:p>
+          <a:p>
+            <a:pPr lvl="2"/>
+            <a:r>
+              <a:rPr lang="cs-CZ" dirty="0"/>
+              <a:t>Třetí úroveň</a:t>
+            </a:r>
+          </a:p>
+          <a:p>
+            <a:pPr lvl="3"/>
+            <a:r>
+              <a:rPr lang="cs-CZ" dirty="0"/>
+              <a:t>Čtvrtá úroveň</a:t>
+            </a:r>
+          </a:p>
+          <a:p>
+            <a:pPr lvl="4"/>
+            <a:r>
+              <a:rPr lang="cs-CZ" dirty="0"/>
+              <a:t>Pátá úroveň</a:t>
+            </a:r>
+            <a:endParaRPr lang="en-US" dirty="0"/>
+          </a:p>
+        </p:txBody>
+      </p:sp>
+      <p:sp>
+        <p:nvSpPr>
+          <p:cNvPr id="6" name="Content Placeholder 5"/>
+          <p:cNvSpPr>
+            <a:spLocks noGrp="1"/>
+          </p:cNvSpPr>
+          <p:nvPr>
+            <p:ph sz="quarter" idx="4" hasCustomPrompt="1"/>
+          </p:nvPr>
+        </p:nvSpPr>
+        <p:spPr>
+          <a:xfrm>
+            <a:off x="6192011" y="1700809"/>
+            <a:ext cx="5390389" cy="2160239"/>
+          </a:xfrm>
+        </p:spPr>
+        <p:txBody>
+          <a:bodyPr/>
+          <a:lstStyle>
+            <a:lvl1pPr>
+              <a:defRPr sz="2400"/>
+            </a:lvl1pPr>
+            <a:lvl2pPr>
+              <a:defRPr sz="2000"/>
+            </a:lvl2pPr>
+            <a:lvl3pPr>
+              <a:defRPr sz="1800"/>
+            </a:lvl3pPr>
+            <a:lvl4pPr>
+              <a:defRPr sz="1600"/>
+            </a:lvl4pPr>
+            <a:lvl5pPr>
+              <a:defRPr sz="1600"/>
+            </a:lvl5pPr>
+            <a:lvl6pPr>
+              <a:defRPr sz="1600"/>
+            </a:lvl6pPr>
+            <a:lvl7pPr>
+              <a:defRPr sz="1600"/>
+            </a:lvl7pPr>
+            <a:lvl8pPr>
+              <a:defRPr sz="1600"/>
+            </a:lvl8pPr>
+            <a:lvl9pPr>
+              <a:defRPr sz="1600"/>
+            </a:lvl9pPr>
+          </a:lstStyle>
+          <a:p>
+            <a:pPr lvl="0"/>
+            <a:r>
+              <a:rPr lang="cs-CZ" dirty="0"/>
+              <a:t>První úroveň</a:t>
+            </a:r>
+          </a:p>
+          <a:p>
+            <a:pPr lvl="1"/>
+            <a:r>
+              <a:rPr lang="cs-CZ" dirty="0"/>
+              <a:t>Druhá úroveň</a:t>
+            </a:r>
+          </a:p>
+          <a:p>
+            <a:pPr lvl="2"/>
+            <a:r>
+              <a:rPr lang="cs-CZ" dirty="0"/>
+              <a:t>Třetí úroveň</a:t>
+            </a:r>
+          </a:p>
+          <a:p>
+            <a:pPr lvl="3"/>
+            <a:r>
+              <a:rPr lang="cs-CZ" dirty="0"/>
+              <a:t>Čtvrtá úroveň</a:t>
+            </a:r>
+          </a:p>
+          <a:p>
+            <a:pPr lvl="4"/>
+            <a:r>
+              <a:rPr lang="cs-CZ" dirty="0"/>
+              <a:t>Pátá úroveň</a:t>
+            </a:r>
+            <a:endParaRPr lang="en-US" dirty="0"/>
+          </a:p>
+        </p:txBody>
+      </p:sp>
+      <p:sp>
+        <p:nvSpPr>
+          <p:cNvPr id="7" name="Date Placeholder 6"/>
+          <p:cNvSpPr>
+            <a:spLocks noGrp="1"/>
+          </p:cNvSpPr>
+          <p:nvPr>
+            <p:ph type="dt" sz="half" idx="10"/>
+          </p:nvPr>
+        </p:nvSpPr>
+        <p:spPr/>
+        <p:txBody>
+          <a:bodyPr/>
+          <a:lstStyle/>
+          <a:p>
+            <a:pPr>
+              <a:defRPr/>
+            </a:pPr>
+            <a:endParaRPr lang="en-US" dirty="0">
+              <a:solidFill>
+                <a:prstClr val="black">
+                  <a:lumMod val="50000"/>
+                  <a:lumOff val="50000"/>
+                </a:prstClr>
+              </a:solidFill>
+            </a:endParaRPr>
+          </a:p>
+        </p:txBody>
+      </p:sp>
+      <p:sp>
+        <p:nvSpPr>
+          <p:cNvPr id="8" name="Footer Placeholder 7"/>
+          <p:cNvSpPr>
+            <a:spLocks noGrp="1"/>
+          </p:cNvSpPr>
+          <p:nvPr>
+            <p:ph type="ftr" sz="quarter" idx="11"/>
+          </p:nvPr>
+        </p:nvSpPr>
+        <p:spPr/>
+        <p:txBody>
+          <a:bodyPr/>
+          <a:lstStyle/>
+          <a:p>
+            <a:pPr>
+              <a:defRPr/>
+            </a:pPr>
+            <a:endParaRPr lang="en-US">
+              <a:solidFill>
+                <a:prstClr val="black">
+                  <a:lumMod val="50000"/>
+                  <a:lumOff val="50000"/>
+                </a:prstClr>
+              </a:solidFill>
+            </a:endParaRPr>
+          </a:p>
+        </p:txBody>
+      </p:sp>
+      <p:sp>
+        <p:nvSpPr>
+          <p:cNvPr id="9" name="Slide Number Placeholder 8"/>
+          <p:cNvSpPr>
+            <a:spLocks noGrp="1"/>
+          </p:cNvSpPr>
+          <p:nvPr>
+            <p:ph type="sldNum" sz="quarter" idx="12"/>
+          </p:nvPr>
+        </p:nvSpPr>
+        <p:spPr/>
+        <p:txBody>
+          <a:bodyPr/>
+          <a:lstStyle/>
+          <a:p>
+            <a:pPr>
+              <a:defRPr/>
+            </a:pPr>
+            <a:fld id="{489A16E3-E0DB-47A0-BDE6-AF5C7EC7EAB9}" type="slidenum">
+              <a:rPr lang="en-US" smtClean="0">
+                <a:solidFill>
+                  <a:srgbClr val="1E326C"/>
+                </a:solidFill>
+              </a:rPr>
+              <a:pPr>
+                <a:defRPr/>
+              </a:pPr>
+              <a:t>‹#›</a:t>
+            </a:fld>
+            <a:endParaRPr lang="en-US">
+              <a:solidFill>
+                <a:srgbClr val="1E326C"/>
+              </a:solidFill>
+            </a:endParaRPr>
+          </a:p>
+        </p:txBody>
+      </p:sp>
+      <p:sp>
+        <p:nvSpPr>
+          <p:cNvPr id="11" name="Content Placeholder 3"/>
+          <p:cNvSpPr>
+            <a:spLocks noGrp="1"/>
+          </p:cNvSpPr>
+          <p:nvPr>
+            <p:ph sz="half" idx="14" hasCustomPrompt="1"/>
+          </p:nvPr>
+        </p:nvSpPr>
+        <p:spPr>
+          <a:xfrm>
+            <a:off x="6192011" y="3933056"/>
+            <a:ext cx="5328203" cy="2151088"/>
+          </a:xfrm>
+        </p:spPr>
+        <p:txBody>
+          <a:bodyPr/>
+          <a:lstStyle>
+            <a:lvl1pPr>
+              <a:defRPr sz="2400"/>
+            </a:lvl1pPr>
+            <a:lvl2pPr>
+              <a:defRPr sz="2000"/>
+            </a:lvl2pPr>
+            <a:lvl3pPr>
+              <a:defRPr sz="1800"/>
+            </a:lvl3pPr>
+            <a:lvl4pPr>
+              <a:defRPr sz="1600"/>
+            </a:lvl4pPr>
+            <a:lvl5pPr>
+              <a:defRPr sz="1600"/>
+            </a:lvl5pPr>
+            <a:lvl6pPr>
+              <a:defRPr sz="1600"/>
+            </a:lvl6pPr>
+            <a:lvl7pPr>
+              <a:defRPr sz="1600"/>
+            </a:lvl7pPr>
+            <a:lvl8pPr>
+              <a:defRPr sz="1600"/>
+            </a:lvl8pPr>
+            <a:lvl9pPr>
+              <a:defRPr sz="1600"/>
+            </a:lvl9pPr>
+          </a:lstStyle>
+          <a:p>
+            <a:pPr lvl="0"/>
+            <a:r>
+              <a:rPr lang="cs-CZ" dirty="0"/>
+              <a:t>První úroveň</a:t>
+            </a:r>
+          </a:p>
+          <a:p>
+            <a:pPr lvl="1"/>
+            <a:r>
+              <a:rPr lang="cs-CZ" dirty="0"/>
+              <a:t>Druhá úroveň</a:t>
+            </a:r>
+          </a:p>
+          <a:p>
+            <a:pPr lvl="2"/>
+            <a:r>
+              <a:rPr lang="cs-CZ" dirty="0"/>
+              <a:t>Třetí úroveň</a:t>
+            </a:r>
+          </a:p>
+          <a:p>
+            <a:pPr lvl="3"/>
+            <a:r>
+              <a:rPr lang="cs-CZ" dirty="0"/>
+              <a:t>Čtvrtá úroveň</a:t>
+            </a:r>
+          </a:p>
+          <a:p>
+            <a:pPr lvl="4"/>
+            <a:r>
+              <a:rPr lang="cs-CZ" dirty="0"/>
+              <a:t>Pátá úroveň</a:t>
+            </a:r>
+            <a:endParaRPr lang="en-US" dirty="0"/>
+          </a:p>
+        </p:txBody>
+      </p:sp>
+      <p:sp>
+        <p:nvSpPr>
+          <p:cNvPr id="10" name="Content Placeholder 3"/>
+          <p:cNvSpPr>
+            <a:spLocks noGrp="1"/>
+          </p:cNvSpPr>
+          <p:nvPr>
+            <p:ph sz="half" idx="15" hasCustomPrompt="1"/>
+          </p:nvPr>
+        </p:nvSpPr>
+        <p:spPr>
+          <a:xfrm>
+            <a:off x="623392" y="1700808"/>
+            <a:ext cx="5376597" cy="2160000"/>
+          </a:xfrm>
+        </p:spPr>
+        <p:txBody>
+          <a:bodyPr/>
+          <a:lstStyle>
+            <a:lvl1pPr>
+              <a:defRPr sz="2400"/>
+            </a:lvl1pPr>
+            <a:lvl2pPr>
+              <a:defRPr sz="2000"/>
+            </a:lvl2pPr>
+            <a:lvl3pPr>
+              <a:defRPr sz="1800"/>
+            </a:lvl3pPr>
+            <a:lvl4pPr>
+              <a:defRPr sz="1600"/>
+            </a:lvl4pPr>
+            <a:lvl5pPr>
+              <a:defRPr sz="1600"/>
+            </a:lvl5pPr>
+            <a:lvl6pPr>
+              <a:defRPr sz="1600"/>
+            </a:lvl6pPr>
+            <a:lvl7pPr>
+              <a:defRPr sz="1600"/>
+            </a:lvl7pPr>
+            <a:lvl8pPr>
+              <a:defRPr sz="1600"/>
+            </a:lvl8pPr>
+            <a:lvl9pPr>
+              <a:defRPr sz="1600"/>
+            </a:lvl9pPr>
+          </a:lstStyle>
+          <a:p>
+            <a:pPr lvl="0"/>
+            <a:r>
+              <a:rPr lang="cs-CZ" dirty="0"/>
+              <a:t>První úroveň</a:t>
+            </a:r>
+          </a:p>
+          <a:p>
+            <a:pPr lvl="1"/>
+            <a:r>
+              <a:rPr lang="cs-CZ" dirty="0"/>
+              <a:t>Druhá úroveň</a:t>
+            </a:r>
+          </a:p>
+          <a:p>
+            <a:pPr lvl="2"/>
+            <a:r>
+              <a:rPr lang="cs-CZ" dirty="0"/>
+              <a:t>Třetí úroveň</a:t>
+            </a:r>
+          </a:p>
+          <a:p>
+            <a:pPr lvl="3"/>
+            <a:r>
+              <a:rPr lang="cs-CZ" dirty="0"/>
+              <a:t>Čtvrtá úroveň</a:t>
+            </a:r>
+          </a:p>
+          <a:p>
+            <a:pPr lvl="4"/>
+            <a:r>
+              <a:rPr lang="cs-CZ" dirty="0"/>
+              <a:t>Pátá úroveň</a:t>
+            </a:r>
+            <a:endParaRPr lang="en-US" dirty="0"/>
+          </a:p>
+        </p:txBody>
+      </p:sp>
+    </p:spTree>
+    <p:extLst>
+      <p:ext uri="{BB962C8B-B14F-4D97-AF65-F5344CB8AC3E}">
+        <p14:creationId xmlns:p14="http://schemas.microsoft.com/office/powerpoint/2010/main" val="2342706549"/>
       </p:ext>
     </p:extLst>
   </p:cSld>
@@ -3495,7 +5430,7 @@
 </file>
 
 <file path=ppt/slideMasters/slideMaster1.xml><?xml version="1.0" encoding="utf-8"?>
-<p:sldMaster xmlns:a="http://schemas.openxmlformats.org/drawingml/2006/main" xmlns:r="http://schemas.openxmlformats.org/officeDocument/2006/relationships" xmlns:p="http://schemas.openxmlformats.org/presentationml/2006/main">
+<p:sldMaster xmlns:a="http://schemas.openxmlformats.org/drawingml/2006/main" xmlns:r="http://schemas.openxmlformats.org/officeDocument/2006/relationships" xmlns:p="http://schemas.openxmlformats.org/presentationml/2006/main" preserve="1">
   <p:cSld>
     <p:bg>
       <p:bgRef idx="1001">
@@ -3518,13 +5453,7 @@
       </p:grpSpPr>
       <p:sp>
         <p:nvSpPr>
-          <p:cNvPr id="2" name="Title Placeholder 1">
-            <a:extLst>
-              <a:ext uri="{FF2B5EF4-FFF2-40B4-BE49-F238E27FC236}">
-                <a16:creationId xmlns:a16="http://schemas.microsoft.com/office/drawing/2014/main" id="{71EE92EC-4DA7-FEDA-133C-0DC612ED1046}"/>
-              </a:ext>
-            </a:extLst>
-          </p:cNvPr>
+          <p:cNvPr id="2" name="Zástupný symbol pro nadpis 1"/>
           <p:cNvSpPr>
             <a:spLocks noGrp="1"/>
           </p:cNvSpPr>
@@ -3534,35 +5463,29 @@
         </p:nvSpPr>
         <p:spPr>
           <a:xfrm>
-            <a:off x="838200" y="365125"/>
-            <a:ext cx="10515600" cy="1325563"/>
+            <a:off x="609600" y="413792"/>
+            <a:ext cx="10972800" cy="1143000"/>
           </a:xfrm>
           <a:prstGeom prst="rect">
             <a:avLst/>
           </a:prstGeom>
         </p:spPr>
         <p:txBody>
-          <a:bodyPr vert="horz" lIns="91440" tIns="45720" rIns="91440" bIns="45720" rtlCol="0" anchor="ctr">
+          <a:bodyPr vert="horz" lIns="0" tIns="0" rIns="0" bIns="0" rtlCol="0" anchor="ctr">
             <a:normAutofit/>
           </a:bodyPr>
           <a:lstStyle/>
           <a:p>
             <a:r>
-              <a:rPr lang="en-US"/>
-              <a:t>Click to edit Master title style</a:t>
-            </a:r>
-          </a:p>
-        </p:txBody>
-      </p:sp>
-      <p:sp>
-        <p:nvSpPr>
-          <p:cNvPr id="3" name="Text Placeholder 2">
-            <a:extLst>
-              <a:ext uri="{FF2B5EF4-FFF2-40B4-BE49-F238E27FC236}">
-                <a16:creationId xmlns:a16="http://schemas.microsoft.com/office/drawing/2014/main" id="{A77BBE31-4D34-23E1-AC13-9B6967A604B2}"/>
-              </a:ext>
-            </a:extLst>
-          </p:cNvPr>
+              <a:rPr lang="cs-CZ" dirty="0"/>
+              <a:t>Nadpis snímku</a:t>
+            </a:r>
+          </a:p>
+        </p:txBody>
+      </p:sp>
+      <p:sp>
+        <p:nvSpPr>
+          <p:cNvPr id="3" name="Zástupný symbol pro text 2"/>
           <p:cNvSpPr>
             <a:spLocks noGrp="1"/>
           </p:cNvSpPr>
@@ -3572,64 +5495,58 @@
         </p:nvSpPr>
         <p:spPr>
           <a:xfrm>
-            <a:off x="838200" y="1825625"/>
-            <a:ext cx="10515600" cy="4351338"/>
+            <a:off x="609600" y="1772816"/>
+            <a:ext cx="10972800" cy="4536504"/>
           </a:xfrm>
           <a:prstGeom prst="rect">
             <a:avLst/>
           </a:prstGeom>
         </p:spPr>
         <p:txBody>
-          <a:bodyPr vert="horz" lIns="91440" tIns="45720" rIns="91440" bIns="45720" rtlCol="0">
+          <a:bodyPr vert="horz" lIns="0" tIns="0" rIns="0" bIns="0" rtlCol="0">
             <a:normAutofit/>
           </a:bodyPr>
           <a:lstStyle/>
           <a:p>
             <a:pPr lvl="0"/>
             <a:r>
-              <a:rPr lang="en-US"/>
-              <a:t>Click to edit Master text styles</a:t>
+              <a:rPr lang="cs-CZ" dirty="0"/>
+              <a:t>První úroveň</a:t>
             </a:r>
           </a:p>
           <a:p>
             <a:pPr lvl="1"/>
             <a:r>
-              <a:rPr lang="en-US"/>
-              <a:t>Second level</a:t>
+              <a:rPr lang="cs-CZ" dirty="0"/>
+              <a:t>Druhá úroveň</a:t>
             </a:r>
           </a:p>
           <a:p>
             <a:pPr lvl="2"/>
             <a:r>
-              <a:rPr lang="en-US"/>
-              <a:t>Third level</a:t>
+              <a:rPr lang="cs-CZ" dirty="0"/>
+              <a:t>Třetí úroveň</a:t>
             </a:r>
           </a:p>
           <a:p>
             <a:pPr lvl="3"/>
             <a:r>
-              <a:rPr lang="en-US"/>
-              <a:t>Fourth level</a:t>
+              <a:rPr lang="cs-CZ" dirty="0"/>
+              <a:t>Čtvrtá úroveň</a:t>
             </a:r>
           </a:p>
           <a:p>
             <a:pPr lvl="4"/>
             <a:r>
-              <a:rPr lang="en-US"/>
-              <a:t>Fifth level</a:t>
-            </a:r>
-          </a:p>
-        </p:txBody>
-      </p:sp>
-      <p:sp>
-        <p:nvSpPr>
-          <p:cNvPr id="4" name="Date Placeholder 3">
-            <a:extLst>
-              <a:ext uri="{FF2B5EF4-FFF2-40B4-BE49-F238E27FC236}">
-                <a16:creationId xmlns:a16="http://schemas.microsoft.com/office/drawing/2014/main" id="{6F95C742-0A55-9744-1376-A1ADEC152513}"/>
-              </a:ext>
-            </a:extLst>
-          </p:cNvPr>
+              <a:rPr lang="cs-CZ" dirty="0"/>
+              <a:t>Pátá úroveň</a:t>
+            </a:r>
+          </a:p>
+        </p:txBody>
+      </p:sp>
+      <p:sp>
+        <p:nvSpPr>
+          <p:cNvPr id="27" name="Zástupný symbol pro datum 3"/>
           <p:cNvSpPr>
             <a:spLocks noGrp="1"/>
           </p:cNvSpPr>
@@ -3639,44 +5556,42 @@
         </p:nvSpPr>
         <p:spPr>
           <a:xfrm>
-            <a:off x="838200" y="6356350"/>
-            <a:ext cx="2743200" cy="365125"/>
+            <a:off x="1391477" y="6448252"/>
+            <a:ext cx="1248139" cy="365125"/>
           </a:xfrm>
           <a:prstGeom prst="rect">
             <a:avLst/>
           </a:prstGeom>
         </p:spPr>
         <p:txBody>
-          <a:bodyPr vert="horz" lIns="91440" tIns="45720" rIns="91440" bIns="45720" rtlCol="0" anchor="ctr"/>
+          <a:bodyPr lIns="0" tIns="0" rIns="0" bIns="0"/>
           <a:lstStyle>
             <a:lvl1pPr algn="l">
-              <a:defRPr sz="1200">
+              <a:defRPr sz="1600">
                 <a:solidFill>
                   <a:schemeClr val="tx1">
-                    <a:tint val="82000"/>
+                    <a:lumMod val="50000"/>
+                    <a:lumOff val="50000"/>
                   </a:schemeClr>
                 </a:solidFill>
               </a:defRPr>
             </a:lvl1pPr>
           </a:lstStyle>
           <a:p>
-            <a:fld id="{DBC98360-1B30-4F69-AE75-40532A18B4DE}" type="datetimeFigureOut">
-              <a:rPr lang="en-US" smtClean="0"/>
-              <a:t>2/21/2025</a:t>
-            </a:fld>
-            <a:endParaRPr lang="en-US"/>
-          </a:p>
-        </p:txBody>
-      </p:sp>
-      <p:sp>
-        <p:nvSpPr>
-          <p:cNvPr id="5" name="Footer Placeholder 4">
-            <a:extLst>
-              <a:ext uri="{FF2B5EF4-FFF2-40B4-BE49-F238E27FC236}">
-                <a16:creationId xmlns:a16="http://schemas.microsoft.com/office/drawing/2014/main" id="{16C88E5F-721F-3E6C-2DF9-DEE5D36C53D6}"/>
-              </a:ext>
-            </a:extLst>
-          </p:cNvPr>
+            <a:endParaRPr lang="cs-CZ" dirty="0">
+              <a:solidFill>
+                <a:prstClr val="black">
+                  <a:lumMod val="50000"/>
+                  <a:lumOff val="50000"/>
+                </a:prstClr>
+              </a:solidFill>
+            </a:endParaRPr>
+          </a:p>
+        </p:txBody>
+      </p:sp>
+      <p:sp>
+        <p:nvSpPr>
+          <p:cNvPr id="28" name="Zástupný symbol pro zápatí 4"/>
           <p:cNvSpPr>
             <a:spLocks noGrp="1"/>
           </p:cNvSpPr>
@@ -3686,40 +5601,42 @@
         </p:nvSpPr>
         <p:spPr>
           <a:xfrm>
-            <a:off x="4038600" y="6356350"/>
-            <a:ext cx="4114800" cy="365125"/>
+            <a:off x="2831637" y="6448252"/>
+            <a:ext cx="6720747" cy="365125"/>
           </a:xfrm>
           <a:prstGeom prst="rect">
             <a:avLst/>
           </a:prstGeom>
         </p:spPr>
         <p:txBody>
-          <a:bodyPr vert="horz" lIns="91440" tIns="45720" rIns="91440" bIns="45720" rtlCol="0" anchor="ctr"/>
+          <a:bodyPr lIns="0" tIns="0" rIns="0" bIns="0"/>
           <a:lstStyle>
-            <a:lvl1pPr algn="ctr">
-              <a:defRPr sz="1200">
+            <a:lvl1pPr algn="l">
+              <a:defRPr sz="1600">
                 <a:solidFill>
                   <a:schemeClr val="tx1">
-                    <a:tint val="82000"/>
+                    <a:lumMod val="50000"/>
+                    <a:lumOff val="50000"/>
                   </a:schemeClr>
                 </a:solidFill>
               </a:defRPr>
             </a:lvl1pPr>
           </a:lstStyle>
           <a:p>
-            <a:endParaRPr lang="en-US"/>
-          </a:p>
-        </p:txBody>
-      </p:sp>
-      <p:sp>
-        <p:nvSpPr>
-          <p:cNvPr id="6" name="Slide Number Placeholder 5">
-            <a:extLst>
-              <a:ext uri="{FF2B5EF4-FFF2-40B4-BE49-F238E27FC236}">
-                <a16:creationId xmlns:a16="http://schemas.microsoft.com/office/drawing/2014/main" id="{F1EA0532-1EA4-389A-8E38-D031AA3C4958}"/>
-              </a:ext>
-            </a:extLst>
-          </p:cNvPr>
+            <a:endParaRPr lang="cs-CZ" dirty="0">
+              <a:solidFill>
+                <a:prstClr val="black">
+                  <a:lumMod val="50000"/>
+                  <a:lumOff val="50000"/>
+                </a:prstClr>
+              </a:solidFill>
+            </a:endParaRPr>
+          </a:p>
+        </p:txBody>
+      </p:sp>
+      <p:sp>
+        <p:nvSpPr>
+          <p:cNvPr id="29" name="Zástupný symbol pro číslo snímku 5"/>
           <p:cNvSpPr>
             <a:spLocks noGrp="1"/>
           </p:cNvSpPr>
@@ -3729,121 +5646,346 @@
         </p:nvSpPr>
         <p:spPr>
           <a:xfrm>
-            <a:off x="8610600" y="6356350"/>
-            <a:ext cx="2743200" cy="365125"/>
+            <a:off x="623392" y="6448252"/>
+            <a:ext cx="576064" cy="365125"/>
           </a:xfrm>
           <a:prstGeom prst="rect">
             <a:avLst/>
           </a:prstGeom>
         </p:spPr>
         <p:txBody>
-          <a:bodyPr vert="horz" lIns="91440" tIns="45720" rIns="91440" bIns="45720" rtlCol="0" anchor="ctr"/>
+          <a:bodyPr lIns="0" tIns="0" rIns="0" bIns="0"/>
           <a:lstStyle>
-            <a:lvl1pPr algn="r">
-              <a:defRPr sz="1200">
-                <a:solidFill>
-                  <a:schemeClr val="tx1">
-                    <a:tint val="82000"/>
-                  </a:schemeClr>
+            <a:lvl1pPr algn="l">
+              <a:defRPr sz="1600" b="1">
+                <a:solidFill>
+                  <a:schemeClr val="tx2"/>
                 </a:solidFill>
               </a:defRPr>
             </a:lvl1pPr>
           </a:lstStyle>
           <a:p>
-            <a:fld id="{E0A240B1-0496-4BDB-87BA-8E24C4526A4F}" type="slidenum">
-              <a:rPr lang="en-US" smtClean="0"/>
+            <a:fld id="{31EF1479-3489-4788-BFA4-763D4DDB960F}" type="slidenum">
+              <a:rPr lang="cs-CZ" smtClean="0">
+                <a:solidFill>
+                  <a:srgbClr val="1E326C"/>
+                </a:solidFill>
+              </a:rPr>
+              <a:pPr/>
               <a:t>‹#›</a:t>
             </a:fld>
-            <a:endParaRPr lang="en-US"/>
-          </a:p>
-        </p:txBody>
-      </p:sp>
+            <a:endParaRPr lang="cs-CZ" dirty="0">
+              <a:solidFill>
+                <a:srgbClr val="1E326C"/>
+              </a:solidFill>
+            </a:endParaRPr>
+          </a:p>
+        </p:txBody>
+      </p:sp>
+      <p:grpSp>
+        <p:nvGrpSpPr>
+          <p:cNvPr id="24" name="Skupina 23"/>
+          <p:cNvGrpSpPr/>
+          <p:nvPr userDrawn="1"/>
+        </p:nvGrpSpPr>
+        <p:grpSpPr bwMode="gray">
+          <a:xfrm flipH="1">
+            <a:off x="6096000" y="0"/>
+            <a:ext cx="6096000" cy="151200"/>
+            <a:chOff x="3203928" y="2491755"/>
+            <a:chExt cx="2160000" cy="72000"/>
+          </a:xfrm>
+        </p:grpSpPr>
+        <p:sp>
+          <p:nvSpPr>
+            <p:cNvPr id="25" name="Obdélník 24"/>
+            <p:cNvSpPr/>
+            <p:nvPr/>
+          </p:nvSpPr>
+          <p:spPr bwMode="gray">
+            <a:xfrm>
+              <a:off x="3923928" y="2491755"/>
+              <a:ext cx="720000" cy="72000"/>
+            </a:xfrm>
+            <a:prstGeom prst="rect">
+              <a:avLst/>
+            </a:prstGeom>
+            <a:solidFill>
+              <a:schemeClr val="accent2"/>
+            </a:solidFill>
+            <a:ln>
+              <a:noFill/>
+            </a:ln>
+          </p:spPr>
+          <p:style>
+            <a:lnRef idx="2">
+              <a:schemeClr val="accent1">
+                <a:shade val="50000"/>
+              </a:schemeClr>
+            </a:lnRef>
+            <a:fillRef idx="1">
+              <a:schemeClr val="accent1"/>
+            </a:fillRef>
+            <a:effectRef idx="0">
+              <a:schemeClr val="accent1"/>
+            </a:effectRef>
+            <a:fontRef idx="minor">
+              <a:schemeClr val="lt1"/>
+            </a:fontRef>
+          </p:style>
+          <p:txBody>
+            <a:bodyPr rtlCol="0" anchor="ctr"/>
+            <a:lstStyle/>
+            <a:p>
+              <a:pPr algn="ctr"/>
+              <a:endParaRPr lang="cs-CZ" sz="1800">
+                <a:solidFill>
+                  <a:prstClr val="white"/>
+                </a:solidFill>
+              </a:endParaRPr>
+            </a:p>
+          </p:txBody>
+        </p:sp>
+        <p:sp>
+          <p:nvSpPr>
+            <p:cNvPr id="26" name="Obdélník 25"/>
+            <p:cNvSpPr/>
+            <p:nvPr/>
+          </p:nvSpPr>
+          <p:spPr bwMode="gray">
+            <a:xfrm>
+              <a:off x="3203928" y="2491755"/>
+              <a:ext cx="720000" cy="72000"/>
+            </a:xfrm>
+            <a:prstGeom prst="rect">
+              <a:avLst/>
+            </a:prstGeom>
+            <a:solidFill>
+              <a:schemeClr val="accent3"/>
+            </a:solidFill>
+            <a:ln>
+              <a:noFill/>
+            </a:ln>
+          </p:spPr>
+          <p:style>
+            <a:lnRef idx="2">
+              <a:schemeClr val="accent1">
+                <a:shade val="50000"/>
+              </a:schemeClr>
+            </a:lnRef>
+            <a:fillRef idx="1">
+              <a:schemeClr val="accent1"/>
+            </a:fillRef>
+            <a:effectRef idx="0">
+              <a:schemeClr val="accent1"/>
+            </a:effectRef>
+            <a:fontRef idx="minor">
+              <a:schemeClr val="lt1"/>
+            </a:fontRef>
+          </p:style>
+          <p:txBody>
+            <a:bodyPr rtlCol="0" anchor="ctr"/>
+            <a:lstStyle/>
+            <a:p>
+              <a:pPr algn="ctr"/>
+              <a:endParaRPr lang="cs-CZ" sz="1800">
+                <a:solidFill>
+                  <a:prstClr val="white"/>
+                </a:solidFill>
+              </a:endParaRPr>
+            </a:p>
+          </p:txBody>
+        </p:sp>
+        <p:sp>
+          <p:nvSpPr>
+            <p:cNvPr id="30" name="Obdélník 29"/>
+            <p:cNvSpPr/>
+            <p:nvPr/>
+          </p:nvSpPr>
+          <p:spPr bwMode="gray">
+            <a:xfrm>
+              <a:off x="4643928" y="2491755"/>
+              <a:ext cx="720000" cy="72000"/>
+            </a:xfrm>
+            <a:prstGeom prst="rect">
+              <a:avLst/>
+            </a:prstGeom>
+            <a:solidFill>
+              <a:schemeClr val="accent1"/>
+            </a:solidFill>
+            <a:ln>
+              <a:noFill/>
+            </a:ln>
+          </p:spPr>
+          <p:style>
+            <a:lnRef idx="2">
+              <a:schemeClr val="accent1">
+                <a:shade val="50000"/>
+              </a:schemeClr>
+            </a:lnRef>
+            <a:fillRef idx="1">
+              <a:schemeClr val="accent1"/>
+            </a:fillRef>
+            <a:effectRef idx="0">
+              <a:schemeClr val="accent1"/>
+            </a:effectRef>
+            <a:fontRef idx="minor">
+              <a:schemeClr val="lt1"/>
+            </a:fontRef>
+          </p:style>
+          <p:txBody>
+            <a:bodyPr rtlCol="0" anchor="ctr"/>
+            <a:lstStyle/>
+            <a:p>
+              <a:pPr algn="ctr"/>
+              <a:endParaRPr lang="cs-CZ" sz="1800">
+                <a:solidFill>
+                  <a:prstClr val="white"/>
+                </a:solidFill>
+              </a:endParaRPr>
+            </a:p>
+          </p:txBody>
+        </p:sp>
+      </p:grpSp>
     </p:spTree>
     <p:extLst>
       <p:ext uri="{BB962C8B-B14F-4D97-AF65-F5344CB8AC3E}">
-        <p14:creationId xmlns:p14="http://schemas.microsoft.com/office/powerpoint/2010/main" val="879454087"/>
+        <p14:creationId xmlns:p14="http://schemas.microsoft.com/office/powerpoint/2010/main" val="2745613581"/>
       </p:ext>
     </p:extLst>
   </p:cSld>
   <p:clrMap bg1="lt1" tx1="dk1" bg2="lt2" tx2="dk2" accent1="accent1" accent2="accent2" accent3="accent3" accent4="accent4" accent5="accent5" accent6="accent6" hlink="hlink" folHlink="folHlink"/>
   <p:sldLayoutIdLst>
-    <p:sldLayoutId id="2147483649" r:id="rId1"/>
-    <p:sldLayoutId id="2147483650" r:id="rId2"/>
-    <p:sldLayoutId id="2147483651" r:id="rId3"/>
-    <p:sldLayoutId id="2147483652" r:id="rId4"/>
-    <p:sldLayoutId id="2147483653" r:id="rId5"/>
-    <p:sldLayoutId id="2147483654" r:id="rId6"/>
-    <p:sldLayoutId id="2147483655" r:id="rId7"/>
-    <p:sldLayoutId id="2147483656" r:id="rId8"/>
-    <p:sldLayoutId id="2147483657" r:id="rId9"/>
-    <p:sldLayoutId id="2147483658" r:id="rId10"/>
-    <p:sldLayoutId id="2147483659" r:id="rId11"/>
+    <p:sldLayoutId id="2147483661" r:id="rId1"/>
+    <p:sldLayoutId id="2147483662" r:id="rId2"/>
+    <p:sldLayoutId id="2147483663" r:id="rId3"/>
+    <p:sldLayoutId id="2147483664" r:id="rId4"/>
+    <p:sldLayoutId id="2147483665" r:id="rId5"/>
+    <p:sldLayoutId id="2147483666" r:id="rId6"/>
+    <p:sldLayoutId id="2147483667" r:id="rId7"/>
+    <p:sldLayoutId id="2147483668" r:id="rId8"/>
+    <p:sldLayoutId id="2147483669" r:id="rId9"/>
+    <p:sldLayoutId id="2147483670" r:id="rId10"/>
+    <p:sldLayoutId id="2147483671" r:id="rId11"/>
+    <p:sldLayoutId id="2147483672" r:id="rId12"/>
   </p:sldLayoutIdLst>
+  <p:hf sldNum="0" hdr="0" ftr="0" dt="0"/>
   <p:txStyles>
     <p:titleStyle>
       <a:lvl1pPr algn="l" defTabSz="914400" rtl="0" eaLnBrk="1" latinLnBrk="0" hangingPunct="1">
-        <a:lnSpc>
-          <a:spcPct val="90000"/>
-        </a:lnSpc>
         <a:spcBef>
           <a:spcPct val="0"/>
         </a:spcBef>
         <a:buNone/>
-        <a:defRPr sz="4400" kern="1200">
+        <a:defRPr sz="4000" b="1" kern="1200" spc="-60" baseline="0">
           <a:solidFill>
-            <a:schemeClr val="tx1"/>
+            <a:schemeClr val="tx2"/>
           </a:solidFill>
-          <a:latin typeface="+mj-lt"/>
+          <a:latin typeface="Segoe UI Semibold" panose="020B0702040204020203" pitchFamily="34" charset="0"/>
           <a:ea typeface="+mj-ea"/>
-          <a:cs typeface="+mj-cs"/>
+          <a:cs typeface="Segoe UI Semibold" panose="020B0702040204020203" pitchFamily="34" charset="0"/>
         </a:defRPr>
       </a:lvl1pPr>
     </p:titleStyle>
     <p:bodyStyle>
-      <a:lvl1pPr marL="228600" indent="-228600" algn="l" defTabSz="914400" rtl="0" eaLnBrk="1" latinLnBrk="0" hangingPunct="1">
-        <a:lnSpc>
-          <a:spcPct val="90000"/>
-        </a:lnSpc>
+      <a:lvl1pPr marL="342900" indent="-342900" algn="l" defTabSz="914400" rtl="0" eaLnBrk="1" latinLnBrk="0" hangingPunct="1">
         <a:spcBef>
-          <a:spcPts val="1000"/>
+          <a:spcPct val="20000"/>
         </a:spcBef>
-        <a:buFont typeface="Arial" panose="020B0604020202020204" pitchFamily="34" charset="0"/>
-        <a:buChar char="•"/>
+        <a:buClr>
+          <a:schemeClr val="tx2"/>
+        </a:buClr>
+        <a:buFont typeface="Wingdings" pitchFamily="2" charset="2"/>
+        <a:buChar char="§"/>
         <a:defRPr sz="2800" kern="1200">
           <a:solidFill>
             <a:schemeClr val="tx1"/>
           </a:solidFill>
-          <a:latin typeface="+mn-lt"/>
+          <a:latin typeface="Segoe UI" panose="020B0502040204020203" pitchFamily="34" charset="0"/>
           <a:ea typeface="+mn-ea"/>
-          <a:cs typeface="+mn-cs"/>
+          <a:cs typeface="Segoe UI" panose="020B0502040204020203" pitchFamily="34" charset="0"/>
         </a:defRPr>
       </a:lvl1pPr>
-      <a:lvl2pPr marL="685800" indent="-228600" algn="l" defTabSz="914400" rtl="0" eaLnBrk="1" latinLnBrk="0" hangingPunct="1">
-        <a:lnSpc>
-          <a:spcPct val="90000"/>
-        </a:lnSpc>
+      <a:lvl2pPr marL="742950" indent="-285750" algn="l" defTabSz="914400" rtl="0" eaLnBrk="1" latinLnBrk="0" hangingPunct="1">
         <a:spcBef>
-          <a:spcPts val="500"/>
+          <a:spcPct val="20000"/>
         </a:spcBef>
-        <a:buFont typeface="Arial" panose="020B0604020202020204" pitchFamily="34" charset="0"/>
+        <a:buClr>
+          <a:schemeClr val="tx2"/>
+        </a:buClr>
+        <a:buFont typeface="Arial" pitchFamily="34" charset="0"/>
         <a:buChar char="•"/>
         <a:defRPr sz="2400" kern="1200">
           <a:solidFill>
             <a:schemeClr val="tx1"/>
           </a:solidFill>
-          <a:latin typeface="+mn-lt"/>
+          <a:latin typeface="Segoe UI" panose="020B0502040204020203" pitchFamily="34" charset="0"/>
           <a:ea typeface="+mn-ea"/>
-          <a:cs typeface="+mn-cs"/>
+          <a:cs typeface="Segoe UI" panose="020B0502040204020203" pitchFamily="34" charset="0"/>
         </a:defRPr>
       </a:lvl2pPr>
       <a:lvl3pPr marL="1143000" indent="-228600" algn="l" defTabSz="914400" rtl="0" eaLnBrk="1" latinLnBrk="0" hangingPunct="1">
-        <a:lnSpc>
-          <a:spcPct val="90000"/>
-        </a:lnSpc>
         <a:spcBef>
-          <a:spcPts val="500"/>
+          <a:spcPct val="20000"/>
         </a:spcBef>
-        <a:buFont typeface="Arial" panose="020B0604020202020204" pitchFamily="34" charset="0"/>
+        <a:buClr>
+          <a:schemeClr val="tx2"/>
+        </a:buClr>
+        <a:buSzPct val="90000"/>
+        <a:buFont typeface="Wingdings" pitchFamily="2" charset="2"/>
+        <a:buChar char=""/>
+        <a:defRPr sz="2400" kern="1200">
+          <a:solidFill>
+            <a:schemeClr val="tx1"/>
+          </a:solidFill>
+          <a:latin typeface="Segoe UI" panose="020B0502040204020203" pitchFamily="34" charset="0"/>
+          <a:ea typeface="+mn-ea"/>
+          <a:cs typeface="Segoe UI" panose="020B0502040204020203" pitchFamily="34" charset="0"/>
+        </a:defRPr>
+      </a:lvl3pPr>
+      <a:lvl4pPr marL="1600200" indent="-228600" algn="l" defTabSz="914400" rtl="0" eaLnBrk="1" latinLnBrk="0" hangingPunct="1">
+        <a:spcBef>
+          <a:spcPct val="20000"/>
+        </a:spcBef>
+        <a:buClr>
+          <a:schemeClr val="tx2"/>
+        </a:buClr>
+        <a:buSzPct val="90000"/>
+        <a:buFont typeface="Arial" pitchFamily="34" charset="0"/>
+        <a:buChar char="–"/>
+        <a:defRPr sz="2000" kern="1200">
+          <a:solidFill>
+            <a:schemeClr val="tx1"/>
+          </a:solidFill>
+          <a:latin typeface="Segoe UI" panose="020B0502040204020203" pitchFamily="34" charset="0"/>
+          <a:ea typeface="+mn-ea"/>
+          <a:cs typeface="Segoe UI" panose="020B0502040204020203" pitchFamily="34" charset="0"/>
+        </a:defRPr>
+      </a:lvl4pPr>
+      <a:lvl5pPr marL="2057400" indent="-228600" algn="l" defTabSz="914400" rtl="0" eaLnBrk="1" latinLnBrk="0" hangingPunct="1">
+        <a:spcBef>
+          <a:spcPct val="20000"/>
+        </a:spcBef>
+        <a:buClr>
+          <a:schemeClr val="tx2"/>
+        </a:buClr>
+        <a:buSzPct val="90000"/>
+        <a:buFont typeface="Wingdings" pitchFamily="2" charset="2"/>
+        <a:buChar char="§"/>
+        <a:defRPr sz="2000" i="1" kern="1200">
+          <a:solidFill>
+            <a:schemeClr val="tx1"/>
+          </a:solidFill>
+          <a:latin typeface="Segoe UI" panose="020B0502040204020203" pitchFamily="34" charset="0"/>
+          <a:ea typeface="+mn-ea"/>
+          <a:cs typeface="Segoe UI" panose="020B0502040204020203" pitchFamily="34" charset="0"/>
+        </a:defRPr>
+      </a:lvl5pPr>
+      <a:lvl6pPr marL="2514600" indent="-228600" algn="l" defTabSz="914400" rtl="0" eaLnBrk="1" latinLnBrk="0" hangingPunct="1">
+        <a:spcBef>
+          <a:spcPct val="20000"/>
+        </a:spcBef>
+        <a:buFont typeface="Arial" pitchFamily="34" charset="0"/>
         <a:buChar char="•"/>
         <a:defRPr sz="2000" kern="1200">
           <a:solidFill>
@@ -3853,71 +5995,14 @@
           <a:ea typeface="+mn-ea"/>
           <a:cs typeface="+mn-cs"/>
         </a:defRPr>
-      </a:lvl3pPr>
-      <a:lvl4pPr marL="1600200" indent="-228600" algn="l" defTabSz="914400" rtl="0" eaLnBrk="1" latinLnBrk="0" hangingPunct="1">
-        <a:lnSpc>
-          <a:spcPct val="90000"/>
-        </a:lnSpc>
-        <a:spcBef>
-          <a:spcPts val="500"/>
-        </a:spcBef>
-        <a:buFont typeface="Arial" panose="020B0604020202020204" pitchFamily="34" charset="0"/>
-        <a:buChar char="•"/>
-        <a:defRPr sz="1800" kern="1200">
-          <a:solidFill>
-            <a:schemeClr val="tx1"/>
-          </a:solidFill>
-          <a:latin typeface="+mn-lt"/>
-          <a:ea typeface="+mn-ea"/>
-          <a:cs typeface="+mn-cs"/>
-        </a:defRPr>
-      </a:lvl4pPr>
-      <a:lvl5pPr marL="2057400" indent="-228600" algn="l" defTabSz="914400" rtl="0" eaLnBrk="1" latinLnBrk="0" hangingPunct="1">
-        <a:lnSpc>
-          <a:spcPct val="90000"/>
-        </a:lnSpc>
-        <a:spcBef>
-          <a:spcPts val="500"/>
-        </a:spcBef>
-        <a:buFont typeface="Arial" panose="020B0604020202020204" pitchFamily="34" charset="0"/>
-        <a:buChar char="•"/>
-        <a:defRPr sz="1800" kern="1200">
-          <a:solidFill>
-            <a:schemeClr val="tx1"/>
-          </a:solidFill>
-          <a:latin typeface="+mn-lt"/>
-          <a:ea typeface="+mn-ea"/>
-          <a:cs typeface="+mn-cs"/>
-        </a:defRPr>
-      </a:lvl5pPr>
-      <a:lvl6pPr marL="2514600" indent="-228600" algn="l" defTabSz="914400" rtl="0" eaLnBrk="1" latinLnBrk="0" hangingPunct="1">
-        <a:lnSpc>
-          <a:spcPct val="90000"/>
-        </a:lnSpc>
-        <a:spcBef>
-          <a:spcPts val="500"/>
-        </a:spcBef>
-        <a:buFont typeface="Arial" panose="020B0604020202020204" pitchFamily="34" charset="0"/>
-        <a:buChar char="•"/>
-        <a:defRPr sz="1800" kern="1200">
-          <a:solidFill>
-            <a:schemeClr val="tx1"/>
-          </a:solidFill>
-          <a:latin typeface="+mn-lt"/>
-          <a:ea typeface="+mn-ea"/>
-          <a:cs typeface="+mn-cs"/>
-        </a:defRPr>
       </a:lvl6pPr>
       <a:lvl7pPr marL="2971800" indent="-228600" algn="l" defTabSz="914400" rtl="0" eaLnBrk="1" latinLnBrk="0" hangingPunct="1">
-        <a:lnSpc>
-          <a:spcPct val="90000"/>
-        </a:lnSpc>
         <a:spcBef>
-          <a:spcPts val="500"/>
+          <a:spcPct val="20000"/>
         </a:spcBef>
-        <a:buFont typeface="Arial" panose="020B0604020202020204" pitchFamily="34" charset="0"/>
+        <a:buFont typeface="Arial" pitchFamily="34" charset="0"/>
         <a:buChar char="•"/>
-        <a:defRPr sz="1800" kern="1200">
+        <a:defRPr sz="2000" kern="1200">
           <a:solidFill>
             <a:schemeClr val="tx1"/>
           </a:solidFill>
@@ -3927,15 +6012,12 @@
         </a:defRPr>
       </a:lvl7pPr>
       <a:lvl8pPr marL="3429000" indent="-228600" algn="l" defTabSz="914400" rtl="0" eaLnBrk="1" latinLnBrk="0" hangingPunct="1">
-        <a:lnSpc>
-          <a:spcPct val="90000"/>
-        </a:lnSpc>
         <a:spcBef>
-          <a:spcPts val="500"/>
+          <a:spcPct val="20000"/>
         </a:spcBef>
-        <a:buFont typeface="Arial" panose="020B0604020202020204" pitchFamily="34" charset="0"/>
+        <a:buFont typeface="Arial" pitchFamily="34" charset="0"/>
         <a:buChar char="•"/>
-        <a:defRPr sz="1800" kern="1200">
+        <a:defRPr sz="2000" kern="1200">
           <a:solidFill>
             <a:schemeClr val="tx1"/>
           </a:solidFill>
@@ -3945,15 +6027,12 @@
         </a:defRPr>
       </a:lvl8pPr>
       <a:lvl9pPr marL="3886200" indent="-228600" algn="l" defTabSz="914400" rtl="0" eaLnBrk="1" latinLnBrk="0" hangingPunct="1">
-        <a:lnSpc>
-          <a:spcPct val="90000"/>
-        </a:lnSpc>
         <a:spcBef>
-          <a:spcPts val="500"/>
+          <a:spcPct val="20000"/>
         </a:spcBef>
-        <a:buFont typeface="Arial" panose="020B0604020202020204" pitchFamily="34" charset="0"/>
+        <a:buFont typeface="Arial" pitchFamily="34" charset="0"/>
         <a:buChar char="•"/>
-        <a:defRPr sz="1800" kern="1200">
+        <a:defRPr sz="2000" kern="1200">
           <a:solidFill>
             <a:schemeClr val="tx1"/>
           </a:solidFill>
@@ -3965,7 +6044,7 @@
     </p:bodyStyle>
     <p:otherStyle>
       <a:defPPr>
-        <a:defRPr lang="en-US"/>
+        <a:defRPr lang="cs-CZ"/>
       </a:defPPr>
       <a:lvl1pPr marL="0" algn="l" defTabSz="914400" rtl="0" eaLnBrk="1" latinLnBrk="0" hangingPunct="1">
         <a:defRPr sz="1800" kern="1200">
@@ -4142,6 +6221,42 @@
           </a:p>
         </p:txBody>
       </p:sp>
+      <p:pic>
+        <p:nvPicPr>
+          <p:cNvPr id="4" name="Picture 3" descr="A cartoon character holding a hammer&#10;&#10;Description automatically generated">
+            <a:extLst>
+              <a:ext uri="{FF2B5EF4-FFF2-40B4-BE49-F238E27FC236}">
+                <a16:creationId xmlns:a16="http://schemas.microsoft.com/office/drawing/2014/main" id="{06A13405-DE34-7F38-7439-007A6FA4C4B0}"/>
+              </a:ext>
+            </a:extLst>
+          </p:cNvPr>
+          <p:cNvPicPr>
+            <a:picLocks noChangeAspect="1"/>
+          </p:cNvPicPr>
+          <p:nvPr/>
+        </p:nvPicPr>
+        <p:blipFill>
+          <a:blip r:embed="rId3" cstate="print">
+            <a:extLst>
+              <a:ext uri="{28A0092B-C50C-407E-A947-70E740481C1C}">
+                <a14:useLocalDpi xmlns:a14="http://schemas.microsoft.com/office/drawing/2010/main" val="0"/>
+              </a:ext>
+            </a:extLst>
+          </a:blip>
+          <a:stretch>
+            <a:fillRect/>
+          </a:stretch>
+        </p:blipFill>
+        <p:spPr>
+          <a:xfrm>
+            <a:off x="6975436" y="482600"/>
+            <a:ext cx="9705355" cy="7484534"/>
+          </a:xfrm>
+          <a:prstGeom prst="rect">
+            <a:avLst/>
+          </a:prstGeom>
+        </p:spPr>
+      </p:pic>
     </p:spTree>
     <p:extLst>
       <p:ext uri="{BB962C8B-B14F-4D97-AF65-F5344CB8AC3E}">
@@ -4410,7 +6525,7 @@
         <p:spPr/>
         <p:txBody>
           <a:bodyPr>
-            <a:normAutofit fontScale="92500" lnSpcReduction="20000"/>
+            <a:normAutofit fontScale="92500" lnSpcReduction="10000"/>
           </a:bodyPr>
           <a:lstStyle/>
           <a:p>
@@ -4622,7 +6737,7 @@
         <p:spPr/>
         <p:txBody>
           <a:bodyPr>
-            <a:normAutofit fontScale="92500"/>
+            <a:normAutofit/>
           </a:bodyPr>
           <a:lstStyle/>
           <a:p>
@@ -4664,10 +6779,14 @@
           <a:p>
             <a:r>
               <a:rPr lang="en-US" dirty="0"/>
-              <a:t>Prevention: $(</a:t>
-            </a:r>
-            <a:r>
-              <a:rPr lang="en-US" b="0" i="0" dirty="0" err="1">
+              <a:t>Prevention: </a:t>
+            </a:r>
+            <a:r>
+              <a:rPr lang="en-US" sz="2600" dirty="0"/>
+              <a:t>$(</a:t>
+            </a:r>
+            <a:r>
+              <a:rPr lang="en-US" sz="2600" b="0" i="0" dirty="0" err="1">
                 <a:solidFill>
                   <a:srgbClr val="161616"/>
                 </a:solidFill>
@@ -4677,7 +6796,7 @@
               <a:t>ImportUserLocationsByWildcardBefore</a:t>
             </a:r>
             <a:r>
-              <a:rPr lang="en-US" b="0" i="0" dirty="0">
+              <a:rPr lang="en-US" sz="2600" b="0" i="0" dirty="0">
                 <a:solidFill>
                   <a:srgbClr val="161616"/>
                 </a:solidFill>
@@ -4687,7 +6806,7 @@
               <a:t>{</a:t>
             </a:r>
             <a:r>
-              <a:rPr lang="en-US" b="0" i="0" dirty="0" err="1">
+              <a:rPr lang="en-US" sz="2600" b="0" i="0" dirty="0" err="1">
                 <a:solidFill>
                   <a:srgbClr val="161616"/>
                 </a:solidFill>
@@ -4697,7 +6816,7 @@
               <a:t>ImportingFileNameWithNoDots</a:t>
             </a:r>
             <a:r>
-              <a:rPr lang="en-US" b="0" i="0" dirty="0">
+              <a:rPr lang="en-US" sz="2600" b="0" i="0" dirty="0">
                 <a:solidFill>
                   <a:srgbClr val="161616"/>
                 </a:solidFill>
@@ -4982,7 +7101,7 @@
         <p:spPr/>
         <p:txBody>
           <a:bodyPr>
-            <a:normAutofit lnSpcReduction="10000"/>
+            <a:normAutofit/>
           </a:bodyPr>
           <a:lstStyle/>
           <a:p>
@@ -5168,6 +7287,111 @@
 </p:sld>
 </file>
 
+<file path=ppt/slides/slide16.xml><?xml version="1.0" encoding="utf-8"?>
+<p:sld xmlns:a="http://schemas.openxmlformats.org/drawingml/2006/main" xmlns:r="http://schemas.openxmlformats.org/officeDocument/2006/relationships" xmlns:p="http://schemas.openxmlformats.org/presentationml/2006/main">
+  <p:cSld>
+    <p:spTree>
+      <p:nvGrpSpPr>
+        <p:cNvPr id="1" name=""/>
+        <p:cNvGrpSpPr/>
+        <p:nvPr/>
+      </p:nvGrpSpPr>
+      <p:grpSpPr>
+        <a:xfrm>
+          <a:off x="0" y="0"/>
+          <a:ext cx="0" cy="0"/>
+          <a:chOff x="0" y="0"/>
+          <a:chExt cx="0" cy="0"/>
+        </a:xfrm>
+      </p:grpSpPr>
+      <p:sp>
+        <p:nvSpPr>
+          <p:cNvPr id="6" name="Nadpis 5"/>
+          <p:cNvSpPr>
+            <a:spLocks noGrp="1"/>
+          </p:cNvSpPr>
+          <p:nvPr>
+            <p:ph type="ctrTitle"/>
+          </p:nvPr>
+        </p:nvSpPr>
+        <p:spPr/>
+        <p:txBody>
+          <a:bodyPr>
+            <a:noAutofit/>
+          </a:bodyPr>
+          <a:lstStyle/>
+          <a:p>
+            <a:r>
+              <a:rPr lang="en-US" sz="6000" dirty="0"/>
+              <a:t>Questions</a:t>
+            </a:r>
+            <a:endParaRPr lang="cs-CZ" sz="6000" dirty="0"/>
+          </a:p>
+        </p:txBody>
+      </p:sp>
+      <p:sp>
+        <p:nvSpPr>
+          <p:cNvPr id="7" name="Podnadpis 6"/>
+          <p:cNvSpPr>
+            <a:spLocks noGrp="1"/>
+          </p:cNvSpPr>
+          <p:nvPr>
+            <p:ph type="subTitle" idx="1"/>
+          </p:nvPr>
+        </p:nvSpPr>
+        <p:spPr/>
+        <p:txBody>
+          <a:bodyPr>
+            <a:normAutofit/>
+          </a:bodyPr>
+          <a:lstStyle/>
+          <a:p>
+            <a:r>
+              <a:rPr lang="en-US" b="1" dirty="0"/>
+              <a:t>Jan K</a:t>
+            </a:r>
+            <a:r>
+              <a:rPr lang="cs-CZ" b="1" dirty="0" err="1"/>
+              <a:t>řivánek</a:t>
+            </a:r>
+            <a:endParaRPr lang="cs-CZ" b="1" dirty="0"/>
+          </a:p>
+          <a:p>
+            <a:r>
+              <a:rPr lang="cs-CZ" sz="2000" dirty="0"/>
+              <a:t>Microsoft</a:t>
+            </a:r>
+          </a:p>
+          <a:p>
+            <a:r>
+              <a:rPr lang="cs-CZ" dirty="0">
+                <a:hlinkClick r:id="rId3"/>
+              </a:rPr>
+              <a:t>Jan.Krivanek</a:t>
+            </a:r>
+            <a:r>
+              <a:rPr lang="cs-CZ" sz="2000" dirty="0">
+                <a:hlinkClick r:id="rId3"/>
+              </a:rPr>
+              <a:t>@microsoft.com</a:t>
+            </a:r>
+            <a:endParaRPr lang="en-US" dirty="0"/>
+          </a:p>
+        </p:txBody>
+      </p:sp>
+    </p:spTree>
+    <p:extLst>
+      <p:ext uri="{BB962C8B-B14F-4D97-AF65-F5344CB8AC3E}">
+        <p14:creationId xmlns:p14="http://schemas.microsoft.com/office/powerpoint/2010/main" val="2786154635"/>
+      </p:ext>
+    </p:extLst>
+  </p:cSld>
+  <p:clrMapOvr>
+    <a:masterClrMapping/>
+  </p:clrMapOvr>
+</p:sld>
+</file>
+
 <file path=ppt/slides/slide2.xml><?xml version="1.0" encoding="utf-8"?>
 <p:sld xmlns:a="http://schemas.openxmlformats.org/drawingml/2006/main" xmlns:r="http://schemas.openxmlformats.org/officeDocument/2006/relationships" xmlns:p="http://schemas.openxmlformats.org/presentationml/2006/main">
   <p:cSld>
@@ -5209,13 +7433,13 @@
         </p:spPr>
         <p:txBody>
           <a:bodyPr>
-            <a:normAutofit fontScale="90000"/>
+            <a:normAutofit/>
           </a:bodyPr>
           <a:lstStyle/>
           <a:p>
             <a:r>
               <a:rPr lang="en-US" dirty="0"/>
-              <a:t>Agenda</a:t>
+              <a:t>Materials</a:t>
             </a:r>
           </a:p>
         </p:txBody>
@@ -5238,49 +7462,40 @@
         </p:nvSpPr>
         <p:spPr>
           <a:xfrm>
-            <a:off x="834736" y="1496292"/>
-            <a:ext cx="10522527" cy="4357254"/>
+            <a:off x="886691" y="1496292"/>
+            <a:ext cx="10522527" cy="1932708"/>
           </a:xfrm>
         </p:spPr>
         <p:txBody>
-          <a:bodyPr/>
+          <a:bodyPr>
+            <a:noAutofit/>
+          </a:bodyPr>
           <a:lstStyle/>
           <a:p>
-            <a:pPr marL="342900" indent="-342900" algn="l">
-              <a:buFont typeface="Arial" panose="020B0604020202020204" pitchFamily="34" charset="0"/>
-              <a:buChar char="•"/>
-            </a:pPr>
-            <a:r>
-              <a:rPr lang="en-US" dirty="0"/>
-              <a:t>MSBuild intro</a:t>
-            </a:r>
-          </a:p>
-          <a:p>
-            <a:pPr marL="342900" indent="-342900" algn="l">
-              <a:buFont typeface="Arial" panose="020B0604020202020204" pitchFamily="34" charset="0"/>
-              <a:buChar char="•"/>
-            </a:pPr>
-            <a:r>
-              <a:rPr lang="en-US" dirty="0"/>
-              <a:t>Extendibility intro</a:t>
-            </a:r>
-          </a:p>
-          <a:p>
-            <a:pPr marL="342900" indent="-342900" algn="l">
-              <a:buFont typeface="Arial" panose="020B0604020202020204" pitchFamily="34" charset="0"/>
-              <a:buChar char="•"/>
-            </a:pPr>
-            <a:r>
-              <a:rPr lang="en-US" dirty="0"/>
-              <a:t>Use cases of extending and prevention</a:t>
-            </a:r>
-          </a:p>
-          <a:p>
-            <a:pPr marL="342900" indent="-342900" algn="l">
-              <a:buFont typeface="Arial" panose="020B0604020202020204" pitchFamily="34" charset="0"/>
-              <a:buChar char="•"/>
-            </a:pPr>
-            <a:endParaRPr lang="en-US" dirty="0"/>
+            <a:endParaRPr lang="en-US" sz="8800" dirty="0">
+              <a:hlinkClick r:id="rId2"/>
+            </a:endParaRPr>
+          </a:p>
+          <a:p>
+            <a:r>
+              <a:rPr lang="en-US" sz="8800" dirty="0">
+                <a:hlinkClick r:id="rId2"/>
+              </a:rPr>
+              <a:t>dotutils.net/</a:t>
+            </a:r>
+            <a:r>
+              <a:rPr lang="en-US" sz="8800" dirty="0" err="1">
+                <a:hlinkClick r:id="rId2"/>
+              </a:rPr>
+              <a:t>wug</a:t>
+            </a:r>
+            <a:r>
+              <a:rPr lang="en-US" sz="8800" dirty="0">
+                <a:hlinkClick r:id="rId2"/>
+              </a:rPr>
+              <a:t>-talk</a:t>
+            </a:r>
+            <a:endParaRPr lang="en-US" sz="8800" dirty="0"/>
           </a:p>
         </p:txBody>
       </p:sp>
@@ -5478,10 +7693,244 @@
           </a:p>
         </p:txBody>
       </p:sp>
+      <p:sp>
+        <p:nvSpPr>
+          <p:cNvPr id="6" name="Subtitle 2">
+            <a:extLst>
+              <a:ext uri="{FF2B5EF4-FFF2-40B4-BE49-F238E27FC236}">
+                <a16:creationId xmlns:a16="http://schemas.microsoft.com/office/drawing/2014/main" id="{8030B852-79AE-F0EC-185F-8072BAD1AA31}"/>
+              </a:ext>
+            </a:extLst>
+          </p:cNvPr>
+          <p:cNvSpPr txBox="1">
+            <a:spLocks/>
+          </p:cNvSpPr>
+          <p:nvPr/>
+        </p:nvSpPr>
+        <p:spPr>
+          <a:xfrm>
+            <a:off x="782782" y="4497572"/>
+            <a:ext cx="10522527" cy="1748198"/>
+          </a:xfrm>
+          <a:prstGeom prst="rect">
+            <a:avLst/>
+          </a:prstGeom>
+        </p:spPr>
+        <p:txBody>
+          <a:bodyPr vert="horz" lIns="0" tIns="0" rIns="0" bIns="0" rtlCol="0" anchor="b" anchorCtr="0">
+            <a:normAutofit/>
+          </a:bodyPr>
+          <a:lstStyle>
+            <a:lvl1pPr marL="0" indent="0" algn="l" defTabSz="914400" rtl="0" eaLnBrk="1" latinLnBrk="0" hangingPunct="1">
+              <a:spcBef>
+                <a:spcPct val="20000"/>
+              </a:spcBef>
+              <a:buClr>
+                <a:schemeClr val="tx2"/>
+              </a:buClr>
+              <a:buFont typeface="Wingdings" pitchFamily="2" charset="2"/>
+              <a:buNone/>
+              <a:defRPr sz="2400" kern="1200" spc="-60" baseline="0">
+                <a:solidFill>
+                  <a:schemeClr val="tx1">
+                    <a:tint val="75000"/>
+                  </a:schemeClr>
+                </a:solidFill>
+                <a:latin typeface="Segoe UI" panose="020B0502040204020203" pitchFamily="34" charset="0"/>
+                <a:ea typeface="+mn-ea"/>
+                <a:cs typeface="Segoe UI" panose="020B0502040204020203" pitchFamily="34" charset="0"/>
+              </a:defRPr>
+            </a:lvl1pPr>
+            <a:lvl2pPr marL="457200" indent="0" algn="ctr" defTabSz="914400" rtl="0" eaLnBrk="1" latinLnBrk="0" hangingPunct="1">
+              <a:spcBef>
+                <a:spcPct val="20000"/>
+              </a:spcBef>
+              <a:buClr>
+                <a:schemeClr val="tx2"/>
+              </a:buClr>
+              <a:buFont typeface="Arial" pitchFamily="34" charset="0"/>
+              <a:buNone/>
+              <a:defRPr sz="2400" kern="1200">
+                <a:solidFill>
+                  <a:schemeClr val="tx1">
+                    <a:tint val="75000"/>
+                  </a:schemeClr>
+                </a:solidFill>
+                <a:latin typeface="Segoe UI" panose="020B0502040204020203" pitchFamily="34" charset="0"/>
+                <a:ea typeface="+mn-ea"/>
+                <a:cs typeface="Segoe UI" panose="020B0502040204020203" pitchFamily="34" charset="0"/>
+              </a:defRPr>
+            </a:lvl2pPr>
+            <a:lvl3pPr marL="914400" indent="0" algn="ctr" defTabSz="914400" rtl="0" eaLnBrk="1" latinLnBrk="0" hangingPunct="1">
+              <a:spcBef>
+                <a:spcPct val="20000"/>
+              </a:spcBef>
+              <a:buClr>
+                <a:schemeClr val="tx2"/>
+              </a:buClr>
+              <a:buSzPct val="90000"/>
+              <a:buFont typeface="Wingdings" pitchFamily="2" charset="2"/>
+              <a:buNone/>
+              <a:defRPr sz="2400" kern="1200">
+                <a:solidFill>
+                  <a:schemeClr val="tx1">
+                    <a:tint val="75000"/>
+                  </a:schemeClr>
+                </a:solidFill>
+                <a:latin typeface="Segoe UI" panose="020B0502040204020203" pitchFamily="34" charset="0"/>
+                <a:ea typeface="+mn-ea"/>
+                <a:cs typeface="Segoe UI" panose="020B0502040204020203" pitchFamily="34" charset="0"/>
+              </a:defRPr>
+            </a:lvl3pPr>
+            <a:lvl4pPr marL="1371600" indent="0" algn="ctr" defTabSz="914400" rtl="0" eaLnBrk="1" latinLnBrk="0" hangingPunct="1">
+              <a:spcBef>
+                <a:spcPct val="20000"/>
+              </a:spcBef>
+              <a:buClr>
+                <a:schemeClr val="tx2"/>
+              </a:buClr>
+              <a:buSzPct val="90000"/>
+              <a:buFont typeface="Arial" pitchFamily="34" charset="0"/>
+              <a:buNone/>
+              <a:defRPr sz="2000" kern="1200">
+                <a:solidFill>
+                  <a:schemeClr val="tx1">
+                    <a:tint val="75000"/>
+                  </a:schemeClr>
+                </a:solidFill>
+                <a:latin typeface="Segoe UI" panose="020B0502040204020203" pitchFamily="34" charset="0"/>
+                <a:ea typeface="+mn-ea"/>
+                <a:cs typeface="Segoe UI" panose="020B0502040204020203" pitchFamily="34" charset="0"/>
+              </a:defRPr>
+            </a:lvl4pPr>
+            <a:lvl5pPr marL="1828800" indent="0" algn="ctr" defTabSz="914400" rtl="0" eaLnBrk="1" latinLnBrk="0" hangingPunct="1">
+              <a:spcBef>
+                <a:spcPct val="20000"/>
+              </a:spcBef>
+              <a:buClr>
+                <a:schemeClr val="tx2"/>
+              </a:buClr>
+              <a:buSzPct val="90000"/>
+              <a:buFont typeface="Wingdings" pitchFamily="2" charset="2"/>
+              <a:buNone/>
+              <a:defRPr sz="2000" i="1" kern="1200">
+                <a:solidFill>
+                  <a:schemeClr val="tx1">
+                    <a:tint val="75000"/>
+                  </a:schemeClr>
+                </a:solidFill>
+                <a:latin typeface="Segoe UI" panose="020B0502040204020203" pitchFamily="34" charset="0"/>
+                <a:ea typeface="+mn-ea"/>
+                <a:cs typeface="Segoe UI" panose="020B0502040204020203" pitchFamily="34" charset="0"/>
+              </a:defRPr>
+            </a:lvl5pPr>
+            <a:lvl6pPr marL="2286000" indent="0" algn="ctr" defTabSz="914400" rtl="0" eaLnBrk="1" latinLnBrk="0" hangingPunct="1">
+              <a:spcBef>
+                <a:spcPct val="20000"/>
+              </a:spcBef>
+              <a:buFont typeface="Arial" pitchFamily="34" charset="0"/>
+              <a:buNone/>
+              <a:defRPr sz="2000" kern="1200">
+                <a:solidFill>
+                  <a:schemeClr val="tx1">
+                    <a:tint val="75000"/>
+                  </a:schemeClr>
+                </a:solidFill>
+                <a:latin typeface="+mn-lt"/>
+                <a:ea typeface="+mn-ea"/>
+                <a:cs typeface="+mn-cs"/>
+              </a:defRPr>
+            </a:lvl6pPr>
+            <a:lvl7pPr marL="2743200" indent="0" algn="ctr" defTabSz="914400" rtl="0" eaLnBrk="1" latinLnBrk="0" hangingPunct="1">
+              <a:spcBef>
+                <a:spcPct val="20000"/>
+              </a:spcBef>
+              <a:buFont typeface="Arial" pitchFamily="34" charset="0"/>
+              <a:buNone/>
+              <a:defRPr sz="2000" kern="1200">
+                <a:solidFill>
+                  <a:schemeClr val="tx1">
+                    <a:tint val="75000"/>
+                  </a:schemeClr>
+                </a:solidFill>
+                <a:latin typeface="+mn-lt"/>
+                <a:ea typeface="+mn-ea"/>
+                <a:cs typeface="+mn-cs"/>
+              </a:defRPr>
+            </a:lvl7pPr>
+            <a:lvl8pPr marL="3200400" indent="0" algn="ctr" defTabSz="914400" rtl="0" eaLnBrk="1" latinLnBrk="0" hangingPunct="1">
+              <a:spcBef>
+                <a:spcPct val="20000"/>
+              </a:spcBef>
+              <a:buFont typeface="Arial" pitchFamily="34" charset="0"/>
+              <a:buNone/>
+              <a:defRPr sz="2000" kern="1200">
+                <a:solidFill>
+                  <a:schemeClr val="tx1">
+                    <a:tint val="75000"/>
+                  </a:schemeClr>
+                </a:solidFill>
+                <a:latin typeface="+mn-lt"/>
+                <a:ea typeface="+mn-ea"/>
+                <a:cs typeface="+mn-cs"/>
+              </a:defRPr>
+            </a:lvl8pPr>
+            <a:lvl9pPr marL="3657600" indent="0" algn="ctr" defTabSz="914400" rtl="0" eaLnBrk="1" latinLnBrk="0" hangingPunct="1">
+              <a:spcBef>
+                <a:spcPct val="20000"/>
+              </a:spcBef>
+              <a:buFont typeface="Arial" pitchFamily="34" charset="0"/>
+              <a:buNone/>
+              <a:defRPr sz="2000" kern="1200">
+                <a:solidFill>
+                  <a:schemeClr val="tx1">
+                    <a:tint val="75000"/>
+                  </a:schemeClr>
+                </a:solidFill>
+                <a:latin typeface="+mn-lt"/>
+                <a:ea typeface="+mn-ea"/>
+                <a:cs typeface="+mn-cs"/>
+              </a:defRPr>
+            </a:lvl9pPr>
+          </a:lstStyle>
+          <a:p>
+            <a:pPr algn="ctr"/>
+            <a:r>
+              <a:rPr lang="en-US" sz="3200" dirty="0"/>
+              <a:t>For long lived linking: </a:t>
+            </a:r>
+            <a:r>
+              <a:rPr lang="en-US" sz="3200" dirty="0">
+                <a:hlinkClick r:id="rId3" action="ppaction://hlinkfile"/>
+              </a:rPr>
+              <a:t>dotutils.net/</a:t>
+            </a:r>
+            <a:r>
+              <a:rPr lang="en-US" sz="3200" dirty="0" err="1">
+                <a:hlinkClick r:id="rId3" action="ppaction://hlinkfile"/>
+              </a:rPr>
+              <a:t>wug</a:t>
+            </a:r>
+            <a:r>
+              <a:rPr lang="en-US" sz="3200" dirty="0">
+                <a:hlinkClick r:id="rId3" action="ppaction://hlinkfile"/>
+              </a:rPr>
+              <a:t>-talk-securing-</a:t>
+            </a:r>
+            <a:r>
+              <a:rPr lang="en-US" sz="3200" dirty="0" err="1">
+                <a:hlinkClick r:id="rId3" action="ppaction://hlinkfile"/>
+              </a:rPr>
+              <a:t>msbuild</a:t>
+            </a:r>
+            <a:endParaRPr lang="en-US" sz="3200" dirty="0"/>
+          </a:p>
+        </p:txBody>
+      </p:sp>
     </p:spTree>
     <p:extLst>
       <p:ext uri="{BB962C8B-B14F-4D97-AF65-F5344CB8AC3E}">
-        <p14:creationId xmlns:p14="http://schemas.microsoft.com/office/powerpoint/2010/main" val="2668924580"/>
+        <p14:creationId xmlns:p14="http://schemas.microsoft.com/office/powerpoint/2010/main" val="2933133780"/>
       </p:ext>
     </p:extLst>
   </p:cSld>
@@ -5532,13 +7981,13 @@
         </p:spPr>
         <p:txBody>
           <a:bodyPr>
-            <a:normAutofit fontScale="90000"/>
+            <a:normAutofit/>
           </a:bodyPr>
           <a:lstStyle/>
           <a:p>
             <a:r>
               <a:rPr lang="en-US" dirty="0"/>
-              <a:t>Materials</a:t>
+              <a:t>Agenda</a:t>
             </a:r>
           </a:p>
         </p:txBody>
@@ -5561,7 +8010,7 @@
         </p:nvSpPr>
         <p:spPr>
           <a:xfrm>
-            <a:off x="886691" y="1496292"/>
+            <a:off x="834736" y="1496292"/>
             <a:ext cx="10522527" cy="4357254"/>
           </a:xfrm>
         </p:spPr>
@@ -5569,30 +8018,41 @@
           <a:bodyPr/>
           <a:lstStyle/>
           <a:p>
-            <a:endParaRPr lang="en-US" sz="4800" dirty="0">
-              <a:hlinkClick r:id="rId2"/>
-            </a:endParaRPr>
-          </a:p>
-          <a:p>
-            <a:r>
-              <a:rPr lang="en-US" sz="4800" dirty="0">
-                <a:hlinkClick r:id="rId2"/>
-              </a:rPr>
-              <a:t>dotutils.net/</a:t>
-            </a:r>
-            <a:r>
-              <a:rPr lang="en-US" sz="4800" dirty="0" err="1">
-                <a:hlinkClick r:id="rId2"/>
-              </a:rPr>
-              <a:t>wug</a:t>
-            </a:r>
-            <a:r>
-              <a:rPr lang="en-US" sz="4800" dirty="0">
-                <a:hlinkClick r:id="rId2"/>
-              </a:rPr>
-              <a:t>-talk</a:t>
-            </a:r>
-            <a:endParaRPr lang="en-US" sz="4800" dirty="0"/>
+            <a:pPr marL="342900" indent="-342900" algn="l">
+              <a:buFont typeface="Arial" panose="020B0604020202020204" pitchFamily="34" charset="0"/>
+              <a:buChar char="•"/>
+            </a:pPr>
+            <a:r>
+              <a:rPr lang="en-US" dirty="0"/>
+              <a:t>MSBuild intro</a:t>
+            </a:r>
+          </a:p>
+          <a:p>
+            <a:pPr marL="342900" indent="-342900" algn="l">
+              <a:buFont typeface="Arial" panose="020B0604020202020204" pitchFamily="34" charset="0"/>
+              <a:buChar char="•"/>
+            </a:pPr>
+            <a:r>
+              <a:rPr lang="en-US" dirty="0"/>
+              <a:t>Extendibility intro</a:t>
+            </a:r>
+          </a:p>
+          <a:p>
+            <a:pPr marL="342900" indent="-342900" algn="l">
+              <a:buFont typeface="Arial" panose="020B0604020202020204" pitchFamily="34" charset="0"/>
+              <a:buChar char="•"/>
+            </a:pPr>
+            <a:r>
+              <a:rPr lang="en-US" dirty="0"/>
+              <a:t>Use cases of extending and prevention</a:t>
+            </a:r>
+          </a:p>
+          <a:p>
+            <a:pPr marL="342900" indent="-342900" algn="l">
+              <a:buFont typeface="Arial" panose="020B0604020202020204" pitchFamily="34" charset="0"/>
+              <a:buChar char="•"/>
+            </a:pPr>
+            <a:endParaRPr lang="en-US" dirty="0"/>
           </a:p>
         </p:txBody>
       </p:sp>
@@ -5790,70 +8250,10 @@
           </a:p>
         </p:txBody>
       </p:sp>
-      <p:sp>
-        <p:nvSpPr>
-          <p:cNvPr id="5" name="TextBox 4">
-            <a:extLst>
-              <a:ext uri="{FF2B5EF4-FFF2-40B4-BE49-F238E27FC236}">
-                <a16:creationId xmlns:a16="http://schemas.microsoft.com/office/drawing/2014/main" id="{5229A3F6-0F9A-CF23-FCAB-431751CA5B07}"/>
-              </a:ext>
-            </a:extLst>
-          </p:cNvPr>
-          <p:cNvSpPr txBox="1"/>
-          <p:nvPr/>
-        </p:nvSpPr>
-        <p:spPr>
-          <a:xfrm>
-            <a:off x="2277035" y="5307106"/>
-            <a:ext cx="8641977" cy="369332"/>
-          </a:xfrm>
-          <a:prstGeom prst="rect">
-            <a:avLst/>
-          </a:prstGeom>
-          <a:noFill/>
-        </p:spPr>
-        <p:txBody>
-          <a:bodyPr wrap="square" rtlCol="0">
-            <a:spAutoFit/>
-          </a:bodyPr>
-          <a:lstStyle/>
-          <a:p>
-            <a:r>
-              <a:rPr lang="en-US" dirty="0"/>
-              <a:t>Long lived link: </a:t>
-            </a:r>
-            <a:r>
-              <a:rPr lang="en-US" dirty="0">
-                <a:hlinkClick r:id="rId3" action="ppaction://hlinkfile"/>
-              </a:rPr>
-              <a:t>dotutils.net/</a:t>
-            </a:r>
-            <a:r>
-              <a:rPr lang="en-US" dirty="0" err="1">
-                <a:hlinkClick r:id="rId3" action="ppaction://hlinkfile"/>
-              </a:rPr>
-              <a:t>wug</a:t>
-            </a:r>
-            <a:r>
-              <a:rPr lang="en-US" dirty="0">
-                <a:hlinkClick r:id="rId3" action="ppaction://hlinkfile"/>
-              </a:rPr>
-              <a:t>-talk-securing-</a:t>
-            </a:r>
-            <a:r>
-              <a:rPr lang="en-US" dirty="0" err="1">
-                <a:hlinkClick r:id="rId3" action="ppaction://hlinkfile"/>
-              </a:rPr>
-              <a:t>msbuild</a:t>
-            </a:r>
-            <a:endParaRPr lang="en-US" dirty="0"/>
-          </a:p>
-        </p:txBody>
-      </p:sp>
     </p:spTree>
     <p:extLst>
       <p:ext uri="{BB962C8B-B14F-4D97-AF65-F5344CB8AC3E}">
-        <p14:creationId xmlns:p14="http://schemas.microsoft.com/office/powerpoint/2010/main" val="2933133780"/>
+        <p14:creationId xmlns:p14="http://schemas.microsoft.com/office/powerpoint/2010/main" val="2668924580"/>
       </p:ext>
     </p:extLst>
   </p:cSld>
@@ -6210,12 +8610,8 @@
           <a:p>
             <a:pPr lvl="1"/>
             <a:r>
-              <a:rPr lang="en-US" dirty="0" err="1"/>
-              <a:t>Autodiscovered</a:t>
-            </a:r>
-            <a:r>
-              <a:rPr lang="en-US" dirty="0"/>
-              <a:t> imports (</a:t>
+              <a:rPr lang="en-US" dirty="0"/>
+              <a:t>Auto-discovered imports (</a:t>
             </a:r>
             <a:r>
               <a:rPr lang="en-US" dirty="0" err="1"/>
@@ -6314,7 +8710,7 @@
         <p:spPr/>
         <p:txBody>
           <a:bodyPr>
-            <a:normAutofit/>
+            <a:normAutofit fontScale="90000"/>
           </a:bodyPr>
           <a:lstStyle/>
           <a:p>
@@ -6414,6 +8810,19 @@
               <a:rPr lang="en-US" dirty="0"/>
               <a:t>Prevention: Operate only on trusted code</a:t>
             </a:r>
+          </a:p>
+          <a:p>
+            <a:r>
+              <a:rPr lang="en-US" dirty="0"/>
+              <a:t>Configure </a:t>
+            </a:r>
+            <a:r>
+              <a:rPr lang="en-US" dirty="0">
+                <a:hlinkClick r:id="rId4"/>
+              </a:rPr>
+              <a:t>Trust Settings</a:t>
+            </a:r>
+            <a:endParaRPr lang="en-US" dirty="0"/>
           </a:p>
           <a:p>
             <a:r>
@@ -6561,7 +8970,7 @@
           <p:nvPr/>
         </p:nvPicPr>
         <p:blipFill>
-          <a:blip r:embed="rId4">
+          <a:blip r:embed="rId5">
             <a:extLst>
               <a:ext uri="{28A0092B-C50C-407E-A947-70E740481C1C}">
                 <a14:useLocalDpi xmlns:a14="http://schemas.microsoft.com/office/drawing/2010/main" val="0"/>
@@ -6575,7 +8984,7 @@
         </p:blipFill>
         <p:spPr bwMode="auto">
           <a:xfrm>
-            <a:off x="9000836" y="5368636"/>
+            <a:off x="8873836" y="5639569"/>
             <a:ext cx="476250" cy="476250"/>
           </a:xfrm>
           <a:prstGeom prst="rect">
@@ -6708,6 +9117,9 @@
             <a:endParaRPr lang="en-US" dirty="0"/>
           </a:p>
           <a:p>
+            <a:endParaRPr lang="en-US" dirty="0"/>
+          </a:p>
+          <a:p>
             <a:r>
               <a:rPr lang="en-US" dirty="0"/>
               <a:t>Prevention: </a:t>
@@ -6833,7 +9245,7 @@
           <a:p>
             <a:r>
               <a:rPr lang="en-US" dirty="0" err="1">
-                <a:hlinkClick r:id="rId2"/>
+                <a:hlinkClick r:id="rId3"/>
               </a:rPr>
               <a:t>ProjectCachePlugin</a:t>
             </a:r>
@@ -6867,6 +9279,251 @@
 </file>
 
 <file path=ppt/theme/theme1.xml><?xml version="1.0" encoding="utf-8"?>
+<a:theme xmlns:a="http://schemas.openxmlformats.org/drawingml/2006/main" name="Gopas 1  (3 barvy)">
+  <a:themeElements>
+    <a:clrScheme name="WUG">
+      <a:dk1>
+        <a:sysClr val="windowText" lastClr="000000"/>
+      </a:dk1>
+      <a:lt1>
+        <a:sysClr val="window" lastClr="FFFFFF"/>
+      </a:lt1>
+      <a:dk2>
+        <a:srgbClr val="163C7D"/>
+      </a:dk2>
+      <a:lt2>
+        <a:srgbClr val="FFFFFF"/>
+      </a:lt2>
+      <a:accent1>
+        <a:srgbClr val="5E98D1"/>
+      </a:accent1>
+      <a:accent2>
+        <a:srgbClr val="FDCB00"/>
+      </a:accent2>
+      <a:accent3>
+        <a:srgbClr val="ED7539"/>
+      </a:accent3>
+      <a:accent4>
+        <a:srgbClr val="E50046"/>
+      </a:accent4>
+      <a:accent5>
+        <a:srgbClr val="C8D400"/>
+      </a:accent5>
+      <a:accent6>
+        <a:srgbClr val="EA5297"/>
+      </a:accent6>
+      <a:hlink>
+        <a:srgbClr val="1E326C"/>
+      </a:hlink>
+      <a:folHlink>
+        <a:srgbClr val="1E326C"/>
+      </a:folHlink>
+    </a:clrScheme>
+    <a:fontScheme name="Gopas">
+      <a:majorFont>
+        <a:latin typeface="Arial"/>
+        <a:ea typeface=""/>
+        <a:cs typeface=""/>
+      </a:majorFont>
+      <a:minorFont>
+        <a:latin typeface="Arial"/>
+        <a:ea typeface=""/>
+        <a:cs typeface=""/>
+      </a:minorFont>
+    </a:fontScheme>
+    <a:fmtScheme name="Kancelář">
+      <a:fillStyleLst>
+        <a:solidFill>
+          <a:schemeClr val="phClr"/>
+        </a:solidFill>
+        <a:gradFill rotWithShape="1">
+          <a:gsLst>
+            <a:gs pos="0">
+              <a:schemeClr val="phClr">
+                <a:tint val="50000"/>
+                <a:satMod val="300000"/>
+              </a:schemeClr>
+            </a:gs>
+            <a:gs pos="35000">
+              <a:schemeClr val="phClr">
+                <a:tint val="37000"/>
+                <a:satMod val="300000"/>
+              </a:schemeClr>
+            </a:gs>
+            <a:gs pos="100000">
+              <a:schemeClr val="phClr">
+                <a:tint val="15000"/>
+                <a:satMod val="350000"/>
+              </a:schemeClr>
+            </a:gs>
+          </a:gsLst>
+          <a:lin ang="16200000" scaled="1"/>
+        </a:gradFill>
+        <a:gradFill rotWithShape="1">
+          <a:gsLst>
+            <a:gs pos="0">
+              <a:schemeClr val="phClr">
+                <a:shade val="51000"/>
+                <a:satMod val="130000"/>
+              </a:schemeClr>
+            </a:gs>
+            <a:gs pos="80000">
+              <a:schemeClr val="phClr">
+                <a:shade val="93000"/>
+                <a:satMod val="130000"/>
+              </a:schemeClr>
+            </a:gs>
+            <a:gs pos="100000">
+              <a:schemeClr val="phClr">
+                <a:shade val="94000"/>
+                <a:satMod val="135000"/>
+              </a:schemeClr>
+            </a:gs>
+          </a:gsLst>
+          <a:lin ang="16200000" scaled="0"/>
+        </a:gradFill>
+      </a:fillStyleLst>
+      <a:lnStyleLst>
+        <a:ln w="9525" cap="flat" cmpd="sng" algn="ctr">
+          <a:solidFill>
+            <a:schemeClr val="phClr">
+              <a:shade val="95000"/>
+              <a:satMod val="105000"/>
+            </a:schemeClr>
+          </a:solidFill>
+          <a:prstDash val="solid"/>
+        </a:ln>
+        <a:ln w="25400" cap="flat" cmpd="sng" algn="ctr">
+          <a:solidFill>
+            <a:schemeClr val="phClr"/>
+          </a:solidFill>
+          <a:prstDash val="solid"/>
+        </a:ln>
+        <a:ln w="38100" cap="flat" cmpd="sng" algn="ctr">
+          <a:solidFill>
+            <a:schemeClr val="phClr"/>
+          </a:solidFill>
+          <a:prstDash val="solid"/>
+        </a:ln>
+      </a:lnStyleLst>
+      <a:effectStyleLst>
+        <a:effectStyle>
+          <a:effectLst>
+            <a:outerShdw blurRad="40000" dist="20000" dir="5400000" rotWithShape="0">
+              <a:srgbClr val="000000">
+                <a:alpha val="38000"/>
+              </a:srgbClr>
+            </a:outerShdw>
+          </a:effectLst>
+        </a:effectStyle>
+        <a:effectStyle>
+          <a:effectLst>
+            <a:outerShdw blurRad="40000" dist="23000" dir="5400000" rotWithShape="0">
+              <a:srgbClr val="000000">
+                <a:alpha val="35000"/>
+              </a:srgbClr>
+            </a:outerShdw>
+          </a:effectLst>
+        </a:effectStyle>
+        <a:effectStyle>
+          <a:effectLst>
+            <a:outerShdw blurRad="40000" dist="23000" dir="5400000" rotWithShape="0">
+              <a:srgbClr val="000000">
+                <a:alpha val="35000"/>
+              </a:srgbClr>
+            </a:outerShdw>
+          </a:effectLst>
+          <a:scene3d>
+            <a:camera prst="orthographicFront">
+              <a:rot lat="0" lon="0" rev="0"/>
+            </a:camera>
+            <a:lightRig rig="threePt" dir="t">
+              <a:rot lat="0" lon="0" rev="1200000"/>
+            </a:lightRig>
+          </a:scene3d>
+          <a:sp3d>
+            <a:bevelT w="63500" h="25400"/>
+          </a:sp3d>
+        </a:effectStyle>
+      </a:effectStyleLst>
+      <a:bgFillStyleLst>
+        <a:solidFill>
+          <a:schemeClr val="phClr"/>
+        </a:solidFill>
+        <a:gradFill rotWithShape="1">
+          <a:gsLst>
+            <a:gs pos="0">
+              <a:schemeClr val="phClr">
+                <a:tint val="40000"/>
+                <a:satMod val="350000"/>
+              </a:schemeClr>
+            </a:gs>
+            <a:gs pos="40000">
+              <a:schemeClr val="phClr">
+                <a:tint val="45000"/>
+                <a:shade val="99000"/>
+                <a:satMod val="350000"/>
+              </a:schemeClr>
+            </a:gs>
+            <a:gs pos="100000">
+              <a:schemeClr val="phClr">
+                <a:shade val="20000"/>
+                <a:satMod val="255000"/>
+              </a:schemeClr>
+            </a:gs>
+          </a:gsLst>
+          <a:path path="circle">
+            <a:fillToRect l="50000" t="-80000" r="50000" b="180000"/>
+          </a:path>
+        </a:gradFill>
+        <a:gradFill rotWithShape="1">
+          <a:gsLst>
+            <a:gs pos="0">
+              <a:schemeClr val="phClr">
+                <a:tint val="80000"/>
+                <a:satMod val="300000"/>
+              </a:schemeClr>
+            </a:gs>
+            <a:gs pos="100000">
+              <a:schemeClr val="phClr">
+                <a:shade val="30000"/>
+                <a:satMod val="200000"/>
+              </a:schemeClr>
+            </a:gs>
+          </a:gsLst>
+          <a:path path="circle">
+            <a:fillToRect l="50000" t="50000" r="50000" b="50000"/>
+          </a:path>
+        </a:gradFill>
+      </a:bgFillStyleLst>
+    </a:fmtScheme>
+  </a:themeElements>
+  <a:objectDefaults>
+    <a:spDef>
+      <a:spPr/>
+      <a:bodyPr/>
+      <a:lstStyle/>
+      <a:style>
+        <a:lnRef idx="2">
+          <a:schemeClr val="accent1"/>
+        </a:lnRef>
+        <a:fillRef idx="1">
+          <a:schemeClr val="lt1"/>
+        </a:fillRef>
+        <a:effectRef idx="0">
+          <a:schemeClr val="accent1"/>
+        </a:effectRef>
+        <a:fontRef idx="minor">
+          <a:schemeClr val="dk1"/>
+        </a:fontRef>
+      </a:style>
+    </a:spDef>
+  </a:objectDefaults>
+  <a:extraClrSchemeLst/>
+</a:theme>
+</file>
+
+<file path=ppt/theme/theme2.xml><?xml version="1.0" encoding="utf-8"?>
 <a:theme xmlns:a="http://schemas.openxmlformats.org/drawingml/2006/main" name="Office Theme">
   <a:themeElements>
     <a:clrScheme name="Office">
@@ -6877,44 +9534,44 @@
         <a:sysClr val="window" lastClr="FFFFFF"/>
       </a:lt1>
       <a:dk2>
-        <a:srgbClr val="0E2841"/>
+        <a:srgbClr val="44546A"/>
       </a:dk2>
       <a:lt2>
-        <a:srgbClr val="E8E8E8"/>
+        <a:srgbClr val="E7E6E6"/>
       </a:lt2>
       <a:accent1>
-        <a:srgbClr val="156082"/>
+        <a:srgbClr val="5B9BD5"/>
       </a:accent1>
       <a:accent2>
-        <a:srgbClr val="E97132"/>
+        <a:srgbClr val="ED7D31"/>
       </a:accent2>
       <a:accent3>
-        <a:srgbClr val="196B24"/>
+        <a:srgbClr val="A5A5A5"/>
       </a:accent3>
       <a:accent4>
-        <a:srgbClr val="0F9ED5"/>
+        <a:srgbClr val="FFC000"/>
       </a:accent4>
       <a:accent5>
-        <a:srgbClr val="A02B93"/>
+        <a:srgbClr val="4472C4"/>
       </a:accent5>
       <a:accent6>
-        <a:srgbClr val="4EA72E"/>
+        <a:srgbClr val="70AD47"/>
       </a:accent6>
       <a:hlink>
-        <a:srgbClr val="467886"/>
+        <a:srgbClr val="0563C1"/>
       </a:hlink>
       <a:folHlink>
-        <a:srgbClr val="96607D"/>
+        <a:srgbClr val="954F72"/>
       </a:folHlink>
     </a:clrScheme>
     <a:fontScheme name="Office">
       <a:majorFont>
-        <a:latin typeface="Aptos Display" panose="02110004020202020204"/>
+        <a:latin typeface="Calibri Light" panose="020F0302020204030204"/>
         <a:ea typeface=""/>
         <a:cs typeface=""/>
-        <a:font script="Jpan" typeface="游ゴシック Light"/>
+        <a:font script="Jpan" typeface="ＭＳ Ｐゴシック"/>
         <a:font script="Hang" typeface="맑은 고딕"/>
-        <a:font script="Hans" typeface="等线 Light"/>
+        <a:font script="Hans" typeface="宋体"/>
         <a:font script="Hant" typeface="新細明體"/>
         <a:font script="Arab" typeface="Times New Roman"/>
         <a:font script="Hebr" typeface="Times New Roman"/>
@@ -6942,31 +9599,14 @@
         <a:font script="Viet" typeface="Times New Roman"/>
         <a:font script="Uigh" typeface="Microsoft Uighur"/>
         <a:font script="Geor" typeface="Sylfaen"/>
-        <a:font script="Armn" typeface="Arial"/>
-        <a:font script="Bugi" typeface="Leelawadee UI"/>
-        <a:font script="Bopo" typeface="Microsoft JhengHei"/>
-        <a:font script="Java" typeface="Javanese Text"/>
-        <a:font script="Lisu" typeface="Segoe UI"/>
-        <a:font script="Mymr" typeface="Myanmar Text"/>
-        <a:font script="Nkoo" typeface="Ebrima"/>
-        <a:font script="Olck" typeface="Nirmala UI"/>
-        <a:font script="Osma" typeface="Ebrima"/>
-        <a:font script="Phag" typeface="Phagspa"/>
-        <a:font script="Syrn" typeface="Estrangelo Edessa"/>
-        <a:font script="Syrj" typeface="Estrangelo Edessa"/>
-        <a:font script="Syre" typeface="Estrangelo Edessa"/>
-        <a:font script="Sora" typeface="Nirmala UI"/>
-        <a:font script="Tale" typeface="Microsoft Tai Le"/>
-        <a:font script="Talu" typeface="Microsoft New Tai Lue"/>
-        <a:font script="Tfng" typeface="Ebrima"/>
       </a:majorFont>
       <a:minorFont>
-        <a:latin typeface="Aptos" panose="02110004020202020204"/>
+        <a:latin typeface="Calibri" panose="020F0502020204030204"/>
         <a:ea typeface=""/>
         <a:cs typeface=""/>
-        <a:font script="Jpan" typeface="游ゴシック"/>
+        <a:font script="Jpan" typeface="ＭＳ Ｐゴシック"/>
         <a:font script="Hang" typeface="맑은 고딕"/>
-        <a:font script="Hans" typeface="等线"/>
+        <a:font script="Hans" typeface="宋体"/>
         <a:font script="Hant" typeface="新細明體"/>
         <a:font script="Arab" typeface="Arial"/>
         <a:font script="Hebr" typeface="Arial"/>
@@ -6994,23 +9634,6 @@
         <a:font script="Viet" typeface="Arial"/>
         <a:font script="Uigh" typeface="Microsoft Uighur"/>
         <a:font script="Geor" typeface="Sylfaen"/>
-        <a:font script="Armn" typeface="Arial"/>
-        <a:font script="Bugi" typeface="Leelawadee UI"/>
-        <a:font script="Bopo" typeface="Microsoft JhengHei"/>
-        <a:font script="Java" typeface="Javanese Text"/>
-        <a:font script="Lisu" typeface="Segoe UI"/>
-        <a:font script="Mymr" typeface="Myanmar Text"/>
-        <a:font script="Nkoo" typeface="Ebrima"/>
-        <a:font script="Olck" typeface="Nirmala UI"/>
-        <a:font script="Osma" typeface="Ebrima"/>
-        <a:font script="Phag" typeface="Phagspa"/>
-        <a:font script="Syrn" typeface="Estrangelo Edessa"/>
-        <a:font script="Syrj" typeface="Estrangelo Edessa"/>
-        <a:font script="Syre" typeface="Estrangelo Edessa"/>
-        <a:font script="Sora" typeface="Nirmala UI"/>
-        <a:font script="Tale" typeface="Microsoft Tai Le"/>
-        <a:font script="Talu" typeface="Microsoft New Tai Lue"/>
-        <a:font script="Tfng" typeface="Ebrima"/>
       </a:minorFont>
     </a:fontScheme>
     <a:fmtScheme name="Office">
@@ -7072,6 +9695,13 @@
         </a:gradFill>
       </a:fillStyleLst>
       <a:lnStyleLst>
+        <a:ln w="6350" cap="flat" cmpd="sng" algn="ctr">
+          <a:solidFill>
+            <a:schemeClr val="phClr"/>
+          </a:solidFill>
+          <a:prstDash val="solid"/>
+          <a:miter lim="800000"/>
+        </a:ln>
         <a:ln w="12700" cap="flat" cmpd="sng" algn="ctr">
           <a:solidFill>
             <a:schemeClr val="phClr"/>
@@ -7080,13 +9710,6 @@
           <a:miter lim="800000"/>
         </a:ln>
         <a:ln w="19050" cap="flat" cmpd="sng" algn="ctr">
-          <a:solidFill>
-            <a:schemeClr val="phClr"/>
-          </a:solidFill>
-          <a:prstDash val="solid"/>
-          <a:miter lim="800000"/>
-        </a:ln>
-        <a:ln w="25400" cap="flat" cmpd="sng" algn="ctr">
           <a:solidFill>
             <a:schemeClr val="phClr"/>
           </a:solidFill>
@@ -7151,346 +9774,11 @@
       </a:bgFillStyleLst>
     </a:fmtScheme>
   </a:themeElements>
-  <a:objectDefaults>
-    <a:lnDef>
-      <a:spPr/>
-      <a:bodyPr/>
-      <a:lstStyle/>
-      <a:style>
-        <a:lnRef idx="2">
-          <a:schemeClr val="accent1"/>
-        </a:lnRef>
-        <a:fillRef idx="0">
-          <a:schemeClr val="accent1"/>
-        </a:fillRef>
-        <a:effectRef idx="1">
-          <a:schemeClr val="accent1"/>
-        </a:effectRef>
-        <a:fontRef idx="minor">
-          <a:schemeClr val="tx1"/>
-        </a:fontRef>
-      </a:style>
-    </a:lnDef>
-  </a:objectDefaults>
+  <a:objectDefaults/>
   <a:extraClrSchemeLst/>
   <a:extLst>
     <a:ext uri="{05A4C25C-085E-4340-85A3-A5531E510DB2}">
-      <thm15:themeFamily xmlns:thm15="http://schemas.microsoft.com/office/thememl/2012/main" name="Office Theme" id="{2E142A2C-CD16-42D6-873A-C26D2A0506FA}" vid="{1BDDFF52-6CD6-40A5-AB3C-68EB2F1E4D0A}"/>
-    </a:ext>
-  </a:extLst>
-</a:theme>
-</file>
-
-<file path=ppt/theme/theme2.xml><?xml version="1.0" encoding="utf-8"?>
-<a:theme xmlns:a="http://schemas.openxmlformats.org/drawingml/2006/main" name="Office Theme">
-  <a:themeElements>
-    <a:clrScheme name="Office">
-      <a:dk1>
-        <a:sysClr val="windowText" lastClr="000000"/>
-      </a:dk1>
-      <a:lt1>
-        <a:sysClr val="window" lastClr="FFFFFF"/>
-      </a:lt1>
-      <a:dk2>
-        <a:srgbClr val="0E2841"/>
-      </a:dk2>
-      <a:lt2>
-        <a:srgbClr val="E8E8E8"/>
-      </a:lt2>
-      <a:accent1>
-        <a:srgbClr val="156082"/>
-      </a:accent1>
-      <a:accent2>
-        <a:srgbClr val="E97132"/>
-      </a:accent2>
-      <a:accent3>
-        <a:srgbClr val="196B24"/>
-      </a:accent3>
-      <a:accent4>
-        <a:srgbClr val="0F9ED5"/>
-      </a:accent4>
-      <a:accent5>
-        <a:srgbClr val="A02B93"/>
-      </a:accent5>
-      <a:accent6>
-        <a:srgbClr val="4EA72E"/>
-      </a:accent6>
-      <a:hlink>
-        <a:srgbClr val="467886"/>
-      </a:hlink>
-      <a:folHlink>
-        <a:srgbClr val="96607D"/>
-      </a:folHlink>
-    </a:clrScheme>
-    <a:fontScheme name="Office">
-      <a:majorFont>
-        <a:latin typeface="Aptos Display" panose="02110004020202020204"/>
-        <a:ea typeface=""/>
-        <a:cs typeface=""/>
-        <a:font script="Jpan" typeface="游ゴシック Light"/>
-        <a:font script="Hang" typeface="맑은 고딕"/>
-        <a:font script="Hans" typeface="等线 Light"/>
-        <a:font script="Hant" typeface="新細明體"/>
-        <a:font script="Arab" typeface="Times New Roman"/>
-        <a:font script="Hebr" typeface="Times New Roman"/>
-        <a:font script="Thai" typeface="Angsana New"/>
-        <a:font script="Ethi" typeface="Nyala"/>
-        <a:font script="Beng" typeface="Vrinda"/>
-        <a:font script="Gujr" typeface="Shruti"/>
-        <a:font script="Khmr" typeface="MoolBoran"/>
-        <a:font script="Knda" typeface="Tunga"/>
-        <a:font script="Guru" typeface="Raavi"/>
-        <a:font script="Cans" typeface="Euphemia"/>
-        <a:font script="Cher" typeface="Plantagenet Cherokee"/>
-        <a:font script="Yiii" typeface="Microsoft Yi Baiti"/>
-        <a:font script="Tibt" typeface="Microsoft Himalaya"/>
-        <a:font script="Thaa" typeface="MV Boli"/>
-        <a:font script="Deva" typeface="Mangal"/>
-        <a:font script="Telu" typeface="Gautami"/>
-        <a:font script="Taml" typeface="Latha"/>
-        <a:font script="Syrc" typeface="Estrangelo Edessa"/>
-        <a:font script="Orya" typeface="Kalinga"/>
-        <a:font script="Mlym" typeface="Kartika"/>
-        <a:font script="Laoo" typeface="DokChampa"/>
-        <a:font script="Sinh" typeface="Iskoola Pota"/>
-        <a:font script="Mong" typeface="Mongolian Baiti"/>
-        <a:font script="Viet" typeface="Times New Roman"/>
-        <a:font script="Uigh" typeface="Microsoft Uighur"/>
-        <a:font script="Geor" typeface="Sylfaen"/>
-        <a:font script="Armn" typeface="Arial"/>
-        <a:font script="Bugi" typeface="Leelawadee UI"/>
-        <a:font script="Bopo" typeface="Microsoft JhengHei"/>
-        <a:font script="Java" typeface="Javanese Text"/>
-        <a:font script="Lisu" typeface="Segoe UI"/>
-        <a:font script="Mymr" typeface="Myanmar Text"/>
-        <a:font script="Nkoo" typeface="Ebrima"/>
-        <a:font script="Olck" typeface="Nirmala UI"/>
-        <a:font script="Osma" typeface="Ebrima"/>
-        <a:font script="Phag" typeface="Phagspa"/>
-        <a:font script="Syrn" typeface="Estrangelo Edessa"/>
-        <a:font script="Syrj" typeface="Estrangelo Edessa"/>
-        <a:font script="Syre" typeface="Estrangelo Edessa"/>
-        <a:font script="Sora" typeface="Nirmala UI"/>
-        <a:font script="Tale" typeface="Microsoft Tai Le"/>
-        <a:font script="Talu" typeface="Microsoft New Tai Lue"/>
-        <a:font script="Tfng" typeface="Ebrima"/>
-      </a:majorFont>
-      <a:minorFont>
-        <a:latin typeface="Aptos" panose="02110004020202020204"/>
-        <a:ea typeface=""/>
-        <a:cs typeface=""/>
-        <a:font script="Jpan" typeface="游ゴシック"/>
-        <a:font script="Hang" typeface="맑은 고딕"/>
-        <a:font script="Hans" typeface="等线"/>
-        <a:font script="Hant" typeface="新細明體"/>
-        <a:font script="Arab" typeface="Arial"/>
-        <a:font script="Hebr" typeface="Arial"/>
-        <a:font script="Thai" typeface="Cordia New"/>
-        <a:font script="Ethi" typeface="Nyala"/>
-        <a:font script="Beng" typeface="Vrinda"/>
-        <a:font script="Gujr" typeface="Shruti"/>
-        <a:font script="Khmr" typeface="DaunPenh"/>
-        <a:font script="Knda" typeface="Tunga"/>
-        <a:font script="Guru" typeface="Raavi"/>
-        <a:font script="Cans" typeface="Euphemia"/>
-        <a:font script="Cher" typeface="Plantagenet Cherokee"/>
-        <a:font script="Yiii" typeface="Microsoft Yi Baiti"/>
-        <a:font script="Tibt" typeface="Microsoft Himalaya"/>
-        <a:font script="Thaa" typeface="MV Boli"/>
-        <a:font script="Deva" typeface="Mangal"/>
-        <a:font script="Telu" typeface="Gautami"/>
-        <a:font script="Taml" typeface="Latha"/>
-        <a:font script="Syrc" typeface="Estrangelo Edessa"/>
-        <a:font script="Orya" typeface="Kalinga"/>
-        <a:font script="Mlym" typeface="Kartika"/>
-        <a:font script="Laoo" typeface="DokChampa"/>
-        <a:font script="Sinh" typeface="Iskoola Pota"/>
-        <a:font script="Mong" typeface="Mongolian Baiti"/>
-        <a:font script="Viet" typeface="Arial"/>
-        <a:font script="Uigh" typeface="Microsoft Uighur"/>
-        <a:font script="Geor" typeface="Sylfaen"/>
-        <a:font script="Armn" typeface="Arial"/>
-        <a:font script="Bugi" typeface="Leelawadee UI"/>
-        <a:font script="Bopo" typeface="Microsoft JhengHei"/>
-        <a:font script="Java" typeface="Javanese Text"/>
-        <a:font script="Lisu" typeface="Segoe UI"/>
-        <a:font script="Mymr" typeface="Myanmar Text"/>
-        <a:font script="Nkoo" typeface="Ebrima"/>
-        <a:font script="Olck" typeface="Nirmala UI"/>
-        <a:font script="Osma" typeface="Ebrima"/>
-        <a:font script="Phag" typeface="Phagspa"/>
-        <a:font script="Syrn" typeface="Estrangelo Edessa"/>
-        <a:font script="Syrj" typeface="Estrangelo Edessa"/>
-        <a:font script="Syre" typeface="Estrangelo Edessa"/>
-        <a:font script="Sora" typeface="Nirmala UI"/>
-        <a:font script="Tale" typeface="Microsoft Tai Le"/>
-        <a:font script="Talu" typeface="Microsoft New Tai Lue"/>
-        <a:font script="Tfng" typeface="Ebrima"/>
-      </a:minorFont>
-    </a:fontScheme>
-    <a:fmtScheme name="Office">
-      <a:fillStyleLst>
-        <a:solidFill>
-          <a:schemeClr val="phClr"/>
-        </a:solidFill>
-        <a:gradFill rotWithShape="1">
-          <a:gsLst>
-            <a:gs pos="0">
-              <a:schemeClr val="phClr">
-                <a:lumMod val="110000"/>
-                <a:satMod val="105000"/>
-                <a:tint val="67000"/>
-              </a:schemeClr>
-            </a:gs>
-            <a:gs pos="50000">
-              <a:schemeClr val="phClr">
-                <a:lumMod val="105000"/>
-                <a:satMod val="103000"/>
-                <a:tint val="73000"/>
-              </a:schemeClr>
-            </a:gs>
-            <a:gs pos="100000">
-              <a:schemeClr val="phClr">
-                <a:lumMod val="105000"/>
-                <a:satMod val="109000"/>
-                <a:tint val="81000"/>
-              </a:schemeClr>
-            </a:gs>
-          </a:gsLst>
-          <a:lin ang="5400000" scaled="0"/>
-        </a:gradFill>
-        <a:gradFill rotWithShape="1">
-          <a:gsLst>
-            <a:gs pos="0">
-              <a:schemeClr val="phClr">
-                <a:satMod val="103000"/>
-                <a:lumMod val="102000"/>
-                <a:tint val="94000"/>
-              </a:schemeClr>
-            </a:gs>
-            <a:gs pos="50000">
-              <a:schemeClr val="phClr">
-                <a:satMod val="110000"/>
-                <a:lumMod val="100000"/>
-                <a:shade val="100000"/>
-              </a:schemeClr>
-            </a:gs>
-            <a:gs pos="100000">
-              <a:schemeClr val="phClr">
-                <a:lumMod val="99000"/>
-                <a:satMod val="120000"/>
-                <a:shade val="78000"/>
-              </a:schemeClr>
-            </a:gs>
-          </a:gsLst>
-          <a:lin ang="5400000" scaled="0"/>
-        </a:gradFill>
-      </a:fillStyleLst>
-      <a:lnStyleLst>
-        <a:ln w="12700" cap="flat" cmpd="sng" algn="ctr">
-          <a:solidFill>
-            <a:schemeClr val="phClr"/>
-          </a:solidFill>
-          <a:prstDash val="solid"/>
-          <a:miter lim="800000"/>
-        </a:ln>
-        <a:ln w="19050" cap="flat" cmpd="sng" algn="ctr">
-          <a:solidFill>
-            <a:schemeClr val="phClr"/>
-          </a:solidFill>
-          <a:prstDash val="solid"/>
-          <a:miter lim="800000"/>
-        </a:ln>
-        <a:ln w="25400" cap="flat" cmpd="sng" algn="ctr">
-          <a:solidFill>
-            <a:schemeClr val="phClr"/>
-          </a:solidFill>
-          <a:prstDash val="solid"/>
-          <a:miter lim="800000"/>
-        </a:ln>
-      </a:lnStyleLst>
-      <a:effectStyleLst>
-        <a:effectStyle>
-          <a:effectLst/>
-        </a:effectStyle>
-        <a:effectStyle>
-          <a:effectLst/>
-        </a:effectStyle>
-        <a:effectStyle>
-          <a:effectLst>
-            <a:outerShdw blurRad="57150" dist="19050" dir="5400000" algn="ctr" rotWithShape="0">
-              <a:srgbClr val="000000">
-                <a:alpha val="63000"/>
-              </a:srgbClr>
-            </a:outerShdw>
-          </a:effectLst>
-        </a:effectStyle>
-      </a:effectStyleLst>
-      <a:bgFillStyleLst>
-        <a:solidFill>
-          <a:schemeClr val="phClr"/>
-        </a:solidFill>
-        <a:solidFill>
-          <a:schemeClr val="phClr">
-            <a:tint val="95000"/>
-            <a:satMod val="170000"/>
-          </a:schemeClr>
-        </a:solidFill>
-        <a:gradFill rotWithShape="1">
-          <a:gsLst>
-            <a:gs pos="0">
-              <a:schemeClr val="phClr">
-                <a:tint val="93000"/>
-                <a:satMod val="150000"/>
-                <a:shade val="98000"/>
-                <a:lumMod val="102000"/>
-              </a:schemeClr>
-            </a:gs>
-            <a:gs pos="50000">
-              <a:schemeClr val="phClr">
-                <a:tint val="98000"/>
-                <a:satMod val="130000"/>
-                <a:shade val="90000"/>
-                <a:lumMod val="103000"/>
-              </a:schemeClr>
-            </a:gs>
-            <a:gs pos="100000">
-              <a:schemeClr val="phClr">
-                <a:shade val="63000"/>
-                <a:satMod val="120000"/>
-              </a:schemeClr>
-            </a:gs>
-          </a:gsLst>
-          <a:lin ang="5400000" scaled="0"/>
-        </a:gradFill>
-      </a:bgFillStyleLst>
-    </a:fmtScheme>
-  </a:themeElements>
-  <a:objectDefaults>
-    <a:lnDef>
-      <a:spPr/>
-      <a:bodyPr/>
-      <a:lstStyle/>
-      <a:style>
-        <a:lnRef idx="2">
-          <a:schemeClr val="accent1"/>
-        </a:lnRef>
-        <a:fillRef idx="0">
-          <a:schemeClr val="accent1"/>
-        </a:fillRef>
-        <a:effectRef idx="1">
-          <a:schemeClr val="accent1"/>
-        </a:effectRef>
-        <a:fontRef idx="minor">
-          <a:schemeClr val="tx1"/>
-        </a:fontRef>
-      </a:style>
-    </a:lnDef>
-  </a:objectDefaults>
-  <a:extraClrSchemeLst/>
-  <a:extLst>
-    <a:ext uri="{05A4C25C-085E-4340-85A3-A5531E510DB2}">
-      <thm15:themeFamily xmlns:thm15="http://schemas.microsoft.com/office/thememl/2012/main" name="Office Theme" id="{2E142A2C-CD16-42D6-873A-C26D2A0506FA}" vid="{1BDDFF52-6CD6-40A5-AB3C-68EB2F1E4D0A}"/>
+      <thm15:themeFamily xmlns:thm15="http://schemas.microsoft.com/office/thememl/2012/main" name="Office Theme" id="{62F939B6-93AF-4DB8-9C6B-D6C7DFDC589F}" vid="{4A3C46E8-61CC-4603-A589-7422A47A8E4A}"/>
     </a:ext>
   </a:extLst>
 </a:theme>
@@ -7498,6 +9786,6 @@
 
 <file path=docMetadata/LabelInfo.xml><?xml version="1.0" encoding="utf-8"?>
 <clbl:labelList xmlns:clbl="http://schemas.microsoft.com/office/2020/mipLabelMetadata">
-  <clbl:label id="{f42aa342-8706-4288-bd11-ebb85995028c}" enabled="1" method="Standard" siteId="{72f988bf-86f1-41af-91ab-2d7cd011db47}" contentBits="0" removed="0"/>
+  <clbl:label id="{87ba5c36-b7cf-4793-bbc2-bd5b3a9f95ca}" enabled="1" method="Privileged" siteId="{72f988bf-86f1-41af-91ab-2d7cd011db47}" contentBits="0" removed="0"/>
 </clbl:labelList>
 </file>